--- a/AML Project 3.pptx
+++ b/AML Project 3.pptx
@@ -1,42 +1,26 @@
 
 <file path=ppt/presentation.xml><?xml version="1.0" encoding="utf-8"?>
-<p:presentation xmlns:a="http://schemas.openxmlformats.org/drawingml/2006/main" xmlns:r="http://schemas.openxmlformats.org/officeDocument/2006/relationships" xmlns:mc="http://schemas.openxmlformats.org/markup-compatibility/2006" xmlns:mv="urn:schemas-microsoft-com:mac:vml" xmlns:p="http://schemas.openxmlformats.org/presentationml/2006/main" xmlns:c="http://schemas.openxmlformats.org/drawingml/2006/chart" xmlns:dgm="http://schemas.openxmlformats.org/drawingml/2006/diagram" xmlns:o="urn:schemas-microsoft-com:office:office" xmlns:v="urn:schemas-microsoft-com:vml" xmlns:pvml="urn:schemas-microsoft-com:office:powerpoint" xmlns:com="http://schemas.openxmlformats.org/drawingml/2006/compatibility" xmlns:p14="http://schemas.microsoft.com/office/powerpoint/2010/main" xmlns:p15="http://schemas.microsoft.com/office/powerpoint/2012/main" xmlns:ahyp="http://schemas.microsoft.com/office/drawing/2018/hyperlinkcolor" autoCompressPictures="0" embedTrueTypeFonts="1" strictFirstAndLastChars="0" saveSubsetFonts="1">
+<p:presentation xmlns:a="http://schemas.openxmlformats.org/drawingml/2006/main" xmlns:r="http://schemas.openxmlformats.org/officeDocument/2006/relationships" xmlns:p="http://schemas.openxmlformats.org/presentationml/2006/main" xmlns:m="http://schemas.openxmlformats.org/officeDocument/2006/math" xmlns:w="http://schemas.openxmlformats.org/wordprocessingml/2006/main" autoCompressPictures="0" embedTrueTypeFonts="1" saveSubsetFonts="1" strictFirstAndLastChars="0">
   <p:sldMasterIdLst>
-    <p:sldMasterId id="2147483659" r:id="rId4"/>
+    <p:sldMasterId id="2147483648" r:id="rId1"/>
   </p:sldMasterIdLst>
   <p:notesMasterIdLst>
-    <p:notesMasterId r:id="rId5"/>
+    <p:notesMasterId r:id="rId12"/>
   </p:notesMasterIdLst>
   <p:sldIdLst>
-    <p:sldId id="256" r:id="rId6"/>
-    <p:sldId id="257" r:id="rId7"/>
-    <p:sldId id="258" r:id="rId8"/>
-    <p:sldId id="259" r:id="rId9"/>
-    <p:sldId id="260" r:id="rId10"/>
-    <p:sldId id="261" r:id="rId11"/>
-    <p:sldId id="262" r:id="rId12"/>
-    <p:sldId id="263" r:id="rId13"/>
+    <p:sldId id="256" r:id="rId4"/>
+    <p:sldId id="257" r:id="rId5"/>
+    <p:sldId id="258" r:id="rId6"/>
+    <p:sldId id="259" r:id="rId7"/>
+    <p:sldId id="260" r:id="rId8"/>
+    <p:sldId id="261" r:id="rId9"/>
+    <p:sldId id="262" r:id="rId10"/>
+    <p:sldId id="263" r:id="rId11"/>
   </p:sldIdLst>
-  <p:sldSz cy="5143500" cx="9144000"/>
+  <p:sldSz cx="9144000" cy="5143500"/>
   <p:notesSz cx="6858000" cy="9144000"/>
-  <p:embeddedFontLst>
-    <p:embeddedFont>
-      <p:font typeface="Roboto"/>
-      <p:regular r:id="rId14"/>
-      <p:bold r:id="rId15"/>
-      <p:italic r:id="rId16"/>
-      <p:boldItalic r:id="rId17"/>
-    </p:embeddedFont>
-    <p:embeddedFont>
-      <p:font typeface="Merriweather"/>
-      <p:regular r:id="rId18"/>
-      <p:bold r:id="rId19"/>
-      <p:italic r:id="rId20"/>
-      <p:boldItalic r:id="rId21"/>
-    </p:embeddedFont>
-  </p:embeddedFontLst>
   <p:defaultTextStyle>
-    <a:defPPr lvl="0" marR="0" rtl="0" algn="l">
+    <a:defPPr marR="0" lvl="0" algn="l">
       <a:lnSpc>
         <a:spcPct val="100000"/>
       </a:lnSpc>
@@ -47,7 +31,7 @@
         <a:spcPts val="0"/>
       </a:spcAft>
     </a:defPPr>
-    <a:lvl1pPr lvl="0" marR="0" rtl="0" algn="l">
+    <a:lvl1pPr marR="0" lvl="0" algn="l">
       <a:lnSpc>
         <a:spcPct val="100000"/>
       </a:lnSpc>
@@ -61,17 +45,16 @@
         <a:srgbClr val="000000"/>
       </a:buClr>
       <a:buFont typeface="Arial"/>
-      <a:defRPr b="0" i="0" sz="1400" u="none" cap="none" strike="noStrike">
+      <a:defRPr sz="1400" b="0" i="0" u="none" strike="noStrike" cap="none">
         <a:solidFill>
           <a:srgbClr val="000000"/>
         </a:solidFill>
         <a:latin typeface="Arial"/>
         <a:ea typeface="Arial"/>
         <a:cs typeface="Arial"/>
-        <a:sym typeface="Arial"/>
       </a:defRPr>
     </a:lvl1pPr>
-    <a:lvl2pPr lvl="1" marR="0" rtl="0" algn="l">
+    <a:lvl2pPr marR="0" lvl="1" algn="l">
       <a:lnSpc>
         <a:spcPct val="100000"/>
       </a:lnSpc>
@@ -85,17 +68,16 @@
         <a:srgbClr val="000000"/>
       </a:buClr>
       <a:buFont typeface="Arial"/>
-      <a:defRPr b="0" i="0" sz="1400" u="none" cap="none" strike="noStrike">
+      <a:defRPr sz="1400" b="0" i="0" u="none" strike="noStrike" cap="none">
         <a:solidFill>
           <a:srgbClr val="000000"/>
         </a:solidFill>
         <a:latin typeface="Arial"/>
         <a:ea typeface="Arial"/>
         <a:cs typeface="Arial"/>
-        <a:sym typeface="Arial"/>
       </a:defRPr>
     </a:lvl2pPr>
-    <a:lvl3pPr lvl="2" marR="0" rtl="0" algn="l">
+    <a:lvl3pPr marR="0" lvl="2" algn="l">
       <a:lnSpc>
         <a:spcPct val="100000"/>
       </a:lnSpc>
@@ -109,17 +91,16 @@
         <a:srgbClr val="000000"/>
       </a:buClr>
       <a:buFont typeface="Arial"/>
-      <a:defRPr b="0" i="0" sz="1400" u="none" cap="none" strike="noStrike">
+      <a:defRPr sz="1400" b="0" i="0" u="none" strike="noStrike" cap="none">
         <a:solidFill>
           <a:srgbClr val="000000"/>
         </a:solidFill>
         <a:latin typeface="Arial"/>
         <a:ea typeface="Arial"/>
         <a:cs typeface="Arial"/>
-        <a:sym typeface="Arial"/>
       </a:defRPr>
     </a:lvl3pPr>
-    <a:lvl4pPr lvl="3" marR="0" rtl="0" algn="l">
+    <a:lvl4pPr marR="0" lvl="3" algn="l">
       <a:lnSpc>
         <a:spcPct val="100000"/>
       </a:lnSpc>
@@ -133,17 +114,16 @@
         <a:srgbClr val="000000"/>
       </a:buClr>
       <a:buFont typeface="Arial"/>
-      <a:defRPr b="0" i="0" sz="1400" u="none" cap="none" strike="noStrike">
+      <a:defRPr sz="1400" b="0" i="0" u="none" strike="noStrike" cap="none">
         <a:solidFill>
           <a:srgbClr val="000000"/>
         </a:solidFill>
         <a:latin typeface="Arial"/>
         <a:ea typeface="Arial"/>
         <a:cs typeface="Arial"/>
-        <a:sym typeface="Arial"/>
       </a:defRPr>
     </a:lvl4pPr>
-    <a:lvl5pPr lvl="4" marR="0" rtl="0" algn="l">
+    <a:lvl5pPr marR="0" lvl="4" algn="l">
       <a:lnSpc>
         <a:spcPct val="100000"/>
       </a:lnSpc>
@@ -157,17 +137,16 @@
         <a:srgbClr val="000000"/>
       </a:buClr>
       <a:buFont typeface="Arial"/>
-      <a:defRPr b="0" i="0" sz="1400" u="none" cap="none" strike="noStrike">
+      <a:defRPr sz="1400" b="0" i="0" u="none" strike="noStrike" cap="none">
         <a:solidFill>
           <a:srgbClr val="000000"/>
         </a:solidFill>
         <a:latin typeface="Arial"/>
         <a:ea typeface="Arial"/>
         <a:cs typeface="Arial"/>
-        <a:sym typeface="Arial"/>
       </a:defRPr>
     </a:lvl5pPr>
-    <a:lvl6pPr lvl="5" marR="0" rtl="0" algn="l">
+    <a:lvl6pPr marR="0" lvl="5" algn="l">
       <a:lnSpc>
         <a:spcPct val="100000"/>
       </a:lnSpc>
@@ -181,17 +160,16 @@
         <a:srgbClr val="000000"/>
       </a:buClr>
       <a:buFont typeface="Arial"/>
-      <a:defRPr b="0" i="0" sz="1400" u="none" cap="none" strike="noStrike">
+      <a:defRPr sz="1400" b="0" i="0" u="none" strike="noStrike" cap="none">
         <a:solidFill>
           <a:srgbClr val="000000"/>
         </a:solidFill>
         <a:latin typeface="Arial"/>
         <a:ea typeface="Arial"/>
         <a:cs typeface="Arial"/>
-        <a:sym typeface="Arial"/>
       </a:defRPr>
     </a:lvl6pPr>
-    <a:lvl7pPr lvl="6" marR="0" rtl="0" algn="l">
+    <a:lvl7pPr marR="0" lvl="6" algn="l">
       <a:lnSpc>
         <a:spcPct val="100000"/>
       </a:lnSpc>
@@ -205,17 +183,16 @@
         <a:srgbClr val="000000"/>
       </a:buClr>
       <a:buFont typeface="Arial"/>
-      <a:defRPr b="0" i="0" sz="1400" u="none" cap="none" strike="noStrike">
+      <a:defRPr sz="1400" b="0" i="0" u="none" strike="noStrike" cap="none">
         <a:solidFill>
           <a:srgbClr val="000000"/>
         </a:solidFill>
         <a:latin typeface="Arial"/>
         <a:ea typeface="Arial"/>
         <a:cs typeface="Arial"/>
-        <a:sym typeface="Arial"/>
       </a:defRPr>
     </a:lvl7pPr>
-    <a:lvl8pPr lvl="7" marR="0" rtl="0" algn="l">
+    <a:lvl8pPr marR="0" lvl="7" algn="l">
       <a:lnSpc>
         <a:spcPct val="100000"/>
       </a:lnSpc>
@@ -229,17 +206,16 @@
         <a:srgbClr val="000000"/>
       </a:buClr>
       <a:buFont typeface="Arial"/>
-      <a:defRPr b="0" i="0" sz="1400" u="none" cap="none" strike="noStrike">
+      <a:defRPr sz="1400" b="0" i="0" u="none" strike="noStrike" cap="none">
         <a:solidFill>
           <a:srgbClr val="000000"/>
         </a:solidFill>
         <a:latin typeface="Arial"/>
         <a:ea typeface="Arial"/>
         <a:cs typeface="Arial"/>
-        <a:sym typeface="Arial"/>
       </a:defRPr>
     </a:lvl8pPr>
-    <a:lvl9pPr lvl="8" marR="0" rtl="0" algn="l">
+    <a:lvl9pPr marR="0" lvl="8" algn="l">
       <a:lnSpc>
         <a:spcPct val="100000"/>
       </a:lnSpc>
@@ -253,46 +229,29 @@
         <a:srgbClr val="000000"/>
       </a:buClr>
       <a:buFont typeface="Arial"/>
-      <a:defRPr b="0" i="0" sz="1400" u="none" cap="none" strike="noStrike">
+      <a:defRPr sz="1400" b="0" i="0" u="none" strike="noStrike" cap="none">
         <a:solidFill>
           <a:srgbClr val="000000"/>
         </a:solidFill>
         <a:latin typeface="Arial"/>
         <a:ea typeface="Arial"/>
         <a:cs typeface="Arial"/>
-        <a:sym typeface="Arial"/>
       </a:defRPr>
     </a:lvl9pPr>
   </p:defaultTextStyle>
-  <p:extLst>
-    <p:ext uri="{EFAFB233-063F-42B5-8137-9DF3F51BA10A}">
-      <p15:sldGuideLst>
-        <p15:guide id="1" orient="horz" pos="1620">
-          <p15:clr>
-            <a:srgbClr val="747775"/>
-          </p15:clr>
-        </p15:guide>
-        <p15:guide id="2" pos="2880">
-          <p15:clr>
-            <a:srgbClr val="747775"/>
-          </p15:clr>
-        </p15:guide>
-      </p15:sldGuideLst>
-    </p:ext>
-  </p:extLst>
 </p:presentation>
 </file>
 
 <file path=ppt/notesMasters/notesMaster1.xml><?xml version="1.0" encoding="utf-8"?>
-<p:notesMaster xmlns:a="http://schemas.openxmlformats.org/drawingml/2006/main" xmlns:r="http://schemas.openxmlformats.org/officeDocument/2006/relationships" xmlns:mc="http://schemas.openxmlformats.org/markup-compatibility/2006" xmlns:mv="urn:schemas-microsoft-com:mac:vml" xmlns:p="http://schemas.openxmlformats.org/presentationml/2006/main" xmlns:c="http://schemas.openxmlformats.org/drawingml/2006/chart" xmlns:dgm="http://schemas.openxmlformats.org/drawingml/2006/diagram" xmlns:o="urn:schemas-microsoft-com:office:office" xmlns:v="urn:schemas-microsoft-com:vml" xmlns:pvml="urn:schemas-microsoft-com:office:powerpoint" xmlns:com="http://schemas.openxmlformats.org/drawingml/2006/compatibility" xmlns:p14="http://schemas.microsoft.com/office/powerpoint/2010/main" xmlns:p15="http://schemas.microsoft.com/office/powerpoint/2012/main" xmlns:ahyp="http://schemas.microsoft.com/office/drawing/2018/hyperlinkcolor">
-  <p:cSld>
+<p:notesMaster xmlns:a="http://schemas.openxmlformats.org/drawingml/2006/main" xmlns:r="http://schemas.openxmlformats.org/officeDocument/2006/relationships" xmlns:p="http://schemas.openxmlformats.org/presentationml/2006/main">
+  <p:cSld name="">
     <p:spTree>
       <p:nvGrpSpPr>
-        <p:cNvPr id="2" name="Shape 2"/>
+        <p:cNvPr id="1" name=""/>
         <p:cNvGrpSpPr/>
         <p:nvPr/>
       </p:nvGrpSpPr>
-      <p:grpSpPr>
+      <p:grpSpPr bwMode="auto">
         <a:xfrm>
           <a:off x="0" y="0"/>
           <a:ext cx="0" cy="0"/>
@@ -305,18 +264,22 @@
           <p:cNvPr id="3" name="Google Shape;3;n"/>
           <p:cNvSpPr/>
           <p:nvPr>
-            <p:ph idx="2" type="sldImg"/>
+            <p:ph type="sldImg" idx="2"/>
           </p:nvPr>
         </p:nvSpPr>
-        <p:spPr>
+        <p:spPr bwMode="auto">
           <a:xfrm>
             <a:off x="381300" y="685800"/>
             <a:ext cx="6096075" cy="3429000"/>
           </a:xfrm>
           <a:custGeom>
-            <a:rect b="b" l="l" r="r" t="t"/>
+            <a:avLst/>
+            <a:gdLst/>
+            <a:ahLst/>
+            <a:cxnLst/>
+            <a:rect l="l" t="t" r="r" b="b"/>
             <a:pathLst>
-              <a:path extrusionOk="0" h="120000" w="120000">
+              <a:path w="120000" h="120000" fill="norm" stroke="1" extrusionOk="0">
                 <a:moveTo>
                   <a:pt x="0" y="0"/>
                 </a:moveTo>
@@ -334,14 +297,14 @@
             </a:pathLst>
           </a:custGeom>
           <a:noFill/>
-          <a:ln cap="flat" cmpd="sng" w="9525">
+          <a:ln w="9525" cap="flat" cmpd="sng">
             <a:solidFill>
               <a:srgbClr val="000000"/>
             </a:solidFill>
             <a:prstDash val="solid"/>
             <a:round/>
-            <a:headEnd len="sm" w="sm" type="none"/>
-            <a:tailEnd len="sm" w="sm" type="none"/>
+            <a:headEnd type="none" w="sm" len="sm"/>
+            <a:tailEnd type="none" w="sm" len="sm"/>
           </a:ln>
         </p:spPr>
       </p:sp>
@@ -350,10 +313,10 @@
           <p:cNvPr id="4" name="Google Shape;4;n"/>
           <p:cNvSpPr txBox="1"/>
           <p:nvPr>
-            <p:ph idx="1" type="body"/>
+            <p:ph type="body" idx="1"/>
           </p:nvPr>
         </p:nvSpPr>
-        <p:spPr>
+        <p:spPr bwMode="auto">
           <a:xfrm>
             <a:off x="685800" y="4343400"/>
             <a:ext cx="5486400" cy="4114800"/>
@@ -367,11 +330,11 @@
           </a:ln>
         </p:spPr>
         <p:txBody>
-          <a:bodyPr anchorCtr="0" anchor="t" bIns="91425" lIns="91425" spcFirstLastPara="1" rIns="91425" wrap="square" tIns="91425">
+          <a:bodyPr spcFirstLastPara="1" wrap="square" lIns="91425" tIns="91425" rIns="91425" bIns="91425" anchor="t" anchorCtr="0">
             <a:noAutofit/>
           </a:bodyPr>
           <a:lstStyle>
-            <a:lvl1pPr indent="-298450" lvl="0" marL="457200">
+            <a:lvl1pPr marL="457200" lvl="0" indent="-298450">
               <a:spcBef>
                 <a:spcPts val="0"/>
               </a:spcBef>
@@ -382,7 +345,7 @@
               <a:buChar char="●"/>
               <a:defRPr sz="1100"/>
             </a:lvl1pPr>
-            <a:lvl2pPr indent="-298450" lvl="1" marL="914400">
+            <a:lvl2pPr marL="914400" lvl="1" indent="-298450">
               <a:spcBef>
                 <a:spcPts val="0"/>
               </a:spcBef>
@@ -393,7 +356,7 @@
               <a:buChar char="○"/>
               <a:defRPr sz="1100"/>
             </a:lvl2pPr>
-            <a:lvl3pPr indent="-298450" lvl="2" marL="1371600">
+            <a:lvl3pPr marL="1371600" lvl="2" indent="-298450">
               <a:spcBef>
                 <a:spcPts val="0"/>
               </a:spcBef>
@@ -404,7 +367,7 @@
               <a:buChar char="■"/>
               <a:defRPr sz="1100"/>
             </a:lvl3pPr>
-            <a:lvl4pPr indent="-298450" lvl="3" marL="1828800">
+            <a:lvl4pPr marL="1828800" lvl="3" indent="-298450">
               <a:spcBef>
                 <a:spcPts val="0"/>
               </a:spcBef>
@@ -415,7 +378,7 @@
               <a:buChar char="●"/>
               <a:defRPr sz="1100"/>
             </a:lvl4pPr>
-            <a:lvl5pPr indent="-298450" lvl="4" marL="2286000">
+            <a:lvl5pPr marL="2286000" lvl="4" indent="-298450">
               <a:spcBef>
                 <a:spcPts val="0"/>
               </a:spcBef>
@@ -426,7 +389,7 @@
               <a:buChar char="○"/>
               <a:defRPr sz="1100"/>
             </a:lvl5pPr>
-            <a:lvl6pPr indent="-298450" lvl="5" marL="2743200">
+            <a:lvl6pPr marL="2743200" lvl="5" indent="-298450">
               <a:spcBef>
                 <a:spcPts val="0"/>
               </a:spcBef>
@@ -437,7 +400,7 @@
               <a:buChar char="■"/>
               <a:defRPr sz="1100"/>
             </a:lvl6pPr>
-            <a:lvl7pPr indent="-298450" lvl="6" marL="3200400">
+            <a:lvl7pPr marL="3200400" lvl="6" indent="-298450">
               <a:spcBef>
                 <a:spcPts val="0"/>
               </a:spcBef>
@@ -448,7 +411,7 @@
               <a:buChar char="●"/>
               <a:defRPr sz="1100"/>
             </a:lvl7pPr>
-            <a:lvl8pPr indent="-298450" lvl="7" marL="3657600">
+            <a:lvl8pPr marL="3657600" lvl="7" indent="-298450">
               <a:spcBef>
                 <a:spcPts val="0"/>
               </a:spcBef>
@@ -459,7 +422,7 @@
               <a:buChar char="○"/>
               <a:defRPr sz="1100"/>
             </a:lvl8pPr>
-            <a:lvl9pPr indent="-298450" lvl="8" marL="4114800">
+            <a:lvl9pPr marL="4114800" lvl="8" indent="-298450">
               <a:spcBef>
                 <a:spcPts val="0"/>
               </a:spcBef>
@@ -471,14 +434,19 @@
               <a:defRPr sz="1100"/>
             </a:lvl9pPr>
           </a:lstStyle>
-          <a:p/>
+          <a:p>
+            <a:pPr>
+              <a:defRPr/>
+            </a:pPr>
+            <a:endParaRPr/>
+          </a:p>
         </p:txBody>
       </p:sp>
     </p:spTree>
   </p:cSld>
-  <p:clrMap accent1="accent1" accent2="accent2" accent3="accent3" accent4="accent4" accent5="accent5" accent6="accent6" bg1="lt1" bg2="dk2" tx1="dk1" tx2="lt2" folHlink="folHlink" hlink="hlink"/>
+  <p:clrMap bg1="lt1" tx1="dk1" bg2="dk2" tx2="lt2" accent1="accent1" accent2="accent2" accent3="accent3" accent4="accent4" accent5="accent5" accent6="accent6" hlink="hlink" folHlink="folHlink"/>
   <p:notesStyle>
-    <a:defPPr lvl="0" marR="0" rtl="0" algn="l">
+    <a:defPPr marR="0" lvl="0" algn="l">
       <a:lnSpc>
         <a:spcPct val="100000"/>
       </a:lnSpc>
@@ -489,7 +457,7 @@
         <a:spcPts val="0"/>
       </a:spcAft>
     </a:defPPr>
-    <a:lvl1pPr lvl="0" marR="0" rtl="0" algn="l">
+    <a:lvl1pPr marR="0" lvl="0" algn="l">
       <a:lnSpc>
         <a:spcPct val="100000"/>
       </a:lnSpc>
@@ -503,17 +471,16 @@
         <a:srgbClr val="000000"/>
       </a:buClr>
       <a:buFont typeface="Arial"/>
-      <a:defRPr b="0" i="0" sz="1400" u="none" cap="none" strike="noStrike">
+      <a:defRPr sz="1400" b="0" i="0" u="none" strike="noStrike" cap="none">
         <a:solidFill>
           <a:srgbClr val="000000"/>
         </a:solidFill>
         <a:latin typeface="Arial"/>
         <a:ea typeface="Arial"/>
         <a:cs typeface="Arial"/>
-        <a:sym typeface="Arial"/>
       </a:defRPr>
     </a:lvl1pPr>
-    <a:lvl2pPr lvl="1" marR="0" rtl="0" algn="l">
+    <a:lvl2pPr marR="0" lvl="1" algn="l">
       <a:lnSpc>
         <a:spcPct val="100000"/>
       </a:lnSpc>
@@ -527,17 +494,16 @@
         <a:srgbClr val="000000"/>
       </a:buClr>
       <a:buFont typeface="Arial"/>
-      <a:defRPr b="0" i="0" sz="1400" u="none" cap="none" strike="noStrike">
+      <a:defRPr sz="1400" b="0" i="0" u="none" strike="noStrike" cap="none">
         <a:solidFill>
           <a:srgbClr val="000000"/>
         </a:solidFill>
         <a:latin typeface="Arial"/>
         <a:ea typeface="Arial"/>
         <a:cs typeface="Arial"/>
-        <a:sym typeface="Arial"/>
       </a:defRPr>
     </a:lvl2pPr>
-    <a:lvl3pPr lvl="2" marR="0" rtl="0" algn="l">
+    <a:lvl3pPr marR="0" lvl="2" algn="l">
       <a:lnSpc>
         <a:spcPct val="100000"/>
       </a:lnSpc>
@@ -551,17 +517,16 @@
         <a:srgbClr val="000000"/>
       </a:buClr>
       <a:buFont typeface="Arial"/>
-      <a:defRPr b="0" i="0" sz="1400" u="none" cap="none" strike="noStrike">
+      <a:defRPr sz="1400" b="0" i="0" u="none" strike="noStrike" cap="none">
         <a:solidFill>
           <a:srgbClr val="000000"/>
         </a:solidFill>
         <a:latin typeface="Arial"/>
         <a:ea typeface="Arial"/>
         <a:cs typeface="Arial"/>
-        <a:sym typeface="Arial"/>
       </a:defRPr>
     </a:lvl3pPr>
-    <a:lvl4pPr lvl="3" marR="0" rtl="0" algn="l">
+    <a:lvl4pPr marR="0" lvl="3" algn="l">
       <a:lnSpc>
         <a:spcPct val="100000"/>
       </a:lnSpc>
@@ -575,17 +540,16 @@
         <a:srgbClr val="000000"/>
       </a:buClr>
       <a:buFont typeface="Arial"/>
-      <a:defRPr b="0" i="0" sz="1400" u="none" cap="none" strike="noStrike">
+      <a:defRPr sz="1400" b="0" i="0" u="none" strike="noStrike" cap="none">
         <a:solidFill>
           <a:srgbClr val="000000"/>
         </a:solidFill>
         <a:latin typeface="Arial"/>
         <a:ea typeface="Arial"/>
         <a:cs typeface="Arial"/>
-        <a:sym typeface="Arial"/>
       </a:defRPr>
     </a:lvl4pPr>
-    <a:lvl5pPr lvl="4" marR="0" rtl="0" algn="l">
+    <a:lvl5pPr marR="0" lvl="4" algn="l">
       <a:lnSpc>
         <a:spcPct val="100000"/>
       </a:lnSpc>
@@ -599,17 +563,16 @@
         <a:srgbClr val="000000"/>
       </a:buClr>
       <a:buFont typeface="Arial"/>
-      <a:defRPr b="0" i="0" sz="1400" u="none" cap="none" strike="noStrike">
+      <a:defRPr sz="1400" b="0" i="0" u="none" strike="noStrike" cap="none">
         <a:solidFill>
           <a:srgbClr val="000000"/>
         </a:solidFill>
         <a:latin typeface="Arial"/>
         <a:ea typeface="Arial"/>
         <a:cs typeface="Arial"/>
-        <a:sym typeface="Arial"/>
       </a:defRPr>
     </a:lvl5pPr>
-    <a:lvl6pPr lvl="5" marR="0" rtl="0" algn="l">
+    <a:lvl6pPr marR="0" lvl="5" algn="l">
       <a:lnSpc>
         <a:spcPct val="100000"/>
       </a:lnSpc>
@@ -623,17 +586,16 @@
         <a:srgbClr val="000000"/>
       </a:buClr>
       <a:buFont typeface="Arial"/>
-      <a:defRPr b="0" i="0" sz="1400" u="none" cap="none" strike="noStrike">
+      <a:defRPr sz="1400" b="0" i="0" u="none" strike="noStrike" cap="none">
         <a:solidFill>
           <a:srgbClr val="000000"/>
         </a:solidFill>
         <a:latin typeface="Arial"/>
         <a:ea typeface="Arial"/>
         <a:cs typeface="Arial"/>
-        <a:sym typeface="Arial"/>
       </a:defRPr>
     </a:lvl6pPr>
-    <a:lvl7pPr lvl="6" marR="0" rtl="0" algn="l">
+    <a:lvl7pPr marR="0" lvl="6" algn="l">
       <a:lnSpc>
         <a:spcPct val="100000"/>
       </a:lnSpc>
@@ -647,17 +609,16 @@
         <a:srgbClr val="000000"/>
       </a:buClr>
       <a:buFont typeface="Arial"/>
-      <a:defRPr b="0" i="0" sz="1400" u="none" cap="none" strike="noStrike">
+      <a:defRPr sz="1400" b="0" i="0" u="none" strike="noStrike" cap="none">
         <a:solidFill>
           <a:srgbClr val="000000"/>
         </a:solidFill>
         <a:latin typeface="Arial"/>
         <a:ea typeface="Arial"/>
         <a:cs typeface="Arial"/>
-        <a:sym typeface="Arial"/>
       </a:defRPr>
     </a:lvl7pPr>
-    <a:lvl8pPr lvl="7" marR="0" rtl="0" algn="l">
+    <a:lvl8pPr marR="0" lvl="7" algn="l">
       <a:lnSpc>
         <a:spcPct val="100000"/>
       </a:lnSpc>
@@ -671,17 +632,16 @@
         <a:srgbClr val="000000"/>
       </a:buClr>
       <a:buFont typeface="Arial"/>
-      <a:defRPr b="0" i="0" sz="1400" u="none" cap="none" strike="noStrike">
+      <a:defRPr sz="1400" b="0" i="0" u="none" strike="noStrike" cap="none">
         <a:solidFill>
           <a:srgbClr val="000000"/>
         </a:solidFill>
         <a:latin typeface="Arial"/>
         <a:ea typeface="Arial"/>
         <a:cs typeface="Arial"/>
-        <a:sym typeface="Arial"/>
       </a:defRPr>
     </a:lvl8pPr>
-    <a:lvl9pPr lvl="8" marR="0" rtl="0" algn="l">
+    <a:lvl9pPr marR="0" lvl="8" algn="l">
       <a:lnSpc>
         <a:spcPct val="100000"/>
       </a:lnSpc>
@@ -695,14 +655,13 @@
         <a:srgbClr val="000000"/>
       </a:buClr>
       <a:buFont typeface="Arial"/>
-      <a:defRPr b="0" i="0" sz="1400" u="none" cap="none" strike="noStrike">
+      <a:defRPr sz="1400" b="0" i="0" u="none" strike="noStrike" cap="none">
         <a:solidFill>
           <a:srgbClr val="000000"/>
         </a:solidFill>
         <a:latin typeface="Arial"/>
         <a:ea typeface="Arial"/>
         <a:cs typeface="Arial"/>
-        <a:sym typeface="Arial"/>
       </a:defRPr>
     </a:lvl9pPr>
   </p:notesStyle>
@@ -710,15 +669,15 @@
 </file>
 
 <file path=ppt/notesSlides/notesSlide1.xml><?xml version="1.0" encoding="utf-8"?>
-<p:notes xmlns:a="http://schemas.openxmlformats.org/drawingml/2006/main" xmlns:r="http://schemas.openxmlformats.org/officeDocument/2006/relationships" xmlns:mc="http://schemas.openxmlformats.org/markup-compatibility/2006" xmlns:mv="urn:schemas-microsoft-com:mac:vml" xmlns:p="http://schemas.openxmlformats.org/presentationml/2006/main" xmlns:c="http://schemas.openxmlformats.org/drawingml/2006/chart" xmlns:dgm="http://schemas.openxmlformats.org/drawingml/2006/diagram" xmlns:o="urn:schemas-microsoft-com:office:office" xmlns:v="urn:schemas-microsoft-com:vml" xmlns:pvml="urn:schemas-microsoft-com:office:powerpoint" xmlns:com="http://schemas.openxmlformats.org/drawingml/2006/compatibility" xmlns:p14="http://schemas.microsoft.com/office/powerpoint/2010/main" xmlns:p15="http://schemas.microsoft.com/office/powerpoint/2012/main" xmlns:ahyp="http://schemas.microsoft.com/office/drawing/2018/hyperlinkcolor" showMasterPhAnim="0" showMasterSp="0">
-  <p:cSld>
+<p:notes xmlns:a="http://schemas.openxmlformats.org/drawingml/2006/main" xmlns:r="http://schemas.openxmlformats.org/officeDocument/2006/relationships" xmlns:p="http://schemas.openxmlformats.org/presentationml/2006/main" xmlns:m="http://schemas.openxmlformats.org/officeDocument/2006/math" xmlns:w="http://schemas.openxmlformats.org/wordprocessingml/2006/main" showMasterPhAnim="0" showMasterSp="0">
+  <p:cSld name="">
     <p:spTree>
       <p:nvGrpSpPr>
-        <p:cNvPr id="60" name="Shape 60"/>
+        <p:cNvPr id="1" name=""/>
         <p:cNvGrpSpPr/>
         <p:nvPr/>
       </p:nvGrpSpPr>
-      <p:grpSpPr>
+      <p:grpSpPr bwMode="auto">
         <a:xfrm>
           <a:off x="0" y="0"/>
           <a:ext cx="0" cy="0"/>
@@ -731,18 +690,22 @@
           <p:cNvPr id="61" name="Google Shape;61;p:notes"/>
           <p:cNvSpPr/>
           <p:nvPr>
-            <p:ph idx="2" type="sldImg"/>
+            <p:ph type="sldImg" idx="2"/>
           </p:nvPr>
         </p:nvSpPr>
-        <p:spPr>
+        <p:spPr bwMode="auto">
           <a:xfrm>
             <a:off x="381300" y="685800"/>
             <a:ext cx="6096075" cy="3429000"/>
           </a:xfrm>
           <a:custGeom>
-            <a:rect b="b" l="l" r="r" t="t"/>
+            <a:avLst/>
+            <a:gdLst/>
+            <a:ahLst/>
+            <a:cxnLst/>
+            <a:rect l="l" t="t" r="r" b="b"/>
             <a:pathLst>
-              <a:path extrusionOk="0" h="120000" w="120000">
+              <a:path w="120000" h="120000" fill="norm" stroke="1" extrusionOk="0">
                 <a:moveTo>
                   <a:pt x="0" y="0"/>
                 </a:moveTo>
@@ -766,10 +729,10 @@
           <p:cNvPr id="62" name="Google Shape;62;p:notes"/>
           <p:cNvSpPr txBox="1"/>
           <p:nvPr>
-            <p:ph idx="1" type="body"/>
+            <p:ph type="body" idx="1"/>
           </p:nvPr>
         </p:nvSpPr>
-        <p:spPr>
+        <p:spPr bwMode="auto">
           <a:xfrm>
             <a:off x="685800" y="4343400"/>
             <a:ext cx="5486400" cy="4114800"/>
@@ -779,45 +742,40 @@
           </a:prstGeom>
         </p:spPr>
         <p:txBody>
-          <a:bodyPr anchorCtr="0" anchor="t" bIns="91425" lIns="91425" spcFirstLastPara="1" rIns="91425" wrap="square" tIns="91425">
+          <a:bodyPr spcFirstLastPara="1" wrap="square" lIns="91425" tIns="91425" rIns="91425" bIns="91425" anchor="t" anchorCtr="0">
             <a:noAutofit/>
           </a:bodyPr>
           <a:lstStyle/>
           <a:p>
-            <a:pPr indent="0" lvl="0" marL="0" rtl="0" algn="l">
-              <a:spcBef>
-                <a:spcPts val="0"/>
-              </a:spcBef>
-              <a:spcAft>
-                <a:spcPts val="0"/>
-              </a:spcAft>
-              <a:buNone/>
+            <a:pPr marL="0" lvl="0" indent="0" algn="l">
+              <a:spcBef>
+                <a:spcPts val="0"/>
+              </a:spcBef>
+              <a:spcAft>
+                <a:spcPts val="0"/>
+              </a:spcAft>
+              <a:buNone/>
+              <a:defRPr/>
             </a:pPr>
-            <a:r>
-              <a:t/>
-            </a:r>
             <a:endParaRPr/>
           </a:p>
         </p:txBody>
       </p:sp>
     </p:spTree>
   </p:cSld>
-  <p:clrMapOvr>
-    <a:masterClrMapping/>
-  </p:clrMapOvr>
 </p:notes>
 </file>
 
 <file path=ppt/notesSlides/notesSlide2.xml><?xml version="1.0" encoding="utf-8"?>
-<p:notes xmlns:a="http://schemas.openxmlformats.org/drawingml/2006/main" xmlns:r="http://schemas.openxmlformats.org/officeDocument/2006/relationships" xmlns:mc="http://schemas.openxmlformats.org/markup-compatibility/2006" xmlns:mv="urn:schemas-microsoft-com:mac:vml" xmlns:p="http://schemas.openxmlformats.org/presentationml/2006/main" xmlns:c="http://schemas.openxmlformats.org/drawingml/2006/chart" xmlns:dgm="http://schemas.openxmlformats.org/drawingml/2006/diagram" xmlns:o="urn:schemas-microsoft-com:office:office" xmlns:v="urn:schemas-microsoft-com:vml" xmlns:pvml="urn:schemas-microsoft-com:office:powerpoint" xmlns:com="http://schemas.openxmlformats.org/drawingml/2006/compatibility" xmlns:p14="http://schemas.microsoft.com/office/powerpoint/2010/main" xmlns:p15="http://schemas.microsoft.com/office/powerpoint/2012/main" xmlns:ahyp="http://schemas.microsoft.com/office/drawing/2018/hyperlinkcolor" showMasterPhAnim="0" showMasterSp="0">
-  <p:cSld>
+<p:notes xmlns:a="http://schemas.openxmlformats.org/drawingml/2006/main" xmlns:r="http://schemas.openxmlformats.org/officeDocument/2006/relationships" xmlns:p="http://schemas.openxmlformats.org/presentationml/2006/main" xmlns:m="http://schemas.openxmlformats.org/officeDocument/2006/math" xmlns:w="http://schemas.openxmlformats.org/wordprocessingml/2006/main" showMasterPhAnim="0" showMasterSp="0">
+  <p:cSld name="">
     <p:spTree>
       <p:nvGrpSpPr>
-        <p:cNvPr id="67" name="Shape 67"/>
+        <p:cNvPr id="1" name=""/>
         <p:cNvGrpSpPr/>
         <p:nvPr/>
       </p:nvGrpSpPr>
-      <p:grpSpPr>
+      <p:grpSpPr bwMode="auto">
         <a:xfrm>
           <a:off x="0" y="0"/>
           <a:ext cx="0" cy="0"/>
@@ -830,18 +788,22 @@
           <p:cNvPr id="68" name="Google Shape;68;g2cecdc0b196_0_150:notes"/>
           <p:cNvSpPr/>
           <p:nvPr>
-            <p:ph idx="2" type="sldImg"/>
+            <p:ph type="sldImg" idx="2"/>
           </p:nvPr>
         </p:nvSpPr>
-        <p:spPr>
+        <p:spPr bwMode="auto">
           <a:xfrm>
             <a:off x="381300" y="685800"/>
             <a:ext cx="6096000" cy="3429000"/>
           </a:xfrm>
           <a:custGeom>
-            <a:rect b="b" l="l" r="r" t="t"/>
+            <a:avLst/>
+            <a:gdLst/>
+            <a:ahLst/>
+            <a:cxnLst/>
+            <a:rect l="l" t="t" r="r" b="b"/>
             <a:pathLst>
-              <a:path extrusionOk="0" h="120000" w="120000">
+              <a:path w="120000" h="120000" fill="norm" stroke="1" extrusionOk="0">
                 <a:moveTo>
                   <a:pt x="0" y="0"/>
                 </a:moveTo>
@@ -865,10 +827,10 @@
           <p:cNvPr id="69" name="Google Shape;69;g2cecdc0b196_0_150:notes"/>
           <p:cNvSpPr txBox="1"/>
           <p:nvPr>
-            <p:ph idx="1" type="body"/>
+            <p:ph type="body" idx="1"/>
           </p:nvPr>
         </p:nvSpPr>
-        <p:spPr>
+        <p:spPr bwMode="auto">
           <a:xfrm>
             <a:off x="685800" y="4343400"/>
             <a:ext cx="5486400" cy="4114800"/>
@@ -878,19 +840,20 @@
           </a:prstGeom>
         </p:spPr>
         <p:txBody>
-          <a:bodyPr anchorCtr="0" anchor="t" bIns="91425" lIns="91425" spcFirstLastPara="1" rIns="91425" wrap="square" tIns="91425">
+          <a:bodyPr spcFirstLastPara="1" wrap="square" lIns="91425" tIns="91425" rIns="91425" bIns="91425" anchor="t" anchorCtr="0">
             <a:noAutofit/>
           </a:bodyPr>
           <a:lstStyle/>
           <a:p>
-            <a:pPr indent="0" lvl="0" marL="0" rtl="0" algn="l">
-              <a:spcBef>
-                <a:spcPts val="0"/>
-              </a:spcBef>
-              <a:spcAft>
-                <a:spcPts val="0"/>
-              </a:spcAft>
-              <a:buNone/>
+            <a:pPr marL="0" lvl="0" indent="0" algn="l">
+              <a:spcBef>
+                <a:spcPts val="0"/>
+              </a:spcBef>
+              <a:spcAft>
+                <a:spcPts val="0"/>
+              </a:spcAft>
+              <a:buNone/>
+              <a:defRPr/>
             </a:pPr>
             <a:r>
               <a:rPr lang="en"/>
@@ -938,22 +901,19 @@
       </p:sp>
     </p:spTree>
   </p:cSld>
-  <p:clrMapOvr>
-    <a:masterClrMapping/>
-  </p:clrMapOvr>
 </p:notes>
 </file>
 
 <file path=ppt/notesSlides/notesSlide3.xml><?xml version="1.0" encoding="utf-8"?>
-<p:notes xmlns:a="http://schemas.openxmlformats.org/drawingml/2006/main" xmlns:r="http://schemas.openxmlformats.org/officeDocument/2006/relationships" xmlns:mc="http://schemas.openxmlformats.org/markup-compatibility/2006" xmlns:mv="urn:schemas-microsoft-com:mac:vml" xmlns:p="http://schemas.openxmlformats.org/presentationml/2006/main" xmlns:c="http://schemas.openxmlformats.org/drawingml/2006/chart" xmlns:dgm="http://schemas.openxmlformats.org/drawingml/2006/diagram" xmlns:o="urn:schemas-microsoft-com:office:office" xmlns:v="urn:schemas-microsoft-com:vml" xmlns:pvml="urn:schemas-microsoft-com:office:powerpoint" xmlns:com="http://schemas.openxmlformats.org/drawingml/2006/compatibility" xmlns:p14="http://schemas.microsoft.com/office/powerpoint/2010/main" xmlns:p15="http://schemas.microsoft.com/office/powerpoint/2012/main" xmlns:ahyp="http://schemas.microsoft.com/office/drawing/2018/hyperlinkcolor" showMasterPhAnim="0" showMasterSp="0">
-  <p:cSld>
+<p:notes xmlns:a="http://schemas.openxmlformats.org/drawingml/2006/main" xmlns:r="http://schemas.openxmlformats.org/officeDocument/2006/relationships" xmlns:p="http://schemas.openxmlformats.org/presentationml/2006/main" xmlns:m="http://schemas.openxmlformats.org/officeDocument/2006/math" xmlns:w="http://schemas.openxmlformats.org/wordprocessingml/2006/main" showMasterPhAnim="0" showMasterSp="0">
+  <p:cSld name="">
     <p:spTree>
       <p:nvGrpSpPr>
-        <p:cNvPr id="73" name="Shape 73"/>
+        <p:cNvPr id="1" name=""/>
         <p:cNvGrpSpPr/>
         <p:nvPr/>
       </p:nvGrpSpPr>
-      <p:grpSpPr>
+      <p:grpSpPr bwMode="auto">
         <a:xfrm>
           <a:off x="0" y="0"/>
           <a:ext cx="0" cy="0"/>
@@ -966,18 +926,22 @@
           <p:cNvPr id="74" name="Google Shape;74;g2cecdc0b196_0_155:notes"/>
           <p:cNvSpPr/>
           <p:nvPr>
-            <p:ph idx="2" type="sldImg"/>
+            <p:ph type="sldImg" idx="2"/>
           </p:nvPr>
         </p:nvSpPr>
-        <p:spPr>
+        <p:spPr bwMode="auto">
           <a:xfrm>
             <a:off x="381300" y="685800"/>
             <a:ext cx="6096000" cy="3429000"/>
           </a:xfrm>
           <a:custGeom>
-            <a:rect b="b" l="l" r="r" t="t"/>
+            <a:avLst/>
+            <a:gdLst/>
+            <a:ahLst/>
+            <a:cxnLst/>
+            <a:rect l="l" t="t" r="r" b="b"/>
             <a:pathLst>
-              <a:path extrusionOk="0" h="120000" w="120000">
+              <a:path w="120000" h="120000" fill="norm" stroke="1" extrusionOk="0">
                 <a:moveTo>
                   <a:pt x="0" y="0"/>
                 </a:moveTo>
@@ -1001,10 +965,10 @@
           <p:cNvPr id="75" name="Google Shape;75;g2cecdc0b196_0_155:notes"/>
           <p:cNvSpPr txBox="1"/>
           <p:nvPr>
-            <p:ph idx="1" type="body"/>
+            <p:ph type="body" idx="1"/>
           </p:nvPr>
         </p:nvSpPr>
-        <p:spPr>
+        <p:spPr bwMode="auto">
           <a:xfrm>
             <a:off x="685800" y="4343400"/>
             <a:ext cx="5486400" cy="4114800"/>
@@ -1014,19 +978,20 @@
           </a:prstGeom>
         </p:spPr>
         <p:txBody>
-          <a:bodyPr anchorCtr="0" anchor="t" bIns="91425" lIns="91425" spcFirstLastPara="1" rIns="91425" wrap="square" tIns="91425">
+          <a:bodyPr spcFirstLastPara="1" wrap="square" lIns="91425" tIns="91425" rIns="91425" bIns="91425" anchor="t" anchorCtr="0">
             <a:noAutofit/>
           </a:bodyPr>
           <a:lstStyle/>
           <a:p>
-            <a:pPr indent="0" lvl="0" marL="0" rtl="0" algn="l">
-              <a:spcBef>
-                <a:spcPts val="0"/>
-              </a:spcBef>
-              <a:spcAft>
-                <a:spcPts val="0"/>
-              </a:spcAft>
-              <a:buNone/>
+            <a:pPr marL="0" lvl="0" indent="0" algn="l">
+              <a:spcBef>
+                <a:spcPts val="0"/>
+              </a:spcBef>
+              <a:spcAft>
+                <a:spcPts val="0"/>
+              </a:spcAft>
+              <a:buNone/>
+              <a:defRPr/>
             </a:pPr>
             <a:r>
               <a:rPr lang="en"/>
@@ -1046,22 +1011,19 @@
       </p:sp>
     </p:spTree>
   </p:cSld>
-  <p:clrMapOvr>
-    <a:masterClrMapping/>
-  </p:clrMapOvr>
 </p:notes>
 </file>
 
 <file path=ppt/notesSlides/notesSlide4.xml><?xml version="1.0" encoding="utf-8"?>
-<p:notes xmlns:a="http://schemas.openxmlformats.org/drawingml/2006/main" xmlns:r="http://schemas.openxmlformats.org/officeDocument/2006/relationships" xmlns:mc="http://schemas.openxmlformats.org/markup-compatibility/2006" xmlns:mv="urn:schemas-microsoft-com:mac:vml" xmlns:p="http://schemas.openxmlformats.org/presentationml/2006/main" xmlns:c="http://schemas.openxmlformats.org/drawingml/2006/chart" xmlns:dgm="http://schemas.openxmlformats.org/drawingml/2006/diagram" xmlns:o="urn:schemas-microsoft-com:office:office" xmlns:v="urn:schemas-microsoft-com:vml" xmlns:pvml="urn:schemas-microsoft-com:office:powerpoint" xmlns:com="http://schemas.openxmlformats.org/drawingml/2006/compatibility" xmlns:p14="http://schemas.microsoft.com/office/powerpoint/2010/main" xmlns:p15="http://schemas.microsoft.com/office/powerpoint/2012/main" xmlns:ahyp="http://schemas.microsoft.com/office/drawing/2018/hyperlinkcolor" showMasterPhAnim="0" showMasterSp="0">
-  <p:cSld>
+<p:notes xmlns:a="http://schemas.openxmlformats.org/drawingml/2006/main" xmlns:r="http://schemas.openxmlformats.org/officeDocument/2006/relationships" xmlns:p="http://schemas.openxmlformats.org/presentationml/2006/main" xmlns:m="http://schemas.openxmlformats.org/officeDocument/2006/math" xmlns:w="http://schemas.openxmlformats.org/wordprocessingml/2006/main" showMasterPhAnim="0" showMasterSp="0">
+  <p:cSld name="">
     <p:spTree>
       <p:nvGrpSpPr>
-        <p:cNvPr id="79" name="Shape 79"/>
+        <p:cNvPr id="1" name=""/>
         <p:cNvGrpSpPr/>
         <p:nvPr/>
       </p:nvGrpSpPr>
-      <p:grpSpPr>
+      <p:grpSpPr bwMode="auto">
         <a:xfrm>
           <a:off x="0" y="0"/>
           <a:ext cx="0" cy="0"/>
@@ -1074,18 +1036,22 @@
           <p:cNvPr id="80" name="Google Shape;80;g2cecdc0b196_0_161:notes"/>
           <p:cNvSpPr/>
           <p:nvPr>
-            <p:ph idx="2" type="sldImg"/>
+            <p:ph type="sldImg" idx="2"/>
           </p:nvPr>
         </p:nvSpPr>
-        <p:spPr>
+        <p:spPr bwMode="auto">
           <a:xfrm>
             <a:off x="381300" y="685800"/>
             <a:ext cx="6096000" cy="3429000"/>
           </a:xfrm>
           <a:custGeom>
-            <a:rect b="b" l="l" r="r" t="t"/>
+            <a:avLst/>
+            <a:gdLst/>
+            <a:ahLst/>
+            <a:cxnLst/>
+            <a:rect l="l" t="t" r="r" b="b"/>
             <a:pathLst>
-              <a:path extrusionOk="0" h="120000" w="120000">
+              <a:path w="120000" h="120000" fill="norm" stroke="1" extrusionOk="0">
                 <a:moveTo>
                   <a:pt x="0" y="0"/>
                 </a:moveTo>
@@ -1109,10 +1075,10 @@
           <p:cNvPr id="81" name="Google Shape;81;g2cecdc0b196_0_161:notes"/>
           <p:cNvSpPr txBox="1"/>
           <p:nvPr>
-            <p:ph idx="1" type="body"/>
+            <p:ph type="body" idx="1"/>
           </p:nvPr>
         </p:nvSpPr>
-        <p:spPr>
+        <p:spPr bwMode="auto">
           <a:xfrm>
             <a:off x="685800" y="4343400"/>
             <a:ext cx="5486400" cy="4114800"/>
@@ -1122,45 +1088,40 @@
           </a:prstGeom>
         </p:spPr>
         <p:txBody>
-          <a:bodyPr anchorCtr="0" anchor="t" bIns="91425" lIns="91425" spcFirstLastPara="1" rIns="91425" wrap="square" tIns="91425">
+          <a:bodyPr spcFirstLastPara="1" wrap="square" lIns="91425" tIns="91425" rIns="91425" bIns="91425" anchor="t" anchorCtr="0">
             <a:noAutofit/>
           </a:bodyPr>
           <a:lstStyle/>
           <a:p>
-            <a:pPr indent="0" lvl="0" marL="0" rtl="0" algn="l">
-              <a:spcBef>
-                <a:spcPts val="0"/>
-              </a:spcBef>
-              <a:spcAft>
-                <a:spcPts val="0"/>
-              </a:spcAft>
-              <a:buNone/>
+            <a:pPr marL="0" lvl="0" indent="0" algn="l">
+              <a:spcBef>
+                <a:spcPts val="0"/>
+              </a:spcBef>
+              <a:spcAft>
+                <a:spcPts val="0"/>
+              </a:spcAft>
+              <a:buNone/>
+              <a:defRPr/>
             </a:pPr>
-            <a:r>
-              <a:t/>
-            </a:r>
             <a:endParaRPr/>
           </a:p>
         </p:txBody>
       </p:sp>
     </p:spTree>
   </p:cSld>
-  <p:clrMapOvr>
-    <a:masterClrMapping/>
-  </p:clrMapOvr>
 </p:notes>
 </file>
 
 <file path=ppt/notesSlides/notesSlide5.xml><?xml version="1.0" encoding="utf-8"?>
-<p:notes xmlns:a="http://schemas.openxmlformats.org/drawingml/2006/main" xmlns:r="http://schemas.openxmlformats.org/officeDocument/2006/relationships" xmlns:mc="http://schemas.openxmlformats.org/markup-compatibility/2006" xmlns:mv="urn:schemas-microsoft-com:mac:vml" xmlns:p="http://schemas.openxmlformats.org/presentationml/2006/main" xmlns:c="http://schemas.openxmlformats.org/drawingml/2006/chart" xmlns:dgm="http://schemas.openxmlformats.org/drawingml/2006/diagram" xmlns:o="urn:schemas-microsoft-com:office:office" xmlns:v="urn:schemas-microsoft-com:vml" xmlns:pvml="urn:schemas-microsoft-com:office:powerpoint" xmlns:com="http://schemas.openxmlformats.org/drawingml/2006/compatibility" xmlns:p14="http://schemas.microsoft.com/office/powerpoint/2010/main" xmlns:p15="http://schemas.microsoft.com/office/powerpoint/2012/main" xmlns:ahyp="http://schemas.microsoft.com/office/drawing/2018/hyperlinkcolor" showMasterPhAnim="0" showMasterSp="0">
-  <p:cSld>
+<p:notes xmlns:a="http://schemas.openxmlformats.org/drawingml/2006/main" xmlns:r="http://schemas.openxmlformats.org/officeDocument/2006/relationships" xmlns:p="http://schemas.openxmlformats.org/presentationml/2006/main" xmlns:m="http://schemas.openxmlformats.org/officeDocument/2006/math" xmlns:w="http://schemas.openxmlformats.org/wordprocessingml/2006/main" showMasterPhAnim="0" showMasterSp="0">
+  <p:cSld name="">
     <p:spTree>
       <p:nvGrpSpPr>
-        <p:cNvPr id="85" name="Shape 85"/>
+        <p:cNvPr id="1" name=""/>
         <p:cNvGrpSpPr/>
         <p:nvPr/>
       </p:nvGrpSpPr>
-      <p:grpSpPr>
+      <p:grpSpPr bwMode="auto">
         <a:xfrm>
           <a:off x="0" y="0"/>
           <a:ext cx="0" cy="0"/>
@@ -1173,18 +1134,22 @@
           <p:cNvPr id="86" name="Google Shape;86;g2cecdc0b196_0_167:notes"/>
           <p:cNvSpPr/>
           <p:nvPr>
-            <p:ph idx="2" type="sldImg"/>
+            <p:ph type="sldImg" idx="2"/>
           </p:nvPr>
         </p:nvSpPr>
-        <p:spPr>
+        <p:spPr bwMode="auto">
           <a:xfrm>
             <a:off x="381300" y="685800"/>
             <a:ext cx="6096000" cy="3429000"/>
           </a:xfrm>
           <a:custGeom>
-            <a:rect b="b" l="l" r="r" t="t"/>
+            <a:avLst/>
+            <a:gdLst/>
+            <a:ahLst/>
+            <a:cxnLst/>
+            <a:rect l="l" t="t" r="r" b="b"/>
             <a:pathLst>
-              <a:path extrusionOk="0" h="120000" w="120000">
+              <a:path w="120000" h="120000" fill="norm" stroke="1" extrusionOk="0">
                 <a:moveTo>
                   <a:pt x="0" y="0"/>
                 </a:moveTo>
@@ -1208,10 +1173,10 @@
           <p:cNvPr id="87" name="Google Shape;87;g2cecdc0b196_0_167:notes"/>
           <p:cNvSpPr txBox="1"/>
           <p:nvPr>
-            <p:ph idx="1" type="body"/>
+            <p:ph type="body" idx="1"/>
           </p:nvPr>
         </p:nvSpPr>
-        <p:spPr>
+        <p:spPr bwMode="auto">
           <a:xfrm>
             <a:off x="685800" y="4343400"/>
             <a:ext cx="5486400" cy="4114800"/>
@@ -1221,45 +1186,40 @@
           </a:prstGeom>
         </p:spPr>
         <p:txBody>
-          <a:bodyPr anchorCtr="0" anchor="t" bIns="91425" lIns="91425" spcFirstLastPara="1" rIns="91425" wrap="square" tIns="91425">
+          <a:bodyPr spcFirstLastPara="1" wrap="square" lIns="91425" tIns="91425" rIns="91425" bIns="91425" anchor="t" anchorCtr="0">
             <a:noAutofit/>
           </a:bodyPr>
           <a:lstStyle/>
           <a:p>
-            <a:pPr indent="0" lvl="0" marL="0" rtl="0" algn="l">
-              <a:spcBef>
-                <a:spcPts val="0"/>
-              </a:spcBef>
-              <a:spcAft>
-                <a:spcPts val="0"/>
-              </a:spcAft>
-              <a:buNone/>
+            <a:pPr marL="0" lvl="0" indent="0" algn="l">
+              <a:spcBef>
+                <a:spcPts val="0"/>
+              </a:spcBef>
+              <a:spcAft>
+                <a:spcPts val="0"/>
+              </a:spcAft>
+              <a:buNone/>
+              <a:defRPr/>
             </a:pPr>
-            <a:r>
-              <a:t/>
-            </a:r>
             <a:endParaRPr/>
           </a:p>
         </p:txBody>
       </p:sp>
     </p:spTree>
   </p:cSld>
-  <p:clrMapOvr>
-    <a:masterClrMapping/>
-  </p:clrMapOvr>
 </p:notes>
 </file>
 
 <file path=ppt/notesSlides/notesSlide6.xml><?xml version="1.0" encoding="utf-8"?>
-<p:notes xmlns:a="http://schemas.openxmlformats.org/drawingml/2006/main" xmlns:r="http://schemas.openxmlformats.org/officeDocument/2006/relationships" xmlns:mc="http://schemas.openxmlformats.org/markup-compatibility/2006" xmlns:mv="urn:schemas-microsoft-com:mac:vml" xmlns:p="http://schemas.openxmlformats.org/presentationml/2006/main" xmlns:c="http://schemas.openxmlformats.org/drawingml/2006/chart" xmlns:dgm="http://schemas.openxmlformats.org/drawingml/2006/diagram" xmlns:o="urn:schemas-microsoft-com:office:office" xmlns:v="urn:schemas-microsoft-com:vml" xmlns:pvml="urn:schemas-microsoft-com:office:powerpoint" xmlns:com="http://schemas.openxmlformats.org/drawingml/2006/compatibility" xmlns:p14="http://schemas.microsoft.com/office/powerpoint/2010/main" xmlns:p15="http://schemas.microsoft.com/office/powerpoint/2012/main" xmlns:ahyp="http://schemas.microsoft.com/office/drawing/2018/hyperlinkcolor" showMasterPhAnim="0" showMasterSp="0">
-  <p:cSld>
+<p:notes xmlns:a="http://schemas.openxmlformats.org/drawingml/2006/main" xmlns:r="http://schemas.openxmlformats.org/officeDocument/2006/relationships" xmlns:p="http://schemas.openxmlformats.org/presentationml/2006/main" xmlns:m="http://schemas.openxmlformats.org/officeDocument/2006/math" xmlns:w="http://schemas.openxmlformats.org/wordprocessingml/2006/main" showMasterPhAnim="0" showMasterSp="0">
+  <p:cSld name="">
     <p:spTree>
       <p:nvGrpSpPr>
-        <p:cNvPr id="91" name="Shape 91"/>
+        <p:cNvPr id="1" name=""/>
         <p:cNvGrpSpPr/>
         <p:nvPr/>
       </p:nvGrpSpPr>
-      <p:grpSpPr>
+      <p:grpSpPr bwMode="auto">
         <a:xfrm>
           <a:off x="0" y="0"/>
           <a:ext cx="0" cy="0"/>
@@ -1272,18 +1232,22 @@
           <p:cNvPr id="92" name="Google Shape;92;g2cecdc0b196_0_173:notes"/>
           <p:cNvSpPr/>
           <p:nvPr>
-            <p:ph idx="2" type="sldImg"/>
+            <p:ph type="sldImg" idx="2"/>
           </p:nvPr>
         </p:nvSpPr>
-        <p:spPr>
+        <p:spPr bwMode="auto">
           <a:xfrm>
             <a:off x="381300" y="685800"/>
             <a:ext cx="6096000" cy="3429000"/>
           </a:xfrm>
           <a:custGeom>
-            <a:rect b="b" l="l" r="r" t="t"/>
+            <a:avLst/>
+            <a:gdLst/>
+            <a:ahLst/>
+            <a:cxnLst/>
+            <a:rect l="l" t="t" r="r" b="b"/>
             <a:pathLst>
-              <a:path extrusionOk="0" h="120000" w="120000">
+              <a:path w="120000" h="120000" fill="norm" stroke="1" extrusionOk="0">
                 <a:moveTo>
                   <a:pt x="0" y="0"/>
                 </a:moveTo>
@@ -1307,10 +1271,10 @@
           <p:cNvPr id="93" name="Google Shape;93;g2cecdc0b196_0_173:notes"/>
           <p:cNvSpPr txBox="1"/>
           <p:nvPr>
-            <p:ph idx="1" type="body"/>
+            <p:ph type="body" idx="1"/>
           </p:nvPr>
         </p:nvSpPr>
-        <p:spPr>
+        <p:spPr bwMode="auto">
           <a:xfrm>
             <a:off x="685800" y="4343400"/>
             <a:ext cx="5486400" cy="4114800"/>
@@ -1320,45 +1284,40 @@
           </a:prstGeom>
         </p:spPr>
         <p:txBody>
-          <a:bodyPr anchorCtr="0" anchor="t" bIns="91425" lIns="91425" spcFirstLastPara="1" rIns="91425" wrap="square" tIns="91425">
+          <a:bodyPr spcFirstLastPara="1" wrap="square" lIns="91425" tIns="91425" rIns="91425" bIns="91425" anchor="t" anchorCtr="0">
             <a:noAutofit/>
           </a:bodyPr>
           <a:lstStyle/>
           <a:p>
-            <a:pPr indent="0" lvl="0" marL="0" rtl="0" algn="l">
-              <a:spcBef>
-                <a:spcPts val="0"/>
-              </a:spcBef>
-              <a:spcAft>
-                <a:spcPts val="0"/>
-              </a:spcAft>
-              <a:buNone/>
+            <a:pPr marL="0" lvl="0" indent="0" algn="l">
+              <a:spcBef>
+                <a:spcPts val="0"/>
+              </a:spcBef>
+              <a:spcAft>
+                <a:spcPts val="0"/>
+              </a:spcAft>
+              <a:buNone/>
+              <a:defRPr/>
             </a:pPr>
-            <a:r>
-              <a:t/>
-            </a:r>
             <a:endParaRPr/>
           </a:p>
         </p:txBody>
       </p:sp>
     </p:spTree>
   </p:cSld>
-  <p:clrMapOvr>
-    <a:masterClrMapping/>
-  </p:clrMapOvr>
 </p:notes>
 </file>
 
 <file path=ppt/notesSlides/notesSlide7.xml><?xml version="1.0" encoding="utf-8"?>
-<p:notes xmlns:a="http://schemas.openxmlformats.org/drawingml/2006/main" xmlns:r="http://schemas.openxmlformats.org/officeDocument/2006/relationships" xmlns:mc="http://schemas.openxmlformats.org/markup-compatibility/2006" xmlns:mv="urn:schemas-microsoft-com:mac:vml" xmlns:p="http://schemas.openxmlformats.org/presentationml/2006/main" xmlns:c="http://schemas.openxmlformats.org/drawingml/2006/chart" xmlns:dgm="http://schemas.openxmlformats.org/drawingml/2006/diagram" xmlns:o="urn:schemas-microsoft-com:office:office" xmlns:v="urn:schemas-microsoft-com:vml" xmlns:pvml="urn:schemas-microsoft-com:office:powerpoint" xmlns:com="http://schemas.openxmlformats.org/drawingml/2006/compatibility" xmlns:p14="http://schemas.microsoft.com/office/powerpoint/2010/main" xmlns:p15="http://schemas.microsoft.com/office/powerpoint/2012/main" xmlns:ahyp="http://schemas.microsoft.com/office/drawing/2018/hyperlinkcolor" showMasterPhAnim="0" showMasterSp="0">
-  <p:cSld>
+<p:notes xmlns:a="http://schemas.openxmlformats.org/drawingml/2006/main" xmlns:r="http://schemas.openxmlformats.org/officeDocument/2006/relationships" xmlns:p="http://schemas.openxmlformats.org/presentationml/2006/main" xmlns:m="http://schemas.openxmlformats.org/officeDocument/2006/math" xmlns:w="http://schemas.openxmlformats.org/wordprocessingml/2006/main" showMasterPhAnim="0" showMasterSp="0">
+  <p:cSld name="">
     <p:spTree>
       <p:nvGrpSpPr>
-        <p:cNvPr id="97" name="Shape 97"/>
+        <p:cNvPr id="1" name=""/>
         <p:cNvGrpSpPr/>
         <p:nvPr/>
       </p:nvGrpSpPr>
-      <p:grpSpPr>
+      <p:grpSpPr bwMode="auto">
         <a:xfrm>
           <a:off x="0" y="0"/>
           <a:ext cx="0" cy="0"/>
@@ -1371,18 +1330,22 @@
           <p:cNvPr id="98" name="Google Shape;98;g2cecdc0b196_0_179:notes"/>
           <p:cNvSpPr/>
           <p:nvPr>
-            <p:ph idx="2" type="sldImg"/>
+            <p:ph type="sldImg" idx="2"/>
           </p:nvPr>
         </p:nvSpPr>
-        <p:spPr>
+        <p:spPr bwMode="auto">
           <a:xfrm>
             <a:off x="381300" y="685800"/>
             <a:ext cx="6096000" cy="3429000"/>
           </a:xfrm>
           <a:custGeom>
-            <a:rect b="b" l="l" r="r" t="t"/>
+            <a:avLst/>
+            <a:gdLst/>
+            <a:ahLst/>
+            <a:cxnLst/>
+            <a:rect l="l" t="t" r="r" b="b"/>
             <a:pathLst>
-              <a:path extrusionOk="0" h="120000" w="120000">
+              <a:path w="120000" h="120000" fill="norm" stroke="1" extrusionOk="0">
                 <a:moveTo>
                   <a:pt x="0" y="0"/>
                 </a:moveTo>
@@ -1406,10 +1369,10 @@
           <p:cNvPr id="99" name="Google Shape;99;g2cecdc0b196_0_179:notes"/>
           <p:cNvSpPr txBox="1"/>
           <p:nvPr>
-            <p:ph idx="1" type="body"/>
+            <p:ph type="body" idx="1"/>
           </p:nvPr>
         </p:nvSpPr>
-        <p:spPr>
+        <p:spPr bwMode="auto">
           <a:xfrm>
             <a:off x="685800" y="4343400"/>
             <a:ext cx="5486400" cy="4114800"/>
@@ -1419,45 +1382,40 @@
           </a:prstGeom>
         </p:spPr>
         <p:txBody>
-          <a:bodyPr anchorCtr="0" anchor="t" bIns="91425" lIns="91425" spcFirstLastPara="1" rIns="91425" wrap="square" tIns="91425">
+          <a:bodyPr spcFirstLastPara="1" wrap="square" lIns="91425" tIns="91425" rIns="91425" bIns="91425" anchor="t" anchorCtr="0">
             <a:noAutofit/>
           </a:bodyPr>
           <a:lstStyle/>
           <a:p>
-            <a:pPr indent="0" lvl="0" marL="0" rtl="0" algn="l">
-              <a:spcBef>
-                <a:spcPts val="0"/>
-              </a:spcBef>
-              <a:spcAft>
-                <a:spcPts val="0"/>
-              </a:spcAft>
-              <a:buNone/>
+            <a:pPr marL="0" lvl="0" indent="0" algn="l">
+              <a:spcBef>
+                <a:spcPts val="0"/>
+              </a:spcBef>
+              <a:spcAft>
+                <a:spcPts val="0"/>
+              </a:spcAft>
+              <a:buNone/>
+              <a:defRPr/>
             </a:pPr>
-            <a:r>
-              <a:t/>
-            </a:r>
             <a:endParaRPr/>
           </a:p>
         </p:txBody>
       </p:sp>
     </p:spTree>
   </p:cSld>
-  <p:clrMapOvr>
-    <a:masterClrMapping/>
-  </p:clrMapOvr>
 </p:notes>
 </file>
 
 <file path=ppt/notesSlides/notesSlide8.xml><?xml version="1.0" encoding="utf-8"?>
-<p:notes xmlns:a="http://schemas.openxmlformats.org/drawingml/2006/main" xmlns:r="http://schemas.openxmlformats.org/officeDocument/2006/relationships" xmlns:mc="http://schemas.openxmlformats.org/markup-compatibility/2006" xmlns:mv="urn:schemas-microsoft-com:mac:vml" xmlns:p="http://schemas.openxmlformats.org/presentationml/2006/main" xmlns:c="http://schemas.openxmlformats.org/drawingml/2006/chart" xmlns:dgm="http://schemas.openxmlformats.org/drawingml/2006/diagram" xmlns:o="urn:schemas-microsoft-com:office:office" xmlns:v="urn:schemas-microsoft-com:vml" xmlns:pvml="urn:schemas-microsoft-com:office:powerpoint" xmlns:com="http://schemas.openxmlformats.org/drawingml/2006/compatibility" xmlns:p14="http://schemas.microsoft.com/office/powerpoint/2010/main" xmlns:p15="http://schemas.microsoft.com/office/powerpoint/2012/main" xmlns:ahyp="http://schemas.microsoft.com/office/drawing/2018/hyperlinkcolor" showMasterPhAnim="0" showMasterSp="0">
-  <p:cSld>
+<p:notes xmlns:a="http://schemas.openxmlformats.org/drawingml/2006/main" xmlns:r="http://schemas.openxmlformats.org/officeDocument/2006/relationships" xmlns:p="http://schemas.openxmlformats.org/presentationml/2006/main" xmlns:m="http://schemas.openxmlformats.org/officeDocument/2006/math" xmlns:w="http://schemas.openxmlformats.org/wordprocessingml/2006/main" showMasterPhAnim="0" showMasterSp="0">
+  <p:cSld name="">
     <p:spTree>
       <p:nvGrpSpPr>
-        <p:cNvPr id="103" name="Shape 103"/>
+        <p:cNvPr id="1" name=""/>
         <p:cNvGrpSpPr/>
         <p:nvPr/>
       </p:nvGrpSpPr>
-      <p:grpSpPr>
+      <p:grpSpPr bwMode="auto">
         <a:xfrm>
           <a:off x="0" y="0"/>
           <a:ext cx="0" cy="0"/>
@@ -1470,18 +1428,22 @@
           <p:cNvPr id="104" name="Google Shape;104;g2cecdc0b196_0_185:notes"/>
           <p:cNvSpPr/>
           <p:nvPr>
-            <p:ph idx="2" type="sldImg"/>
+            <p:ph type="sldImg" idx="2"/>
           </p:nvPr>
         </p:nvSpPr>
-        <p:spPr>
+        <p:spPr bwMode="auto">
           <a:xfrm>
             <a:off x="381300" y="685800"/>
             <a:ext cx="6096000" cy="3429000"/>
           </a:xfrm>
           <a:custGeom>
-            <a:rect b="b" l="l" r="r" t="t"/>
+            <a:avLst/>
+            <a:gdLst/>
+            <a:ahLst/>
+            <a:cxnLst/>
+            <a:rect l="l" t="t" r="r" b="b"/>
             <a:pathLst>
-              <a:path extrusionOk="0" h="120000" w="120000">
+              <a:path w="120000" h="120000" fill="norm" stroke="1" extrusionOk="0">
                 <a:moveTo>
                   <a:pt x="0" y="0"/>
                 </a:moveTo>
@@ -1505,10 +1467,10 @@
           <p:cNvPr id="105" name="Google Shape;105;g2cecdc0b196_0_185:notes"/>
           <p:cNvSpPr txBox="1"/>
           <p:nvPr>
-            <p:ph idx="1" type="body"/>
+            <p:ph type="body" idx="1"/>
           </p:nvPr>
         </p:nvSpPr>
-        <p:spPr>
+        <p:spPr bwMode="auto">
           <a:xfrm>
             <a:off x="685800" y="4343400"/>
             <a:ext cx="5486400" cy="4114800"/>
@@ -1518,40 +1480,35 @@
           </a:prstGeom>
         </p:spPr>
         <p:txBody>
-          <a:bodyPr anchorCtr="0" anchor="t" bIns="91425" lIns="91425" spcFirstLastPara="1" rIns="91425" wrap="square" tIns="91425">
+          <a:bodyPr spcFirstLastPara="1" wrap="square" lIns="91425" tIns="91425" rIns="91425" bIns="91425" anchor="t" anchorCtr="0">
             <a:noAutofit/>
           </a:bodyPr>
           <a:lstStyle/>
           <a:p>
-            <a:pPr indent="0" lvl="0" marL="0" rtl="0" algn="l">
-              <a:spcBef>
-                <a:spcPts val="0"/>
-              </a:spcBef>
-              <a:spcAft>
-                <a:spcPts val="0"/>
-              </a:spcAft>
-              <a:buNone/>
+            <a:pPr marL="0" lvl="0" indent="0" algn="l">
+              <a:spcBef>
+                <a:spcPts val="0"/>
+              </a:spcBef>
+              <a:spcAft>
+                <a:spcPts val="0"/>
+              </a:spcAft>
+              <a:buNone/>
+              <a:defRPr/>
             </a:pPr>
-            <a:r>
-              <a:t/>
-            </a:r>
             <a:endParaRPr/>
           </a:p>
         </p:txBody>
       </p:sp>
     </p:spTree>
   </p:cSld>
-  <p:clrMapOvr>
-    <a:masterClrMapping/>
-  </p:clrMapOvr>
 </p:notes>
 </file>
 
 <file path=ppt/slideLayouts/slideLayout1.xml><?xml version="1.0" encoding="utf-8"?>
-<p:sldLayout xmlns:a="http://schemas.openxmlformats.org/drawingml/2006/main" xmlns:r="http://schemas.openxmlformats.org/officeDocument/2006/relationships" xmlns:mc="http://schemas.openxmlformats.org/markup-compatibility/2006" xmlns:mv="urn:schemas-microsoft-com:mac:vml" xmlns:p="http://schemas.openxmlformats.org/presentationml/2006/main" xmlns:c="http://schemas.openxmlformats.org/drawingml/2006/chart" xmlns:dgm="http://schemas.openxmlformats.org/drawingml/2006/diagram" xmlns:o="urn:schemas-microsoft-com:office:office" xmlns:v="urn:schemas-microsoft-com:vml" xmlns:pvml="urn:schemas-microsoft-com:office:powerpoint" xmlns:com="http://schemas.openxmlformats.org/drawingml/2006/compatibility" xmlns:p14="http://schemas.microsoft.com/office/powerpoint/2010/main" xmlns:p15="http://schemas.microsoft.com/office/powerpoint/2012/main" xmlns:ahyp="http://schemas.microsoft.com/office/drawing/2018/hyperlinkcolor" matchingName="Title slide" type="title">
+<p:sldLayout xmlns:a="http://schemas.openxmlformats.org/drawingml/2006/main" xmlns:r="http://schemas.openxmlformats.org/officeDocument/2006/relationships" xmlns:p="http://schemas.openxmlformats.org/presentationml/2006/main" xmlns:m="http://schemas.openxmlformats.org/officeDocument/2006/math" xmlns:w="http://schemas.openxmlformats.org/wordprocessingml/2006/main" matchingName="Title slide" preserve="0" showMasterPhAnim="0" type="title" userDrawn="1">
   <p:cSld name="TITLE">
     <p:bg>
-      <p:bgPr>
+      <p:bgPr shadeToTitle="0">
         <a:solidFill>
           <a:schemeClr val="dk1"/>
         </a:solidFill>
@@ -1559,11 +1516,11 @@
     </p:bg>
     <p:spTree>
       <p:nvGrpSpPr>
-        <p:cNvPr id="9" name="Shape 9"/>
+        <p:cNvPr id="1" name=""/>
         <p:cNvGrpSpPr/>
         <p:nvPr/>
       </p:nvGrpSpPr>
-      <p:grpSpPr>
+      <p:grpSpPr bwMode="auto">
         <a:xfrm>
           <a:off x="0" y="0"/>
           <a:ext cx="0" cy="0"/>
@@ -1577,15 +1534,19 @@
           <p:cNvSpPr/>
           <p:nvPr/>
         </p:nvSpPr>
-        <p:spPr>
+        <p:spPr bwMode="auto">
           <a:xfrm>
             <a:off x="-125" y="0"/>
             <a:ext cx="9144250" cy="4398100"/>
           </a:xfrm>
           <a:custGeom>
-            <a:rect b="b" l="l" r="r" t="t"/>
+            <a:avLst/>
+            <a:gdLst/>
+            <a:ahLst/>
+            <a:cxnLst/>
+            <a:rect l="l" t="t" r="r" b="b"/>
             <a:pathLst>
-              <a:path extrusionOk="0" h="175924" w="365770">
+              <a:path w="365770" h="175924" fill="norm" stroke="1" extrusionOk="0">
                 <a:moveTo>
                   <a:pt x="0" y="0"/>
                 </a:moveTo>
@@ -1618,7 +1579,7 @@
             <p:ph type="ctrTitle"/>
           </p:nvPr>
         </p:nvSpPr>
-        <p:spPr>
+        <p:spPr bwMode="auto">
           <a:xfrm>
             <a:off x="311700" y="539725"/>
             <a:ext cx="8520600" cy="1282500"/>
@@ -1628,7 +1589,7 @@
           </a:prstGeom>
         </p:spPr>
         <p:txBody>
-          <a:bodyPr anchorCtr="0" anchor="t" bIns="91425" lIns="91425" spcFirstLastPara="1" rIns="91425" wrap="square" tIns="91425">
+          <a:bodyPr spcFirstLastPara="1" wrap="square" lIns="91425" tIns="91425" rIns="91425" bIns="91425" anchor="t" anchorCtr="0">
             <a:normAutofit/>
           </a:bodyPr>
           <a:lstStyle>
@@ -1732,7 +1693,12 @@
               <a:defRPr sz="3600"/>
             </a:lvl9pPr>
           </a:lstStyle>
-          <a:p/>
+          <a:p>
+            <a:pPr>
+              <a:defRPr/>
+            </a:pPr>
+            <a:endParaRPr/>
+          </a:p>
         </p:txBody>
       </p:sp>
       <p:sp>
@@ -1740,10 +1706,10 @@
           <p:cNvPr id="12" name="Google Shape;12;p2"/>
           <p:cNvSpPr txBox="1"/>
           <p:nvPr>
-            <p:ph idx="1" type="subTitle"/>
+            <p:ph type="subTitle" idx="1"/>
           </p:nvPr>
         </p:nvSpPr>
-        <p:spPr>
+        <p:spPr bwMode="auto">
           <a:xfrm>
             <a:off x="311700" y="1878560"/>
             <a:ext cx="4242600" cy="738300"/>
@@ -1753,7 +1719,7 @@
           </a:prstGeom>
         </p:spPr>
         <p:txBody>
-          <a:bodyPr anchorCtr="0" anchor="t" bIns="91425" lIns="91425" spcFirstLastPara="1" rIns="91425" wrap="square" tIns="91425">
+          <a:bodyPr spcFirstLastPara="1" wrap="square" lIns="91425" tIns="91425" rIns="91425" bIns="91425" anchor="t" anchorCtr="0">
             <a:normAutofit/>
           </a:bodyPr>
           <a:lstStyle>
@@ -1947,7 +1913,12 @@
               </a:defRPr>
             </a:lvl9pPr>
           </a:lstStyle>
-          <a:p/>
+          <a:p>
+            <a:pPr>
+              <a:defRPr/>
+            </a:pPr>
+            <a:endParaRPr/>
+          </a:p>
         </p:txBody>
       </p:sp>
       <p:sp>
@@ -1955,10 +1926,10 @@
           <p:cNvPr id="13" name="Google Shape;13;p2"/>
           <p:cNvSpPr txBox="1"/>
           <p:nvPr>
-            <p:ph idx="12" type="sldNum"/>
+            <p:ph type="sldNum" idx="12"/>
           </p:nvPr>
         </p:nvSpPr>
-        <p:spPr>
+        <p:spPr bwMode="auto">
           <a:xfrm>
             <a:off x="8472458" y="4663217"/>
             <a:ext cx="548700" cy="393600"/>
@@ -1968,7 +1939,7 @@
           </a:prstGeom>
         </p:spPr>
         <p:txBody>
-          <a:bodyPr anchorCtr="0" anchor="ctr" bIns="91425" lIns="91425" spcFirstLastPara="1" rIns="91425" wrap="square" tIns="91425">
+          <a:bodyPr spcFirstLastPara="1" wrap="square" lIns="91425" tIns="91425" rIns="91425" bIns="91425" anchor="ctr" anchorCtr="0">
             <a:normAutofit/>
           </a:bodyPr>
           <a:lstStyle>
@@ -2046,14 +2017,15 @@
             </a:lvl9pPr>
           </a:lstStyle>
           <a:p>
-            <a:pPr indent="0" lvl="0" marL="0" rtl="0" algn="r">
-              <a:spcBef>
-                <a:spcPts val="0"/>
-              </a:spcBef>
-              <a:spcAft>
-                <a:spcPts val="0"/>
-              </a:spcAft>
-              <a:buNone/>
+            <a:pPr marL="0" lvl="0" indent="0" algn="r">
+              <a:spcBef>
+                <a:spcPts val="0"/>
+              </a:spcBef>
+              <a:spcAft>
+                <a:spcPts val="0"/>
+              </a:spcAft>
+              <a:buNone/>
+              <a:defRPr/>
             </a:pPr>
             <a:fld id="{00000000-1234-1234-1234-123412341234}" type="slidenum">
               <a:rPr lang="en"/>
@@ -2072,10 +2044,10 @@
 </file>
 
 <file path=ppt/slideLayouts/slideLayout10.xml><?xml version="1.0" encoding="utf-8"?>
-<p:sldLayout xmlns:a="http://schemas.openxmlformats.org/drawingml/2006/main" xmlns:r="http://schemas.openxmlformats.org/officeDocument/2006/relationships" xmlns:mc="http://schemas.openxmlformats.org/markup-compatibility/2006" xmlns:mv="urn:schemas-microsoft-com:mac:vml" xmlns:p="http://schemas.openxmlformats.org/presentationml/2006/main" xmlns:c="http://schemas.openxmlformats.org/drawingml/2006/chart" xmlns:dgm="http://schemas.openxmlformats.org/drawingml/2006/diagram" xmlns:o="urn:schemas-microsoft-com:office:office" xmlns:v="urn:schemas-microsoft-com:vml" xmlns:pvml="urn:schemas-microsoft-com:office:powerpoint" xmlns:com="http://schemas.openxmlformats.org/drawingml/2006/compatibility" xmlns:p14="http://schemas.microsoft.com/office/powerpoint/2010/main" xmlns:p15="http://schemas.microsoft.com/office/powerpoint/2012/main" xmlns:ahyp="http://schemas.microsoft.com/office/drawing/2018/hyperlinkcolor" matchingName="Big number">
+<p:sldLayout xmlns:a="http://schemas.openxmlformats.org/drawingml/2006/main" xmlns:r="http://schemas.openxmlformats.org/officeDocument/2006/relationships" xmlns:p="http://schemas.openxmlformats.org/presentationml/2006/main" xmlns:m="http://schemas.openxmlformats.org/officeDocument/2006/math" xmlns:w="http://schemas.openxmlformats.org/wordprocessingml/2006/main" matchingName="Big number" preserve="0" showMasterPhAnim="0" userDrawn="1">
   <p:cSld name="BIG_NUMBER">
     <p:bg>
-      <p:bgPr>
+      <p:bgPr shadeToTitle="0">
         <a:solidFill>
           <a:schemeClr val="dk1"/>
         </a:solidFill>
@@ -2083,11 +2055,11 @@
     </p:bg>
     <p:spTree>
       <p:nvGrpSpPr>
-        <p:cNvPr id="54" name="Shape 54"/>
+        <p:cNvPr id="1" name=""/>
         <p:cNvGrpSpPr/>
         <p:nvPr/>
       </p:nvGrpSpPr>
-      <p:grpSpPr>
+      <p:grpSpPr bwMode="auto">
         <a:xfrm>
           <a:off x="0" y="0"/>
           <a:ext cx="0" cy="0"/>
@@ -2100,10 +2072,10 @@
           <p:cNvPr id="55" name="Google Shape;55;p11"/>
           <p:cNvSpPr txBox="1"/>
           <p:nvPr>
-            <p:ph hasCustomPrompt="1" type="title"/>
+            <p:ph type="title" hasCustomPrompt="1"/>
           </p:nvPr>
         </p:nvSpPr>
-        <p:spPr>
+        <p:spPr bwMode="auto">
           <a:xfrm>
             <a:off x="311750" y="831175"/>
             <a:ext cx="5334900" cy="1244700"/>
@@ -2113,7 +2085,7 @@
           </a:prstGeom>
         </p:spPr>
         <p:txBody>
-          <a:bodyPr anchorCtr="0" anchor="b" bIns="91425" lIns="91425" spcFirstLastPara="1" rIns="91425" wrap="square" tIns="91425">
+          <a:bodyPr spcFirstLastPara="1" wrap="square" lIns="91425" tIns="91425" rIns="91425" bIns="91425" anchor="b" anchorCtr="0">
             <a:normAutofit/>
           </a:bodyPr>
           <a:lstStyle>
@@ -2281,9 +2253,14 @@
             </a:lvl9pPr>
           </a:lstStyle>
           <a:p>
-            <a:r>
+            <a:pPr>
+              <a:defRPr/>
+            </a:pPr>
+            <a:r>
+              <a:rPr/>
               <a:t>xx%</a:t>
             </a:r>
+            <a:endParaRPr/>
           </a:p>
         </p:txBody>
       </p:sp>
@@ -2292,10 +2269,10 @@
           <p:cNvPr id="56" name="Google Shape;56;p11"/>
           <p:cNvSpPr txBox="1"/>
           <p:nvPr>
-            <p:ph idx="1" type="body"/>
+            <p:ph type="body" idx="1"/>
           </p:nvPr>
         </p:nvSpPr>
-        <p:spPr>
+        <p:spPr bwMode="auto">
           <a:xfrm>
             <a:off x="311700" y="2121425"/>
             <a:ext cx="5334900" cy="942600"/>
@@ -2305,11 +2282,11 @@
           </a:prstGeom>
         </p:spPr>
         <p:txBody>
-          <a:bodyPr anchorCtr="0" anchor="t" bIns="91425" lIns="91425" spcFirstLastPara="1" rIns="91425" wrap="square" tIns="91425">
+          <a:bodyPr spcFirstLastPara="1" wrap="square" lIns="91425" tIns="91425" rIns="91425" bIns="91425" anchor="t" anchorCtr="0">
             <a:normAutofit/>
           </a:bodyPr>
           <a:lstStyle>
-            <a:lvl1pPr indent="-311150" lvl="0" marL="457200">
+            <a:lvl1pPr marL="457200" lvl="0" indent="-311150">
               <a:spcBef>
                 <a:spcPts val="0"/>
               </a:spcBef>
@@ -2327,7 +2304,7 @@
                 </a:solidFill>
               </a:defRPr>
             </a:lvl1pPr>
-            <a:lvl2pPr indent="-298450" lvl="1" marL="914400">
+            <a:lvl2pPr marL="914400" lvl="1" indent="-298450">
               <a:spcBef>
                 <a:spcPts val="0"/>
               </a:spcBef>
@@ -2345,7 +2322,7 @@
                 </a:solidFill>
               </a:defRPr>
             </a:lvl2pPr>
-            <a:lvl3pPr indent="-298450" lvl="2" marL="1371600">
+            <a:lvl3pPr marL="1371600" lvl="2" indent="-298450">
               <a:spcBef>
                 <a:spcPts val="0"/>
               </a:spcBef>
@@ -2363,7 +2340,7 @@
                 </a:solidFill>
               </a:defRPr>
             </a:lvl3pPr>
-            <a:lvl4pPr indent="-298450" lvl="3" marL="1828800">
+            <a:lvl4pPr marL="1828800" lvl="3" indent="-298450">
               <a:spcBef>
                 <a:spcPts val="0"/>
               </a:spcBef>
@@ -2381,7 +2358,7 @@
                 </a:solidFill>
               </a:defRPr>
             </a:lvl4pPr>
-            <a:lvl5pPr indent="-298450" lvl="4" marL="2286000">
+            <a:lvl5pPr marL="2286000" lvl="4" indent="-298450">
               <a:spcBef>
                 <a:spcPts val="0"/>
               </a:spcBef>
@@ -2399,7 +2376,7 @@
                 </a:solidFill>
               </a:defRPr>
             </a:lvl5pPr>
-            <a:lvl6pPr indent="-298450" lvl="5" marL="2743200">
+            <a:lvl6pPr marL="2743200" lvl="5" indent="-298450">
               <a:spcBef>
                 <a:spcPts val="0"/>
               </a:spcBef>
@@ -2417,7 +2394,7 @@
                 </a:solidFill>
               </a:defRPr>
             </a:lvl6pPr>
-            <a:lvl7pPr indent="-298450" lvl="6" marL="3200400">
+            <a:lvl7pPr marL="3200400" lvl="6" indent="-298450">
               <a:spcBef>
                 <a:spcPts val="0"/>
               </a:spcBef>
@@ -2435,7 +2412,7 @@
                 </a:solidFill>
               </a:defRPr>
             </a:lvl7pPr>
-            <a:lvl8pPr indent="-298450" lvl="7" marL="3657600">
+            <a:lvl8pPr marL="3657600" lvl="7" indent="-298450">
               <a:spcBef>
                 <a:spcPts val="0"/>
               </a:spcBef>
@@ -2453,7 +2430,7 @@
                 </a:solidFill>
               </a:defRPr>
             </a:lvl8pPr>
-            <a:lvl9pPr indent="-298450" lvl="8" marL="4114800">
+            <a:lvl9pPr marL="4114800" lvl="8" indent="-298450">
               <a:spcBef>
                 <a:spcPts val="0"/>
               </a:spcBef>
@@ -2472,7 +2449,12 @@
               </a:defRPr>
             </a:lvl9pPr>
           </a:lstStyle>
-          <a:p/>
+          <a:p>
+            <a:pPr>
+              <a:defRPr/>
+            </a:pPr>
+            <a:endParaRPr/>
+          </a:p>
         </p:txBody>
       </p:sp>
       <p:sp>
@@ -2480,10 +2462,10 @@
           <p:cNvPr id="57" name="Google Shape;57;p11"/>
           <p:cNvSpPr txBox="1"/>
           <p:nvPr>
-            <p:ph idx="12" type="sldNum"/>
+            <p:ph type="sldNum" idx="12"/>
           </p:nvPr>
         </p:nvSpPr>
-        <p:spPr>
+        <p:spPr bwMode="auto">
           <a:xfrm>
             <a:off x="8472458" y="4663217"/>
             <a:ext cx="548700" cy="393600"/>
@@ -2493,7 +2475,7 @@
           </a:prstGeom>
         </p:spPr>
         <p:txBody>
-          <a:bodyPr anchorCtr="0" anchor="ctr" bIns="91425" lIns="91425" spcFirstLastPara="1" rIns="91425" wrap="square" tIns="91425">
+          <a:bodyPr spcFirstLastPara="1" wrap="square" lIns="91425" tIns="91425" rIns="91425" bIns="91425" anchor="ctr" anchorCtr="0">
             <a:normAutofit/>
           </a:bodyPr>
           <a:lstStyle>
@@ -2571,14 +2553,15 @@
             </a:lvl9pPr>
           </a:lstStyle>
           <a:p>
-            <a:pPr indent="0" lvl="0" marL="0" rtl="0" algn="r">
-              <a:spcBef>
-                <a:spcPts val="0"/>
-              </a:spcBef>
-              <a:spcAft>
-                <a:spcPts val="0"/>
-              </a:spcAft>
-              <a:buNone/>
+            <a:pPr marL="0" lvl="0" indent="0" algn="r">
+              <a:spcBef>
+                <a:spcPts val="0"/>
+              </a:spcBef>
+              <a:spcAft>
+                <a:spcPts val="0"/>
+              </a:spcAft>
+              <a:buNone/>
+              <a:defRPr/>
             </a:pPr>
             <a:fld id="{00000000-1234-1234-1234-123412341234}" type="slidenum">
               <a:rPr lang="en"/>
@@ -2597,15 +2580,15 @@
 </file>
 
 <file path=ppt/slideLayouts/slideLayout11.xml><?xml version="1.0" encoding="utf-8"?>
-<p:sldLayout xmlns:a="http://schemas.openxmlformats.org/drawingml/2006/main" xmlns:r="http://schemas.openxmlformats.org/officeDocument/2006/relationships" xmlns:mc="http://schemas.openxmlformats.org/markup-compatibility/2006" xmlns:mv="urn:schemas-microsoft-com:mac:vml" xmlns:p="http://schemas.openxmlformats.org/presentationml/2006/main" xmlns:c="http://schemas.openxmlformats.org/drawingml/2006/chart" xmlns:dgm="http://schemas.openxmlformats.org/drawingml/2006/diagram" xmlns:o="urn:schemas-microsoft-com:office:office" xmlns:v="urn:schemas-microsoft-com:vml" xmlns:pvml="urn:schemas-microsoft-com:office:powerpoint" xmlns:com="http://schemas.openxmlformats.org/drawingml/2006/compatibility" xmlns:p14="http://schemas.microsoft.com/office/powerpoint/2010/main" xmlns:p15="http://schemas.microsoft.com/office/powerpoint/2012/main" xmlns:ahyp="http://schemas.microsoft.com/office/drawing/2018/hyperlinkcolor" matchingName="Blank" type="blank">
+<p:sldLayout xmlns:a="http://schemas.openxmlformats.org/drawingml/2006/main" xmlns:r="http://schemas.openxmlformats.org/officeDocument/2006/relationships" xmlns:p="http://schemas.openxmlformats.org/presentationml/2006/main" xmlns:m="http://schemas.openxmlformats.org/officeDocument/2006/math" xmlns:w="http://schemas.openxmlformats.org/wordprocessingml/2006/main" matchingName="Blank" preserve="0" showMasterPhAnim="0" type="blank" userDrawn="1">
   <p:cSld name="BLANK">
     <p:spTree>
       <p:nvGrpSpPr>
-        <p:cNvPr id="58" name="Shape 58"/>
+        <p:cNvPr id="1" name=""/>
         <p:cNvGrpSpPr/>
         <p:nvPr/>
       </p:nvGrpSpPr>
-      <p:grpSpPr>
+      <p:grpSpPr bwMode="auto">
         <a:xfrm>
           <a:off x="0" y="0"/>
           <a:ext cx="0" cy="0"/>
@@ -2618,10 +2601,10 @@
           <p:cNvPr id="59" name="Google Shape;59;p12"/>
           <p:cNvSpPr txBox="1"/>
           <p:nvPr>
-            <p:ph idx="12" type="sldNum"/>
+            <p:ph type="sldNum" idx="12"/>
           </p:nvPr>
         </p:nvSpPr>
-        <p:spPr>
+        <p:spPr bwMode="auto">
           <a:xfrm>
             <a:off x="8472458" y="4663217"/>
             <a:ext cx="548700" cy="393600"/>
@@ -2631,7 +2614,7 @@
           </a:prstGeom>
         </p:spPr>
         <p:txBody>
-          <a:bodyPr anchorCtr="0" anchor="ctr" bIns="91425" lIns="91425" spcFirstLastPara="1" rIns="91425" wrap="square" tIns="91425">
+          <a:bodyPr spcFirstLastPara="1" wrap="square" lIns="91425" tIns="91425" rIns="91425" bIns="91425" anchor="ctr" anchorCtr="0">
             <a:normAutofit/>
           </a:bodyPr>
           <a:lstStyle>
@@ -2673,14 +2656,15 @@
             </a:lvl9pPr>
           </a:lstStyle>
           <a:p>
-            <a:pPr indent="0" lvl="0" marL="0" rtl="0" algn="r">
-              <a:spcBef>
-                <a:spcPts val="0"/>
-              </a:spcBef>
-              <a:spcAft>
-                <a:spcPts val="0"/>
-              </a:spcAft>
-              <a:buNone/>
+            <a:pPr marL="0" lvl="0" indent="0" algn="r">
+              <a:spcBef>
+                <a:spcPts val="0"/>
+              </a:spcBef>
+              <a:spcAft>
+                <a:spcPts val="0"/>
+              </a:spcAft>
+              <a:buNone/>
+              <a:defRPr/>
             </a:pPr>
             <a:fld id="{00000000-1234-1234-1234-123412341234}" type="slidenum">
               <a:rPr lang="en"/>
@@ -2699,10 +2683,10 @@
 </file>
 
 <file path=ppt/slideLayouts/slideLayout2.xml><?xml version="1.0" encoding="utf-8"?>
-<p:sldLayout xmlns:a="http://schemas.openxmlformats.org/drawingml/2006/main" xmlns:r="http://schemas.openxmlformats.org/officeDocument/2006/relationships" xmlns:mc="http://schemas.openxmlformats.org/markup-compatibility/2006" xmlns:mv="urn:schemas-microsoft-com:mac:vml" xmlns:p="http://schemas.openxmlformats.org/presentationml/2006/main" xmlns:c="http://schemas.openxmlformats.org/drawingml/2006/chart" xmlns:dgm="http://schemas.openxmlformats.org/drawingml/2006/diagram" xmlns:o="urn:schemas-microsoft-com:office:office" xmlns:v="urn:schemas-microsoft-com:vml" xmlns:pvml="urn:schemas-microsoft-com:office:powerpoint" xmlns:com="http://schemas.openxmlformats.org/drawingml/2006/compatibility" xmlns:p14="http://schemas.microsoft.com/office/powerpoint/2010/main" xmlns:p15="http://schemas.microsoft.com/office/powerpoint/2012/main" xmlns:ahyp="http://schemas.microsoft.com/office/drawing/2018/hyperlinkcolor" matchingName="Section header" type="secHead">
+<p:sldLayout xmlns:a="http://schemas.openxmlformats.org/drawingml/2006/main" xmlns:r="http://schemas.openxmlformats.org/officeDocument/2006/relationships" xmlns:p="http://schemas.openxmlformats.org/presentationml/2006/main" xmlns:m="http://schemas.openxmlformats.org/officeDocument/2006/math" xmlns:w="http://schemas.openxmlformats.org/wordprocessingml/2006/main" matchingName="Section header" preserve="0" showMasterPhAnim="0" type="secHead" userDrawn="1">
   <p:cSld name="SECTION_HEADER">
     <p:bg>
-      <p:bgPr>
+      <p:bgPr shadeToTitle="0">
         <a:solidFill>
           <a:schemeClr val="accent3"/>
         </a:solidFill>
@@ -2710,11 +2694,11 @@
     </p:bg>
     <p:spTree>
       <p:nvGrpSpPr>
-        <p:cNvPr id="14" name="Shape 14"/>
+        <p:cNvPr id="1" name=""/>
         <p:cNvGrpSpPr/>
         <p:nvPr/>
       </p:nvGrpSpPr>
-      <p:grpSpPr>
+      <p:grpSpPr bwMode="auto">
         <a:xfrm>
           <a:off x="0" y="0"/>
           <a:ext cx="0" cy="0"/>
@@ -2728,15 +2712,19 @@
           <p:cNvSpPr/>
           <p:nvPr/>
         </p:nvSpPr>
-        <p:spPr>
+        <p:spPr bwMode="auto">
           <a:xfrm>
             <a:off x="0" y="48099"/>
             <a:ext cx="9144250" cy="4398100"/>
           </a:xfrm>
           <a:custGeom>
-            <a:rect b="b" l="l" r="r" t="t"/>
+            <a:avLst/>
+            <a:gdLst/>
+            <a:ahLst/>
+            <a:cxnLst/>
+            <a:rect l="l" t="t" r="r" b="b"/>
             <a:pathLst>
-              <a:path extrusionOk="0" h="175924" w="365770">
+              <a:path w="365770" h="175924" fill="norm" stroke="1" extrusionOk="0">
                 <a:moveTo>
                   <a:pt x="0" y="0"/>
                 </a:moveTo>
@@ -2767,15 +2755,19 @@
           <p:cNvSpPr/>
           <p:nvPr/>
         </p:nvSpPr>
-        <p:spPr>
+        <p:spPr bwMode="auto">
           <a:xfrm>
             <a:off x="0" y="0"/>
             <a:ext cx="9144250" cy="4398100"/>
           </a:xfrm>
           <a:custGeom>
-            <a:rect b="b" l="l" r="r" t="t"/>
+            <a:avLst/>
+            <a:gdLst/>
+            <a:ahLst/>
+            <a:cxnLst/>
+            <a:rect l="l" t="t" r="r" b="b"/>
             <a:pathLst>
-              <a:path extrusionOk="0" h="175924" w="365770">
+              <a:path w="365770" h="175924" fill="norm" stroke="1" extrusionOk="0">
                 <a:moveTo>
                   <a:pt x="0" y="0"/>
                 </a:moveTo>
@@ -2808,7 +2800,7 @@
             <p:ph type="title"/>
           </p:nvPr>
         </p:nvSpPr>
-        <p:spPr>
+        <p:spPr bwMode="auto">
           <a:xfrm>
             <a:off x="311700" y="539725"/>
             <a:ext cx="8520600" cy="1282500"/>
@@ -2818,7 +2810,7 @@
           </a:prstGeom>
         </p:spPr>
         <p:txBody>
-          <a:bodyPr anchorCtr="0" anchor="t" bIns="91425" lIns="91425" spcFirstLastPara="1" rIns="91425" wrap="square" tIns="91425">
+          <a:bodyPr spcFirstLastPara="1" wrap="square" lIns="91425" tIns="91425" rIns="91425" bIns="91425" anchor="t" anchorCtr="0">
             <a:normAutofit/>
           </a:bodyPr>
           <a:lstStyle>
@@ -2922,7 +2914,12 @@
               <a:defRPr sz="3600"/>
             </a:lvl9pPr>
           </a:lstStyle>
-          <a:p/>
+          <a:p>
+            <a:pPr>
+              <a:defRPr/>
+            </a:pPr>
+            <a:endParaRPr/>
+          </a:p>
         </p:txBody>
       </p:sp>
       <p:sp>
@@ -2930,10 +2927,10 @@
           <p:cNvPr id="18" name="Google Shape;18;p3"/>
           <p:cNvSpPr txBox="1"/>
           <p:nvPr>
-            <p:ph idx="12" type="sldNum"/>
+            <p:ph type="sldNum" idx="12"/>
           </p:nvPr>
         </p:nvSpPr>
-        <p:spPr>
+        <p:spPr bwMode="auto">
           <a:xfrm>
             <a:off x="8472458" y="4663217"/>
             <a:ext cx="548700" cy="393600"/>
@@ -2943,7 +2940,7 @@
           </a:prstGeom>
         </p:spPr>
         <p:txBody>
-          <a:bodyPr anchorCtr="0" anchor="ctr" bIns="91425" lIns="91425" spcFirstLastPara="1" rIns="91425" wrap="square" tIns="91425">
+          <a:bodyPr spcFirstLastPara="1" wrap="square" lIns="91425" tIns="91425" rIns="91425" bIns="91425" anchor="ctr" anchorCtr="0">
             <a:normAutofit/>
           </a:bodyPr>
           <a:lstStyle>
@@ -3021,14 +3018,15 @@
             </a:lvl9pPr>
           </a:lstStyle>
           <a:p>
-            <a:pPr indent="0" lvl="0" marL="0" rtl="0" algn="r">
-              <a:spcBef>
-                <a:spcPts val="0"/>
-              </a:spcBef>
-              <a:spcAft>
-                <a:spcPts val="0"/>
-              </a:spcAft>
-              <a:buNone/>
+            <a:pPr marL="0" lvl="0" indent="0" algn="r">
+              <a:spcBef>
+                <a:spcPts val="0"/>
+              </a:spcBef>
+              <a:spcAft>
+                <a:spcPts val="0"/>
+              </a:spcAft>
+              <a:buNone/>
+              <a:defRPr/>
             </a:pPr>
             <a:fld id="{00000000-1234-1234-1234-123412341234}" type="slidenum">
               <a:rPr lang="en"/>
@@ -3047,15 +3045,15 @@
 </file>
 
 <file path=ppt/slideLayouts/slideLayout3.xml><?xml version="1.0" encoding="utf-8"?>
-<p:sldLayout xmlns:a="http://schemas.openxmlformats.org/drawingml/2006/main" xmlns:r="http://schemas.openxmlformats.org/officeDocument/2006/relationships" xmlns:mc="http://schemas.openxmlformats.org/markup-compatibility/2006" xmlns:mv="urn:schemas-microsoft-com:mac:vml" xmlns:p="http://schemas.openxmlformats.org/presentationml/2006/main" xmlns:c="http://schemas.openxmlformats.org/drawingml/2006/chart" xmlns:dgm="http://schemas.openxmlformats.org/drawingml/2006/diagram" xmlns:o="urn:schemas-microsoft-com:office:office" xmlns:v="urn:schemas-microsoft-com:vml" xmlns:pvml="urn:schemas-microsoft-com:office:powerpoint" xmlns:com="http://schemas.openxmlformats.org/drawingml/2006/compatibility" xmlns:p14="http://schemas.microsoft.com/office/powerpoint/2010/main" xmlns:p15="http://schemas.microsoft.com/office/powerpoint/2012/main" xmlns:ahyp="http://schemas.microsoft.com/office/drawing/2018/hyperlinkcolor" matchingName="Title and body" type="tx">
+<p:sldLayout xmlns:a="http://schemas.openxmlformats.org/drawingml/2006/main" xmlns:r="http://schemas.openxmlformats.org/officeDocument/2006/relationships" xmlns:p="http://schemas.openxmlformats.org/presentationml/2006/main" xmlns:m="http://schemas.openxmlformats.org/officeDocument/2006/math" xmlns:w="http://schemas.openxmlformats.org/wordprocessingml/2006/main" matchingName="Title and body" preserve="0" showMasterPhAnim="0" type="tx" userDrawn="1">
   <p:cSld name="TITLE_AND_BODY">
     <p:spTree>
       <p:nvGrpSpPr>
-        <p:cNvPr id="19" name="Shape 19"/>
+        <p:cNvPr id="1" name=""/>
         <p:cNvGrpSpPr/>
         <p:nvPr/>
       </p:nvGrpSpPr>
-      <p:grpSpPr>
+      <p:grpSpPr bwMode="auto">
         <a:xfrm>
           <a:off x="0" y="0"/>
           <a:ext cx="0" cy="0"/>
@@ -3069,7 +3067,7 @@
           <p:cNvSpPr/>
           <p:nvPr/>
         </p:nvSpPr>
-        <p:spPr>
+        <p:spPr bwMode="auto">
           <a:xfrm>
             <a:off x="0" y="0"/>
             <a:ext cx="4314000" cy="5143500"/>
@@ -3085,23 +3083,21 @@
           </a:ln>
         </p:spPr>
         <p:txBody>
-          <a:bodyPr anchorCtr="0" anchor="ctr" bIns="91425" lIns="91425" spcFirstLastPara="1" rIns="91425" wrap="square" tIns="91425">
+          <a:bodyPr spcFirstLastPara="1" wrap="square" lIns="91425" tIns="91425" rIns="91425" bIns="91425" anchor="ctr" anchorCtr="0">
             <a:noAutofit/>
           </a:bodyPr>
           <a:lstStyle/>
           <a:p>
-            <a:pPr indent="0" lvl="0" marL="0" rtl="0" algn="l">
-              <a:spcBef>
-                <a:spcPts val="0"/>
-              </a:spcBef>
-              <a:spcAft>
-                <a:spcPts val="0"/>
-              </a:spcAft>
-              <a:buNone/>
+            <a:pPr marL="0" lvl="0" indent="0" algn="l">
+              <a:spcBef>
+                <a:spcPts val="0"/>
+              </a:spcBef>
+              <a:spcAft>
+                <a:spcPts val="0"/>
+              </a:spcAft>
+              <a:buNone/>
+              <a:defRPr/>
             </a:pPr>
-            <a:r>
-              <a:t/>
-            </a:r>
             <a:endParaRPr/>
           </a:p>
         </p:txBody>
@@ -3112,15 +3108,19 @@
           <p:cNvSpPr/>
           <p:nvPr/>
         </p:nvSpPr>
-        <p:spPr>
+        <p:spPr bwMode="auto">
           <a:xfrm>
             <a:off x="0" y="44125"/>
             <a:ext cx="4313625" cy="4399375"/>
           </a:xfrm>
           <a:custGeom>
-            <a:rect b="b" l="l" r="r" t="t"/>
+            <a:avLst/>
+            <a:gdLst/>
+            <a:ahLst/>
+            <a:cxnLst/>
+            <a:rect l="l" t="t" r="r" b="b"/>
             <a:pathLst>
-              <a:path extrusionOk="0" h="175975" w="172545">
+              <a:path w="172545" h="175975" fill="norm" stroke="1" extrusionOk="0">
                 <a:moveTo>
                   <a:pt x="0" y="157"/>
                 </a:moveTo>
@@ -3151,15 +3151,19 @@
           <p:cNvSpPr/>
           <p:nvPr/>
         </p:nvSpPr>
-        <p:spPr>
+        <p:spPr bwMode="auto">
           <a:xfrm>
             <a:off x="-125" y="0"/>
             <a:ext cx="4316900" cy="4395600"/>
           </a:xfrm>
           <a:custGeom>
-            <a:rect b="b" l="l" r="r" t="t"/>
+            <a:avLst/>
+            <a:gdLst/>
+            <a:ahLst/>
+            <a:cxnLst/>
+            <a:rect l="l" t="t" r="r" b="b"/>
             <a:pathLst>
-              <a:path extrusionOk="0" h="175824" w="172676">
+              <a:path w="172676" h="175824" fill="norm" stroke="1" extrusionOk="0">
                 <a:moveTo>
                   <a:pt x="0" y="6"/>
                 </a:moveTo>
@@ -3192,7 +3196,7 @@
             <p:ph type="title"/>
           </p:nvPr>
         </p:nvSpPr>
-        <p:spPr>
+        <p:spPr bwMode="auto">
           <a:xfrm>
             <a:off x="311725" y="500925"/>
             <a:ext cx="3706500" cy="2508900"/>
@@ -3202,7 +3206,7 @@
           </a:prstGeom>
         </p:spPr>
         <p:txBody>
-          <a:bodyPr anchorCtr="0" anchor="t" bIns="91425" lIns="91425" spcFirstLastPara="1" rIns="91425" wrap="square" tIns="91425">
+          <a:bodyPr spcFirstLastPara="1" wrap="square" lIns="91425" tIns="91425" rIns="91425" bIns="91425" anchor="t" anchorCtr="0">
             <a:normAutofit/>
           </a:bodyPr>
           <a:lstStyle>
@@ -3369,7 +3373,12 @@
               </a:defRPr>
             </a:lvl9pPr>
           </a:lstStyle>
-          <a:p/>
+          <a:p>
+            <a:pPr>
+              <a:defRPr/>
+            </a:pPr>
+            <a:endParaRPr/>
+          </a:p>
         </p:txBody>
       </p:sp>
       <p:sp>
@@ -3377,10 +3386,10 @@
           <p:cNvPr id="24" name="Google Shape;24;p4"/>
           <p:cNvSpPr txBox="1"/>
           <p:nvPr>
-            <p:ph idx="1" type="body"/>
+            <p:ph type="body" idx="1"/>
           </p:nvPr>
         </p:nvSpPr>
-        <p:spPr>
+        <p:spPr bwMode="auto">
           <a:xfrm>
             <a:off x="4644675" y="500925"/>
             <a:ext cx="4166400" cy="4098600"/>
@@ -3390,11 +3399,11 @@
           </a:prstGeom>
         </p:spPr>
         <p:txBody>
-          <a:bodyPr anchorCtr="0" anchor="t" bIns="91425" lIns="91425" spcFirstLastPara="1" rIns="91425" wrap="square" tIns="91425">
+          <a:bodyPr spcFirstLastPara="1" wrap="square" lIns="91425" tIns="91425" rIns="91425" bIns="91425" anchor="t" anchorCtr="0">
             <a:normAutofit/>
           </a:bodyPr>
           <a:lstStyle>
-            <a:lvl1pPr indent="-311150" lvl="0" marL="457200">
+            <a:lvl1pPr marL="457200" lvl="0" indent="-311150">
               <a:spcBef>
                 <a:spcPts val="0"/>
               </a:spcBef>
@@ -3405,7 +3414,7 @@
               <a:buChar char="●"/>
               <a:defRPr/>
             </a:lvl1pPr>
-            <a:lvl2pPr indent="-298450" lvl="1" marL="914400">
+            <a:lvl2pPr marL="914400" lvl="1" indent="-298450">
               <a:spcBef>
                 <a:spcPts val="0"/>
               </a:spcBef>
@@ -3416,7 +3425,7 @@
               <a:buChar char="○"/>
               <a:defRPr/>
             </a:lvl2pPr>
-            <a:lvl3pPr indent="-298450" lvl="2" marL="1371600">
+            <a:lvl3pPr marL="1371600" lvl="2" indent="-298450">
               <a:spcBef>
                 <a:spcPts val="0"/>
               </a:spcBef>
@@ -3427,7 +3436,7 @@
               <a:buChar char="■"/>
               <a:defRPr/>
             </a:lvl3pPr>
-            <a:lvl4pPr indent="-298450" lvl="3" marL="1828800">
+            <a:lvl4pPr marL="1828800" lvl="3" indent="-298450">
               <a:spcBef>
                 <a:spcPts val="0"/>
               </a:spcBef>
@@ -3438,7 +3447,7 @@
               <a:buChar char="●"/>
               <a:defRPr/>
             </a:lvl4pPr>
-            <a:lvl5pPr indent="-298450" lvl="4" marL="2286000">
+            <a:lvl5pPr marL="2286000" lvl="4" indent="-298450">
               <a:spcBef>
                 <a:spcPts val="0"/>
               </a:spcBef>
@@ -3449,7 +3458,7 @@
               <a:buChar char="○"/>
               <a:defRPr/>
             </a:lvl5pPr>
-            <a:lvl6pPr indent="-298450" lvl="5" marL="2743200">
+            <a:lvl6pPr marL="2743200" lvl="5" indent="-298450">
               <a:spcBef>
                 <a:spcPts val="0"/>
               </a:spcBef>
@@ -3460,7 +3469,7 @@
               <a:buChar char="■"/>
               <a:defRPr/>
             </a:lvl6pPr>
-            <a:lvl7pPr indent="-298450" lvl="6" marL="3200400">
+            <a:lvl7pPr marL="3200400" lvl="6" indent="-298450">
               <a:spcBef>
                 <a:spcPts val="0"/>
               </a:spcBef>
@@ -3471,7 +3480,7 @@
               <a:buChar char="●"/>
               <a:defRPr/>
             </a:lvl7pPr>
-            <a:lvl8pPr indent="-298450" lvl="7" marL="3657600">
+            <a:lvl8pPr marL="3657600" lvl="7" indent="-298450">
               <a:spcBef>
                 <a:spcPts val="0"/>
               </a:spcBef>
@@ -3482,7 +3491,7 @@
               <a:buChar char="○"/>
               <a:defRPr/>
             </a:lvl8pPr>
-            <a:lvl9pPr indent="-298450" lvl="8" marL="4114800">
+            <a:lvl9pPr marL="4114800" lvl="8" indent="-298450">
               <a:spcBef>
                 <a:spcPts val="0"/>
               </a:spcBef>
@@ -3494,7 +3503,12 @@
               <a:defRPr/>
             </a:lvl9pPr>
           </a:lstStyle>
-          <a:p/>
+          <a:p>
+            <a:pPr>
+              <a:defRPr/>
+            </a:pPr>
+            <a:endParaRPr/>
+          </a:p>
         </p:txBody>
       </p:sp>
       <p:sp>
@@ -3502,10 +3516,10 @@
           <p:cNvPr id="25" name="Google Shape;25;p4"/>
           <p:cNvSpPr txBox="1"/>
           <p:nvPr>
-            <p:ph idx="12" type="sldNum"/>
+            <p:ph type="sldNum" idx="12"/>
           </p:nvPr>
         </p:nvSpPr>
-        <p:spPr>
+        <p:spPr bwMode="auto">
           <a:xfrm>
             <a:off x="8472458" y="4663217"/>
             <a:ext cx="548700" cy="393600"/>
@@ -3515,7 +3529,7 @@
           </a:prstGeom>
         </p:spPr>
         <p:txBody>
-          <a:bodyPr anchorCtr="0" anchor="ctr" bIns="91425" lIns="91425" spcFirstLastPara="1" rIns="91425" wrap="square" tIns="91425">
+          <a:bodyPr spcFirstLastPara="1" wrap="square" lIns="91425" tIns="91425" rIns="91425" bIns="91425" anchor="ctr" anchorCtr="0">
             <a:normAutofit/>
           </a:bodyPr>
           <a:lstStyle>
@@ -3557,14 +3571,15 @@
             </a:lvl9pPr>
           </a:lstStyle>
           <a:p>
-            <a:pPr indent="0" lvl="0" marL="0" rtl="0" algn="r">
-              <a:spcBef>
-                <a:spcPts val="0"/>
-              </a:spcBef>
-              <a:spcAft>
-                <a:spcPts val="0"/>
-              </a:spcAft>
-              <a:buNone/>
+            <a:pPr marL="0" lvl="0" indent="0" algn="r">
+              <a:spcBef>
+                <a:spcPts val="0"/>
+              </a:spcBef>
+              <a:spcAft>
+                <a:spcPts val="0"/>
+              </a:spcAft>
+              <a:buNone/>
+              <a:defRPr/>
             </a:pPr>
             <a:fld id="{00000000-1234-1234-1234-123412341234}" type="slidenum">
               <a:rPr lang="en"/>
@@ -3583,15 +3598,15 @@
 </file>
 
 <file path=ppt/slideLayouts/slideLayout4.xml><?xml version="1.0" encoding="utf-8"?>
-<p:sldLayout xmlns:a="http://schemas.openxmlformats.org/drawingml/2006/main" xmlns:r="http://schemas.openxmlformats.org/officeDocument/2006/relationships" xmlns:mc="http://schemas.openxmlformats.org/markup-compatibility/2006" xmlns:mv="urn:schemas-microsoft-com:mac:vml" xmlns:p="http://schemas.openxmlformats.org/presentationml/2006/main" xmlns:c="http://schemas.openxmlformats.org/drawingml/2006/chart" xmlns:dgm="http://schemas.openxmlformats.org/drawingml/2006/diagram" xmlns:o="urn:schemas-microsoft-com:office:office" xmlns:v="urn:schemas-microsoft-com:vml" xmlns:pvml="urn:schemas-microsoft-com:office:powerpoint" xmlns:com="http://schemas.openxmlformats.org/drawingml/2006/compatibility" xmlns:p14="http://schemas.microsoft.com/office/powerpoint/2010/main" xmlns:p15="http://schemas.microsoft.com/office/powerpoint/2012/main" xmlns:ahyp="http://schemas.microsoft.com/office/drawing/2018/hyperlinkcolor" matchingName="Title and two columns" type="twoColTx">
+<p:sldLayout xmlns:a="http://schemas.openxmlformats.org/drawingml/2006/main" xmlns:r="http://schemas.openxmlformats.org/officeDocument/2006/relationships" xmlns:p="http://schemas.openxmlformats.org/presentationml/2006/main" xmlns:m="http://schemas.openxmlformats.org/officeDocument/2006/math" xmlns:w="http://schemas.openxmlformats.org/wordprocessingml/2006/main" matchingName="Title and two columns" preserve="0" showMasterPhAnim="0" type="twoColTx" userDrawn="1">
   <p:cSld name="TITLE_AND_TWO_COLUMNS">
     <p:spTree>
       <p:nvGrpSpPr>
-        <p:cNvPr id="26" name="Shape 26"/>
+        <p:cNvPr id="1" name=""/>
         <p:cNvGrpSpPr/>
         <p:nvPr/>
       </p:nvGrpSpPr>
-      <p:grpSpPr>
+      <p:grpSpPr bwMode="auto">
         <a:xfrm>
           <a:off x="0" y="0"/>
           <a:ext cx="0" cy="0"/>
@@ -3605,7 +3620,7 @@
           <p:cNvSpPr/>
           <p:nvPr/>
         </p:nvSpPr>
-        <p:spPr>
+        <p:spPr bwMode="auto">
           <a:xfrm>
             <a:off x="0" y="0"/>
             <a:ext cx="9144000" cy="1277100"/>
@@ -3621,23 +3636,21 @@
           </a:ln>
         </p:spPr>
         <p:txBody>
-          <a:bodyPr anchorCtr="0" anchor="ctr" bIns="91425" lIns="91425" spcFirstLastPara="1" rIns="91425" wrap="square" tIns="91425">
+          <a:bodyPr spcFirstLastPara="1" wrap="square" lIns="91425" tIns="91425" rIns="91425" bIns="91425" anchor="ctr" anchorCtr="0">
             <a:noAutofit/>
           </a:bodyPr>
           <a:lstStyle/>
           <a:p>
-            <a:pPr indent="0" lvl="0" marL="0" rtl="0" algn="l">
-              <a:spcBef>
-                <a:spcPts val="0"/>
-              </a:spcBef>
-              <a:spcAft>
-                <a:spcPts val="0"/>
-              </a:spcAft>
-              <a:buNone/>
+            <a:pPr marL="0" lvl="0" indent="0" algn="l">
+              <a:spcBef>
+                <a:spcPts val="0"/>
+              </a:spcBef>
+              <a:spcAft>
+                <a:spcPts val="0"/>
+              </a:spcAft>
+              <a:buNone/>
+              <a:defRPr/>
             </a:pPr>
-            <a:r>
-              <a:t/>
-            </a:r>
             <a:endParaRPr/>
           </a:p>
         </p:txBody>
@@ -3650,7 +3663,7 @@
             <p:ph type="title"/>
           </p:nvPr>
         </p:nvSpPr>
-        <p:spPr>
+        <p:spPr bwMode="auto">
           <a:xfrm>
             <a:off x="311725" y="500925"/>
             <a:ext cx="8520600" cy="623700"/>
@@ -3660,7 +3673,7 @@
           </a:prstGeom>
         </p:spPr>
         <p:txBody>
-          <a:bodyPr anchorCtr="0" anchor="t" bIns="91425" lIns="91425" spcFirstLastPara="1" rIns="91425" wrap="square" tIns="91425">
+          <a:bodyPr spcFirstLastPara="1" wrap="square" lIns="91425" tIns="91425" rIns="91425" bIns="91425" anchor="t" anchorCtr="0">
             <a:normAutofit/>
           </a:bodyPr>
           <a:lstStyle>
@@ -3827,7 +3840,12 @@
               </a:defRPr>
             </a:lvl9pPr>
           </a:lstStyle>
-          <a:p/>
+          <a:p>
+            <a:pPr>
+              <a:defRPr/>
+            </a:pPr>
+            <a:endParaRPr/>
+          </a:p>
         </p:txBody>
       </p:sp>
       <p:sp>
@@ -3835,10 +3853,10 @@
           <p:cNvPr id="29" name="Google Shape;29;p5"/>
           <p:cNvSpPr txBox="1"/>
           <p:nvPr>
-            <p:ph idx="1" type="body"/>
+            <p:ph type="body" idx="1"/>
           </p:nvPr>
         </p:nvSpPr>
-        <p:spPr>
+        <p:spPr bwMode="auto">
           <a:xfrm>
             <a:off x="311700" y="1505700"/>
             <a:ext cx="3999900" cy="3076200"/>
@@ -3848,11 +3866,11 @@
           </a:prstGeom>
         </p:spPr>
         <p:txBody>
-          <a:bodyPr anchorCtr="0" anchor="t" bIns="91425" lIns="91425" spcFirstLastPara="1" rIns="91425" wrap="square" tIns="91425">
+          <a:bodyPr spcFirstLastPara="1" wrap="square" lIns="91425" tIns="91425" rIns="91425" bIns="91425" anchor="t" anchorCtr="0">
             <a:normAutofit/>
           </a:bodyPr>
           <a:lstStyle>
-            <a:lvl1pPr indent="-311150" lvl="0" marL="457200">
+            <a:lvl1pPr marL="457200" lvl="0" indent="-311150">
               <a:spcBef>
                 <a:spcPts val="0"/>
               </a:spcBef>
@@ -3863,7 +3881,7 @@
               <a:buChar char="●"/>
               <a:defRPr/>
             </a:lvl1pPr>
-            <a:lvl2pPr indent="-298450" lvl="1" marL="914400">
+            <a:lvl2pPr marL="914400" lvl="1" indent="-298450">
               <a:spcBef>
                 <a:spcPts val="0"/>
               </a:spcBef>
@@ -3874,7 +3892,7 @@
               <a:buChar char="○"/>
               <a:defRPr/>
             </a:lvl2pPr>
-            <a:lvl3pPr indent="-298450" lvl="2" marL="1371600">
+            <a:lvl3pPr marL="1371600" lvl="2" indent="-298450">
               <a:spcBef>
                 <a:spcPts val="0"/>
               </a:spcBef>
@@ -3885,7 +3903,7 @@
               <a:buChar char="■"/>
               <a:defRPr/>
             </a:lvl3pPr>
-            <a:lvl4pPr indent="-298450" lvl="3" marL="1828800">
+            <a:lvl4pPr marL="1828800" lvl="3" indent="-298450">
               <a:spcBef>
                 <a:spcPts val="0"/>
               </a:spcBef>
@@ -3896,7 +3914,7 @@
               <a:buChar char="●"/>
               <a:defRPr/>
             </a:lvl4pPr>
-            <a:lvl5pPr indent="-298450" lvl="4" marL="2286000">
+            <a:lvl5pPr marL="2286000" lvl="4" indent="-298450">
               <a:spcBef>
                 <a:spcPts val="0"/>
               </a:spcBef>
@@ -3907,7 +3925,7 @@
               <a:buChar char="○"/>
               <a:defRPr/>
             </a:lvl5pPr>
-            <a:lvl6pPr indent="-298450" lvl="5" marL="2743200">
+            <a:lvl6pPr marL="2743200" lvl="5" indent="-298450">
               <a:spcBef>
                 <a:spcPts val="0"/>
               </a:spcBef>
@@ -3918,7 +3936,7 @@
               <a:buChar char="■"/>
               <a:defRPr/>
             </a:lvl6pPr>
-            <a:lvl7pPr indent="-298450" lvl="6" marL="3200400">
+            <a:lvl7pPr marL="3200400" lvl="6" indent="-298450">
               <a:spcBef>
                 <a:spcPts val="0"/>
               </a:spcBef>
@@ -3929,7 +3947,7 @@
               <a:buChar char="●"/>
               <a:defRPr/>
             </a:lvl7pPr>
-            <a:lvl8pPr indent="-298450" lvl="7" marL="3657600">
+            <a:lvl8pPr marL="3657600" lvl="7" indent="-298450">
               <a:spcBef>
                 <a:spcPts val="0"/>
               </a:spcBef>
@@ -3940,7 +3958,7 @@
               <a:buChar char="○"/>
               <a:defRPr/>
             </a:lvl8pPr>
-            <a:lvl9pPr indent="-298450" lvl="8" marL="4114800">
+            <a:lvl9pPr marL="4114800" lvl="8" indent="-298450">
               <a:spcBef>
                 <a:spcPts val="0"/>
               </a:spcBef>
@@ -3952,7 +3970,12 @@
               <a:defRPr/>
             </a:lvl9pPr>
           </a:lstStyle>
-          <a:p/>
+          <a:p>
+            <a:pPr>
+              <a:defRPr/>
+            </a:pPr>
+            <a:endParaRPr/>
+          </a:p>
         </p:txBody>
       </p:sp>
       <p:sp>
@@ -3960,12 +3983,12 @@
           <p:cNvPr id="30" name="Google Shape;30;p5"/>
           <p:cNvSpPr txBox="1"/>
           <p:nvPr>
-            <p:ph idx="2" type="body"/>
+            <p:ph type="body" idx="2"/>
           </p:nvPr>
         </p:nvSpPr>
-        <p:spPr>
+        <p:spPr bwMode="auto">
           <a:xfrm>
-            <a:off x="4832400" y="1505700"/>
+            <a:off x="4832399" y="1505700"/>
             <a:ext cx="3999900" cy="3076200"/>
           </a:xfrm>
           <a:prstGeom prst="rect">
@@ -3973,11 +3996,11 @@
           </a:prstGeom>
         </p:spPr>
         <p:txBody>
-          <a:bodyPr anchorCtr="0" anchor="t" bIns="91425" lIns="91425" spcFirstLastPara="1" rIns="91425" wrap="square" tIns="91425">
+          <a:bodyPr spcFirstLastPara="1" wrap="square" lIns="91425" tIns="91425" rIns="91425" bIns="91425" anchor="t" anchorCtr="0">
             <a:normAutofit/>
           </a:bodyPr>
           <a:lstStyle>
-            <a:lvl1pPr indent="-311150" lvl="0" marL="457200">
+            <a:lvl1pPr marL="457200" lvl="0" indent="-311150">
               <a:spcBef>
                 <a:spcPts val="0"/>
               </a:spcBef>
@@ -3988,7 +4011,7 @@
               <a:buChar char="●"/>
               <a:defRPr/>
             </a:lvl1pPr>
-            <a:lvl2pPr indent="-298450" lvl="1" marL="914400">
+            <a:lvl2pPr marL="914400" lvl="1" indent="-298450">
               <a:spcBef>
                 <a:spcPts val="0"/>
               </a:spcBef>
@@ -3999,7 +4022,7 @@
               <a:buChar char="○"/>
               <a:defRPr/>
             </a:lvl2pPr>
-            <a:lvl3pPr indent="-298450" lvl="2" marL="1371600">
+            <a:lvl3pPr marL="1371600" lvl="2" indent="-298450">
               <a:spcBef>
                 <a:spcPts val="0"/>
               </a:spcBef>
@@ -4010,7 +4033,7 @@
               <a:buChar char="■"/>
               <a:defRPr/>
             </a:lvl3pPr>
-            <a:lvl4pPr indent="-298450" lvl="3" marL="1828800">
+            <a:lvl4pPr marL="1828800" lvl="3" indent="-298450">
               <a:spcBef>
                 <a:spcPts val="0"/>
               </a:spcBef>
@@ -4021,7 +4044,7 @@
               <a:buChar char="●"/>
               <a:defRPr/>
             </a:lvl4pPr>
-            <a:lvl5pPr indent="-298450" lvl="4" marL="2286000">
+            <a:lvl5pPr marL="2286000" lvl="4" indent="-298450">
               <a:spcBef>
                 <a:spcPts val="0"/>
               </a:spcBef>
@@ -4032,7 +4055,7 @@
               <a:buChar char="○"/>
               <a:defRPr/>
             </a:lvl5pPr>
-            <a:lvl6pPr indent="-298450" lvl="5" marL="2743200">
+            <a:lvl6pPr marL="2743200" lvl="5" indent="-298450">
               <a:spcBef>
                 <a:spcPts val="0"/>
               </a:spcBef>
@@ -4043,7 +4066,7 @@
               <a:buChar char="■"/>
               <a:defRPr/>
             </a:lvl6pPr>
-            <a:lvl7pPr indent="-298450" lvl="6" marL="3200400">
+            <a:lvl7pPr marL="3200400" lvl="6" indent="-298450">
               <a:spcBef>
                 <a:spcPts val="0"/>
               </a:spcBef>
@@ -4054,7 +4077,7 @@
               <a:buChar char="●"/>
               <a:defRPr/>
             </a:lvl7pPr>
-            <a:lvl8pPr indent="-298450" lvl="7" marL="3657600">
+            <a:lvl8pPr marL="3657600" lvl="7" indent="-298450">
               <a:spcBef>
                 <a:spcPts val="0"/>
               </a:spcBef>
@@ -4065,7 +4088,7 @@
               <a:buChar char="○"/>
               <a:defRPr/>
             </a:lvl8pPr>
-            <a:lvl9pPr indent="-298450" lvl="8" marL="4114800">
+            <a:lvl9pPr marL="4114800" lvl="8" indent="-298450">
               <a:spcBef>
                 <a:spcPts val="0"/>
               </a:spcBef>
@@ -4077,7 +4100,12 @@
               <a:defRPr/>
             </a:lvl9pPr>
           </a:lstStyle>
-          <a:p/>
+          <a:p>
+            <a:pPr>
+              <a:defRPr/>
+            </a:pPr>
+            <a:endParaRPr/>
+          </a:p>
         </p:txBody>
       </p:sp>
       <p:sp>
@@ -4085,10 +4113,10 @@
           <p:cNvPr id="31" name="Google Shape;31;p5"/>
           <p:cNvSpPr txBox="1"/>
           <p:nvPr>
-            <p:ph idx="12" type="sldNum"/>
+            <p:ph type="sldNum" idx="12"/>
           </p:nvPr>
         </p:nvSpPr>
-        <p:spPr>
+        <p:spPr bwMode="auto">
           <a:xfrm>
             <a:off x="8472458" y="4663217"/>
             <a:ext cx="548700" cy="393600"/>
@@ -4098,7 +4126,7 @@
           </a:prstGeom>
         </p:spPr>
         <p:txBody>
-          <a:bodyPr anchorCtr="0" anchor="ctr" bIns="91425" lIns="91425" spcFirstLastPara="1" rIns="91425" wrap="square" tIns="91425">
+          <a:bodyPr spcFirstLastPara="1" wrap="square" lIns="91425" tIns="91425" rIns="91425" bIns="91425" anchor="ctr" anchorCtr="0">
             <a:normAutofit/>
           </a:bodyPr>
           <a:lstStyle>
@@ -4140,14 +4168,15 @@
             </a:lvl9pPr>
           </a:lstStyle>
           <a:p>
-            <a:pPr indent="0" lvl="0" marL="0" rtl="0" algn="r">
-              <a:spcBef>
-                <a:spcPts val="0"/>
-              </a:spcBef>
-              <a:spcAft>
-                <a:spcPts val="0"/>
-              </a:spcAft>
-              <a:buNone/>
+            <a:pPr marL="0" lvl="0" indent="0" algn="r">
+              <a:spcBef>
+                <a:spcPts val="0"/>
+              </a:spcBef>
+              <a:spcAft>
+                <a:spcPts val="0"/>
+              </a:spcAft>
+              <a:buNone/>
+              <a:defRPr/>
             </a:pPr>
             <a:fld id="{00000000-1234-1234-1234-123412341234}" type="slidenum">
               <a:rPr lang="en"/>
@@ -4166,15 +4195,15 @@
 </file>
 
 <file path=ppt/slideLayouts/slideLayout5.xml><?xml version="1.0" encoding="utf-8"?>
-<p:sldLayout xmlns:a="http://schemas.openxmlformats.org/drawingml/2006/main" xmlns:r="http://schemas.openxmlformats.org/officeDocument/2006/relationships" xmlns:mc="http://schemas.openxmlformats.org/markup-compatibility/2006" xmlns:mv="urn:schemas-microsoft-com:mac:vml" xmlns:p="http://schemas.openxmlformats.org/presentationml/2006/main" xmlns:c="http://schemas.openxmlformats.org/drawingml/2006/chart" xmlns:dgm="http://schemas.openxmlformats.org/drawingml/2006/diagram" xmlns:o="urn:schemas-microsoft-com:office:office" xmlns:v="urn:schemas-microsoft-com:vml" xmlns:pvml="urn:schemas-microsoft-com:office:powerpoint" xmlns:com="http://schemas.openxmlformats.org/drawingml/2006/compatibility" xmlns:p14="http://schemas.microsoft.com/office/powerpoint/2010/main" xmlns:p15="http://schemas.microsoft.com/office/powerpoint/2012/main" xmlns:ahyp="http://schemas.microsoft.com/office/drawing/2018/hyperlinkcolor" matchingName="Title only" type="titleOnly">
+<p:sldLayout xmlns:a="http://schemas.openxmlformats.org/drawingml/2006/main" xmlns:r="http://schemas.openxmlformats.org/officeDocument/2006/relationships" xmlns:p="http://schemas.openxmlformats.org/presentationml/2006/main" xmlns:m="http://schemas.openxmlformats.org/officeDocument/2006/math" xmlns:w="http://schemas.openxmlformats.org/wordprocessingml/2006/main" matchingName="Title only" preserve="0" showMasterPhAnim="0" type="titleOnly" userDrawn="1">
   <p:cSld name="TITLE_ONLY">
     <p:spTree>
       <p:nvGrpSpPr>
-        <p:cNvPr id="32" name="Shape 32"/>
+        <p:cNvPr id="1" name=""/>
         <p:cNvGrpSpPr/>
         <p:nvPr/>
       </p:nvGrpSpPr>
-      <p:grpSpPr>
+      <p:grpSpPr bwMode="auto">
         <a:xfrm>
           <a:off x="0" y="0"/>
           <a:ext cx="0" cy="0"/>
@@ -4188,7 +4217,7 @@
           <p:cNvSpPr/>
           <p:nvPr/>
         </p:nvSpPr>
-        <p:spPr>
+        <p:spPr bwMode="auto">
           <a:xfrm>
             <a:off x="0" y="0"/>
             <a:ext cx="9144000" cy="1277100"/>
@@ -4204,23 +4233,21 @@
           </a:ln>
         </p:spPr>
         <p:txBody>
-          <a:bodyPr anchorCtr="0" anchor="ctr" bIns="91425" lIns="91425" spcFirstLastPara="1" rIns="91425" wrap="square" tIns="91425">
+          <a:bodyPr spcFirstLastPara="1" wrap="square" lIns="91425" tIns="91425" rIns="91425" bIns="91425" anchor="ctr" anchorCtr="0">
             <a:noAutofit/>
           </a:bodyPr>
           <a:lstStyle/>
           <a:p>
-            <a:pPr indent="0" lvl="0" marL="0" rtl="0" algn="l">
-              <a:spcBef>
-                <a:spcPts val="0"/>
-              </a:spcBef>
-              <a:spcAft>
-                <a:spcPts val="0"/>
-              </a:spcAft>
-              <a:buNone/>
+            <a:pPr marL="0" lvl="0" indent="0" algn="l">
+              <a:spcBef>
+                <a:spcPts val="0"/>
+              </a:spcBef>
+              <a:spcAft>
+                <a:spcPts val="0"/>
+              </a:spcAft>
+              <a:buNone/>
+              <a:defRPr/>
             </a:pPr>
-            <a:r>
-              <a:t/>
-            </a:r>
             <a:endParaRPr/>
           </a:p>
         </p:txBody>
@@ -4233,7 +4260,7 @@
             <p:ph type="title"/>
           </p:nvPr>
         </p:nvSpPr>
-        <p:spPr>
+        <p:spPr bwMode="auto">
           <a:xfrm>
             <a:off x="311725" y="500925"/>
             <a:ext cx="8520600" cy="623700"/>
@@ -4243,7 +4270,7 @@
           </a:prstGeom>
         </p:spPr>
         <p:txBody>
-          <a:bodyPr anchorCtr="0" anchor="t" bIns="91425" lIns="91425" spcFirstLastPara="1" rIns="91425" wrap="square" tIns="91425">
+          <a:bodyPr spcFirstLastPara="1" wrap="square" lIns="91425" tIns="91425" rIns="91425" bIns="91425" anchor="t" anchorCtr="0">
             <a:normAutofit/>
           </a:bodyPr>
           <a:lstStyle>
@@ -4410,7 +4437,12 @@
               </a:defRPr>
             </a:lvl9pPr>
           </a:lstStyle>
-          <a:p/>
+          <a:p>
+            <a:pPr>
+              <a:defRPr/>
+            </a:pPr>
+            <a:endParaRPr/>
+          </a:p>
         </p:txBody>
       </p:sp>
       <p:sp>
@@ -4418,10 +4450,10 @@
           <p:cNvPr id="35" name="Google Shape;35;p6"/>
           <p:cNvSpPr txBox="1"/>
           <p:nvPr>
-            <p:ph idx="12" type="sldNum"/>
+            <p:ph type="sldNum" idx="12"/>
           </p:nvPr>
         </p:nvSpPr>
-        <p:spPr>
+        <p:spPr bwMode="auto">
           <a:xfrm>
             <a:off x="8472458" y="4663217"/>
             <a:ext cx="548700" cy="393600"/>
@@ -4431,7 +4463,7 @@
           </a:prstGeom>
         </p:spPr>
         <p:txBody>
-          <a:bodyPr anchorCtr="0" anchor="ctr" bIns="91425" lIns="91425" spcFirstLastPara="1" rIns="91425" wrap="square" tIns="91425">
+          <a:bodyPr spcFirstLastPara="1" wrap="square" lIns="91425" tIns="91425" rIns="91425" bIns="91425" anchor="ctr" anchorCtr="0">
             <a:normAutofit/>
           </a:bodyPr>
           <a:lstStyle>
@@ -4473,14 +4505,15 @@
             </a:lvl9pPr>
           </a:lstStyle>
           <a:p>
-            <a:pPr indent="0" lvl="0" marL="0" rtl="0" algn="r">
-              <a:spcBef>
-                <a:spcPts val="0"/>
-              </a:spcBef>
-              <a:spcAft>
-                <a:spcPts val="0"/>
-              </a:spcAft>
-              <a:buNone/>
+            <a:pPr marL="0" lvl="0" indent="0" algn="r">
+              <a:spcBef>
+                <a:spcPts val="0"/>
+              </a:spcBef>
+              <a:spcAft>
+                <a:spcPts val="0"/>
+              </a:spcAft>
+              <a:buNone/>
+              <a:defRPr/>
             </a:pPr>
             <a:fld id="{00000000-1234-1234-1234-123412341234}" type="slidenum">
               <a:rPr lang="en"/>
@@ -4499,15 +4532,15 @@
 </file>
 
 <file path=ppt/slideLayouts/slideLayout6.xml><?xml version="1.0" encoding="utf-8"?>
-<p:sldLayout xmlns:a="http://schemas.openxmlformats.org/drawingml/2006/main" xmlns:r="http://schemas.openxmlformats.org/officeDocument/2006/relationships" xmlns:mc="http://schemas.openxmlformats.org/markup-compatibility/2006" xmlns:mv="urn:schemas-microsoft-com:mac:vml" xmlns:p="http://schemas.openxmlformats.org/presentationml/2006/main" xmlns:c="http://schemas.openxmlformats.org/drawingml/2006/chart" xmlns:dgm="http://schemas.openxmlformats.org/drawingml/2006/diagram" xmlns:o="urn:schemas-microsoft-com:office:office" xmlns:v="urn:schemas-microsoft-com:vml" xmlns:pvml="urn:schemas-microsoft-com:office:powerpoint" xmlns:com="http://schemas.openxmlformats.org/drawingml/2006/compatibility" xmlns:p14="http://schemas.microsoft.com/office/powerpoint/2010/main" xmlns:p15="http://schemas.microsoft.com/office/powerpoint/2012/main" xmlns:ahyp="http://schemas.microsoft.com/office/drawing/2018/hyperlinkcolor" matchingName="One column text">
+<p:sldLayout xmlns:a="http://schemas.openxmlformats.org/drawingml/2006/main" xmlns:r="http://schemas.openxmlformats.org/officeDocument/2006/relationships" xmlns:p="http://schemas.openxmlformats.org/presentationml/2006/main" xmlns:m="http://schemas.openxmlformats.org/officeDocument/2006/math" xmlns:w="http://schemas.openxmlformats.org/wordprocessingml/2006/main" matchingName="One column text" preserve="0" showMasterPhAnim="0" userDrawn="1">
   <p:cSld name="ONE_COLUMN_TEXT">
     <p:spTree>
       <p:nvGrpSpPr>
-        <p:cNvPr id="36" name="Shape 36"/>
+        <p:cNvPr id="1" name=""/>
         <p:cNvGrpSpPr/>
         <p:nvPr/>
       </p:nvGrpSpPr>
-      <p:grpSpPr>
+      <p:grpSpPr bwMode="auto">
         <a:xfrm>
           <a:off x="0" y="0"/>
           <a:ext cx="0" cy="0"/>
@@ -4521,7 +4554,7 @@
           <p:cNvSpPr/>
           <p:nvPr/>
         </p:nvSpPr>
-        <p:spPr>
+        <p:spPr bwMode="auto">
           <a:xfrm>
             <a:off x="0" y="0"/>
             <a:ext cx="3764400" cy="5143500"/>
@@ -4537,23 +4570,21 @@
           </a:ln>
         </p:spPr>
         <p:txBody>
-          <a:bodyPr anchorCtr="0" anchor="ctr" bIns="91425" lIns="91425" spcFirstLastPara="1" rIns="91425" wrap="square" tIns="91425">
+          <a:bodyPr spcFirstLastPara="1" wrap="square" lIns="91425" tIns="91425" rIns="91425" bIns="91425" anchor="ctr" anchorCtr="0">
             <a:noAutofit/>
           </a:bodyPr>
           <a:lstStyle/>
           <a:p>
-            <a:pPr indent="0" lvl="0" marL="0" rtl="0" algn="l">
-              <a:spcBef>
-                <a:spcPts val="0"/>
-              </a:spcBef>
-              <a:spcAft>
-                <a:spcPts val="0"/>
-              </a:spcAft>
-              <a:buNone/>
+            <a:pPr marL="0" lvl="0" indent="0" algn="l">
+              <a:spcBef>
+                <a:spcPts val="0"/>
+              </a:spcBef>
+              <a:spcAft>
+                <a:spcPts val="0"/>
+              </a:spcAft>
+              <a:buNone/>
+              <a:defRPr/>
             </a:pPr>
-            <a:r>
-              <a:t/>
-            </a:r>
             <a:endParaRPr/>
           </a:p>
         </p:txBody>
@@ -4566,17 +4597,17 @@
             <p:ph type="title"/>
           </p:nvPr>
         </p:nvSpPr>
-        <p:spPr>
+        <p:spPr bwMode="auto">
           <a:xfrm>
             <a:off x="311725" y="500925"/>
-            <a:ext cx="3127500" cy="1829100"/>
+            <a:ext cx="3127500" cy="1829099"/>
           </a:xfrm>
           <a:prstGeom prst="rect">
             <a:avLst/>
           </a:prstGeom>
         </p:spPr>
         <p:txBody>
-          <a:bodyPr anchorCtr="0" anchor="t" bIns="91425" lIns="91425" spcFirstLastPara="1" rIns="91425" wrap="square" tIns="91425">
+          <a:bodyPr spcFirstLastPara="1" wrap="square" lIns="91425" tIns="91425" rIns="91425" bIns="91425" anchor="t" anchorCtr="0">
             <a:normAutofit/>
           </a:bodyPr>
           <a:lstStyle>
@@ -4743,7 +4774,12 @@
               </a:defRPr>
             </a:lvl9pPr>
           </a:lstStyle>
-          <a:p/>
+          <a:p>
+            <a:pPr>
+              <a:defRPr/>
+            </a:pPr>
+            <a:endParaRPr/>
+          </a:p>
         </p:txBody>
       </p:sp>
       <p:sp>
@@ -4751,10 +4787,10 @@
           <p:cNvPr id="39" name="Google Shape;39;p7"/>
           <p:cNvSpPr txBox="1"/>
           <p:nvPr>
-            <p:ph idx="1" type="body"/>
+            <p:ph type="body" idx="1"/>
           </p:nvPr>
         </p:nvSpPr>
-        <p:spPr>
+        <p:spPr bwMode="auto">
           <a:xfrm>
             <a:off x="311700" y="2390650"/>
             <a:ext cx="3127500" cy="2298000"/>
@@ -4764,11 +4800,11 @@
           </a:prstGeom>
         </p:spPr>
         <p:txBody>
-          <a:bodyPr anchorCtr="0" anchor="t" bIns="91425" lIns="91425" spcFirstLastPara="1" rIns="91425" wrap="square" tIns="91425">
+          <a:bodyPr spcFirstLastPara="1" wrap="square" lIns="91425" tIns="91425" rIns="91425" bIns="91425" anchor="t" anchorCtr="0">
             <a:normAutofit/>
           </a:bodyPr>
           <a:lstStyle>
-            <a:lvl1pPr indent="-311150" lvl="0" marL="457200">
+            <a:lvl1pPr marL="457200" lvl="0" indent="-311150">
               <a:spcBef>
                 <a:spcPts val="0"/>
               </a:spcBef>
@@ -4786,7 +4822,7 @@
                 </a:solidFill>
               </a:defRPr>
             </a:lvl1pPr>
-            <a:lvl2pPr indent="-298450" lvl="1" marL="914400">
+            <a:lvl2pPr marL="914400" lvl="1" indent="-298450">
               <a:spcBef>
                 <a:spcPts val="0"/>
               </a:spcBef>
@@ -4804,7 +4840,7 @@
                 </a:solidFill>
               </a:defRPr>
             </a:lvl2pPr>
-            <a:lvl3pPr indent="-298450" lvl="2" marL="1371600">
+            <a:lvl3pPr marL="1371600" lvl="2" indent="-298450">
               <a:spcBef>
                 <a:spcPts val="0"/>
               </a:spcBef>
@@ -4822,7 +4858,7 @@
                 </a:solidFill>
               </a:defRPr>
             </a:lvl3pPr>
-            <a:lvl4pPr indent="-298450" lvl="3" marL="1828800">
+            <a:lvl4pPr marL="1828800" lvl="3" indent="-298450">
               <a:spcBef>
                 <a:spcPts val="0"/>
               </a:spcBef>
@@ -4840,7 +4876,7 @@
                 </a:solidFill>
               </a:defRPr>
             </a:lvl4pPr>
-            <a:lvl5pPr indent="-298450" lvl="4" marL="2286000">
+            <a:lvl5pPr marL="2286000" lvl="4" indent="-298450">
               <a:spcBef>
                 <a:spcPts val="0"/>
               </a:spcBef>
@@ -4858,7 +4894,7 @@
                 </a:solidFill>
               </a:defRPr>
             </a:lvl5pPr>
-            <a:lvl6pPr indent="-298450" lvl="5" marL="2743200">
+            <a:lvl6pPr marL="2743200" lvl="5" indent="-298450">
               <a:spcBef>
                 <a:spcPts val="0"/>
               </a:spcBef>
@@ -4876,7 +4912,7 @@
                 </a:solidFill>
               </a:defRPr>
             </a:lvl6pPr>
-            <a:lvl7pPr indent="-298450" lvl="6" marL="3200400">
+            <a:lvl7pPr marL="3200400" lvl="6" indent="-298450">
               <a:spcBef>
                 <a:spcPts val="0"/>
               </a:spcBef>
@@ -4894,7 +4930,7 @@
                 </a:solidFill>
               </a:defRPr>
             </a:lvl7pPr>
-            <a:lvl8pPr indent="-298450" lvl="7" marL="3657600">
+            <a:lvl8pPr marL="3657600" lvl="7" indent="-298450">
               <a:spcBef>
                 <a:spcPts val="0"/>
               </a:spcBef>
@@ -4912,7 +4948,7 @@
                 </a:solidFill>
               </a:defRPr>
             </a:lvl8pPr>
-            <a:lvl9pPr indent="-298450" lvl="8" marL="4114800">
+            <a:lvl9pPr marL="4114800" lvl="8" indent="-298450">
               <a:spcBef>
                 <a:spcPts val="0"/>
               </a:spcBef>
@@ -4931,7 +4967,12 @@
               </a:defRPr>
             </a:lvl9pPr>
           </a:lstStyle>
-          <a:p/>
+          <a:p>
+            <a:pPr>
+              <a:defRPr/>
+            </a:pPr>
+            <a:endParaRPr/>
+          </a:p>
         </p:txBody>
       </p:sp>
       <p:sp>
@@ -4939,10 +4980,10 @@
           <p:cNvPr id="40" name="Google Shape;40;p7"/>
           <p:cNvSpPr txBox="1"/>
           <p:nvPr>
-            <p:ph idx="12" type="sldNum"/>
+            <p:ph type="sldNum" idx="12"/>
           </p:nvPr>
         </p:nvSpPr>
-        <p:spPr>
+        <p:spPr bwMode="auto">
           <a:xfrm>
             <a:off x="8472458" y="4663217"/>
             <a:ext cx="548700" cy="393600"/>
@@ -4952,7 +4993,7 @@
           </a:prstGeom>
         </p:spPr>
         <p:txBody>
-          <a:bodyPr anchorCtr="0" anchor="ctr" bIns="91425" lIns="91425" spcFirstLastPara="1" rIns="91425" wrap="square" tIns="91425">
+          <a:bodyPr spcFirstLastPara="1" wrap="square" lIns="91425" tIns="91425" rIns="91425" bIns="91425" anchor="ctr" anchorCtr="0">
             <a:normAutofit/>
           </a:bodyPr>
           <a:lstStyle>
@@ -4994,14 +5035,15 @@
             </a:lvl9pPr>
           </a:lstStyle>
           <a:p>
-            <a:pPr indent="0" lvl="0" marL="0" rtl="0" algn="r">
-              <a:spcBef>
-                <a:spcPts val="0"/>
-              </a:spcBef>
-              <a:spcAft>
-                <a:spcPts val="0"/>
-              </a:spcAft>
-              <a:buNone/>
+            <a:pPr marL="0" lvl="0" indent="0" algn="r">
+              <a:spcBef>
+                <a:spcPts val="0"/>
+              </a:spcBef>
+              <a:spcAft>
+                <a:spcPts val="0"/>
+              </a:spcAft>
+              <a:buNone/>
+              <a:defRPr/>
             </a:pPr>
             <a:fld id="{00000000-1234-1234-1234-123412341234}" type="slidenum">
               <a:rPr lang="en"/>
@@ -5020,10 +5062,10 @@
 </file>
 
 <file path=ppt/slideLayouts/slideLayout7.xml><?xml version="1.0" encoding="utf-8"?>
-<p:sldLayout xmlns:a="http://schemas.openxmlformats.org/drawingml/2006/main" xmlns:r="http://schemas.openxmlformats.org/officeDocument/2006/relationships" xmlns:mc="http://schemas.openxmlformats.org/markup-compatibility/2006" xmlns:mv="urn:schemas-microsoft-com:mac:vml" xmlns:p="http://schemas.openxmlformats.org/presentationml/2006/main" xmlns:c="http://schemas.openxmlformats.org/drawingml/2006/chart" xmlns:dgm="http://schemas.openxmlformats.org/drawingml/2006/diagram" xmlns:o="urn:schemas-microsoft-com:office:office" xmlns:v="urn:schemas-microsoft-com:vml" xmlns:pvml="urn:schemas-microsoft-com:office:powerpoint" xmlns:com="http://schemas.openxmlformats.org/drawingml/2006/compatibility" xmlns:p14="http://schemas.microsoft.com/office/powerpoint/2010/main" xmlns:p15="http://schemas.microsoft.com/office/powerpoint/2012/main" xmlns:ahyp="http://schemas.microsoft.com/office/drawing/2018/hyperlinkcolor" matchingName="Main point">
+<p:sldLayout xmlns:a="http://schemas.openxmlformats.org/drawingml/2006/main" xmlns:r="http://schemas.openxmlformats.org/officeDocument/2006/relationships" xmlns:p="http://schemas.openxmlformats.org/presentationml/2006/main" xmlns:m="http://schemas.openxmlformats.org/officeDocument/2006/math" xmlns:w="http://schemas.openxmlformats.org/wordprocessingml/2006/main" matchingName="Main point" preserve="0" showMasterPhAnim="0" userDrawn="1">
   <p:cSld name="MAIN_POINT">
     <p:bg>
-      <p:bgPr>
+      <p:bgPr shadeToTitle="0">
         <a:solidFill>
           <a:schemeClr val="accent3"/>
         </a:solidFill>
@@ -5031,11 +5073,11 @@
     </p:bg>
     <p:spTree>
       <p:nvGrpSpPr>
-        <p:cNvPr id="41" name="Shape 41"/>
+        <p:cNvPr id="1" name=""/>
         <p:cNvGrpSpPr/>
         <p:nvPr/>
       </p:nvGrpSpPr>
-      <p:grpSpPr>
+      <p:grpSpPr bwMode="auto">
         <a:xfrm>
           <a:off x="0" y="0"/>
           <a:ext cx="0" cy="0"/>
@@ -5051,7 +5093,7 @@
             <p:ph type="title"/>
           </p:nvPr>
         </p:nvSpPr>
-        <p:spPr>
+        <p:spPr bwMode="auto">
           <a:xfrm>
             <a:off x="311675" y="798600"/>
             <a:ext cx="6247800" cy="3546300"/>
@@ -5061,7 +5103,7 @@
           </a:prstGeom>
         </p:spPr>
         <p:txBody>
-          <a:bodyPr anchorCtr="0" anchor="ctr" bIns="91425" lIns="91425" spcFirstLastPara="1" rIns="91425" wrap="square" tIns="91425">
+          <a:bodyPr spcFirstLastPara="1" wrap="square" lIns="91425" tIns="91425" rIns="91425" bIns="91425" anchor="ctr" anchorCtr="0">
             <a:normAutofit/>
           </a:bodyPr>
           <a:lstStyle>
@@ -5165,7 +5207,12 @@
               <a:defRPr sz="3600"/>
             </a:lvl9pPr>
           </a:lstStyle>
-          <a:p/>
+          <a:p>
+            <a:pPr>
+              <a:defRPr/>
+            </a:pPr>
+            <a:endParaRPr/>
+          </a:p>
         </p:txBody>
       </p:sp>
       <p:sp>
@@ -5173,10 +5220,10 @@
           <p:cNvPr id="43" name="Google Shape;43;p8"/>
           <p:cNvSpPr txBox="1"/>
           <p:nvPr>
-            <p:ph idx="12" type="sldNum"/>
+            <p:ph type="sldNum" idx="12"/>
           </p:nvPr>
         </p:nvSpPr>
-        <p:spPr>
+        <p:spPr bwMode="auto">
           <a:xfrm>
             <a:off x="8472458" y="4663217"/>
             <a:ext cx="548700" cy="393600"/>
@@ -5186,7 +5233,7 @@
           </a:prstGeom>
         </p:spPr>
         <p:txBody>
-          <a:bodyPr anchorCtr="0" anchor="ctr" bIns="91425" lIns="91425" spcFirstLastPara="1" rIns="91425" wrap="square" tIns="91425">
+          <a:bodyPr spcFirstLastPara="1" wrap="square" lIns="91425" tIns="91425" rIns="91425" bIns="91425" anchor="ctr" anchorCtr="0">
             <a:normAutofit/>
           </a:bodyPr>
           <a:lstStyle>
@@ -5264,14 +5311,15 @@
             </a:lvl9pPr>
           </a:lstStyle>
           <a:p>
-            <a:pPr indent="0" lvl="0" marL="0" rtl="0" algn="r">
-              <a:spcBef>
-                <a:spcPts val="0"/>
-              </a:spcBef>
-              <a:spcAft>
-                <a:spcPts val="0"/>
-              </a:spcAft>
-              <a:buNone/>
+            <a:pPr marL="0" lvl="0" indent="0" algn="r">
+              <a:spcBef>
+                <a:spcPts val="0"/>
+              </a:spcBef>
+              <a:spcAft>
+                <a:spcPts val="0"/>
+              </a:spcAft>
+              <a:buNone/>
+              <a:defRPr/>
             </a:pPr>
             <a:fld id="{00000000-1234-1234-1234-123412341234}" type="slidenum">
               <a:rPr lang="en"/>
@@ -5290,15 +5338,15 @@
 </file>
 
 <file path=ppt/slideLayouts/slideLayout8.xml><?xml version="1.0" encoding="utf-8"?>
-<p:sldLayout xmlns:a="http://schemas.openxmlformats.org/drawingml/2006/main" xmlns:r="http://schemas.openxmlformats.org/officeDocument/2006/relationships" xmlns:mc="http://schemas.openxmlformats.org/markup-compatibility/2006" xmlns:mv="urn:schemas-microsoft-com:mac:vml" xmlns:p="http://schemas.openxmlformats.org/presentationml/2006/main" xmlns:c="http://schemas.openxmlformats.org/drawingml/2006/chart" xmlns:dgm="http://schemas.openxmlformats.org/drawingml/2006/diagram" xmlns:o="urn:schemas-microsoft-com:office:office" xmlns:v="urn:schemas-microsoft-com:vml" xmlns:pvml="urn:schemas-microsoft-com:office:powerpoint" xmlns:com="http://schemas.openxmlformats.org/drawingml/2006/compatibility" xmlns:p14="http://schemas.microsoft.com/office/powerpoint/2010/main" xmlns:p15="http://schemas.microsoft.com/office/powerpoint/2012/main" xmlns:ahyp="http://schemas.microsoft.com/office/drawing/2018/hyperlinkcolor" matchingName="Section title and description">
+<p:sldLayout xmlns:a="http://schemas.openxmlformats.org/drawingml/2006/main" xmlns:r="http://schemas.openxmlformats.org/officeDocument/2006/relationships" xmlns:p="http://schemas.openxmlformats.org/presentationml/2006/main" xmlns:m="http://schemas.openxmlformats.org/officeDocument/2006/math" xmlns:w="http://schemas.openxmlformats.org/wordprocessingml/2006/main" matchingName="Section title and description" preserve="0" showMasterPhAnim="0" userDrawn="1">
   <p:cSld name="SECTION_TITLE_AND_DESCRIPTION">
     <p:spTree>
       <p:nvGrpSpPr>
-        <p:cNvPr id="44" name="Shape 44"/>
+        <p:cNvPr id="1" name=""/>
         <p:cNvGrpSpPr/>
         <p:nvPr/>
       </p:nvGrpSpPr>
-      <p:grpSpPr>
+      <p:grpSpPr bwMode="auto">
         <a:xfrm>
           <a:off x="0" y="0"/>
           <a:ext cx="0" cy="0"/>
@@ -5312,7 +5360,7 @@
           <p:cNvSpPr/>
           <p:nvPr/>
         </p:nvSpPr>
-        <p:spPr>
+        <p:spPr bwMode="auto">
           <a:xfrm>
             <a:off x="0" y="0"/>
             <a:ext cx="4572000" cy="5143500"/>
@@ -5328,23 +5376,21 @@
           </a:ln>
         </p:spPr>
         <p:txBody>
-          <a:bodyPr anchorCtr="0" anchor="ctr" bIns="91425" lIns="91425" spcFirstLastPara="1" rIns="91425" wrap="square" tIns="91425">
+          <a:bodyPr spcFirstLastPara="1" wrap="square" lIns="91425" tIns="91425" rIns="91425" bIns="91425" anchor="ctr" anchorCtr="0">
             <a:noAutofit/>
           </a:bodyPr>
           <a:lstStyle/>
           <a:p>
-            <a:pPr indent="0" lvl="0" marL="0" rtl="0" algn="l">
-              <a:spcBef>
-                <a:spcPts val="0"/>
-              </a:spcBef>
-              <a:spcAft>
-                <a:spcPts val="0"/>
-              </a:spcAft>
-              <a:buNone/>
+            <a:pPr marL="0" lvl="0" indent="0" algn="l">
+              <a:spcBef>
+                <a:spcPts val="0"/>
+              </a:spcBef>
+              <a:spcAft>
+                <a:spcPts val="0"/>
+              </a:spcAft>
+              <a:buNone/>
+              <a:defRPr/>
             </a:pPr>
-            <a:r>
-              <a:t/>
-            </a:r>
             <a:endParaRPr/>
           </a:p>
         </p:txBody>
@@ -5357,17 +5403,17 @@
             <p:ph type="title"/>
           </p:nvPr>
         </p:nvSpPr>
-        <p:spPr>
+        <p:spPr bwMode="auto">
           <a:xfrm>
             <a:off x="311300" y="500925"/>
-            <a:ext cx="3704400" cy="2049600"/>
+            <a:ext cx="3704400" cy="2049599"/>
           </a:xfrm>
           <a:prstGeom prst="rect">
             <a:avLst/>
           </a:prstGeom>
         </p:spPr>
         <p:txBody>
-          <a:bodyPr anchorCtr="0" anchor="t" bIns="91425" lIns="91425" spcFirstLastPara="1" rIns="91425" wrap="square" tIns="91425">
+          <a:bodyPr spcFirstLastPara="1" wrap="square" lIns="91425" tIns="91425" rIns="91425" bIns="91425" anchor="t" anchorCtr="0">
             <a:normAutofit/>
           </a:bodyPr>
           <a:lstStyle>
@@ -5534,7 +5580,12 @@
               </a:defRPr>
             </a:lvl9pPr>
           </a:lstStyle>
-          <a:p/>
+          <a:p>
+            <a:pPr>
+              <a:defRPr/>
+            </a:pPr>
+            <a:endParaRPr/>
+          </a:p>
         </p:txBody>
       </p:sp>
       <p:sp>
@@ -5542,10 +5593,10 @@
           <p:cNvPr id="47" name="Google Shape;47;p9"/>
           <p:cNvSpPr txBox="1"/>
           <p:nvPr>
-            <p:ph idx="1" type="subTitle"/>
+            <p:ph type="subTitle" idx="1"/>
           </p:nvPr>
         </p:nvSpPr>
-        <p:spPr>
+        <p:spPr bwMode="auto">
           <a:xfrm>
             <a:off x="304800" y="2626725"/>
             <a:ext cx="3704400" cy="926700"/>
@@ -5555,7 +5606,7 @@
           </a:prstGeom>
         </p:spPr>
         <p:txBody>
-          <a:bodyPr anchorCtr="0" anchor="t" bIns="91425" lIns="91425" spcFirstLastPara="1" rIns="91425" wrap="square" tIns="91425">
+          <a:bodyPr spcFirstLastPara="1" wrap="square" lIns="91425" tIns="91425" rIns="91425" bIns="91425" anchor="t" anchorCtr="0">
             <a:normAutofit/>
           </a:bodyPr>
           <a:lstStyle>
@@ -5749,7 +5800,12 @@
               </a:defRPr>
             </a:lvl9pPr>
           </a:lstStyle>
-          <a:p/>
+          <a:p>
+            <a:pPr>
+              <a:defRPr/>
+            </a:pPr>
+            <a:endParaRPr/>
+          </a:p>
         </p:txBody>
       </p:sp>
       <p:sp>
@@ -5757,10 +5813,10 @@
           <p:cNvPr id="48" name="Google Shape;48;p9"/>
           <p:cNvSpPr txBox="1"/>
           <p:nvPr>
-            <p:ph idx="2" type="body"/>
+            <p:ph type="body" idx="2"/>
           </p:nvPr>
         </p:nvSpPr>
-        <p:spPr>
+        <p:spPr bwMode="auto">
           <a:xfrm>
             <a:off x="4879025" y="500925"/>
             <a:ext cx="3954000" cy="4111500"/>
@@ -5770,11 +5826,11 @@
           </a:prstGeom>
         </p:spPr>
         <p:txBody>
-          <a:bodyPr anchorCtr="0" anchor="t" bIns="91425" lIns="91425" spcFirstLastPara="1" rIns="91425" wrap="square" tIns="91425">
+          <a:bodyPr spcFirstLastPara="1" wrap="square" lIns="91425" tIns="91425" rIns="91425" bIns="91425" anchor="t" anchorCtr="0">
             <a:normAutofit/>
           </a:bodyPr>
           <a:lstStyle>
-            <a:lvl1pPr indent="-311150" lvl="0" marL="457200">
+            <a:lvl1pPr marL="457200" lvl="0" indent="-311150">
               <a:spcBef>
                 <a:spcPts val="0"/>
               </a:spcBef>
@@ -5785,7 +5841,7 @@
               <a:buChar char="●"/>
               <a:defRPr/>
             </a:lvl1pPr>
-            <a:lvl2pPr indent="-298450" lvl="1" marL="914400">
+            <a:lvl2pPr marL="914400" lvl="1" indent="-298450">
               <a:spcBef>
                 <a:spcPts val="0"/>
               </a:spcBef>
@@ -5796,7 +5852,7 @@
               <a:buChar char="○"/>
               <a:defRPr/>
             </a:lvl2pPr>
-            <a:lvl3pPr indent="-298450" lvl="2" marL="1371600">
+            <a:lvl3pPr marL="1371600" lvl="2" indent="-298450">
               <a:spcBef>
                 <a:spcPts val="0"/>
               </a:spcBef>
@@ -5807,7 +5863,7 @@
               <a:buChar char="■"/>
               <a:defRPr/>
             </a:lvl3pPr>
-            <a:lvl4pPr indent="-298450" lvl="3" marL="1828800">
+            <a:lvl4pPr marL="1828800" lvl="3" indent="-298450">
               <a:spcBef>
                 <a:spcPts val="0"/>
               </a:spcBef>
@@ -5818,7 +5874,7 @@
               <a:buChar char="●"/>
               <a:defRPr/>
             </a:lvl4pPr>
-            <a:lvl5pPr indent="-298450" lvl="4" marL="2286000">
+            <a:lvl5pPr marL="2286000" lvl="4" indent="-298450">
               <a:spcBef>
                 <a:spcPts val="0"/>
               </a:spcBef>
@@ -5829,7 +5885,7 @@
               <a:buChar char="○"/>
               <a:defRPr/>
             </a:lvl5pPr>
-            <a:lvl6pPr indent="-298450" lvl="5" marL="2743200">
+            <a:lvl6pPr marL="2743200" lvl="5" indent="-298450">
               <a:spcBef>
                 <a:spcPts val="0"/>
               </a:spcBef>
@@ -5840,7 +5896,7 @@
               <a:buChar char="■"/>
               <a:defRPr/>
             </a:lvl6pPr>
-            <a:lvl7pPr indent="-298450" lvl="6" marL="3200400">
+            <a:lvl7pPr marL="3200400" lvl="6" indent="-298450">
               <a:spcBef>
                 <a:spcPts val="0"/>
               </a:spcBef>
@@ -5851,7 +5907,7 @@
               <a:buChar char="●"/>
               <a:defRPr/>
             </a:lvl7pPr>
-            <a:lvl8pPr indent="-298450" lvl="7" marL="3657600">
+            <a:lvl8pPr marL="3657600" lvl="7" indent="-298450">
               <a:spcBef>
                 <a:spcPts val="0"/>
               </a:spcBef>
@@ -5862,7 +5918,7 @@
               <a:buChar char="○"/>
               <a:defRPr/>
             </a:lvl8pPr>
-            <a:lvl9pPr indent="-298450" lvl="8" marL="4114800">
+            <a:lvl9pPr marL="4114800" lvl="8" indent="-298450">
               <a:spcBef>
                 <a:spcPts val="0"/>
               </a:spcBef>
@@ -5874,7 +5930,12 @@
               <a:defRPr/>
             </a:lvl9pPr>
           </a:lstStyle>
-          <a:p/>
+          <a:p>
+            <a:pPr>
+              <a:defRPr/>
+            </a:pPr>
+            <a:endParaRPr/>
+          </a:p>
         </p:txBody>
       </p:sp>
       <p:sp>
@@ -5882,10 +5943,10 @@
           <p:cNvPr id="49" name="Google Shape;49;p9"/>
           <p:cNvSpPr txBox="1"/>
           <p:nvPr>
-            <p:ph idx="12" type="sldNum"/>
+            <p:ph type="sldNum" idx="12"/>
           </p:nvPr>
         </p:nvSpPr>
-        <p:spPr>
+        <p:spPr bwMode="auto">
           <a:xfrm>
             <a:off x="8472458" y="4663217"/>
             <a:ext cx="548700" cy="393600"/>
@@ -5895,7 +5956,7 @@
           </a:prstGeom>
         </p:spPr>
         <p:txBody>
-          <a:bodyPr anchorCtr="0" anchor="ctr" bIns="91425" lIns="91425" spcFirstLastPara="1" rIns="91425" wrap="square" tIns="91425">
+          <a:bodyPr spcFirstLastPara="1" wrap="square" lIns="91425" tIns="91425" rIns="91425" bIns="91425" anchor="ctr" anchorCtr="0">
             <a:normAutofit/>
           </a:bodyPr>
           <a:lstStyle>
@@ -5937,14 +5998,15 @@
             </a:lvl9pPr>
           </a:lstStyle>
           <a:p>
-            <a:pPr indent="0" lvl="0" marL="0" rtl="0" algn="r">
-              <a:spcBef>
-                <a:spcPts val="0"/>
-              </a:spcBef>
-              <a:spcAft>
-                <a:spcPts val="0"/>
-              </a:spcAft>
-              <a:buNone/>
+            <a:pPr marL="0" lvl="0" indent="0" algn="r">
+              <a:spcBef>
+                <a:spcPts val="0"/>
+              </a:spcBef>
+              <a:spcAft>
+                <a:spcPts val="0"/>
+              </a:spcAft>
+              <a:buNone/>
+              <a:defRPr/>
             </a:pPr>
             <a:fld id="{00000000-1234-1234-1234-123412341234}" type="slidenum">
               <a:rPr lang="en"/>
@@ -5963,15 +6025,15 @@
 </file>
 
 <file path=ppt/slideLayouts/slideLayout9.xml><?xml version="1.0" encoding="utf-8"?>
-<p:sldLayout xmlns:a="http://schemas.openxmlformats.org/drawingml/2006/main" xmlns:r="http://schemas.openxmlformats.org/officeDocument/2006/relationships" xmlns:mc="http://schemas.openxmlformats.org/markup-compatibility/2006" xmlns:mv="urn:schemas-microsoft-com:mac:vml" xmlns:p="http://schemas.openxmlformats.org/presentationml/2006/main" xmlns:c="http://schemas.openxmlformats.org/drawingml/2006/chart" xmlns:dgm="http://schemas.openxmlformats.org/drawingml/2006/diagram" xmlns:o="urn:schemas-microsoft-com:office:office" xmlns:v="urn:schemas-microsoft-com:vml" xmlns:pvml="urn:schemas-microsoft-com:office:powerpoint" xmlns:com="http://schemas.openxmlformats.org/drawingml/2006/compatibility" xmlns:p14="http://schemas.microsoft.com/office/powerpoint/2010/main" xmlns:p15="http://schemas.microsoft.com/office/powerpoint/2012/main" xmlns:ahyp="http://schemas.microsoft.com/office/drawing/2018/hyperlinkcolor" matchingName="Caption">
+<p:sldLayout xmlns:a="http://schemas.openxmlformats.org/drawingml/2006/main" xmlns:r="http://schemas.openxmlformats.org/officeDocument/2006/relationships" xmlns:p="http://schemas.openxmlformats.org/presentationml/2006/main" xmlns:m="http://schemas.openxmlformats.org/officeDocument/2006/math" xmlns:w="http://schemas.openxmlformats.org/wordprocessingml/2006/main" matchingName="Caption" preserve="0" showMasterPhAnim="0" userDrawn="1">
   <p:cSld name="CAPTION_ONLY">
     <p:spTree>
       <p:nvGrpSpPr>
-        <p:cNvPr id="50" name="Shape 50"/>
+        <p:cNvPr id="1" name=""/>
         <p:cNvGrpSpPr/>
         <p:nvPr/>
       </p:nvGrpSpPr>
-      <p:grpSpPr>
+      <p:grpSpPr bwMode="auto">
         <a:xfrm>
           <a:off x="0" y="0"/>
           <a:ext cx="0" cy="0"/>
@@ -5985,7 +6047,7 @@
           <p:cNvSpPr/>
           <p:nvPr/>
         </p:nvSpPr>
-        <p:spPr>
+        <p:spPr bwMode="auto">
           <a:xfrm>
             <a:off x="0" y="4369000"/>
             <a:ext cx="9144000" cy="774300"/>
@@ -6001,23 +6063,21 @@
           </a:ln>
         </p:spPr>
         <p:txBody>
-          <a:bodyPr anchorCtr="0" anchor="ctr" bIns="91425" lIns="91425" spcFirstLastPara="1" rIns="91425" wrap="square" tIns="91425">
+          <a:bodyPr spcFirstLastPara="1" wrap="square" lIns="91425" tIns="91425" rIns="91425" bIns="91425" anchor="ctr" anchorCtr="0">
             <a:noAutofit/>
           </a:bodyPr>
           <a:lstStyle/>
           <a:p>
-            <a:pPr indent="0" lvl="0" marL="0" rtl="0" algn="l">
-              <a:spcBef>
-                <a:spcPts val="0"/>
-              </a:spcBef>
-              <a:spcAft>
-                <a:spcPts val="0"/>
-              </a:spcAft>
-              <a:buNone/>
+            <a:pPr marL="0" lvl="0" indent="0" algn="l">
+              <a:spcBef>
+                <a:spcPts val="0"/>
+              </a:spcBef>
+              <a:spcAft>
+                <a:spcPts val="0"/>
+              </a:spcAft>
+              <a:buNone/>
+              <a:defRPr/>
             </a:pPr>
-            <a:r>
-              <a:t/>
-            </a:r>
             <a:endParaRPr/>
           </a:p>
         </p:txBody>
@@ -6027,10 +6087,10 @@
           <p:cNvPr id="52" name="Google Shape;52;p10"/>
           <p:cNvSpPr txBox="1"/>
           <p:nvPr>
-            <p:ph idx="1" type="body"/>
+            <p:ph type="body" idx="1"/>
           </p:nvPr>
         </p:nvSpPr>
-        <p:spPr>
+        <p:spPr bwMode="auto">
           <a:xfrm>
             <a:off x="311700" y="4521400"/>
             <a:ext cx="7979400" cy="460500"/>
@@ -6040,11 +6100,11 @@
           </a:prstGeom>
         </p:spPr>
         <p:txBody>
-          <a:bodyPr anchorCtr="0" anchor="ctr" bIns="91425" lIns="91425" spcFirstLastPara="1" rIns="91425" wrap="square" tIns="91425">
+          <a:bodyPr spcFirstLastPara="1" wrap="square" lIns="91425" tIns="91425" rIns="91425" bIns="91425" anchor="ctr" anchorCtr="0">
             <a:normAutofit/>
           </a:bodyPr>
           <a:lstStyle>
-            <a:lvl1pPr indent="-228600" lvl="0" marL="457200">
+            <a:lvl1pPr marL="457200" lvl="0" indent="-228600">
               <a:lnSpc>
                 <a:spcPct val="100000"/>
               </a:lnSpc>
@@ -6067,11 +6127,15 @@
                 <a:latin typeface="Merriweather"/>
                 <a:ea typeface="Merriweather"/>
                 <a:cs typeface="Merriweather"/>
-                <a:sym typeface="Merriweather"/>
               </a:defRPr>
             </a:lvl1pPr>
           </a:lstStyle>
-          <a:p/>
+          <a:p>
+            <a:pPr>
+              <a:defRPr/>
+            </a:pPr>
+            <a:endParaRPr/>
+          </a:p>
         </p:txBody>
       </p:sp>
       <p:sp>
@@ -6079,10 +6143,10 @@
           <p:cNvPr id="53" name="Google Shape;53;p10"/>
           <p:cNvSpPr txBox="1"/>
           <p:nvPr>
-            <p:ph idx="12" type="sldNum"/>
+            <p:ph type="sldNum" idx="12"/>
           </p:nvPr>
         </p:nvSpPr>
-        <p:spPr>
+        <p:spPr bwMode="auto">
           <a:xfrm>
             <a:off x="8472458" y="4663217"/>
             <a:ext cx="548700" cy="393600"/>
@@ -6092,7 +6156,7 @@
           </a:prstGeom>
         </p:spPr>
         <p:txBody>
-          <a:bodyPr anchorCtr="0" anchor="ctr" bIns="91425" lIns="91425" spcFirstLastPara="1" rIns="91425" wrap="square" tIns="91425">
+          <a:bodyPr spcFirstLastPara="1" wrap="square" lIns="91425" tIns="91425" rIns="91425" bIns="91425" anchor="ctr" anchorCtr="0">
             <a:normAutofit/>
           </a:bodyPr>
           <a:lstStyle>
@@ -6170,14 +6234,15 @@
             </a:lvl9pPr>
           </a:lstStyle>
           <a:p>
-            <a:pPr indent="0" lvl="0" marL="0" rtl="0" algn="r">
-              <a:spcBef>
-                <a:spcPts val="0"/>
-              </a:spcBef>
-              <a:spcAft>
-                <a:spcPts val="0"/>
-              </a:spcAft>
-              <a:buNone/>
+            <a:pPr marL="0" lvl="0" indent="0" algn="r">
+              <a:spcBef>
+                <a:spcPts val="0"/>
+              </a:spcBef>
+              <a:spcAft>
+                <a:spcPts val="0"/>
+              </a:spcAft>
+              <a:buNone/>
+              <a:defRPr/>
             </a:pPr>
             <a:fld id="{00000000-1234-1234-1234-123412341234}" type="slidenum">
               <a:rPr lang="en"/>
@@ -6196,10 +6261,10 @@
 </file>
 
 <file path=ppt/slideMasters/slideMaster1.xml><?xml version="1.0" encoding="utf-8"?>
-<p:sldMaster xmlns:a="http://schemas.openxmlformats.org/drawingml/2006/main" xmlns:r="http://schemas.openxmlformats.org/officeDocument/2006/relationships" xmlns:mc="http://schemas.openxmlformats.org/markup-compatibility/2006" xmlns:mv="urn:schemas-microsoft-com:mac:vml" xmlns:p="http://schemas.openxmlformats.org/presentationml/2006/main" xmlns:c="http://schemas.openxmlformats.org/drawingml/2006/chart" xmlns:dgm="http://schemas.openxmlformats.org/drawingml/2006/diagram" xmlns:o="urn:schemas-microsoft-com:office:office" xmlns:v="urn:schemas-microsoft-com:vml" xmlns:pvml="urn:schemas-microsoft-com:office:powerpoint" xmlns:com="http://schemas.openxmlformats.org/drawingml/2006/compatibility" xmlns:p14="http://schemas.microsoft.com/office/powerpoint/2010/main" xmlns:p15="http://schemas.microsoft.com/office/powerpoint/2012/main" xmlns:ahyp="http://schemas.microsoft.com/office/drawing/2018/hyperlinkcolor">
+<p:sldMaster xmlns:a="http://schemas.openxmlformats.org/drawingml/2006/main" xmlns:r="http://schemas.openxmlformats.org/officeDocument/2006/relationships" xmlns:p="http://schemas.openxmlformats.org/presentationml/2006/main" xmlns:m="http://schemas.openxmlformats.org/officeDocument/2006/math" xmlns:w="http://schemas.openxmlformats.org/wordprocessingml/2006/main" preserve="0">
   <p:cSld name="paradigm">
     <p:bg>
-      <p:bgPr>
+      <p:bgPr shadeToTitle="0">
         <a:solidFill>
           <a:schemeClr val="lt1"/>
         </a:solidFill>
@@ -6207,11 +6272,11 @@
     </p:bg>
     <p:spTree>
       <p:nvGrpSpPr>
-        <p:cNvPr id="5" name="Shape 5"/>
+        <p:cNvPr id="1" name=""/>
         <p:cNvGrpSpPr/>
         <p:nvPr/>
       </p:nvGrpSpPr>
-      <p:grpSpPr>
+      <p:grpSpPr bwMode="auto">
         <a:xfrm>
           <a:off x="0" y="0"/>
           <a:ext cx="0" cy="0"/>
@@ -6227,7 +6292,7 @@
             <p:ph type="title"/>
           </p:nvPr>
         </p:nvSpPr>
-        <p:spPr>
+        <p:spPr bwMode="auto">
           <a:xfrm>
             <a:off x="311700" y="445025"/>
             <a:ext cx="8520600" cy="572700"/>
@@ -6241,7 +6306,7 @@
           </a:ln>
         </p:spPr>
         <p:txBody>
-          <a:bodyPr anchorCtr="0" anchor="t" bIns="91425" lIns="91425" spcFirstLastPara="1" rIns="91425" wrap="square" tIns="91425">
+          <a:bodyPr spcFirstLastPara="1" wrap="square" lIns="91425" tIns="91425" rIns="91425" bIns="91425" anchor="t" anchorCtr="0">
             <a:normAutofit/>
           </a:bodyPr>
           <a:lstStyle>
@@ -6265,7 +6330,6 @@
                 <a:latin typeface="Merriweather"/>
                 <a:ea typeface="Merriweather"/>
                 <a:cs typeface="Merriweather"/>
-                <a:sym typeface="Merriweather"/>
               </a:defRPr>
             </a:lvl1pPr>
             <a:lvl2pPr lvl="1">
@@ -6288,7 +6352,6 @@
                 <a:latin typeface="Merriweather"/>
                 <a:ea typeface="Merriweather"/>
                 <a:cs typeface="Merriweather"/>
-                <a:sym typeface="Merriweather"/>
               </a:defRPr>
             </a:lvl2pPr>
             <a:lvl3pPr lvl="2">
@@ -6311,7 +6374,6 @@
                 <a:latin typeface="Merriweather"/>
                 <a:ea typeface="Merriweather"/>
                 <a:cs typeface="Merriweather"/>
-                <a:sym typeface="Merriweather"/>
               </a:defRPr>
             </a:lvl3pPr>
             <a:lvl4pPr lvl="3">
@@ -6334,7 +6396,6 @@
                 <a:latin typeface="Merriweather"/>
                 <a:ea typeface="Merriweather"/>
                 <a:cs typeface="Merriweather"/>
-                <a:sym typeface="Merriweather"/>
               </a:defRPr>
             </a:lvl4pPr>
             <a:lvl5pPr lvl="4">
@@ -6357,7 +6418,6 @@
                 <a:latin typeface="Merriweather"/>
                 <a:ea typeface="Merriweather"/>
                 <a:cs typeface="Merriweather"/>
-                <a:sym typeface="Merriweather"/>
               </a:defRPr>
             </a:lvl5pPr>
             <a:lvl6pPr lvl="5">
@@ -6380,7 +6440,6 @@
                 <a:latin typeface="Merriweather"/>
                 <a:ea typeface="Merriweather"/>
                 <a:cs typeface="Merriweather"/>
-                <a:sym typeface="Merriweather"/>
               </a:defRPr>
             </a:lvl6pPr>
             <a:lvl7pPr lvl="6">
@@ -6403,7 +6462,6 @@
                 <a:latin typeface="Merriweather"/>
                 <a:ea typeface="Merriweather"/>
                 <a:cs typeface="Merriweather"/>
-                <a:sym typeface="Merriweather"/>
               </a:defRPr>
             </a:lvl7pPr>
             <a:lvl8pPr lvl="7">
@@ -6426,7 +6484,6 @@
                 <a:latin typeface="Merriweather"/>
                 <a:ea typeface="Merriweather"/>
                 <a:cs typeface="Merriweather"/>
-                <a:sym typeface="Merriweather"/>
               </a:defRPr>
             </a:lvl8pPr>
             <a:lvl9pPr lvl="8">
@@ -6449,11 +6506,15 @@
                 <a:latin typeface="Merriweather"/>
                 <a:ea typeface="Merriweather"/>
                 <a:cs typeface="Merriweather"/>
-                <a:sym typeface="Merriweather"/>
               </a:defRPr>
             </a:lvl9pPr>
           </a:lstStyle>
-          <a:p/>
+          <a:p>
+            <a:pPr>
+              <a:defRPr/>
+            </a:pPr>
+            <a:endParaRPr/>
+          </a:p>
         </p:txBody>
       </p:sp>
       <p:sp>
@@ -6461,10 +6522,10 @@
           <p:cNvPr id="7" name="Google Shape;7;p1"/>
           <p:cNvSpPr txBox="1"/>
           <p:nvPr>
-            <p:ph idx="1" type="body"/>
+            <p:ph type="body" idx="1"/>
           </p:nvPr>
         </p:nvSpPr>
-        <p:spPr>
+        <p:spPr bwMode="auto">
           <a:xfrm>
             <a:off x="311700" y="1152475"/>
             <a:ext cx="8520600" cy="3416400"/>
@@ -6478,13 +6539,13 @@
           </a:ln>
         </p:spPr>
         <p:txBody>
-          <a:bodyPr anchorCtr="0" anchor="t" bIns="91425" lIns="91425" spcFirstLastPara="1" rIns="91425" wrap="square" tIns="91425">
+          <a:bodyPr spcFirstLastPara="1" wrap="square" lIns="91425" tIns="91425" rIns="91425" bIns="91425" anchor="t" anchorCtr="0">
             <a:normAutofit/>
           </a:bodyPr>
           <a:lstStyle>
-            <a:lvl1pPr indent="-311150" lvl="0" marL="457200">
+            <a:lvl1pPr marL="457200" lvl="0" indent="-311150">
               <a:lnSpc>
-                <a:spcPct val="115000"/>
+                <a:spcPct val="114999"/>
               </a:lnSpc>
               <a:spcBef>
                 <a:spcPts val="0"/>
@@ -6505,12 +6566,11 @@
                 <a:latin typeface="Roboto"/>
                 <a:ea typeface="Roboto"/>
                 <a:cs typeface="Roboto"/>
-                <a:sym typeface="Roboto"/>
               </a:defRPr>
             </a:lvl1pPr>
-            <a:lvl2pPr indent="-298450" lvl="1" marL="914400">
+            <a:lvl2pPr marL="914400" lvl="1" indent="-298450">
               <a:lnSpc>
-                <a:spcPct val="115000"/>
+                <a:spcPct val="114999"/>
               </a:lnSpc>
               <a:spcBef>
                 <a:spcPts val="0"/>
@@ -6531,12 +6591,11 @@
                 <a:latin typeface="Roboto"/>
                 <a:ea typeface="Roboto"/>
                 <a:cs typeface="Roboto"/>
-                <a:sym typeface="Roboto"/>
               </a:defRPr>
             </a:lvl2pPr>
-            <a:lvl3pPr indent="-298450" lvl="2" marL="1371600">
+            <a:lvl3pPr marL="1371600" lvl="2" indent="-298450">
               <a:lnSpc>
-                <a:spcPct val="115000"/>
+                <a:spcPct val="114999"/>
               </a:lnSpc>
               <a:spcBef>
                 <a:spcPts val="0"/>
@@ -6557,12 +6616,11 @@
                 <a:latin typeface="Roboto"/>
                 <a:ea typeface="Roboto"/>
                 <a:cs typeface="Roboto"/>
-                <a:sym typeface="Roboto"/>
               </a:defRPr>
             </a:lvl3pPr>
-            <a:lvl4pPr indent="-298450" lvl="3" marL="1828800">
+            <a:lvl4pPr marL="1828800" lvl="3" indent="-298450">
               <a:lnSpc>
-                <a:spcPct val="115000"/>
+                <a:spcPct val="114999"/>
               </a:lnSpc>
               <a:spcBef>
                 <a:spcPts val="0"/>
@@ -6583,12 +6641,11 @@
                 <a:latin typeface="Roboto"/>
                 <a:ea typeface="Roboto"/>
                 <a:cs typeface="Roboto"/>
-                <a:sym typeface="Roboto"/>
               </a:defRPr>
             </a:lvl4pPr>
-            <a:lvl5pPr indent="-298450" lvl="4" marL="2286000">
+            <a:lvl5pPr marL="2286000" lvl="4" indent="-298450">
               <a:lnSpc>
-                <a:spcPct val="115000"/>
+                <a:spcPct val="114999"/>
               </a:lnSpc>
               <a:spcBef>
                 <a:spcPts val="0"/>
@@ -6609,12 +6666,11 @@
                 <a:latin typeface="Roboto"/>
                 <a:ea typeface="Roboto"/>
                 <a:cs typeface="Roboto"/>
-                <a:sym typeface="Roboto"/>
               </a:defRPr>
             </a:lvl5pPr>
-            <a:lvl6pPr indent="-298450" lvl="5" marL="2743200">
+            <a:lvl6pPr marL="2743200" lvl="5" indent="-298450">
               <a:lnSpc>
-                <a:spcPct val="115000"/>
+                <a:spcPct val="114999"/>
               </a:lnSpc>
               <a:spcBef>
                 <a:spcPts val="0"/>
@@ -6635,12 +6691,11 @@
                 <a:latin typeface="Roboto"/>
                 <a:ea typeface="Roboto"/>
                 <a:cs typeface="Roboto"/>
-                <a:sym typeface="Roboto"/>
               </a:defRPr>
             </a:lvl6pPr>
-            <a:lvl7pPr indent="-298450" lvl="6" marL="3200400">
+            <a:lvl7pPr marL="3200400" lvl="6" indent="-298450">
               <a:lnSpc>
-                <a:spcPct val="115000"/>
+                <a:spcPct val="114999"/>
               </a:lnSpc>
               <a:spcBef>
                 <a:spcPts val="0"/>
@@ -6661,12 +6716,11 @@
                 <a:latin typeface="Roboto"/>
                 <a:ea typeface="Roboto"/>
                 <a:cs typeface="Roboto"/>
-                <a:sym typeface="Roboto"/>
               </a:defRPr>
             </a:lvl7pPr>
-            <a:lvl8pPr indent="-298450" lvl="7" marL="3657600">
+            <a:lvl8pPr marL="3657600" lvl="7" indent="-298450">
               <a:lnSpc>
-                <a:spcPct val="115000"/>
+                <a:spcPct val="114999"/>
               </a:lnSpc>
               <a:spcBef>
                 <a:spcPts val="0"/>
@@ -6687,12 +6741,11 @@
                 <a:latin typeface="Roboto"/>
                 <a:ea typeface="Roboto"/>
                 <a:cs typeface="Roboto"/>
-                <a:sym typeface="Roboto"/>
               </a:defRPr>
             </a:lvl8pPr>
-            <a:lvl9pPr indent="-298450" lvl="8" marL="4114800">
+            <a:lvl9pPr marL="4114800" lvl="8" indent="-298450">
               <a:lnSpc>
-                <a:spcPct val="115000"/>
+                <a:spcPct val="114999"/>
               </a:lnSpc>
               <a:spcBef>
                 <a:spcPts val="0"/>
@@ -6713,11 +6766,15 @@
                 <a:latin typeface="Roboto"/>
                 <a:ea typeface="Roboto"/>
                 <a:cs typeface="Roboto"/>
-                <a:sym typeface="Roboto"/>
               </a:defRPr>
             </a:lvl9pPr>
           </a:lstStyle>
-          <a:p/>
+          <a:p>
+            <a:pPr>
+              <a:defRPr/>
+            </a:pPr>
+            <a:endParaRPr/>
+          </a:p>
         </p:txBody>
       </p:sp>
       <p:sp>
@@ -6725,10 +6782,10 @@
           <p:cNvPr id="8" name="Google Shape;8;p1"/>
           <p:cNvSpPr txBox="1"/>
           <p:nvPr>
-            <p:ph idx="12" type="sldNum"/>
+            <p:ph type="sldNum" idx="12"/>
           </p:nvPr>
         </p:nvSpPr>
-        <p:spPr>
+        <p:spPr bwMode="auto">
           <a:xfrm>
             <a:off x="8472458" y="4663217"/>
             <a:ext cx="548700" cy="393600"/>
@@ -6742,7 +6799,7 @@
           </a:ln>
         </p:spPr>
         <p:txBody>
-          <a:bodyPr anchorCtr="0" anchor="ctr" bIns="91425" lIns="91425" spcFirstLastPara="1" rIns="91425" wrap="square" tIns="91425">
+          <a:bodyPr spcFirstLastPara="1" wrap="square" lIns="91425" tIns="91425" rIns="91425" bIns="91425" anchor="ctr" anchorCtr="0">
             <a:normAutofit/>
           </a:bodyPr>
           <a:lstStyle>
@@ -6755,7 +6812,6 @@
                 <a:latin typeface="Roboto"/>
                 <a:ea typeface="Roboto"/>
                 <a:cs typeface="Roboto"/>
-                <a:sym typeface="Roboto"/>
               </a:defRPr>
             </a:lvl1pPr>
             <a:lvl2pPr lvl="1" algn="r">
@@ -6767,7 +6823,6 @@
                 <a:latin typeface="Roboto"/>
                 <a:ea typeface="Roboto"/>
                 <a:cs typeface="Roboto"/>
-                <a:sym typeface="Roboto"/>
               </a:defRPr>
             </a:lvl2pPr>
             <a:lvl3pPr lvl="2" algn="r">
@@ -6779,7 +6834,6 @@
                 <a:latin typeface="Roboto"/>
                 <a:ea typeface="Roboto"/>
                 <a:cs typeface="Roboto"/>
-                <a:sym typeface="Roboto"/>
               </a:defRPr>
             </a:lvl3pPr>
             <a:lvl4pPr lvl="3" algn="r">
@@ -6791,7 +6845,6 @@
                 <a:latin typeface="Roboto"/>
                 <a:ea typeface="Roboto"/>
                 <a:cs typeface="Roboto"/>
-                <a:sym typeface="Roboto"/>
               </a:defRPr>
             </a:lvl4pPr>
             <a:lvl5pPr lvl="4" algn="r">
@@ -6803,7 +6856,6 @@
                 <a:latin typeface="Roboto"/>
                 <a:ea typeface="Roboto"/>
                 <a:cs typeface="Roboto"/>
-                <a:sym typeface="Roboto"/>
               </a:defRPr>
             </a:lvl5pPr>
             <a:lvl6pPr lvl="5" algn="r">
@@ -6815,7 +6867,6 @@
                 <a:latin typeface="Roboto"/>
                 <a:ea typeface="Roboto"/>
                 <a:cs typeface="Roboto"/>
-                <a:sym typeface="Roboto"/>
               </a:defRPr>
             </a:lvl6pPr>
             <a:lvl7pPr lvl="6" algn="r">
@@ -6827,7 +6878,6 @@
                 <a:latin typeface="Roboto"/>
                 <a:ea typeface="Roboto"/>
                 <a:cs typeface="Roboto"/>
-                <a:sym typeface="Roboto"/>
               </a:defRPr>
             </a:lvl7pPr>
             <a:lvl8pPr lvl="7" algn="r">
@@ -6839,7 +6889,6 @@
                 <a:latin typeface="Roboto"/>
                 <a:ea typeface="Roboto"/>
                 <a:cs typeface="Roboto"/>
-                <a:sym typeface="Roboto"/>
               </a:defRPr>
             </a:lvl8pPr>
             <a:lvl9pPr lvl="8" algn="r">
@@ -6851,19 +6900,19 @@
                 <a:latin typeface="Roboto"/>
                 <a:ea typeface="Roboto"/>
                 <a:cs typeface="Roboto"/>
-                <a:sym typeface="Roboto"/>
               </a:defRPr>
             </a:lvl9pPr>
           </a:lstStyle>
           <a:p>
-            <a:pPr indent="0" lvl="0" marL="0" rtl="0" algn="r">
-              <a:spcBef>
-                <a:spcPts val="0"/>
-              </a:spcBef>
-              <a:spcAft>
-                <a:spcPts val="0"/>
-              </a:spcAft>
-              <a:buNone/>
+            <a:pPr marL="0" lvl="0" indent="0" algn="r">
+              <a:spcBef>
+                <a:spcPts val="0"/>
+              </a:spcBef>
+              <a:spcAft>
+                <a:spcPts val="0"/>
+              </a:spcAft>
+              <a:buNone/>
+              <a:defRPr/>
             </a:pPr>
             <a:fld id="{00000000-1234-1234-1234-123412341234}" type="slidenum">
               <a:rPr lang="en"/>
@@ -6875,24 +6924,24 @@
       </p:sp>
     </p:spTree>
   </p:cSld>
-  <p:clrMap accent1="accent1" accent2="accent2" accent3="accent3" accent4="accent4" accent5="accent5" accent6="accent6" bg1="lt1" bg2="dk2" tx1="dk1" tx2="lt2" folHlink="folHlink" hlink="hlink"/>
+  <p:clrMap bg1="lt1" tx1="dk1" bg2="dk2" tx2="lt2" accent1="accent1" accent2="accent2" accent3="accent3" accent4="accent4" accent5="accent5" accent6="accent6" hlink="hlink" folHlink="folHlink"/>
   <p:sldLayoutIdLst>
-    <p:sldLayoutId id="2147483648" r:id="rId1"/>
-    <p:sldLayoutId id="2147483649" r:id="rId2"/>
-    <p:sldLayoutId id="2147483650" r:id="rId3"/>
-    <p:sldLayoutId id="2147483651" r:id="rId4"/>
-    <p:sldLayoutId id="2147483652" r:id="rId5"/>
-    <p:sldLayoutId id="2147483653" r:id="rId6"/>
-    <p:sldLayoutId id="2147483654" r:id="rId7"/>
-    <p:sldLayoutId id="2147483655" r:id="rId8"/>
-    <p:sldLayoutId id="2147483656" r:id="rId9"/>
-    <p:sldLayoutId id="2147483657" r:id="rId10"/>
-    <p:sldLayoutId id="2147483658" r:id="rId11"/>
+    <p:sldLayoutId id="2147483649" r:id="rId1"/>
+    <p:sldLayoutId id="2147483650" r:id="rId2"/>
+    <p:sldLayoutId id="2147483651" r:id="rId3"/>
+    <p:sldLayoutId id="2147483652" r:id="rId4"/>
+    <p:sldLayoutId id="2147483653" r:id="rId5"/>
+    <p:sldLayoutId id="2147483654" r:id="rId6"/>
+    <p:sldLayoutId id="2147483655" r:id="rId7"/>
+    <p:sldLayoutId id="2147483656" r:id="rId8"/>
+    <p:sldLayoutId id="2147483657" r:id="rId9"/>
+    <p:sldLayoutId id="2147483658" r:id="rId10"/>
+    <p:sldLayoutId id="2147483659" r:id="rId11"/>
   </p:sldLayoutIdLst>
   <p:hf dt="0" ftr="0" hdr="0" sldNum="0"/>
   <p:txStyles>
     <p:titleStyle>
-      <a:defPPr lvl="0" marR="0" rtl="0" algn="l">
+      <a:defPPr marR="0" lvl="0" algn="l">
         <a:lnSpc>
           <a:spcPct val="100000"/>
         </a:lnSpc>
@@ -6903,7 +6952,7 @@
           <a:spcPts val="0"/>
         </a:spcAft>
       </a:defPPr>
-      <a:lvl1pPr lvl="0" marR="0" rtl="0" algn="l">
+      <a:lvl1pPr marR="0" lvl="0" algn="l">
         <a:lnSpc>
           <a:spcPct val="100000"/>
         </a:lnSpc>
@@ -6917,17 +6966,16 @@
           <a:srgbClr val="000000"/>
         </a:buClr>
         <a:buFont typeface="Arial"/>
-        <a:defRPr b="0" i="0" sz="1400" u="none" cap="none" strike="noStrike">
+        <a:defRPr sz="1400" b="0" i="0" u="none" strike="noStrike" cap="none">
           <a:solidFill>
             <a:srgbClr val="000000"/>
           </a:solidFill>
           <a:latin typeface="Arial"/>
           <a:ea typeface="Arial"/>
           <a:cs typeface="Arial"/>
-          <a:sym typeface="Arial"/>
         </a:defRPr>
       </a:lvl1pPr>
-      <a:lvl2pPr lvl="1" marR="0" rtl="0" algn="l">
+      <a:lvl2pPr marR="0" lvl="1" algn="l">
         <a:lnSpc>
           <a:spcPct val="100000"/>
         </a:lnSpc>
@@ -6941,17 +6989,16 @@
           <a:srgbClr val="000000"/>
         </a:buClr>
         <a:buFont typeface="Arial"/>
-        <a:defRPr b="0" i="0" sz="1400" u="none" cap="none" strike="noStrike">
+        <a:defRPr sz="1400" b="0" i="0" u="none" strike="noStrike" cap="none">
           <a:solidFill>
             <a:srgbClr val="000000"/>
           </a:solidFill>
           <a:latin typeface="Arial"/>
           <a:ea typeface="Arial"/>
           <a:cs typeface="Arial"/>
-          <a:sym typeface="Arial"/>
         </a:defRPr>
       </a:lvl2pPr>
-      <a:lvl3pPr lvl="2" marR="0" rtl="0" algn="l">
+      <a:lvl3pPr marR="0" lvl="2" algn="l">
         <a:lnSpc>
           <a:spcPct val="100000"/>
         </a:lnSpc>
@@ -6965,17 +7012,16 @@
           <a:srgbClr val="000000"/>
         </a:buClr>
         <a:buFont typeface="Arial"/>
-        <a:defRPr b="0" i="0" sz="1400" u="none" cap="none" strike="noStrike">
+        <a:defRPr sz="1400" b="0" i="0" u="none" strike="noStrike" cap="none">
           <a:solidFill>
             <a:srgbClr val="000000"/>
           </a:solidFill>
           <a:latin typeface="Arial"/>
           <a:ea typeface="Arial"/>
           <a:cs typeface="Arial"/>
-          <a:sym typeface="Arial"/>
         </a:defRPr>
       </a:lvl3pPr>
-      <a:lvl4pPr lvl="3" marR="0" rtl="0" algn="l">
+      <a:lvl4pPr marR="0" lvl="3" algn="l">
         <a:lnSpc>
           <a:spcPct val="100000"/>
         </a:lnSpc>
@@ -6989,17 +7035,16 @@
           <a:srgbClr val="000000"/>
         </a:buClr>
         <a:buFont typeface="Arial"/>
-        <a:defRPr b="0" i="0" sz="1400" u="none" cap="none" strike="noStrike">
+        <a:defRPr sz="1400" b="0" i="0" u="none" strike="noStrike" cap="none">
           <a:solidFill>
             <a:srgbClr val="000000"/>
           </a:solidFill>
           <a:latin typeface="Arial"/>
           <a:ea typeface="Arial"/>
           <a:cs typeface="Arial"/>
-          <a:sym typeface="Arial"/>
         </a:defRPr>
       </a:lvl4pPr>
-      <a:lvl5pPr lvl="4" marR="0" rtl="0" algn="l">
+      <a:lvl5pPr marR="0" lvl="4" algn="l">
         <a:lnSpc>
           <a:spcPct val="100000"/>
         </a:lnSpc>
@@ -7013,17 +7058,16 @@
           <a:srgbClr val="000000"/>
         </a:buClr>
         <a:buFont typeface="Arial"/>
-        <a:defRPr b="0" i="0" sz="1400" u="none" cap="none" strike="noStrike">
+        <a:defRPr sz="1400" b="0" i="0" u="none" strike="noStrike" cap="none">
           <a:solidFill>
             <a:srgbClr val="000000"/>
           </a:solidFill>
           <a:latin typeface="Arial"/>
           <a:ea typeface="Arial"/>
           <a:cs typeface="Arial"/>
-          <a:sym typeface="Arial"/>
         </a:defRPr>
       </a:lvl5pPr>
-      <a:lvl6pPr lvl="5" marR="0" rtl="0" algn="l">
+      <a:lvl6pPr marR="0" lvl="5" algn="l">
         <a:lnSpc>
           <a:spcPct val="100000"/>
         </a:lnSpc>
@@ -7037,17 +7081,16 @@
           <a:srgbClr val="000000"/>
         </a:buClr>
         <a:buFont typeface="Arial"/>
-        <a:defRPr b="0" i="0" sz="1400" u="none" cap="none" strike="noStrike">
+        <a:defRPr sz="1400" b="0" i="0" u="none" strike="noStrike" cap="none">
           <a:solidFill>
             <a:srgbClr val="000000"/>
           </a:solidFill>
           <a:latin typeface="Arial"/>
           <a:ea typeface="Arial"/>
           <a:cs typeface="Arial"/>
-          <a:sym typeface="Arial"/>
         </a:defRPr>
       </a:lvl6pPr>
-      <a:lvl7pPr lvl="6" marR="0" rtl="0" algn="l">
+      <a:lvl7pPr marR="0" lvl="6" algn="l">
         <a:lnSpc>
           <a:spcPct val="100000"/>
         </a:lnSpc>
@@ -7061,17 +7104,16 @@
           <a:srgbClr val="000000"/>
         </a:buClr>
         <a:buFont typeface="Arial"/>
-        <a:defRPr b="0" i="0" sz="1400" u="none" cap="none" strike="noStrike">
+        <a:defRPr sz="1400" b="0" i="0" u="none" strike="noStrike" cap="none">
           <a:solidFill>
             <a:srgbClr val="000000"/>
           </a:solidFill>
           <a:latin typeface="Arial"/>
           <a:ea typeface="Arial"/>
           <a:cs typeface="Arial"/>
-          <a:sym typeface="Arial"/>
         </a:defRPr>
       </a:lvl7pPr>
-      <a:lvl8pPr lvl="7" marR="0" rtl="0" algn="l">
+      <a:lvl8pPr marR="0" lvl="7" algn="l">
         <a:lnSpc>
           <a:spcPct val="100000"/>
         </a:lnSpc>
@@ -7085,17 +7127,16 @@
           <a:srgbClr val="000000"/>
         </a:buClr>
         <a:buFont typeface="Arial"/>
-        <a:defRPr b="0" i="0" sz="1400" u="none" cap="none" strike="noStrike">
+        <a:defRPr sz="1400" b="0" i="0" u="none" strike="noStrike" cap="none">
           <a:solidFill>
             <a:srgbClr val="000000"/>
           </a:solidFill>
           <a:latin typeface="Arial"/>
           <a:ea typeface="Arial"/>
           <a:cs typeface="Arial"/>
-          <a:sym typeface="Arial"/>
         </a:defRPr>
       </a:lvl8pPr>
-      <a:lvl9pPr lvl="8" marR="0" rtl="0" algn="l">
+      <a:lvl9pPr marR="0" lvl="8" algn="l">
         <a:lnSpc>
           <a:spcPct val="100000"/>
         </a:lnSpc>
@@ -7109,19 +7150,18 @@
           <a:srgbClr val="000000"/>
         </a:buClr>
         <a:buFont typeface="Arial"/>
-        <a:defRPr b="0" i="0" sz="1400" u="none" cap="none" strike="noStrike">
+        <a:defRPr sz="1400" b="0" i="0" u="none" strike="noStrike" cap="none">
           <a:solidFill>
             <a:srgbClr val="000000"/>
           </a:solidFill>
           <a:latin typeface="Arial"/>
           <a:ea typeface="Arial"/>
           <a:cs typeface="Arial"/>
-          <a:sym typeface="Arial"/>
         </a:defRPr>
       </a:lvl9pPr>
     </p:titleStyle>
     <p:bodyStyle>
-      <a:defPPr lvl="0" marR="0" rtl="0" algn="l">
+      <a:defPPr marR="0" lvl="0" algn="l">
         <a:lnSpc>
           <a:spcPct val="100000"/>
         </a:lnSpc>
@@ -7132,7 +7172,7 @@
           <a:spcPts val="0"/>
         </a:spcAft>
       </a:defPPr>
-      <a:lvl1pPr lvl="0" marR="0" rtl="0" algn="l">
+      <a:lvl1pPr marR="0" lvl="0" algn="l">
         <a:lnSpc>
           <a:spcPct val="100000"/>
         </a:lnSpc>
@@ -7146,17 +7186,16 @@
           <a:srgbClr val="000000"/>
         </a:buClr>
         <a:buFont typeface="Arial"/>
-        <a:defRPr b="0" i="0" sz="1400" u="none" cap="none" strike="noStrike">
+        <a:defRPr sz="1400" b="0" i="0" u="none" strike="noStrike" cap="none">
           <a:solidFill>
             <a:srgbClr val="000000"/>
           </a:solidFill>
           <a:latin typeface="Arial"/>
           <a:ea typeface="Arial"/>
           <a:cs typeface="Arial"/>
-          <a:sym typeface="Arial"/>
         </a:defRPr>
       </a:lvl1pPr>
-      <a:lvl2pPr lvl="1" marR="0" rtl="0" algn="l">
+      <a:lvl2pPr marR="0" lvl="1" algn="l">
         <a:lnSpc>
           <a:spcPct val="100000"/>
         </a:lnSpc>
@@ -7170,17 +7209,16 @@
           <a:srgbClr val="000000"/>
         </a:buClr>
         <a:buFont typeface="Arial"/>
-        <a:defRPr b="0" i="0" sz="1400" u="none" cap="none" strike="noStrike">
+        <a:defRPr sz="1400" b="0" i="0" u="none" strike="noStrike" cap="none">
           <a:solidFill>
             <a:srgbClr val="000000"/>
           </a:solidFill>
           <a:latin typeface="Arial"/>
           <a:ea typeface="Arial"/>
           <a:cs typeface="Arial"/>
-          <a:sym typeface="Arial"/>
         </a:defRPr>
       </a:lvl2pPr>
-      <a:lvl3pPr lvl="2" marR="0" rtl="0" algn="l">
+      <a:lvl3pPr marR="0" lvl="2" algn="l">
         <a:lnSpc>
           <a:spcPct val="100000"/>
         </a:lnSpc>
@@ -7194,17 +7232,16 @@
           <a:srgbClr val="000000"/>
         </a:buClr>
         <a:buFont typeface="Arial"/>
-        <a:defRPr b="0" i="0" sz="1400" u="none" cap="none" strike="noStrike">
+        <a:defRPr sz="1400" b="0" i="0" u="none" strike="noStrike" cap="none">
           <a:solidFill>
             <a:srgbClr val="000000"/>
           </a:solidFill>
           <a:latin typeface="Arial"/>
           <a:ea typeface="Arial"/>
           <a:cs typeface="Arial"/>
-          <a:sym typeface="Arial"/>
         </a:defRPr>
       </a:lvl3pPr>
-      <a:lvl4pPr lvl="3" marR="0" rtl="0" algn="l">
+      <a:lvl4pPr marR="0" lvl="3" algn="l">
         <a:lnSpc>
           <a:spcPct val="100000"/>
         </a:lnSpc>
@@ -7218,17 +7255,16 @@
           <a:srgbClr val="000000"/>
         </a:buClr>
         <a:buFont typeface="Arial"/>
-        <a:defRPr b="0" i="0" sz="1400" u="none" cap="none" strike="noStrike">
+        <a:defRPr sz="1400" b="0" i="0" u="none" strike="noStrike" cap="none">
           <a:solidFill>
             <a:srgbClr val="000000"/>
           </a:solidFill>
           <a:latin typeface="Arial"/>
           <a:ea typeface="Arial"/>
           <a:cs typeface="Arial"/>
-          <a:sym typeface="Arial"/>
         </a:defRPr>
       </a:lvl4pPr>
-      <a:lvl5pPr lvl="4" marR="0" rtl="0" algn="l">
+      <a:lvl5pPr marR="0" lvl="4" algn="l">
         <a:lnSpc>
           <a:spcPct val="100000"/>
         </a:lnSpc>
@@ -7242,17 +7278,16 @@
           <a:srgbClr val="000000"/>
         </a:buClr>
         <a:buFont typeface="Arial"/>
-        <a:defRPr b="0" i="0" sz="1400" u="none" cap="none" strike="noStrike">
+        <a:defRPr sz="1400" b="0" i="0" u="none" strike="noStrike" cap="none">
           <a:solidFill>
             <a:srgbClr val="000000"/>
           </a:solidFill>
           <a:latin typeface="Arial"/>
           <a:ea typeface="Arial"/>
           <a:cs typeface="Arial"/>
-          <a:sym typeface="Arial"/>
         </a:defRPr>
       </a:lvl5pPr>
-      <a:lvl6pPr lvl="5" marR="0" rtl="0" algn="l">
+      <a:lvl6pPr marR="0" lvl="5" algn="l">
         <a:lnSpc>
           <a:spcPct val="100000"/>
         </a:lnSpc>
@@ -7266,17 +7301,16 @@
           <a:srgbClr val="000000"/>
         </a:buClr>
         <a:buFont typeface="Arial"/>
-        <a:defRPr b="0" i="0" sz="1400" u="none" cap="none" strike="noStrike">
+        <a:defRPr sz="1400" b="0" i="0" u="none" strike="noStrike" cap="none">
           <a:solidFill>
             <a:srgbClr val="000000"/>
           </a:solidFill>
           <a:latin typeface="Arial"/>
           <a:ea typeface="Arial"/>
           <a:cs typeface="Arial"/>
-          <a:sym typeface="Arial"/>
         </a:defRPr>
       </a:lvl6pPr>
-      <a:lvl7pPr lvl="6" marR="0" rtl="0" algn="l">
+      <a:lvl7pPr marR="0" lvl="6" algn="l">
         <a:lnSpc>
           <a:spcPct val="100000"/>
         </a:lnSpc>
@@ -7290,17 +7324,16 @@
           <a:srgbClr val="000000"/>
         </a:buClr>
         <a:buFont typeface="Arial"/>
-        <a:defRPr b="0" i="0" sz="1400" u="none" cap="none" strike="noStrike">
+        <a:defRPr sz="1400" b="0" i="0" u="none" strike="noStrike" cap="none">
           <a:solidFill>
             <a:srgbClr val="000000"/>
           </a:solidFill>
           <a:latin typeface="Arial"/>
           <a:ea typeface="Arial"/>
           <a:cs typeface="Arial"/>
-          <a:sym typeface="Arial"/>
         </a:defRPr>
       </a:lvl7pPr>
-      <a:lvl8pPr lvl="7" marR="0" rtl="0" algn="l">
+      <a:lvl8pPr marR="0" lvl="7" algn="l">
         <a:lnSpc>
           <a:spcPct val="100000"/>
         </a:lnSpc>
@@ -7314,17 +7347,16 @@
           <a:srgbClr val="000000"/>
         </a:buClr>
         <a:buFont typeface="Arial"/>
-        <a:defRPr b="0" i="0" sz="1400" u="none" cap="none" strike="noStrike">
+        <a:defRPr sz="1400" b="0" i="0" u="none" strike="noStrike" cap="none">
           <a:solidFill>
             <a:srgbClr val="000000"/>
           </a:solidFill>
           <a:latin typeface="Arial"/>
           <a:ea typeface="Arial"/>
           <a:cs typeface="Arial"/>
-          <a:sym typeface="Arial"/>
         </a:defRPr>
       </a:lvl8pPr>
-      <a:lvl9pPr lvl="8" marR="0" rtl="0" algn="l">
+      <a:lvl9pPr marR="0" lvl="8" algn="l">
         <a:lnSpc>
           <a:spcPct val="100000"/>
         </a:lnSpc>
@@ -7338,19 +7370,18 @@
           <a:srgbClr val="000000"/>
         </a:buClr>
         <a:buFont typeface="Arial"/>
-        <a:defRPr b="0" i="0" sz="1400" u="none" cap="none" strike="noStrike">
+        <a:defRPr sz="1400" b="0" i="0" u="none" strike="noStrike" cap="none">
           <a:solidFill>
             <a:srgbClr val="000000"/>
           </a:solidFill>
           <a:latin typeface="Arial"/>
           <a:ea typeface="Arial"/>
           <a:cs typeface="Arial"/>
-          <a:sym typeface="Arial"/>
         </a:defRPr>
       </a:lvl9pPr>
     </p:bodyStyle>
     <p:otherStyle>
-      <a:defPPr lvl="0" marR="0" rtl="0" algn="l">
+      <a:defPPr marR="0" lvl="0" algn="l">
         <a:lnSpc>
           <a:spcPct val="100000"/>
         </a:lnSpc>
@@ -7361,7 +7392,7 @@
           <a:spcPts val="0"/>
         </a:spcAft>
       </a:defPPr>
-      <a:lvl1pPr lvl="0" marR="0" rtl="0" algn="l">
+      <a:lvl1pPr marR="0" lvl="0" algn="l">
         <a:lnSpc>
           <a:spcPct val="100000"/>
         </a:lnSpc>
@@ -7375,17 +7406,16 @@
           <a:srgbClr val="000000"/>
         </a:buClr>
         <a:buFont typeface="Arial"/>
-        <a:defRPr b="0" i="0" sz="1400" u="none" cap="none" strike="noStrike">
+        <a:defRPr sz="1400" b="0" i="0" u="none" strike="noStrike" cap="none">
           <a:solidFill>
             <a:srgbClr val="000000"/>
           </a:solidFill>
           <a:latin typeface="Arial"/>
           <a:ea typeface="Arial"/>
           <a:cs typeface="Arial"/>
-          <a:sym typeface="Arial"/>
         </a:defRPr>
       </a:lvl1pPr>
-      <a:lvl2pPr lvl="1" marR="0" rtl="0" algn="l">
+      <a:lvl2pPr marR="0" lvl="1" algn="l">
         <a:lnSpc>
           <a:spcPct val="100000"/>
         </a:lnSpc>
@@ -7399,17 +7429,16 @@
           <a:srgbClr val="000000"/>
         </a:buClr>
         <a:buFont typeface="Arial"/>
-        <a:defRPr b="0" i="0" sz="1400" u="none" cap="none" strike="noStrike">
+        <a:defRPr sz="1400" b="0" i="0" u="none" strike="noStrike" cap="none">
           <a:solidFill>
             <a:srgbClr val="000000"/>
           </a:solidFill>
           <a:latin typeface="Arial"/>
           <a:ea typeface="Arial"/>
           <a:cs typeface="Arial"/>
-          <a:sym typeface="Arial"/>
         </a:defRPr>
       </a:lvl2pPr>
-      <a:lvl3pPr lvl="2" marR="0" rtl="0" algn="l">
+      <a:lvl3pPr marR="0" lvl="2" algn="l">
         <a:lnSpc>
           <a:spcPct val="100000"/>
         </a:lnSpc>
@@ -7423,17 +7452,16 @@
           <a:srgbClr val="000000"/>
         </a:buClr>
         <a:buFont typeface="Arial"/>
-        <a:defRPr b="0" i="0" sz="1400" u="none" cap="none" strike="noStrike">
+        <a:defRPr sz="1400" b="0" i="0" u="none" strike="noStrike" cap="none">
           <a:solidFill>
             <a:srgbClr val="000000"/>
           </a:solidFill>
           <a:latin typeface="Arial"/>
           <a:ea typeface="Arial"/>
           <a:cs typeface="Arial"/>
-          <a:sym typeface="Arial"/>
         </a:defRPr>
       </a:lvl3pPr>
-      <a:lvl4pPr lvl="3" marR="0" rtl="0" algn="l">
+      <a:lvl4pPr marR="0" lvl="3" algn="l">
         <a:lnSpc>
           <a:spcPct val="100000"/>
         </a:lnSpc>
@@ -7447,17 +7475,16 @@
           <a:srgbClr val="000000"/>
         </a:buClr>
         <a:buFont typeface="Arial"/>
-        <a:defRPr b="0" i="0" sz="1400" u="none" cap="none" strike="noStrike">
+        <a:defRPr sz="1400" b="0" i="0" u="none" strike="noStrike" cap="none">
           <a:solidFill>
             <a:srgbClr val="000000"/>
           </a:solidFill>
           <a:latin typeface="Arial"/>
           <a:ea typeface="Arial"/>
           <a:cs typeface="Arial"/>
-          <a:sym typeface="Arial"/>
         </a:defRPr>
       </a:lvl4pPr>
-      <a:lvl5pPr lvl="4" marR="0" rtl="0" algn="l">
+      <a:lvl5pPr marR="0" lvl="4" algn="l">
         <a:lnSpc>
           <a:spcPct val="100000"/>
         </a:lnSpc>
@@ -7471,17 +7498,16 @@
           <a:srgbClr val="000000"/>
         </a:buClr>
         <a:buFont typeface="Arial"/>
-        <a:defRPr b="0" i="0" sz="1400" u="none" cap="none" strike="noStrike">
+        <a:defRPr sz="1400" b="0" i="0" u="none" strike="noStrike" cap="none">
           <a:solidFill>
             <a:srgbClr val="000000"/>
           </a:solidFill>
           <a:latin typeface="Arial"/>
           <a:ea typeface="Arial"/>
           <a:cs typeface="Arial"/>
-          <a:sym typeface="Arial"/>
         </a:defRPr>
       </a:lvl5pPr>
-      <a:lvl6pPr lvl="5" marR="0" rtl="0" algn="l">
+      <a:lvl6pPr marR="0" lvl="5" algn="l">
         <a:lnSpc>
           <a:spcPct val="100000"/>
         </a:lnSpc>
@@ -7495,17 +7521,16 @@
           <a:srgbClr val="000000"/>
         </a:buClr>
         <a:buFont typeface="Arial"/>
-        <a:defRPr b="0" i="0" sz="1400" u="none" cap="none" strike="noStrike">
+        <a:defRPr sz="1400" b="0" i="0" u="none" strike="noStrike" cap="none">
           <a:solidFill>
             <a:srgbClr val="000000"/>
           </a:solidFill>
           <a:latin typeface="Arial"/>
           <a:ea typeface="Arial"/>
           <a:cs typeface="Arial"/>
-          <a:sym typeface="Arial"/>
         </a:defRPr>
       </a:lvl6pPr>
-      <a:lvl7pPr lvl="6" marR="0" rtl="0" algn="l">
+      <a:lvl7pPr marR="0" lvl="6" algn="l">
         <a:lnSpc>
           <a:spcPct val="100000"/>
         </a:lnSpc>
@@ -7519,17 +7544,16 @@
           <a:srgbClr val="000000"/>
         </a:buClr>
         <a:buFont typeface="Arial"/>
-        <a:defRPr b="0" i="0" sz="1400" u="none" cap="none" strike="noStrike">
+        <a:defRPr sz="1400" b="0" i="0" u="none" strike="noStrike" cap="none">
           <a:solidFill>
             <a:srgbClr val="000000"/>
           </a:solidFill>
           <a:latin typeface="Arial"/>
           <a:ea typeface="Arial"/>
           <a:cs typeface="Arial"/>
-          <a:sym typeface="Arial"/>
         </a:defRPr>
       </a:lvl7pPr>
-      <a:lvl8pPr lvl="7" marR="0" rtl="0" algn="l">
+      <a:lvl8pPr marR="0" lvl="7" algn="l">
         <a:lnSpc>
           <a:spcPct val="100000"/>
         </a:lnSpc>
@@ -7543,17 +7567,16 @@
           <a:srgbClr val="000000"/>
         </a:buClr>
         <a:buFont typeface="Arial"/>
-        <a:defRPr b="0" i="0" sz="1400" u="none" cap="none" strike="noStrike">
+        <a:defRPr sz="1400" b="0" i="0" u="none" strike="noStrike" cap="none">
           <a:solidFill>
             <a:srgbClr val="000000"/>
           </a:solidFill>
           <a:latin typeface="Arial"/>
           <a:ea typeface="Arial"/>
           <a:cs typeface="Arial"/>
-          <a:sym typeface="Arial"/>
         </a:defRPr>
       </a:lvl8pPr>
-      <a:lvl9pPr lvl="8" marR="0" rtl="0" algn="l">
+      <a:lvl9pPr marR="0" lvl="8" algn="l">
         <a:lnSpc>
           <a:spcPct val="100000"/>
         </a:lnSpc>
@@ -7567,14 +7590,13 @@
           <a:srgbClr val="000000"/>
         </a:buClr>
         <a:buFont typeface="Arial"/>
-        <a:defRPr b="0" i="0" sz="1400" u="none" cap="none" strike="noStrike">
+        <a:defRPr sz="1400" b="0" i="0" u="none" strike="noStrike" cap="none">
           <a:solidFill>
             <a:srgbClr val="000000"/>
           </a:solidFill>
           <a:latin typeface="Arial"/>
           <a:ea typeface="Arial"/>
           <a:cs typeface="Arial"/>
-          <a:sym typeface="Arial"/>
         </a:defRPr>
       </a:lvl9pPr>
     </p:otherStyle>
@@ -7583,15 +7605,15 @@
 </file>
 
 <file path=ppt/slides/slide1.xml><?xml version="1.0" encoding="utf-8"?>
-<p:sld xmlns:a="http://schemas.openxmlformats.org/drawingml/2006/main" xmlns:r="http://schemas.openxmlformats.org/officeDocument/2006/relationships" xmlns:mc="http://schemas.openxmlformats.org/markup-compatibility/2006" xmlns:mv="urn:schemas-microsoft-com:mac:vml" xmlns:p="http://schemas.openxmlformats.org/presentationml/2006/main" xmlns:c="http://schemas.openxmlformats.org/drawingml/2006/chart" xmlns:dgm="http://schemas.openxmlformats.org/drawingml/2006/diagram" xmlns:o="urn:schemas-microsoft-com:office:office" xmlns:v="urn:schemas-microsoft-com:vml" xmlns:pvml="urn:schemas-microsoft-com:office:powerpoint" xmlns:com="http://schemas.openxmlformats.org/drawingml/2006/compatibility" xmlns:p14="http://schemas.microsoft.com/office/powerpoint/2010/main" xmlns:p15="http://schemas.microsoft.com/office/powerpoint/2012/main" xmlns:ahyp="http://schemas.microsoft.com/office/drawing/2018/hyperlinkcolor">
-  <p:cSld>
+<p:sld xmlns:a="http://schemas.openxmlformats.org/drawingml/2006/main" xmlns:r="http://schemas.openxmlformats.org/officeDocument/2006/relationships" xmlns:p="http://schemas.openxmlformats.org/presentationml/2006/main" xmlns:m="http://schemas.openxmlformats.org/officeDocument/2006/math" xmlns:w="http://schemas.openxmlformats.org/wordprocessingml/2006/main" showMasterPhAnim="0" show="1">
+  <p:cSld name="">
     <p:spTree>
       <p:nvGrpSpPr>
-        <p:cNvPr id="63" name="Shape 63"/>
+        <p:cNvPr id="1" name=""/>
         <p:cNvGrpSpPr/>
         <p:nvPr/>
       </p:nvGrpSpPr>
-      <p:grpSpPr>
+      <p:grpSpPr bwMode="auto">
         <a:xfrm>
           <a:off x="0" y="0"/>
           <a:ext cx="0" cy="0"/>
@@ -7607,7 +7629,7 @@
             <p:ph type="ctrTitle"/>
           </p:nvPr>
         </p:nvSpPr>
-        <p:spPr>
+        <p:spPr bwMode="auto">
           <a:xfrm>
             <a:off x="311700" y="539725"/>
             <a:ext cx="8520600" cy="1282500"/>
@@ -7617,19 +7639,20 @@
           </a:prstGeom>
         </p:spPr>
         <p:txBody>
-          <a:bodyPr anchorCtr="0" anchor="t" bIns="91425" lIns="91425" spcFirstLastPara="1" rIns="91425" wrap="square" tIns="91425">
+          <a:bodyPr spcFirstLastPara="1" wrap="square" lIns="91425" tIns="91425" rIns="91425" bIns="91425" anchor="t" anchorCtr="0">
             <a:normAutofit/>
           </a:bodyPr>
           <a:lstStyle/>
           <a:p>
-            <a:pPr indent="0" lvl="0" marL="0" rtl="0" algn="l">
-              <a:spcBef>
-                <a:spcPts val="0"/>
-              </a:spcBef>
-              <a:spcAft>
-                <a:spcPts val="0"/>
-              </a:spcAft>
-              <a:buNone/>
+            <a:pPr marL="0" lvl="0" indent="0" algn="l">
+              <a:spcBef>
+                <a:spcPts val="0"/>
+              </a:spcBef>
+              <a:spcAft>
+                <a:spcPts val="0"/>
+              </a:spcAft>
+              <a:buNone/>
+              <a:defRPr/>
             </a:pPr>
             <a:r>
               <a:rPr lang="en"/>
@@ -7644,10 +7667,10 @@
           <p:cNvPr id="65" name="Google Shape;65;p13"/>
           <p:cNvSpPr txBox="1"/>
           <p:nvPr>
-            <p:ph idx="1" type="subTitle"/>
+            <p:ph type="subTitle" idx="1"/>
           </p:nvPr>
         </p:nvSpPr>
-        <p:spPr>
+        <p:spPr bwMode="auto">
           <a:xfrm>
             <a:off x="311700" y="1878560"/>
             <a:ext cx="4242600" cy="738300"/>
@@ -7657,19 +7680,20 @@
           </a:prstGeom>
         </p:spPr>
         <p:txBody>
-          <a:bodyPr anchorCtr="0" anchor="t" bIns="91425" lIns="91425" spcFirstLastPara="1" rIns="91425" wrap="square" tIns="91425">
+          <a:bodyPr spcFirstLastPara="1" wrap="square" lIns="91425" tIns="91425" rIns="91425" bIns="91425" anchor="t" anchorCtr="0">
             <a:normAutofit/>
           </a:bodyPr>
           <a:lstStyle/>
           <a:p>
-            <a:pPr indent="0" lvl="0" marL="0" rtl="0" algn="l">
-              <a:spcBef>
-                <a:spcPts val="0"/>
-              </a:spcBef>
-              <a:spcAft>
-                <a:spcPts val="0"/>
-              </a:spcAft>
-              <a:buNone/>
+            <a:pPr marL="0" lvl="0" indent="0" algn="l">
+              <a:spcBef>
+                <a:spcPts val="0"/>
+              </a:spcBef>
+              <a:spcAft>
+                <a:spcPts val="0"/>
+              </a:spcAft>
+              <a:buNone/>
+              <a:defRPr/>
             </a:pPr>
             <a:r>
               <a:rPr lang="en"/>
@@ -7682,18 +7706,16 @@
       <p:pic>
         <p:nvPicPr>
           <p:cNvPr id="66" name="Google Shape;66;p13"/>
-          <p:cNvPicPr preferRelativeResize="0"/>
+          <p:cNvPicPr/>
           <p:nvPr/>
         </p:nvPicPr>
         <p:blipFill>
           <a:blip r:embed="rId3">
             <a:alphaModFix/>
           </a:blip>
-          <a:stretch>
-            <a:fillRect/>
-          </a:stretch>
+          <a:stretch/>
         </p:blipFill>
-        <p:spPr>
+        <p:spPr bwMode="auto">
           <a:xfrm>
             <a:off x="6223878" y="3110975"/>
             <a:ext cx="2510175" cy="1880125"/>
@@ -7712,19 +7734,27 @@
   <p:clrMapOvr>
     <a:masterClrMapping/>
   </p:clrMapOvr>
+  <mc:AlternateContent xmlns:mc="http://schemas.openxmlformats.org/markup-compatibility/2006">
+    <mc:Choice xmlns:p159="http://schemas.microsoft.com/office/powerpoint/2015/09/main" xmlns:p14="http://schemas.microsoft.com/office/powerpoint/2010/main" Requires="p159">
+      <p:transition p14:dur="2000" advClick="1"/>
+    </mc:Choice>
+    <mc:Fallback>
+      <p:transition advClick="1"/>
+    </mc:Fallback>
+  </mc:AlternateContent>
 </p:sld>
 </file>
 
 <file path=ppt/slides/slide2.xml><?xml version="1.0" encoding="utf-8"?>
-<p:sld xmlns:a="http://schemas.openxmlformats.org/drawingml/2006/main" xmlns:r="http://schemas.openxmlformats.org/officeDocument/2006/relationships" xmlns:mc="http://schemas.openxmlformats.org/markup-compatibility/2006" xmlns:mv="urn:schemas-microsoft-com:mac:vml" xmlns:p="http://schemas.openxmlformats.org/presentationml/2006/main" xmlns:c="http://schemas.openxmlformats.org/drawingml/2006/chart" xmlns:dgm="http://schemas.openxmlformats.org/drawingml/2006/diagram" xmlns:o="urn:schemas-microsoft-com:office:office" xmlns:v="urn:schemas-microsoft-com:vml" xmlns:pvml="urn:schemas-microsoft-com:office:powerpoint" xmlns:com="http://schemas.openxmlformats.org/drawingml/2006/compatibility" xmlns:p14="http://schemas.microsoft.com/office/powerpoint/2010/main" xmlns:p15="http://schemas.microsoft.com/office/powerpoint/2012/main" xmlns:ahyp="http://schemas.microsoft.com/office/drawing/2018/hyperlinkcolor">
-  <p:cSld>
+<p:sld xmlns:a="http://schemas.openxmlformats.org/drawingml/2006/main" xmlns:r="http://schemas.openxmlformats.org/officeDocument/2006/relationships" xmlns:p="http://schemas.openxmlformats.org/presentationml/2006/main" xmlns:m="http://schemas.openxmlformats.org/officeDocument/2006/math" xmlns:w="http://schemas.openxmlformats.org/wordprocessingml/2006/main" showMasterPhAnim="0" show="1">
+  <p:cSld name="">
     <p:spTree>
       <p:nvGrpSpPr>
-        <p:cNvPr id="70" name="Shape 70"/>
+        <p:cNvPr id="1" name=""/>
         <p:cNvGrpSpPr/>
         <p:nvPr/>
       </p:nvGrpSpPr>
-      <p:grpSpPr>
+      <p:grpSpPr bwMode="auto">
         <a:xfrm>
           <a:off x="0" y="0"/>
           <a:ext cx="0" cy="0"/>
@@ -7740,7 +7770,7 @@
             <p:ph type="title"/>
           </p:nvPr>
         </p:nvSpPr>
-        <p:spPr>
+        <p:spPr bwMode="auto">
           <a:xfrm>
             <a:off x="311725" y="500925"/>
             <a:ext cx="3706500" cy="2508900"/>
@@ -7750,19 +7780,20 @@
           </a:prstGeom>
         </p:spPr>
         <p:txBody>
-          <a:bodyPr anchorCtr="0" anchor="t" bIns="91425" lIns="91425" spcFirstLastPara="1" rIns="91425" wrap="square" tIns="91425">
+          <a:bodyPr spcFirstLastPara="1" wrap="square" lIns="91425" tIns="91425" rIns="91425" bIns="91425" anchor="t" anchorCtr="0">
             <a:normAutofit/>
           </a:bodyPr>
           <a:lstStyle/>
           <a:p>
-            <a:pPr indent="0" lvl="0" marL="0" rtl="0" algn="l">
-              <a:spcBef>
-                <a:spcPts val="0"/>
-              </a:spcBef>
-              <a:spcAft>
-                <a:spcPts val="0"/>
-              </a:spcAft>
-              <a:buNone/>
+            <a:pPr marL="0" lvl="0" indent="0" algn="l">
+              <a:spcBef>
+                <a:spcPts val="0"/>
+              </a:spcBef>
+              <a:spcAft>
+                <a:spcPts val="0"/>
+              </a:spcAft>
+              <a:buNone/>
+              <a:defRPr/>
             </a:pPr>
             <a:r>
               <a:rPr lang="en"/>
@@ -7777,10 +7808,10 @@
           <p:cNvPr id="72" name="Google Shape;72;p14"/>
           <p:cNvSpPr txBox="1"/>
           <p:nvPr>
-            <p:ph idx="1" type="body"/>
+            <p:ph type="body" idx="1"/>
           </p:nvPr>
         </p:nvSpPr>
-        <p:spPr>
+        <p:spPr bwMode="auto">
           <a:xfrm>
             <a:off x="4644675" y="500925"/>
             <a:ext cx="4166400" cy="4098600"/>
@@ -7790,12 +7821,12 @@
           </a:prstGeom>
         </p:spPr>
         <p:txBody>
-          <a:bodyPr anchorCtr="0" anchor="t" bIns="91425" lIns="91425" spcFirstLastPara="1" rIns="91425" wrap="square" tIns="91425">
+          <a:bodyPr spcFirstLastPara="1" wrap="square" lIns="91425" tIns="91425" rIns="91425" bIns="91425" anchor="t" anchorCtr="0">
             <a:noAutofit/>
           </a:bodyPr>
           <a:lstStyle/>
           <a:p>
-            <a:pPr indent="-349250" lvl="0" marL="457200" rtl="0" algn="l">
+            <a:pPr marL="457200" lvl="0" indent="-349250" algn="l">
               <a:spcBef>
                 <a:spcPts val="0"/>
               </a:spcBef>
@@ -7804,6 +7835,7 @@
               </a:spcAft>
               <a:buSzPts val="1900"/>
               <a:buChar char="●"/>
+              <a:defRPr/>
             </a:pPr>
             <a:r>
               <a:rPr lang="en" sz="1900"/>
@@ -7820,7 +7852,7 @@
             <a:endParaRPr sz="1900"/>
           </a:p>
           <a:p>
-            <a:pPr indent="-349250" lvl="0" marL="457200" rtl="0" algn="l">
+            <a:pPr marL="457200" lvl="0" indent="-349250" algn="l">
               <a:spcBef>
                 <a:spcPts val="0"/>
               </a:spcBef>
@@ -7829,6 +7861,7 @@
               </a:spcAft>
               <a:buSzPts val="1900"/>
               <a:buChar char="●"/>
+              <a:defRPr/>
             </a:pPr>
             <a:r>
               <a:rPr lang="en" sz="1900"/>
@@ -7845,7 +7878,7 @@
             <a:endParaRPr sz="1900"/>
           </a:p>
           <a:p>
-            <a:pPr indent="-349250" lvl="0" marL="457200" rtl="0" algn="l">
+            <a:pPr marL="457200" lvl="0" indent="-349250" algn="l">
               <a:spcBef>
                 <a:spcPts val="0"/>
               </a:spcBef>
@@ -7854,6 +7887,7 @@
               </a:spcAft>
               <a:buSzPts val="1900"/>
               <a:buChar char="●"/>
+              <a:defRPr/>
             </a:pPr>
             <a:r>
               <a:rPr lang="en" sz="1900"/>
@@ -7868,19 +7902,27 @@
   <p:clrMapOvr>
     <a:masterClrMapping/>
   </p:clrMapOvr>
+  <mc:AlternateContent xmlns:mc="http://schemas.openxmlformats.org/markup-compatibility/2006">
+    <mc:Choice xmlns:p159="http://schemas.microsoft.com/office/powerpoint/2015/09/main" xmlns:p14="http://schemas.microsoft.com/office/powerpoint/2010/main" Requires="p159">
+      <p:transition p14:dur="2000" advClick="1"/>
+    </mc:Choice>
+    <mc:Fallback>
+      <p:transition advClick="1"/>
+    </mc:Fallback>
+  </mc:AlternateContent>
 </p:sld>
 </file>
 
 <file path=ppt/slides/slide3.xml><?xml version="1.0" encoding="utf-8"?>
-<p:sld xmlns:a="http://schemas.openxmlformats.org/drawingml/2006/main" xmlns:r="http://schemas.openxmlformats.org/officeDocument/2006/relationships" xmlns:mc="http://schemas.openxmlformats.org/markup-compatibility/2006" xmlns:mv="urn:schemas-microsoft-com:mac:vml" xmlns:p="http://schemas.openxmlformats.org/presentationml/2006/main" xmlns:c="http://schemas.openxmlformats.org/drawingml/2006/chart" xmlns:dgm="http://schemas.openxmlformats.org/drawingml/2006/diagram" xmlns:o="urn:schemas-microsoft-com:office:office" xmlns:v="urn:schemas-microsoft-com:vml" xmlns:pvml="urn:schemas-microsoft-com:office:powerpoint" xmlns:com="http://schemas.openxmlformats.org/drawingml/2006/compatibility" xmlns:p14="http://schemas.microsoft.com/office/powerpoint/2010/main" xmlns:p15="http://schemas.microsoft.com/office/powerpoint/2012/main" xmlns:ahyp="http://schemas.microsoft.com/office/drawing/2018/hyperlinkcolor">
-  <p:cSld>
+<p:sld xmlns:a="http://schemas.openxmlformats.org/drawingml/2006/main" xmlns:r="http://schemas.openxmlformats.org/officeDocument/2006/relationships" xmlns:p="http://schemas.openxmlformats.org/presentationml/2006/main" xmlns:m="http://schemas.openxmlformats.org/officeDocument/2006/math" xmlns:w="http://schemas.openxmlformats.org/wordprocessingml/2006/main" showMasterPhAnim="0" show="1">
+  <p:cSld name="">
     <p:spTree>
       <p:nvGrpSpPr>
-        <p:cNvPr id="76" name="Shape 76"/>
+        <p:cNvPr id="1" name=""/>
         <p:cNvGrpSpPr/>
         <p:nvPr/>
       </p:nvGrpSpPr>
-      <p:grpSpPr>
+      <p:grpSpPr bwMode="auto">
         <a:xfrm>
           <a:off x="0" y="0"/>
           <a:ext cx="0" cy="0"/>
@@ -7896,29 +7938,26 @@
             <p:ph type="title"/>
           </p:nvPr>
         </p:nvSpPr>
-        <p:spPr>
-          <a:xfrm>
-            <a:off x="311725" y="500925"/>
-            <a:ext cx="3706500" cy="2508900"/>
-          </a:xfrm>
+        <p:spPr bwMode="auto">
           <a:prstGeom prst="rect">
             <a:avLst/>
           </a:prstGeom>
         </p:spPr>
         <p:txBody>
-          <a:bodyPr anchorCtr="0" anchor="t" bIns="91425" lIns="91425" spcFirstLastPara="1" rIns="91425" wrap="square" tIns="91425">
+          <a:bodyPr spcFirstLastPara="1" wrap="square" lIns="91425" tIns="91425" rIns="91425" bIns="91425" anchor="t" anchorCtr="0">
             <a:normAutofit/>
           </a:bodyPr>
           <a:lstStyle/>
           <a:p>
-            <a:pPr indent="0" lvl="0" marL="0" rtl="0" algn="l">
-              <a:spcBef>
-                <a:spcPts val="0"/>
-              </a:spcBef>
-              <a:spcAft>
-                <a:spcPts val="0"/>
-              </a:spcAft>
-              <a:buNone/>
+            <a:pPr marL="0" lvl="0" indent="0" algn="l">
+              <a:spcBef>
+                <a:spcPts val="0"/>
+              </a:spcBef>
+              <a:spcAft>
+                <a:spcPts val="0"/>
+              </a:spcAft>
+              <a:buNone/>
+              <a:defRPr/>
             </a:pPr>
             <a:r>
               <a:rPr lang="en"/>
@@ -7933,25 +7972,25 @@
           <p:cNvPr id="78" name="Google Shape;78;p15"/>
           <p:cNvSpPr txBox="1"/>
           <p:nvPr>
-            <p:ph idx="1" type="body"/>
+            <p:ph type="body" idx="1"/>
           </p:nvPr>
         </p:nvSpPr>
-        <p:spPr>
-          <a:xfrm>
-            <a:off x="4644675" y="500925"/>
-            <a:ext cx="4166400" cy="4098600"/>
+        <p:spPr bwMode="auto">
+          <a:xfrm flipH="0" flipV="0">
+            <a:off x="35474" y="1341842"/>
+            <a:ext cx="9010510" cy="1077645"/>
           </a:xfrm>
           <a:prstGeom prst="rect">
             <a:avLst/>
           </a:prstGeom>
         </p:spPr>
         <p:txBody>
-          <a:bodyPr anchorCtr="0" anchor="t" bIns="91425" lIns="91425" spcFirstLastPara="1" rIns="91425" wrap="square" tIns="91425">
+          <a:bodyPr spcFirstLastPara="1" vertOverflow="overflow" horzOverflow="overflow" vert="horz" wrap="square" lIns="91424" tIns="91424" rIns="91424" bIns="91424" numCol="1" spcCol="0" rtlCol="0" fromWordArt="0" anchor="t" anchorCtr="0" forceAA="0" upright="0" compatLnSpc="0">
             <a:normAutofit/>
           </a:bodyPr>
           <a:lstStyle/>
           <a:p>
-            <a:pPr indent="0" lvl="0" marL="0" rtl="0" algn="l">
+            <a:pPr marL="0" lvl="0" indent="0" algn="l">
               <a:spcBef>
                 <a:spcPts val="0"/>
               </a:spcBef>
@@ -7959,11 +7998,1206 @@
                 <a:spcPts val="1200"/>
               </a:spcAft>
               <a:buNone/>
+              <a:defRPr/>
             </a:pPr>
             <a:r>
-              <a:t/>
-            </a:r>
-            <a:endParaRPr sz="1900"/>
+              <a:rPr lang="en-US" sz="800" b="0" i="0" u="none" strike="noStrike" cap="none" spc="0">
+                <a:solidFill>
+                  <a:schemeClr val="dk2"/>
+                </a:solidFill>
+                <a:latin typeface="Roboto"/>
+                <a:ea typeface="Roboto"/>
+                <a:cs typeface="Roboto"/>
+              </a:rPr>
+              <a:t>Catalog Number, Calendar Date, Eclipse Time, </a:t>
+            </a:r>
+            <a:r>
+              <a:rPr lang="en-US" sz="800" b="1" i="0" u="none" strike="noStrike" cap="none" spc="0">
+                <a:solidFill>
+                  <a:schemeClr val="dk2"/>
+                </a:solidFill>
+                <a:latin typeface="Roboto"/>
+                <a:ea typeface="Roboto"/>
+                <a:cs typeface="Roboto"/>
+              </a:rPr>
+              <a:t>Delta T (s)</a:t>
+            </a:r>
+            <a:r>
+              <a:rPr lang="en-US" sz="800" b="0" i="0" u="none" strike="noStrike" cap="none" spc="0">
+                <a:solidFill>
+                  <a:schemeClr val="dk2"/>
+                </a:solidFill>
+                <a:latin typeface="Roboto"/>
+                <a:ea typeface="Roboto"/>
+                <a:cs typeface="Roboto"/>
+              </a:rPr>
+              <a:t>,</a:t>
+            </a:r>
+            <a:r>
+              <a:rPr lang="en-US" sz="800" b="1" i="0" u="none" strike="noStrike" cap="none" spc="0">
+                <a:solidFill>
+                  <a:schemeClr val="dk2"/>
+                </a:solidFill>
+                <a:latin typeface="Roboto"/>
+                <a:ea typeface="Roboto"/>
+                <a:cs typeface="Roboto"/>
+              </a:rPr>
+              <a:t>Lunation Number</a:t>
+            </a:r>
+            <a:r>
+              <a:rPr lang="en-US" sz="800" b="0" i="0" u="none" strike="noStrike" cap="none" spc="0">
+                <a:solidFill>
+                  <a:schemeClr val="dk2"/>
+                </a:solidFill>
+                <a:latin typeface="Roboto"/>
+                <a:ea typeface="Roboto"/>
+                <a:cs typeface="Roboto"/>
+              </a:rPr>
+              <a:t>,</a:t>
+            </a:r>
+            <a:r>
+              <a:rPr lang="en-US" sz="800" b="1" i="0" u="none" strike="noStrike" cap="none" spc="0">
+                <a:solidFill>
+                  <a:schemeClr val="dk2"/>
+                </a:solidFill>
+                <a:latin typeface="Roboto"/>
+                <a:ea typeface="Roboto"/>
+                <a:cs typeface="Roboto"/>
+              </a:rPr>
+              <a:t>Saros Number</a:t>
+            </a:r>
+            <a:r>
+              <a:rPr lang="en-US" sz="800" b="0" i="0" u="none" strike="noStrike" cap="none" spc="0">
+                <a:solidFill>
+                  <a:schemeClr val="dk2"/>
+                </a:solidFill>
+                <a:latin typeface="Roboto"/>
+                <a:ea typeface="Roboto"/>
+                <a:cs typeface="Roboto"/>
+              </a:rPr>
+              <a:t>,</a:t>
+            </a:r>
+            <a:r>
+              <a:rPr lang="en-US" sz="800" b="1" i="0" u="none" strike="noStrike" cap="none" spc="0">
+                <a:solidFill>
+                  <a:schemeClr val="dk2"/>
+                </a:solidFill>
+                <a:latin typeface="Roboto"/>
+                <a:ea typeface="Roboto"/>
+                <a:cs typeface="Roboto"/>
+              </a:rPr>
+              <a:t>Eclipse Type</a:t>
+            </a:r>
+            <a:r>
+              <a:rPr lang="en-US" sz="800" b="0" i="0" u="none" strike="noStrike" cap="none" spc="0">
+                <a:solidFill>
+                  <a:schemeClr val="dk2"/>
+                </a:solidFill>
+                <a:latin typeface="Roboto"/>
+                <a:ea typeface="Roboto"/>
+                <a:cs typeface="Roboto"/>
+              </a:rPr>
+              <a:t>,</a:t>
+            </a:r>
+            <a:r>
+              <a:rPr lang="en-US" sz="800" b="1" i="0" u="none" strike="noStrike" cap="none" spc="0">
+                <a:solidFill>
+                  <a:schemeClr val="dk2"/>
+                </a:solidFill>
+                <a:latin typeface="Roboto"/>
+                <a:ea typeface="Roboto"/>
+                <a:cs typeface="Roboto"/>
+              </a:rPr>
+              <a:t>Gamma</a:t>
+            </a:r>
+            <a:r>
+              <a:rPr lang="en-US" sz="800" b="0" i="0" u="none" strike="noStrike" cap="none" spc="0">
+                <a:solidFill>
+                  <a:schemeClr val="dk2"/>
+                </a:solidFill>
+                <a:latin typeface="Roboto"/>
+                <a:ea typeface="Roboto"/>
+                <a:cs typeface="Roboto"/>
+              </a:rPr>
+              <a:t>,</a:t>
+            </a:r>
+            <a:r>
+              <a:rPr lang="en-US" sz="800" b="1" i="0" u="none" strike="noStrike" cap="none" spc="0">
+                <a:solidFill>
+                  <a:schemeClr val="dk2"/>
+                </a:solidFill>
+                <a:latin typeface="Roboto"/>
+                <a:ea typeface="Roboto"/>
+                <a:cs typeface="Roboto"/>
+              </a:rPr>
+              <a:t>Eclipse Magnitude</a:t>
+            </a:r>
+            <a:r>
+              <a:rPr lang="en-US" sz="800" b="0" i="0" u="none" strike="noStrike" cap="none" spc="0">
+                <a:solidFill>
+                  <a:schemeClr val="dk2"/>
+                </a:solidFill>
+                <a:latin typeface="Roboto"/>
+                <a:ea typeface="Roboto"/>
+                <a:cs typeface="Roboto"/>
+              </a:rPr>
+              <a:t>,Latitude,Longitude,Sun Altitude,</a:t>
+            </a:r>
+            <a:r>
+              <a:rPr lang="en-US" sz="800" b="1" i="0" u="none" strike="noStrike" cap="none" spc="0">
+                <a:solidFill>
+                  <a:schemeClr val="dk2"/>
+                </a:solidFill>
+                <a:latin typeface="Roboto"/>
+                <a:ea typeface="Roboto"/>
+                <a:cs typeface="Roboto"/>
+              </a:rPr>
+              <a:t>Sun Azimuth</a:t>
+            </a:r>
+            <a:r>
+              <a:rPr lang="en-US" sz="800" b="0" i="0" u="none" strike="noStrike" cap="none" spc="0">
+                <a:solidFill>
+                  <a:schemeClr val="dk2"/>
+                </a:solidFill>
+                <a:latin typeface="Roboto"/>
+                <a:ea typeface="Roboto"/>
+                <a:cs typeface="Roboto"/>
+              </a:rPr>
+              <a:t>,Path Width (km),Central Duration,Date Time,Year,Month,Day,Visibility,</a:t>
+            </a:r>
+            <a:r>
+              <a:rPr lang="en-US" sz="800" b="1" i="0" u="none" strike="noStrike" cap="none" spc="0">
+                <a:solidFill>
+                  <a:schemeClr val="dk2"/>
+                </a:solidFill>
+                <a:latin typeface="Roboto"/>
+                <a:ea typeface="Roboto"/>
+                <a:cs typeface="Roboto"/>
+              </a:rPr>
+              <a:t>Eclipse Latitude</a:t>
+            </a:r>
+            <a:r>
+              <a:rPr lang="en-US" sz="800" b="0" i="0" u="none" strike="noStrike" cap="none" spc="0">
+                <a:solidFill>
+                  <a:schemeClr val="dk2"/>
+                </a:solidFill>
+                <a:latin typeface="Roboto"/>
+                <a:ea typeface="Roboto"/>
+                <a:cs typeface="Roboto"/>
+              </a:rPr>
+              <a:t>,</a:t>
+            </a:r>
+            <a:r>
+              <a:rPr lang="en-US" sz="800" b="1" i="0" u="none" strike="noStrike" cap="none" spc="0">
+                <a:solidFill>
+                  <a:schemeClr val="dk2"/>
+                </a:solidFill>
+                <a:latin typeface="Roboto"/>
+                <a:ea typeface="Roboto"/>
+                <a:cs typeface="Roboto"/>
+              </a:rPr>
+              <a:t>Eclipse Longitude</a:t>
+            </a:r>
+            <a:r>
+              <a:rPr lang="en-US" sz="800" b="0" i="0" u="none" strike="noStrike" cap="none" spc="0">
+                <a:solidFill>
+                  <a:schemeClr val="dk2"/>
+                </a:solidFill>
+                <a:latin typeface="Roboto"/>
+                <a:ea typeface="Roboto"/>
+                <a:cs typeface="Roboto"/>
+              </a:rPr>
+              <a:t>,</a:t>
+            </a:r>
+            <a:r>
+              <a:rPr lang="en-US" sz="800" b="1" i="0" u="none" strike="noStrike" cap="none" spc="0">
+                <a:solidFill>
+                  <a:schemeClr val="dk2"/>
+                </a:solidFill>
+                <a:latin typeface="Roboto"/>
+                <a:ea typeface="Roboto"/>
+                <a:cs typeface="Roboto"/>
+              </a:rPr>
+              <a:t>obliquity</a:t>
+            </a:r>
+            <a:r>
+              <a:rPr lang="en-US" sz="800" b="0" i="0" u="none" strike="noStrike" cap="none" spc="0">
+                <a:solidFill>
+                  <a:schemeClr val="dk2"/>
+                </a:solidFill>
+                <a:latin typeface="Roboto"/>
+                <a:ea typeface="Roboto"/>
+                <a:cs typeface="Roboto"/>
+              </a:rPr>
+              <a:t>,Geographical Hemisphere,Daytime/Nighttime,</a:t>
+            </a:r>
+            <a:r>
+              <a:rPr lang="en-US" sz="800" b="0" i="0" u="none" strike="noStrike" cap="none" spc="0">
+                <a:solidFill>
+                  <a:schemeClr val="dk2"/>
+                </a:solidFill>
+                <a:latin typeface="Roboto"/>
+                <a:ea typeface="Roboto"/>
+                <a:cs typeface="Roboto"/>
+              </a:rPr>
+              <a:t>Sun Constellation</a:t>
+            </a:r>
+            <a:r>
+              <a:rPr lang="en-US" sz="800" b="0" i="0" u="none" strike="noStrike" cap="none" spc="0">
+                <a:solidFill>
+                  <a:schemeClr val="dk2"/>
+                </a:solidFill>
+                <a:latin typeface="Roboto"/>
+                <a:ea typeface="Roboto"/>
+                <a:cs typeface="Roboto"/>
+              </a:rPr>
+              <a:t>,Inter-Eclipse Duration,Visibility Score,Eclipse Classification,Duration in Seconds,Moon Distance (km),Sun Distance (km),Moon Angular Diameter (degrees),Sun Angular Diameter (degrees),Central Duration Seconds,</a:t>
+            </a:r>
+            <a:r>
+              <a:rPr lang="en-US" sz="800" b="0" i="0" u="none" strike="noStrike" cap="none" spc="0">
+                <a:solidFill>
+                  <a:schemeClr val="dk2"/>
+                </a:solidFill>
+                <a:latin typeface="Roboto"/>
+                <a:ea typeface="Roboto"/>
+                <a:cs typeface="Roboto"/>
+              </a:rPr>
+              <a:t>Normalized Duration</a:t>
+            </a:r>
+            <a:r>
+              <a:rPr lang="en-US" sz="800" b="0" i="0" u="none" strike="noStrike" cap="none" spc="0">
+                <a:solidFill>
+                  <a:schemeClr val="dk2"/>
+                </a:solidFill>
+                <a:latin typeface="Roboto"/>
+                <a:ea typeface="Roboto"/>
+                <a:cs typeface="Roboto"/>
+              </a:rPr>
+              <a:t>,Normalized Path Width,</a:t>
+            </a:r>
+            <a:r>
+              <a:rPr lang="en-US" sz="800" b="1" i="0" u="none" strike="noStrike" cap="none" spc="0">
+                <a:solidFill>
+                  <a:schemeClr val="dk2"/>
+                </a:solidFill>
+                <a:latin typeface="Roboto"/>
+                <a:ea typeface="Roboto"/>
+                <a:cs typeface="Roboto"/>
+              </a:rPr>
+              <a:t>EII</a:t>
+            </a:r>
+            <a:r>
+              <a:rPr lang="en-US" sz="800" b="0" i="0" u="none" strike="noStrike" cap="none" spc="0">
+                <a:solidFill>
+                  <a:schemeClr val="dk2"/>
+                </a:solidFill>
+                <a:latin typeface="Roboto"/>
+                <a:ea typeface="Roboto"/>
+                <a:cs typeface="Roboto"/>
+              </a:rPr>
+              <a:t>,Year Modulus,</a:t>
+            </a:r>
+            <a:r>
+              <a:rPr lang="en-US" sz="800" b="1" i="0" u="none" strike="noStrike" cap="none" spc="0">
+                <a:solidFill>
+                  <a:schemeClr val="dk2"/>
+                </a:solidFill>
+                <a:latin typeface="Roboto"/>
+                <a:ea typeface="Roboto"/>
+                <a:cs typeface="Roboto"/>
+              </a:rPr>
+              <a:t>HEAS</a:t>
+            </a:r>
+            <a:r>
+              <a:rPr lang="en-US" sz="800" b="0" i="0" u="none" strike="noStrike" cap="none" spc="0">
+                <a:solidFill>
+                  <a:schemeClr val="dk2"/>
+                </a:solidFill>
+                <a:latin typeface="Roboto"/>
+                <a:ea typeface="Roboto"/>
+                <a:cs typeface="Roboto"/>
+              </a:rPr>
+              <a:t>,Decade,Localized ESC,ESC Moving Average,ESC Wide-Scale Moving Average,Eclipse Interval,</a:t>
+            </a:r>
+            <a:r>
+              <a:rPr lang="en-US" sz="800" b="0" i="0" u="none" strike="noStrike" cap="none" spc="0">
+                <a:solidFill>
+                  <a:schemeClr val="dk2"/>
+                </a:solidFill>
+                <a:latin typeface="Roboto"/>
+                <a:ea typeface="Roboto"/>
+                <a:cs typeface="Roboto"/>
+              </a:rPr>
+              <a:t>Cluster</a:t>
+            </a:r>
+            <a:r>
+              <a:rPr lang="en-US" sz="800" b="0" i="0" u="none" strike="noStrike" cap="none" spc="0">
+                <a:solidFill>
+                  <a:schemeClr val="dk2"/>
+                </a:solidFill>
+                <a:latin typeface="Roboto"/>
+                <a:ea typeface="Roboto"/>
+                <a:cs typeface="Roboto"/>
+              </a:rPr>
+              <a:t>,</a:t>
+            </a:r>
+            <a:r>
+              <a:rPr lang="en-US" sz="800" b="0" i="0" u="none" strike="noStrike" cap="none" spc="0">
+                <a:solidFill>
+                  <a:schemeClr val="dk2"/>
+                </a:solidFill>
+                <a:latin typeface="Roboto"/>
+                <a:ea typeface="Roboto"/>
+                <a:cs typeface="Roboto"/>
+              </a:rPr>
+              <a:t>Cluster 6</a:t>
+            </a:r>
+            <a:endParaRPr sz="800"/>
+          </a:p>
+          <a:p>
+            <a:pPr lvl="0" algn="l">
+              <a:spcBef>
+                <a:spcPts val="0"/>
+              </a:spcBef>
+              <a:spcAft>
+                <a:spcPts val="1199"/>
+              </a:spcAft>
+              <a:buClr>
+                <a:schemeClr val="dk2"/>
+              </a:buClr>
+              <a:buSzPts val="1300"/>
+              <a:buFont typeface="Arial"/>
+              <a:buChar char="•"/>
+              <a:defRPr/>
+            </a:pPr>
+            <a:endParaRPr lang="en-US" sz="1000" b="0"/>
+          </a:p>
+        </p:txBody>
+      </p:sp>
+      <p:sp>
+        <p:nvSpPr>
+          <p:cNvPr id="1853674807" name=""/>
+          <p:cNvSpPr txBox="1"/>
+          <p:nvPr/>
+        </p:nvSpPr>
+        <p:spPr bwMode="auto">
+          <a:xfrm flipH="0" flipV="0">
+            <a:off x="42426" y="2516824"/>
+            <a:ext cx="9065140" cy="1920599"/>
+          </a:xfrm>
+          <a:prstGeom prst="rect">
+            <a:avLst/>
+          </a:prstGeom>
+          <a:noFill/>
+        </p:spPr>
+        <p:txBody>
+          <a:bodyPr vertOverflow="overflow" horzOverflow="overflow" vert="horz" wrap="square" lIns="91440" tIns="45720" rIns="91440" bIns="45720" numCol="1" spcCol="0" rtlCol="0" fromWordArt="0" anchor="t" anchorCtr="0" forceAA="0" upright="0" compatLnSpc="0">
+            <a:spAutoFit/>
+          </a:bodyPr>
+          <a:p>
+            <a:pPr marL="457200" marR="0" lvl="0" indent="-311149" algn="l" defTabSz="914400">
+              <a:lnSpc>
+                <a:spcPct val="100000"/>
+              </a:lnSpc>
+              <a:spcBef>
+                <a:spcPts val="0"/>
+              </a:spcBef>
+              <a:spcAft>
+                <a:spcPts val="0"/>
+              </a:spcAft>
+              <a:buClr>
+                <a:schemeClr val="dk2"/>
+              </a:buClr>
+              <a:buSzPts val="1300"/>
+              <a:buFont typeface="Arial"/>
+              <a:buChar char="•"/>
+              <a:defRPr lang="en-US" sz="1300" b="0" i="0" u="none" strike="noStrike" cap="none" spc="0">
+                <a:solidFill>
+                  <a:srgbClr val="666666"/>
+                </a:solidFill>
+                <a:latin typeface="Roboto"/>
+                <a:ea typeface="Roboto"/>
+                <a:cs typeface="Roboto"/>
+              </a:defRPr>
+            </a:pPr>
+            <a:r>
+              <a:rPr lang="en-US" sz="1000" b="1" i="0" u="none" strike="noStrike" cap="none" spc="0">
+                <a:solidFill>
+                  <a:srgbClr val="666666"/>
+                </a:solidFill>
+                <a:latin typeface="Roboto"/>
+                <a:ea typeface="Roboto"/>
+                <a:cs typeface="Roboto"/>
+              </a:rPr>
+              <a:t>Delta T(s): </a:t>
+            </a:r>
+            <a:r>
+              <a:rPr lang="en-US" sz="1000" b="0" i="0" u="none" strike="noStrike" cap="none" spc="0">
+                <a:solidFill>
+                  <a:srgbClr val="666666"/>
+                </a:solidFill>
+                <a:latin typeface="Roboto"/>
+                <a:ea typeface="Roboto"/>
+                <a:cs typeface="Roboto"/>
+              </a:rPr>
+              <a:t>The discrepancy in seconds between Terrestrial Time (TT) and Universal Time (UT) </a:t>
+            </a:r>
+            <a:endParaRPr sz="1000" b="0" i="0" u="none" strike="noStrike" cap="none" spc="0">
+              <a:solidFill>
+                <a:schemeClr val="dk2"/>
+              </a:solidFill>
+              <a:latin typeface="Roboto"/>
+              <a:ea typeface="Roboto"/>
+              <a:cs typeface="Roboto"/>
+            </a:endParaRPr>
+          </a:p>
+          <a:p>
+            <a:pPr marL="457200" marR="0" lvl="0" indent="-311149" algn="l" defTabSz="914400">
+              <a:lnSpc>
+                <a:spcPct val="100000"/>
+              </a:lnSpc>
+              <a:spcBef>
+                <a:spcPts val="0"/>
+              </a:spcBef>
+              <a:spcAft>
+                <a:spcPts val="0"/>
+              </a:spcAft>
+              <a:buClr>
+                <a:schemeClr val="dk2"/>
+              </a:buClr>
+              <a:buSzPts val="1300"/>
+              <a:buFont typeface="Arial"/>
+              <a:buChar char="•"/>
+              <a:defRPr lang="en-US" sz="1300" b="0" i="0" u="none" strike="noStrike" cap="none" spc="0">
+                <a:solidFill>
+                  <a:srgbClr val="666666"/>
+                </a:solidFill>
+                <a:latin typeface="Roboto"/>
+                <a:ea typeface="Roboto"/>
+                <a:cs typeface="Roboto"/>
+              </a:defRPr>
+            </a:pPr>
+            <a:r>
+              <a:rPr lang="en-US" sz="1000" b="1" i="0" u="none" strike="noStrike" cap="none" spc="0">
+                <a:solidFill>
+                  <a:srgbClr val="666666"/>
+                </a:solidFill>
+                <a:latin typeface="Roboto"/>
+                <a:ea typeface="Roboto"/>
+                <a:cs typeface="Roboto"/>
+              </a:rPr>
+              <a:t>Lunation Number</a:t>
+            </a:r>
+            <a:r>
+              <a:rPr lang="en-US" sz="1000" b="0" i="0" u="none" strike="noStrike" cap="none" spc="0">
+                <a:solidFill>
+                  <a:srgbClr val="666666"/>
+                </a:solidFill>
+                <a:latin typeface="Roboto"/>
+                <a:ea typeface="Roboto"/>
+                <a:cs typeface="Roboto"/>
+              </a:rPr>
+              <a:t>: </a:t>
+            </a:r>
+            <a:r>
+              <a:rPr lang="en-US" sz="1000" b="0" i="0" u="none" strike="noStrike" cap="none" spc="0">
+                <a:solidFill>
+                  <a:srgbClr val="666666"/>
+                </a:solidFill>
+                <a:latin typeface="Roboto"/>
+                <a:ea typeface="Roboto"/>
+                <a:cs typeface="Roboto"/>
+              </a:rPr>
+              <a:t>An enumeration system for identifying lunar months </a:t>
+            </a:r>
+            <a:endParaRPr sz="1000" b="0" i="0" u="none" strike="noStrike" cap="none" spc="0">
+              <a:solidFill>
+                <a:schemeClr val="dk2"/>
+              </a:solidFill>
+              <a:latin typeface="Roboto"/>
+              <a:ea typeface="Roboto"/>
+              <a:cs typeface="Roboto"/>
+            </a:endParaRPr>
+          </a:p>
+          <a:p>
+            <a:pPr marL="457200" marR="0" lvl="0" indent="-311149" algn="l" defTabSz="914400">
+              <a:lnSpc>
+                <a:spcPct val="100000"/>
+              </a:lnSpc>
+              <a:spcBef>
+                <a:spcPts val="0"/>
+              </a:spcBef>
+              <a:spcAft>
+                <a:spcPts val="0"/>
+              </a:spcAft>
+              <a:buClr>
+                <a:schemeClr val="dk2"/>
+              </a:buClr>
+              <a:buSzPts val="1300"/>
+              <a:buFont typeface="Arial"/>
+              <a:buChar char="•"/>
+              <a:defRPr lang="en-US" sz="1300" b="0" i="0" u="none" strike="noStrike" cap="none" spc="0">
+                <a:solidFill>
+                  <a:srgbClr val="666666"/>
+                </a:solidFill>
+                <a:latin typeface="Roboto"/>
+                <a:ea typeface="Roboto"/>
+                <a:cs typeface="Roboto"/>
+              </a:defRPr>
+            </a:pPr>
+            <a:r>
+              <a:rPr lang="en-US" sz="1000" b="1" i="0" u="none" strike="noStrike" cap="none" spc="0">
+                <a:solidFill>
+                  <a:srgbClr val="666666"/>
+                </a:solidFill>
+                <a:latin typeface="Roboto"/>
+                <a:ea typeface="Roboto"/>
+                <a:cs typeface="Roboto"/>
+              </a:rPr>
+              <a:t>Saros Number</a:t>
+            </a:r>
+            <a:r>
+              <a:rPr lang="en-US" sz="1000" b="0" i="0" u="none" strike="noStrike" cap="none" spc="0">
+                <a:solidFill>
+                  <a:srgbClr val="666666"/>
+                </a:solidFill>
+                <a:latin typeface="Roboto"/>
+                <a:ea typeface="Roboto"/>
+                <a:cs typeface="Roboto"/>
+              </a:rPr>
+              <a:t>: </a:t>
+            </a:r>
+            <a:r>
+              <a:rPr lang="en-US" sz="1000" b="0" i="0" u="none" strike="noStrike" cap="none" spc="0">
+                <a:solidFill>
+                  <a:srgbClr val="666666"/>
+                </a:solidFill>
+                <a:latin typeface="Roboto"/>
+                <a:ea typeface="Roboto"/>
+                <a:cs typeface="Roboto"/>
+              </a:rPr>
+              <a:t>Identifies the eclipse cycle, a period of approximately 18 years</a:t>
+            </a:r>
+            <a:endParaRPr sz="1000" b="0" i="0" u="none" strike="noStrike" cap="none" spc="0">
+              <a:solidFill>
+                <a:schemeClr val="dk2"/>
+              </a:solidFill>
+              <a:latin typeface="Roboto"/>
+              <a:ea typeface="Roboto"/>
+              <a:cs typeface="Roboto"/>
+            </a:endParaRPr>
+          </a:p>
+          <a:p>
+            <a:pPr marL="457200" marR="0" lvl="0" indent="-311149" algn="l" defTabSz="914400">
+              <a:lnSpc>
+                <a:spcPct val="100000"/>
+              </a:lnSpc>
+              <a:spcBef>
+                <a:spcPts val="0"/>
+              </a:spcBef>
+              <a:spcAft>
+                <a:spcPts val="0"/>
+              </a:spcAft>
+              <a:buClr>
+                <a:schemeClr val="dk2"/>
+              </a:buClr>
+              <a:buSzPts val="1300"/>
+              <a:buFont typeface="Arial"/>
+              <a:buChar char="•"/>
+              <a:defRPr lang="en-US" sz="1300" b="0" i="0" u="none" strike="noStrike" cap="none" spc="0">
+                <a:solidFill>
+                  <a:srgbClr val="666666"/>
+                </a:solidFill>
+                <a:latin typeface="Roboto"/>
+                <a:ea typeface="Roboto"/>
+                <a:cs typeface="Roboto"/>
+              </a:defRPr>
+            </a:pPr>
+            <a:r>
+              <a:rPr lang="en-US" sz="1000" b="1" i="0" u="none" strike="noStrike" cap="none" spc="0">
+                <a:solidFill>
+                  <a:srgbClr val="666666"/>
+                </a:solidFill>
+                <a:latin typeface="Roboto"/>
+                <a:ea typeface="Roboto"/>
+                <a:cs typeface="Roboto"/>
+              </a:rPr>
+              <a:t>Eclipse Type</a:t>
+            </a:r>
+            <a:r>
+              <a:rPr lang="en-US" sz="1000" b="0" i="0" u="none" strike="noStrike" cap="none" spc="0">
+                <a:solidFill>
+                  <a:srgbClr val="666666"/>
+                </a:solidFill>
+                <a:latin typeface="Roboto"/>
+                <a:ea typeface="Roboto"/>
+                <a:cs typeface="Roboto"/>
+              </a:rPr>
+              <a:t>: </a:t>
+            </a:r>
+            <a:r>
+              <a:rPr lang="en-US" sz="1000" b="0" i="0" u="none" strike="noStrike" cap="none" spc="0">
+                <a:solidFill>
+                  <a:srgbClr val="666666"/>
+                </a:solidFill>
+                <a:latin typeface="Roboto"/>
+                <a:ea typeface="Roboto"/>
+                <a:cs typeface="Roboto"/>
+              </a:rPr>
+              <a:t>Fraction of the Sun's diameter obscured by the Moon at the maximum point of the eclipse </a:t>
+            </a:r>
+            <a:endParaRPr lang="en-US" sz="1000" b="0" i="0" u="none" strike="noStrike" cap="none" spc="0">
+              <a:solidFill>
+                <a:srgbClr val="666666"/>
+              </a:solidFill>
+              <a:latin typeface="Roboto"/>
+              <a:ea typeface="Roboto"/>
+              <a:cs typeface="Roboto"/>
+            </a:endParaRPr>
+          </a:p>
+          <a:p>
+            <a:pPr marL="457200" marR="0" lvl="0" indent="-311149" algn="l" defTabSz="914400">
+              <a:lnSpc>
+                <a:spcPct val="100000"/>
+              </a:lnSpc>
+              <a:spcBef>
+                <a:spcPts val="0"/>
+              </a:spcBef>
+              <a:spcAft>
+                <a:spcPts val="0"/>
+              </a:spcAft>
+              <a:buClr>
+                <a:schemeClr val="dk2"/>
+              </a:buClr>
+              <a:buSzPts val="1300"/>
+              <a:buFont typeface="Arial"/>
+              <a:buChar char="•"/>
+              <a:defRPr lang="en-US" sz="1300" b="0" i="0" u="none" strike="noStrike" cap="none" spc="0">
+                <a:solidFill>
+                  <a:srgbClr val="666666"/>
+                </a:solidFill>
+                <a:latin typeface="Roboto"/>
+                <a:ea typeface="Roboto"/>
+                <a:cs typeface="Roboto"/>
+              </a:defRPr>
+            </a:pPr>
+            <a:r>
+              <a:rPr lang="en-US" sz="1000" b="1" i="0" u="none" strike="noStrike" cap="none" spc="0">
+                <a:solidFill>
+                  <a:srgbClr val="666666"/>
+                </a:solidFill>
+                <a:latin typeface="Roboto"/>
+                <a:ea typeface="Roboto"/>
+                <a:cs typeface="Roboto"/>
+              </a:rPr>
+              <a:t>Gamma</a:t>
+            </a:r>
+            <a:r>
+              <a:rPr lang="en-US" sz="1000" b="0" i="0" u="none" strike="noStrike" cap="none" spc="0">
+                <a:solidFill>
+                  <a:srgbClr val="666666"/>
+                </a:solidFill>
+                <a:latin typeface="Roboto"/>
+                <a:ea typeface="Roboto"/>
+                <a:cs typeface="Roboto"/>
+              </a:rPr>
+              <a:t>: </a:t>
+            </a:r>
+            <a:r>
+              <a:rPr lang="en-US" sz="1000" b="0" i="0" u="none" strike="noStrike" cap="none" spc="0">
+                <a:solidFill>
+                  <a:srgbClr val="666666"/>
+                </a:solidFill>
+                <a:latin typeface="Roboto"/>
+                <a:ea typeface="Roboto"/>
+                <a:cs typeface="Roboto"/>
+              </a:rPr>
+              <a:t>Measures how centrally the moon's shadow passes across Earth </a:t>
+            </a:r>
+            <a:endParaRPr lang="en-US" sz="1000" b="0" i="0" u="none" strike="noStrike" cap="none" spc="0">
+              <a:solidFill>
+                <a:srgbClr val="666666"/>
+              </a:solidFill>
+              <a:latin typeface="Roboto"/>
+              <a:ea typeface="Roboto"/>
+              <a:cs typeface="Roboto"/>
+            </a:endParaRPr>
+          </a:p>
+          <a:p>
+            <a:pPr marL="457200" marR="0" lvl="0" indent="-311149" algn="l" defTabSz="914400">
+              <a:lnSpc>
+                <a:spcPct val="100000"/>
+              </a:lnSpc>
+              <a:spcBef>
+                <a:spcPts val="0"/>
+              </a:spcBef>
+              <a:spcAft>
+                <a:spcPts val="0"/>
+              </a:spcAft>
+              <a:buClr>
+                <a:schemeClr val="dk2"/>
+              </a:buClr>
+              <a:buSzPts val="1300"/>
+              <a:buFont typeface="Arial"/>
+              <a:buChar char="•"/>
+              <a:defRPr lang="en-US" sz="1300" b="0" i="0" u="none" strike="noStrike" cap="none" spc="0">
+                <a:solidFill>
+                  <a:srgbClr val="666666"/>
+                </a:solidFill>
+                <a:latin typeface="Roboto"/>
+                <a:ea typeface="Roboto"/>
+                <a:cs typeface="Roboto"/>
+              </a:defRPr>
+            </a:pPr>
+            <a:r>
+              <a:rPr lang="en-US" sz="1000" b="1" i="0" u="none" strike="noStrike" cap="none" spc="0">
+                <a:solidFill>
+                  <a:srgbClr val="666666"/>
+                </a:solidFill>
+                <a:latin typeface="Roboto"/>
+                <a:ea typeface="Roboto"/>
+                <a:cs typeface="Roboto"/>
+              </a:rPr>
+              <a:t>Eclipse Magnitude</a:t>
+            </a:r>
+            <a:r>
+              <a:rPr lang="en-US" sz="1000" b="0" i="0" u="none" strike="noStrike" cap="none" spc="0">
+                <a:solidFill>
+                  <a:srgbClr val="666666"/>
+                </a:solidFill>
+                <a:latin typeface="Roboto"/>
+                <a:ea typeface="Roboto"/>
+                <a:cs typeface="Roboto"/>
+              </a:rPr>
+              <a:t>: </a:t>
+            </a:r>
+            <a:r>
+              <a:rPr lang="en-US" sz="1000" b="0" i="0" u="none" strike="noStrike" cap="none" spc="0">
+                <a:solidFill>
+                  <a:srgbClr val="666666"/>
+                </a:solidFill>
+                <a:latin typeface="Roboto"/>
+                <a:ea typeface="Roboto"/>
+                <a:cs typeface="Roboto"/>
+              </a:rPr>
+              <a:t>Fraction of the Sun's diameter obscured by the Moon at the maximum point of the eclipse </a:t>
+            </a:r>
+            <a:endParaRPr lang="en-US" sz="1000" b="0" i="0" u="none" strike="noStrike" cap="none" spc="0">
+              <a:solidFill>
+                <a:srgbClr val="666666"/>
+              </a:solidFill>
+              <a:latin typeface="Roboto"/>
+              <a:ea typeface="Roboto"/>
+              <a:cs typeface="Roboto"/>
+            </a:endParaRPr>
+          </a:p>
+          <a:p>
+            <a:pPr marL="457200" marR="0" lvl="0" indent="-311149" algn="l" defTabSz="914400">
+              <a:lnSpc>
+                <a:spcPct val="100000"/>
+              </a:lnSpc>
+              <a:spcBef>
+                <a:spcPts val="0"/>
+              </a:spcBef>
+              <a:spcAft>
+                <a:spcPts val="0"/>
+              </a:spcAft>
+              <a:buClr>
+                <a:schemeClr val="dk2"/>
+              </a:buClr>
+              <a:buSzPts val="1300"/>
+              <a:buFont typeface="Arial"/>
+              <a:buChar char="•"/>
+              <a:defRPr lang="en-US" sz="1300" b="0" i="0" u="none" strike="noStrike" cap="none" spc="0">
+                <a:solidFill>
+                  <a:srgbClr val="666666"/>
+                </a:solidFill>
+                <a:latin typeface="Roboto"/>
+                <a:ea typeface="Roboto"/>
+                <a:cs typeface="Roboto"/>
+              </a:defRPr>
+            </a:pPr>
+            <a:r>
+              <a:rPr lang="en-US" sz="1000" b="1" i="0" u="none" strike="noStrike" cap="none" spc="0">
+                <a:solidFill>
+                  <a:srgbClr val="666666"/>
+                </a:solidFill>
+                <a:latin typeface="Roboto"/>
+                <a:ea typeface="Roboto"/>
+                <a:cs typeface="Roboto"/>
+              </a:rPr>
+              <a:t>Sun Azimuth</a:t>
+            </a:r>
+            <a:r>
+              <a:rPr lang="en-US" sz="1000" b="0" i="0" u="none" strike="noStrike" cap="none" spc="0">
+                <a:solidFill>
+                  <a:srgbClr val="666666"/>
+                </a:solidFill>
+                <a:latin typeface="Roboto"/>
+                <a:ea typeface="Roboto"/>
+                <a:cs typeface="Roboto"/>
+              </a:rPr>
+              <a:t>: </a:t>
+            </a:r>
+            <a:r>
+              <a:rPr lang="en-US" sz="1000" b="0" i="0" u="none" strike="noStrike" cap="none" spc="0">
+                <a:solidFill>
+                  <a:srgbClr val="666666"/>
+                </a:solidFill>
+                <a:latin typeface="Roboto"/>
+                <a:ea typeface="Roboto"/>
+                <a:cs typeface="Roboto"/>
+              </a:rPr>
+              <a:t>The suns angular position along the horizon</a:t>
+            </a:r>
+            <a:endParaRPr lang="en-US" sz="1000" b="0" i="0" u="none" strike="noStrike" cap="none" spc="0">
+              <a:solidFill>
+                <a:srgbClr val="666666"/>
+              </a:solidFill>
+              <a:latin typeface="Roboto"/>
+              <a:ea typeface="Roboto"/>
+              <a:cs typeface="Roboto"/>
+            </a:endParaRPr>
+          </a:p>
+          <a:p>
+            <a:pPr marL="457200" marR="0" lvl="0" indent="-311149" algn="l" defTabSz="914400">
+              <a:lnSpc>
+                <a:spcPct val="100000"/>
+              </a:lnSpc>
+              <a:spcBef>
+                <a:spcPts val="0"/>
+              </a:spcBef>
+              <a:spcAft>
+                <a:spcPts val="0"/>
+              </a:spcAft>
+              <a:buClr>
+                <a:schemeClr val="dk2"/>
+              </a:buClr>
+              <a:buSzPts val="1300"/>
+              <a:buFont typeface="Arial"/>
+              <a:buChar char="•"/>
+              <a:defRPr lang="en-US" sz="1300" b="0" i="0" u="none" strike="noStrike" cap="none" spc="0">
+                <a:solidFill>
+                  <a:srgbClr val="666666"/>
+                </a:solidFill>
+                <a:latin typeface="Roboto"/>
+                <a:ea typeface="Roboto"/>
+                <a:cs typeface="Roboto"/>
+              </a:defRPr>
+            </a:pPr>
+            <a:r>
+              <a:rPr lang="en-US" sz="1000" b="1" i="0" u="none" strike="noStrike" cap="none" spc="0">
+                <a:solidFill>
+                  <a:srgbClr val="666666"/>
+                </a:solidFill>
+                <a:latin typeface="Roboto"/>
+                <a:ea typeface="Roboto"/>
+                <a:cs typeface="Roboto"/>
+              </a:rPr>
+              <a:t>Eclipse Latitude</a:t>
+            </a:r>
+            <a:r>
+              <a:rPr lang="en-US" sz="1000" b="0" i="0" u="none" strike="noStrike" cap="none" spc="0">
+                <a:solidFill>
+                  <a:srgbClr val="666666"/>
+                </a:solidFill>
+                <a:latin typeface="Roboto"/>
+                <a:ea typeface="Roboto"/>
+                <a:cs typeface="Roboto"/>
+              </a:rPr>
+              <a:t>: </a:t>
+            </a:r>
+            <a:r>
+              <a:rPr lang="en-US" sz="1000" b="0" i="0" u="none" strike="noStrike" cap="none" spc="0">
+                <a:solidFill>
+                  <a:srgbClr val="666666"/>
+                </a:solidFill>
+                <a:latin typeface="Roboto"/>
+                <a:ea typeface="Roboto"/>
+                <a:cs typeface="Roboto"/>
+              </a:rPr>
+              <a:t> the angular distance of the Moon from the Earth's equatorial plane </a:t>
+            </a:r>
+            <a:endParaRPr lang="en-US" sz="1000" b="0" i="0" u="none" strike="noStrike" cap="none" spc="0">
+              <a:solidFill>
+                <a:srgbClr val="666666"/>
+              </a:solidFill>
+              <a:latin typeface="Roboto"/>
+              <a:ea typeface="Roboto"/>
+              <a:cs typeface="Roboto"/>
+            </a:endParaRPr>
+          </a:p>
+          <a:p>
+            <a:pPr marL="457200" marR="0" lvl="0" indent="-311149" algn="l" defTabSz="914400">
+              <a:lnSpc>
+                <a:spcPct val="100000"/>
+              </a:lnSpc>
+              <a:spcBef>
+                <a:spcPts val="0"/>
+              </a:spcBef>
+              <a:spcAft>
+                <a:spcPts val="0"/>
+              </a:spcAft>
+              <a:buClr>
+                <a:schemeClr val="dk2"/>
+              </a:buClr>
+              <a:buSzPts val="1300"/>
+              <a:buFont typeface="Arial"/>
+              <a:buChar char="•"/>
+              <a:defRPr lang="en-US" sz="1300" b="0" i="0" u="none" strike="noStrike" cap="none" spc="0">
+                <a:solidFill>
+                  <a:srgbClr val="666666"/>
+                </a:solidFill>
+                <a:latin typeface="Roboto"/>
+                <a:ea typeface="Roboto"/>
+                <a:cs typeface="Roboto"/>
+              </a:defRPr>
+            </a:pPr>
+            <a:r>
+              <a:rPr lang="en-US" sz="1000" b="1" i="0" u="none" strike="noStrike" cap="none" spc="0">
+                <a:solidFill>
+                  <a:srgbClr val="666666"/>
+                </a:solidFill>
+                <a:latin typeface="Roboto"/>
+                <a:ea typeface="Roboto"/>
+                <a:cs typeface="Roboto"/>
+              </a:rPr>
+              <a:t>Eclipse Longitude</a:t>
+            </a:r>
+            <a:r>
+              <a:rPr lang="en-US" sz="1000" b="0" i="0" u="none" strike="noStrike" cap="none" spc="0">
+                <a:solidFill>
+                  <a:srgbClr val="666666"/>
+                </a:solidFill>
+                <a:latin typeface="Roboto"/>
+                <a:ea typeface="Roboto"/>
+                <a:cs typeface="Roboto"/>
+              </a:rPr>
+              <a:t>: </a:t>
+            </a:r>
+            <a:r>
+              <a:rPr lang="en-US" sz="1000" b="0" i="0" u="none" strike="noStrike" cap="none" spc="0">
+                <a:solidFill>
+                  <a:srgbClr val="666666"/>
+                </a:solidFill>
+                <a:latin typeface="Roboto"/>
+                <a:ea typeface="Roboto"/>
+                <a:cs typeface="Roboto"/>
+              </a:rPr>
+              <a:t>the longitudinal position of the Moon at the time of the eclipse </a:t>
+            </a:r>
+            <a:endParaRPr lang="en-US" sz="1000" b="0" i="0" u="none" strike="noStrike" cap="none" spc="0">
+              <a:solidFill>
+                <a:srgbClr val="666666"/>
+              </a:solidFill>
+              <a:latin typeface="Roboto"/>
+              <a:ea typeface="Roboto"/>
+              <a:cs typeface="Roboto"/>
+            </a:endParaRPr>
+          </a:p>
+          <a:p>
+            <a:pPr marL="457200" marR="0" lvl="0" indent="-311149" algn="l" defTabSz="914400">
+              <a:lnSpc>
+                <a:spcPct val="100000"/>
+              </a:lnSpc>
+              <a:spcBef>
+                <a:spcPts val="0"/>
+              </a:spcBef>
+              <a:spcAft>
+                <a:spcPts val="0"/>
+              </a:spcAft>
+              <a:buClr>
+                <a:schemeClr val="dk2"/>
+              </a:buClr>
+              <a:buSzPts val="1300"/>
+              <a:buFont typeface="Arial"/>
+              <a:buChar char="•"/>
+              <a:defRPr lang="en-US" sz="1300" b="0" i="0" u="none" strike="noStrike" cap="none" spc="0">
+                <a:solidFill>
+                  <a:srgbClr val="666666"/>
+                </a:solidFill>
+                <a:latin typeface="Roboto"/>
+                <a:ea typeface="Roboto"/>
+                <a:cs typeface="Roboto"/>
+              </a:defRPr>
+            </a:pPr>
+            <a:r>
+              <a:rPr lang="en-US" sz="1000" b="1" i="0" u="none" strike="noStrike" cap="none" spc="0">
+                <a:solidFill>
+                  <a:srgbClr val="666666"/>
+                </a:solidFill>
+                <a:latin typeface="Roboto"/>
+                <a:ea typeface="Roboto"/>
+                <a:cs typeface="Roboto"/>
+              </a:rPr>
+              <a:t>Obliquity</a:t>
+            </a:r>
+            <a:r>
+              <a:rPr lang="en-US" sz="1000" b="0" i="0" u="none" strike="noStrike" cap="none" spc="0">
+                <a:solidFill>
+                  <a:srgbClr val="666666"/>
+                </a:solidFill>
+                <a:latin typeface="Roboto"/>
+                <a:ea typeface="Roboto"/>
+                <a:cs typeface="Roboto"/>
+              </a:rPr>
+              <a:t>: </a:t>
+            </a:r>
+            <a:r>
+              <a:rPr lang="en-US" sz="1000" b="0" i="0" u="none" strike="noStrike" cap="none" spc="0">
+                <a:solidFill>
+                  <a:srgbClr val="666666"/>
+                </a:solidFill>
+                <a:latin typeface="Roboto"/>
+                <a:ea typeface="Roboto"/>
+                <a:cs typeface="Roboto"/>
+              </a:rPr>
+              <a:t>the tilt of the Earth's axis relative to its orbital plane around the Sun</a:t>
+            </a:r>
+            <a:endParaRPr lang="en-US" sz="1000" b="0" i="0" u="none" strike="noStrike" cap="none" spc="0">
+              <a:solidFill>
+                <a:srgbClr val="666666"/>
+              </a:solidFill>
+              <a:latin typeface="Roboto"/>
+              <a:ea typeface="Roboto"/>
+              <a:cs typeface="Roboto"/>
+            </a:endParaRPr>
+          </a:p>
+          <a:p>
+            <a:pPr marL="457200" marR="0" lvl="0" indent="-311149" algn="l" defTabSz="914400">
+              <a:lnSpc>
+                <a:spcPct val="100000"/>
+              </a:lnSpc>
+              <a:spcBef>
+                <a:spcPts val="0"/>
+              </a:spcBef>
+              <a:spcAft>
+                <a:spcPts val="0"/>
+              </a:spcAft>
+              <a:buClr>
+                <a:schemeClr val="dk2"/>
+              </a:buClr>
+              <a:buSzPts val="1300"/>
+              <a:buFont typeface="Arial"/>
+              <a:buChar char="•"/>
+              <a:defRPr lang="en-US" sz="1300" b="0" i="0" u="none" strike="noStrike" cap="none" spc="0">
+                <a:solidFill>
+                  <a:srgbClr val="666666"/>
+                </a:solidFill>
+                <a:latin typeface="Roboto"/>
+                <a:ea typeface="Roboto"/>
+                <a:cs typeface="Roboto"/>
+              </a:defRPr>
+            </a:pPr>
+            <a:r>
+              <a:rPr lang="en-US" sz="1000" b="1" i="0" u="none" strike="noStrike" cap="none" spc="0">
+                <a:solidFill>
+                  <a:srgbClr val="666666"/>
+                </a:solidFill>
+                <a:latin typeface="Roboto"/>
+                <a:ea typeface="Roboto"/>
+                <a:cs typeface="Roboto"/>
+              </a:rPr>
+              <a:t>HEAS</a:t>
+            </a:r>
+            <a:r>
+              <a:rPr lang="en-US" sz="1000" b="0" i="0" u="none" strike="noStrike" cap="none" spc="0">
+                <a:solidFill>
+                  <a:srgbClr val="666666"/>
+                </a:solidFill>
+                <a:latin typeface="Roboto"/>
+                <a:ea typeface="Roboto"/>
+                <a:cs typeface="Roboto"/>
+              </a:rPr>
+              <a:t>: </a:t>
+            </a:r>
+            <a:r>
+              <a:rPr lang="en-US" sz="1000" b="0" i="0" u="none" strike="noStrike" cap="none" spc="0">
+                <a:solidFill>
+                  <a:srgbClr val="666666"/>
+                </a:solidFill>
+                <a:latin typeface="Roboto"/>
+                <a:ea typeface="Roboto"/>
+                <a:cs typeface="Roboto"/>
+              </a:rPr>
+              <a:t>the Heliocentric Earth Angular Size data </a:t>
+            </a:r>
+            <a:endParaRPr lang="en-US" sz="1000" b="0" i="0" u="none" strike="noStrike" cap="none" spc="0">
+              <a:solidFill>
+                <a:srgbClr val="666666"/>
+              </a:solidFill>
+              <a:latin typeface="Roboto"/>
+              <a:ea typeface="Roboto"/>
+              <a:cs typeface="Roboto"/>
+            </a:endParaRPr>
+          </a:p>
+          <a:p>
+            <a:pPr marL="457200" marR="0" lvl="0" indent="-311149" algn="l" defTabSz="914400">
+              <a:lnSpc>
+                <a:spcPct val="100000"/>
+              </a:lnSpc>
+              <a:spcBef>
+                <a:spcPts val="0"/>
+              </a:spcBef>
+              <a:spcAft>
+                <a:spcPts val="0"/>
+              </a:spcAft>
+              <a:buClr>
+                <a:schemeClr val="dk2"/>
+              </a:buClr>
+              <a:buSzPts val="1300"/>
+              <a:buFont typeface="Arial"/>
+              <a:buChar char="•"/>
+              <a:defRPr lang="en-US" sz="1300" b="0" i="0" u="none" strike="noStrike" cap="none" spc="0">
+                <a:solidFill>
+                  <a:srgbClr val="666666"/>
+                </a:solidFill>
+                <a:latin typeface="Roboto"/>
+                <a:ea typeface="Roboto"/>
+                <a:cs typeface="Roboto"/>
+              </a:defRPr>
+            </a:pPr>
+            <a:r>
+              <a:rPr lang="en-US" sz="1000" b="1" i="0" u="none" strike="noStrike" cap="none" spc="0">
+                <a:solidFill>
+                  <a:srgbClr val="666666"/>
+                </a:solidFill>
+                <a:latin typeface="Roboto"/>
+                <a:ea typeface="Roboto"/>
+                <a:cs typeface="Roboto"/>
+              </a:rPr>
+              <a:t>EII</a:t>
+            </a:r>
+            <a:r>
+              <a:rPr lang="en-US" sz="1000" b="0" i="0" u="none" strike="noStrike" cap="none" spc="0">
+                <a:solidFill>
+                  <a:srgbClr val="666666"/>
+                </a:solidFill>
+                <a:latin typeface="Roboto"/>
+                <a:ea typeface="Roboto"/>
+                <a:cs typeface="Roboto"/>
+              </a:rPr>
+              <a:t>: </a:t>
+            </a:r>
+            <a:r>
+              <a:rPr lang="en-US" sz="1000" b="0" i="0" u="none" strike="noStrike" cap="none" spc="0">
+                <a:solidFill>
+                  <a:srgbClr val="666666"/>
+                </a:solidFill>
+                <a:latin typeface="Roboto"/>
+                <a:ea typeface="Roboto"/>
+                <a:cs typeface="Roboto"/>
+              </a:rPr>
+              <a:t>This index is a measure used to quantify the quality and significance of information </a:t>
+            </a:r>
+            <a:endParaRPr lang="en-US" sz="1000" b="0" i="0" u="none" strike="noStrike" cap="none" spc="0">
+              <a:solidFill>
+                <a:srgbClr val="666666"/>
+              </a:solidFill>
+              <a:latin typeface="Roboto"/>
+              <a:ea typeface="Roboto"/>
+              <a:cs typeface="Roboto"/>
+            </a:endParaRPr>
           </a:p>
         </p:txBody>
       </p:sp>
@@ -7972,19 +9206,27 @@
   <p:clrMapOvr>
     <a:masterClrMapping/>
   </p:clrMapOvr>
+  <mc:AlternateContent xmlns:mc="http://schemas.openxmlformats.org/markup-compatibility/2006">
+    <mc:Choice xmlns:p159="http://schemas.microsoft.com/office/powerpoint/2015/09/main" xmlns:p14="http://schemas.microsoft.com/office/powerpoint/2010/main" Requires="p159">
+      <p:transition p14:dur="2000" advClick="1"/>
+    </mc:Choice>
+    <mc:Fallback>
+      <p:transition advClick="1"/>
+    </mc:Fallback>
+  </mc:AlternateContent>
 </p:sld>
 </file>
 
 <file path=ppt/slides/slide4.xml><?xml version="1.0" encoding="utf-8"?>
-<p:sld xmlns:a="http://schemas.openxmlformats.org/drawingml/2006/main" xmlns:r="http://schemas.openxmlformats.org/officeDocument/2006/relationships" xmlns:mc="http://schemas.openxmlformats.org/markup-compatibility/2006" xmlns:mv="urn:schemas-microsoft-com:mac:vml" xmlns:p="http://schemas.openxmlformats.org/presentationml/2006/main" xmlns:c="http://schemas.openxmlformats.org/drawingml/2006/chart" xmlns:dgm="http://schemas.openxmlformats.org/drawingml/2006/diagram" xmlns:o="urn:schemas-microsoft-com:office:office" xmlns:v="urn:schemas-microsoft-com:vml" xmlns:pvml="urn:schemas-microsoft-com:office:powerpoint" xmlns:com="http://schemas.openxmlformats.org/drawingml/2006/compatibility" xmlns:p14="http://schemas.microsoft.com/office/powerpoint/2010/main" xmlns:p15="http://schemas.microsoft.com/office/powerpoint/2012/main" xmlns:ahyp="http://schemas.microsoft.com/office/drawing/2018/hyperlinkcolor">
-  <p:cSld>
+<p:sld xmlns:a="http://schemas.openxmlformats.org/drawingml/2006/main" xmlns:r="http://schemas.openxmlformats.org/officeDocument/2006/relationships" xmlns:p="http://schemas.openxmlformats.org/presentationml/2006/main" xmlns:m="http://schemas.openxmlformats.org/officeDocument/2006/math" xmlns:w="http://schemas.openxmlformats.org/wordprocessingml/2006/main" showMasterPhAnim="0" show="1">
+  <p:cSld name="">
     <p:spTree>
       <p:nvGrpSpPr>
-        <p:cNvPr id="82" name="Shape 82"/>
+        <p:cNvPr id="1" name=""/>
         <p:cNvGrpSpPr/>
         <p:nvPr/>
       </p:nvGrpSpPr>
-      <p:grpSpPr>
+      <p:grpSpPr bwMode="auto">
         <a:xfrm>
           <a:off x="0" y="0"/>
           <a:ext cx="0" cy="0"/>
@@ -8000,29 +9242,26 @@
             <p:ph type="title"/>
           </p:nvPr>
         </p:nvSpPr>
-        <p:spPr>
-          <a:xfrm>
-            <a:off x="311725" y="500925"/>
-            <a:ext cx="3706500" cy="2508900"/>
-          </a:xfrm>
+        <p:spPr bwMode="auto">
           <a:prstGeom prst="rect">
             <a:avLst/>
           </a:prstGeom>
         </p:spPr>
         <p:txBody>
-          <a:bodyPr anchorCtr="0" anchor="t" bIns="91425" lIns="91425" spcFirstLastPara="1" rIns="91425" wrap="square" tIns="91425">
+          <a:bodyPr spcFirstLastPara="1" wrap="square" lIns="91425" tIns="91425" rIns="91425" bIns="91425" anchor="t" anchorCtr="0">
             <a:normAutofit/>
           </a:bodyPr>
           <a:lstStyle/>
           <a:p>
-            <a:pPr indent="0" lvl="0" marL="0" rtl="0" algn="l">
-              <a:spcBef>
-                <a:spcPts val="0"/>
-              </a:spcBef>
-              <a:spcAft>
-                <a:spcPts val="0"/>
-              </a:spcAft>
-              <a:buNone/>
+            <a:pPr marL="0" lvl="0" indent="0" algn="l">
+              <a:spcBef>
+                <a:spcPts val="0"/>
+              </a:spcBef>
+              <a:spcAft>
+                <a:spcPts val="0"/>
+              </a:spcAft>
+              <a:buNone/>
+              <a:defRPr/>
             </a:pPr>
             <a:r>
               <a:rPr lang="en"/>
@@ -8037,35 +9276,348 @@
           <p:cNvPr id="84" name="Google Shape;84;p16"/>
           <p:cNvSpPr txBox="1"/>
           <p:nvPr>
-            <p:ph idx="1" type="body"/>
+            <p:ph type="body" idx="1"/>
           </p:nvPr>
         </p:nvSpPr>
-        <p:spPr>
-          <a:xfrm>
-            <a:off x="4644675" y="500925"/>
-            <a:ext cx="4166400" cy="4098600"/>
+        <p:spPr bwMode="auto">
+          <a:xfrm flipH="0" flipV="0">
+            <a:off x="236755" y="1404757"/>
+            <a:ext cx="8595569" cy="1821228"/>
           </a:xfrm>
           <a:prstGeom prst="rect">
             <a:avLst/>
           </a:prstGeom>
         </p:spPr>
         <p:txBody>
-          <a:bodyPr anchorCtr="0" anchor="t" bIns="91425" lIns="91425" spcFirstLastPara="1" rIns="91425" wrap="square" tIns="91425">
+          <a:bodyPr spcFirstLastPara="1" vertOverflow="overflow" horzOverflow="overflow" vert="horz" wrap="square" lIns="91424" tIns="91424" rIns="91424" bIns="91424" numCol="1" spcCol="0" rtlCol="0" fromWordArt="0" anchor="t" anchorCtr="0" forceAA="0" upright="0" compatLnSpc="0">
             <a:normAutofit/>
           </a:bodyPr>
           <a:lstStyle/>
           <a:p>
-            <a:pPr indent="0" lvl="0" marL="0" rtl="0" algn="l">
-              <a:spcBef>
-                <a:spcPts val="0"/>
-              </a:spcBef>
-              <a:spcAft>
-                <a:spcPts val="1200"/>
-              </a:spcAft>
-              <a:buNone/>
+            <a:pPr marL="146049" indent="0">
+              <a:buClr>
+                <a:schemeClr val="dk2"/>
+              </a:buClr>
+              <a:buSzPts val="1300"/>
+              <a:buFont typeface="Roboto"/>
+              <a:buNone/>
+              <a:defRPr/>
             </a:pPr>
             <a:r>
-              <a:t/>
+              <a:rPr lang="en-US" sz="1200" b="1" i="0" u="none" strike="noStrike" cap="none" spc="0">
+                <a:solidFill>
+                  <a:schemeClr val="dk2"/>
+                </a:solidFill>
+                <a:latin typeface="Roboto"/>
+                <a:ea typeface="Roboto"/>
+                <a:cs typeface="Roboto"/>
+              </a:rPr>
+              <a:t>Catalog Number</a:t>
+            </a:r>
+            <a:r>
+              <a:rPr lang="en-US" sz="1200" b="0" i="0" u="none" strike="noStrike" cap="none" spc="0">
+                <a:solidFill>
+                  <a:schemeClr val="dk2"/>
+                </a:solidFill>
+                <a:latin typeface="Roboto"/>
+                <a:ea typeface="Roboto"/>
+                <a:cs typeface="Roboto"/>
+              </a:rPr>
+              <a:t>, Calendar Date, Eclipse Time, </a:t>
+            </a:r>
+            <a:r>
+              <a:rPr lang="en-US" sz="1200" b="1" i="0" u="none" strike="noStrike" cap="none" spc="0">
+                <a:solidFill>
+                  <a:schemeClr val="dk2"/>
+                </a:solidFill>
+                <a:latin typeface="Roboto"/>
+                <a:ea typeface="Roboto"/>
+                <a:cs typeface="Roboto"/>
+              </a:rPr>
+              <a:t>Delta T (s),</a:t>
+            </a:r>
+            <a:r>
+              <a:rPr lang="en-US" sz="1200" b="1" i="0" u="none" strike="noStrike" cap="none" spc="0">
+                <a:solidFill>
+                  <a:schemeClr val="dk2"/>
+                </a:solidFill>
+                <a:latin typeface="Roboto"/>
+                <a:ea typeface="Roboto"/>
+                <a:cs typeface="Roboto"/>
+              </a:rPr>
+              <a:t>Lunation Number,Saros Number,Eclipse Type,Gamma,Eclipse Magnitude</a:t>
+            </a:r>
+            <a:r>
+              <a:rPr lang="en-US" sz="1200" b="0" i="0" u="none" strike="noStrike" cap="none" spc="0">
+                <a:solidFill>
+                  <a:schemeClr val="dk2"/>
+                </a:solidFill>
+                <a:latin typeface="Roboto"/>
+                <a:ea typeface="Roboto"/>
+                <a:cs typeface="Roboto"/>
+              </a:rPr>
+              <a:t>,Latitude,Longitude,</a:t>
+            </a:r>
+            <a:r>
+              <a:rPr lang="en-US" sz="1200" b="1" i="0" u="none" strike="noStrike" cap="none" spc="0">
+                <a:solidFill>
+                  <a:schemeClr val="dk2"/>
+                </a:solidFill>
+                <a:latin typeface="Roboto"/>
+                <a:ea typeface="Roboto"/>
+                <a:cs typeface="Roboto"/>
+              </a:rPr>
+              <a:t>Sun Altitude,Sun Azimuth,Path Width (km</a:t>
+            </a:r>
+            <a:r>
+              <a:rPr lang="en-US" sz="1200" b="1" i="0" u="none" strike="noStrike" cap="none" spc="0">
+                <a:solidFill>
+                  <a:schemeClr val="dk2"/>
+                </a:solidFill>
+                <a:latin typeface="Roboto"/>
+                <a:ea typeface="Roboto"/>
+                <a:cs typeface="Roboto"/>
+              </a:rPr>
+              <a:t>),</a:t>
+            </a:r>
+            <a:r>
+              <a:rPr lang="en-US" sz="1200" b="0" i="0" u="none" strike="noStrike" cap="none" spc="0">
+                <a:solidFill>
+                  <a:schemeClr val="dk2"/>
+                </a:solidFill>
+                <a:latin typeface="Roboto"/>
+                <a:ea typeface="Roboto"/>
+                <a:cs typeface="Roboto"/>
+              </a:rPr>
+              <a:t>Central Duration,Date Time,</a:t>
+            </a:r>
+            <a:r>
+              <a:rPr lang="en-US" sz="1200" b="1" i="0" u="none" strike="noStrike" cap="none" spc="0">
+                <a:solidFill>
+                  <a:schemeClr val="dk2"/>
+                </a:solidFill>
+                <a:latin typeface="Roboto"/>
+                <a:ea typeface="Roboto"/>
+                <a:cs typeface="Roboto"/>
+              </a:rPr>
+              <a:t>Year,Month,Day</a:t>
+            </a:r>
+            <a:r>
+              <a:rPr lang="en-US" sz="1200" b="0" i="0" u="none" strike="noStrike" cap="none" spc="0">
+                <a:solidFill>
+                  <a:schemeClr val="dk2"/>
+                </a:solidFill>
+                <a:latin typeface="Roboto"/>
+                <a:ea typeface="Roboto"/>
+                <a:cs typeface="Roboto"/>
+              </a:rPr>
+              <a:t>,Visibility,</a:t>
+            </a:r>
+            <a:r>
+              <a:rPr lang="en-US" sz="1200" b="1" i="0" u="none" strike="noStrike" cap="none" spc="0">
+                <a:solidFill>
+                  <a:schemeClr val="dk2"/>
+                </a:solidFill>
+                <a:latin typeface="Roboto"/>
+                <a:ea typeface="Roboto"/>
+                <a:cs typeface="Roboto"/>
+              </a:rPr>
+              <a:t>Eclipse Latitude,Eclipse Longitude,obliquity</a:t>
+            </a:r>
+            <a:r>
+              <a:rPr lang="en-US" sz="1200" b="0" i="0" u="none" strike="noStrike" cap="none" spc="0">
+                <a:solidFill>
+                  <a:schemeClr val="dk2"/>
+                </a:solidFill>
+                <a:latin typeface="Roboto"/>
+                <a:ea typeface="Roboto"/>
+                <a:cs typeface="Roboto"/>
+              </a:rPr>
+              <a:t>,Geographical Hemisphere,Daytime/Nighttime,Sun Constellation</a:t>
+            </a:r>
+            <a:r>
+              <a:rPr lang="en-US" sz="1200" b="1" i="0" u="none" strike="noStrike" cap="none" spc="0">
+                <a:solidFill>
+                  <a:schemeClr val="dk2"/>
+                </a:solidFill>
+                <a:latin typeface="Roboto"/>
+                <a:ea typeface="Roboto"/>
+                <a:cs typeface="Roboto"/>
+              </a:rPr>
+              <a:t>,Inter-Eclipse Duration</a:t>
+            </a:r>
+            <a:r>
+              <a:rPr lang="en-US" sz="1200" b="0" i="0" u="none" strike="noStrike" cap="none" spc="0">
+                <a:solidFill>
+                  <a:schemeClr val="dk2"/>
+                </a:solidFill>
+                <a:latin typeface="Roboto"/>
+                <a:ea typeface="Roboto"/>
+                <a:cs typeface="Roboto"/>
+              </a:rPr>
+              <a:t>,</a:t>
+            </a:r>
+            <a:r>
+              <a:rPr lang="en-US" sz="1200" b="1" i="0" u="none" strike="noStrike" cap="none" spc="0">
+                <a:solidFill>
+                  <a:schemeClr val="dk2"/>
+                </a:solidFill>
+                <a:latin typeface="Roboto"/>
+                <a:ea typeface="Roboto"/>
+                <a:cs typeface="Roboto"/>
+              </a:rPr>
+              <a:t>Visibility Score</a:t>
+            </a:r>
+            <a:r>
+              <a:rPr lang="en-US" sz="1200" b="0" i="0" u="none" strike="noStrike" cap="none" spc="0">
+                <a:solidFill>
+                  <a:schemeClr val="dk2"/>
+                </a:solidFill>
+                <a:latin typeface="Roboto"/>
+                <a:ea typeface="Roboto"/>
+                <a:cs typeface="Roboto"/>
+              </a:rPr>
+              <a:t>,Eclipse Classification,Duration in Seconds,</a:t>
+            </a:r>
+            <a:r>
+              <a:rPr lang="en-US" sz="1200" b="1" i="0" u="none" strike="noStrike" cap="none" spc="0">
+                <a:solidFill>
+                  <a:schemeClr val="dk2"/>
+                </a:solidFill>
+                <a:latin typeface="Roboto"/>
+                <a:ea typeface="Roboto"/>
+                <a:cs typeface="Roboto"/>
+              </a:rPr>
+              <a:t>Moon Distance (km),Sun Distance (km),Moon Angular Diameter (degrees),Sun Angular Diameter (degrees),Central Duration Seconds,Normalized Duration,Normalized Path Width,EII,</a:t>
+            </a:r>
+            <a:r>
+              <a:rPr lang="en-US" sz="1200" b="0" i="0" u="none" strike="noStrike" cap="none" spc="0">
+                <a:solidFill>
+                  <a:schemeClr val="dk2"/>
+                </a:solidFill>
+                <a:latin typeface="Roboto"/>
+                <a:ea typeface="Roboto"/>
+                <a:cs typeface="Roboto"/>
+              </a:rPr>
+              <a:t>Year Modulus</a:t>
+            </a:r>
+            <a:r>
+              <a:rPr lang="en-US" sz="1200" b="1" i="0" u="none" strike="noStrike" cap="none" spc="0">
+                <a:solidFill>
+                  <a:schemeClr val="dk2"/>
+                </a:solidFill>
+                <a:latin typeface="Roboto"/>
+                <a:ea typeface="Roboto"/>
+                <a:cs typeface="Roboto"/>
+              </a:rPr>
+              <a:t>,HEAS</a:t>
+            </a:r>
+            <a:r>
+              <a:rPr lang="en-US" sz="1200" b="0" i="0" u="none" strike="noStrike" cap="none" spc="0">
+                <a:solidFill>
+                  <a:schemeClr val="dk2"/>
+                </a:solidFill>
+                <a:latin typeface="Roboto"/>
+                <a:ea typeface="Roboto"/>
+                <a:cs typeface="Roboto"/>
+              </a:rPr>
+              <a:t>,Decade,</a:t>
+            </a:r>
+            <a:r>
+              <a:rPr lang="en-US" sz="1200" b="1" i="0" u="none" strike="noStrike" cap="none" spc="0">
+                <a:solidFill>
+                  <a:schemeClr val="dk2"/>
+                </a:solidFill>
+                <a:latin typeface="Roboto"/>
+                <a:ea typeface="Roboto"/>
+                <a:cs typeface="Roboto"/>
+              </a:rPr>
+              <a:t>Localized ESC</a:t>
+            </a:r>
+            <a:r>
+              <a:rPr lang="en-US" sz="1200" b="0" i="0" u="none" strike="noStrike" cap="none" spc="0">
+                <a:solidFill>
+                  <a:schemeClr val="dk2"/>
+                </a:solidFill>
+                <a:latin typeface="Roboto"/>
+                <a:ea typeface="Roboto"/>
+                <a:cs typeface="Roboto"/>
+              </a:rPr>
+              <a:t>,ESC Moving Average,ESC Wide-Scale Moving Average,</a:t>
+            </a:r>
+            <a:r>
+              <a:rPr lang="en-US" sz="1200" b="1" i="0" u="none" strike="noStrike" cap="none" spc="0">
+                <a:solidFill>
+                  <a:schemeClr val="dk2"/>
+                </a:solidFill>
+                <a:latin typeface="Roboto"/>
+                <a:ea typeface="Roboto"/>
+                <a:cs typeface="Roboto"/>
+              </a:rPr>
+              <a:t>Eclipse Interval,</a:t>
+            </a:r>
+            <a:r>
+              <a:rPr lang="en-US" sz="1200" b="0" i="0" u="none" strike="noStrike" cap="none" spc="0">
+                <a:solidFill>
+                  <a:schemeClr val="dk2"/>
+                </a:solidFill>
+                <a:latin typeface="Roboto"/>
+                <a:ea typeface="Roboto"/>
+                <a:cs typeface="Roboto"/>
+              </a:rPr>
+              <a:t>Cluster,Cluster 6</a:t>
+            </a:r>
+            <a:endParaRPr sz="1200" b="0" i="0" u="none" strike="noStrike" cap="none" spc="0">
+              <a:solidFill>
+                <a:schemeClr val="dk2"/>
+              </a:solidFill>
+              <a:latin typeface="Roboto"/>
+              <a:cs typeface="Roboto"/>
+            </a:endParaRPr>
+          </a:p>
+        </p:txBody>
+      </p:sp>
+      <p:sp>
+        <p:nvSpPr>
+          <p:cNvPr id="1880450131" name=""/>
+          <p:cNvSpPr txBox="1"/>
+          <p:nvPr/>
+        </p:nvSpPr>
+        <p:spPr bwMode="auto">
+          <a:xfrm flipH="0" flipV="0">
+            <a:off x="390054" y="3369066"/>
+            <a:ext cx="8763231" cy="518519"/>
+          </a:xfrm>
+          <a:prstGeom prst="rect">
+            <a:avLst/>
+          </a:prstGeom>
+          <a:noFill/>
+        </p:spPr>
+        <p:txBody>
+          <a:bodyPr vertOverflow="overflow" horzOverflow="overflow" vert="horz" wrap="square" lIns="91440" tIns="45720" rIns="91440" bIns="45720" numCol="1" spcCol="0" rtlCol="0" fromWordArt="0" anchor="t" anchorCtr="0" forceAA="0" upright="0" compatLnSpc="0">
+            <a:spAutoFit/>
+          </a:bodyPr>
+          <a:p>
+            <a:pPr marL="239821" indent="-239821">
+              <a:buFont typeface="Arial"/>
+              <a:buChar char="•"/>
+              <a:defRPr/>
+            </a:pPr>
+            <a:r>
+              <a:rPr/>
+              <a:t>Non-bold are dropped</a:t>
+            </a:r>
+            <a:endParaRPr/>
+          </a:p>
+          <a:p>
+            <a:pPr marL="239821" indent="-239821">
+              <a:buFont typeface="Arial"/>
+              <a:buChar char="•"/>
+              <a:defRPr/>
+            </a:pPr>
+            <a:r>
+              <a:rPr/>
+              <a:t>Non-bold are less or not relevant to predicting the eclipse type</a:t>
             </a:r>
             <a:endParaRPr/>
           </a:p>
@@ -8076,19 +9628,27 @@
   <p:clrMapOvr>
     <a:masterClrMapping/>
   </p:clrMapOvr>
+  <mc:AlternateContent xmlns:mc="http://schemas.openxmlformats.org/markup-compatibility/2006">
+    <mc:Choice xmlns:p159="http://schemas.microsoft.com/office/powerpoint/2015/09/main" xmlns:p14="http://schemas.microsoft.com/office/powerpoint/2010/main" Requires="p159">
+      <p:transition p14:dur="2000" advClick="1"/>
+    </mc:Choice>
+    <mc:Fallback>
+      <p:transition advClick="1"/>
+    </mc:Fallback>
+  </mc:AlternateContent>
 </p:sld>
 </file>
 
 <file path=ppt/slides/slide5.xml><?xml version="1.0" encoding="utf-8"?>
-<p:sld xmlns:a="http://schemas.openxmlformats.org/drawingml/2006/main" xmlns:r="http://schemas.openxmlformats.org/officeDocument/2006/relationships" xmlns:mc="http://schemas.openxmlformats.org/markup-compatibility/2006" xmlns:mv="urn:schemas-microsoft-com:mac:vml" xmlns:p="http://schemas.openxmlformats.org/presentationml/2006/main" xmlns:c="http://schemas.openxmlformats.org/drawingml/2006/chart" xmlns:dgm="http://schemas.openxmlformats.org/drawingml/2006/diagram" xmlns:o="urn:schemas-microsoft-com:office:office" xmlns:v="urn:schemas-microsoft-com:vml" xmlns:pvml="urn:schemas-microsoft-com:office:powerpoint" xmlns:com="http://schemas.openxmlformats.org/drawingml/2006/compatibility" xmlns:p14="http://schemas.microsoft.com/office/powerpoint/2010/main" xmlns:p15="http://schemas.microsoft.com/office/powerpoint/2012/main" xmlns:ahyp="http://schemas.microsoft.com/office/drawing/2018/hyperlinkcolor">
-  <p:cSld>
+<p:sld xmlns:a="http://schemas.openxmlformats.org/drawingml/2006/main" xmlns:r="http://schemas.openxmlformats.org/officeDocument/2006/relationships" xmlns:p="http://schemas.openxmlformats.org/presentationml/2006/main" xmlns:m="http://schemas.openxmlformats.org/officeDocument/2006/math" xmlns:w="http://schemas.openxmlformats.org/wordprocessingml/2006/main" showMasterPhAnim="0" show="1">
+  <p:cSld name="">
     <p:spTree>
       <p:nvGrpSpPr>
-        <p:cNvPr id="88" name="Shape 88"/>
+        <p:cNvPr id="1" name=""/>
         <p:cNvGrpSpPr/>
         <p:nvPr/>
       </p:nvGrpSpPr>
-      <p:grpSpPr>
+      <p:grpSpPr bwMode="auto">
         <a:xfrm>
           <a:off x="0" y="0"/>
           <a:ext cx="0" cy="0"/>
@@ -8104,7 +9664,7 @@
             <p:ph type="title"/>
           </p:nvPr>
         </p:nvSpPr>
-        <p:spPr>
+        <p:spPr bwMode="auto">
           <a:xfrm>
             <a:off x="311725" y="500925"/>
             <a:ext cx="3706500" cy="2508900"/>
@@ -8114,19 +9674,20 @@
           </a:prstGeom>
         </p:spPr>
         <p:txBody>
-          <a:bodyPr anchorCtr="0" anchor="t" bIns="91425" lIns="91425" spcFirstLastPara="1" rIns="91425" wrap="square" tIns="91425">
+          <a:bodyPr spcFirstLastPara="1" wrap="square" lIns="91425" tIns="91425" rIns="91425" bIns="91425" anchor="t" anchorCtr="0">
             <a:normAutofit/>
           </a:bodyPr>
           <a:lstStyle/>
           <a:p>
-            <a:pPr indent="0" lvl="0" marL="0" rtl="0" algn="l">
-              <a:spcBef>
-                <a:spcPts val="0"/>
-              </a:spcBef>
-              <a:spcAft>
-                <a:spcPts val="0"/>
-              </a:spcAft>
-              <a:buNone/>
+            <a:pPr marL="0" lvl="0" indent="0" algn="l">
+              <a:spcBef>
+                <a:spcPts val="0"/>
+              </a:spcBef>
+              <a:spcAft>
+                <a:spcPts val="0"/>
+              </a:spcAft>
+              <a:buNone/>
+              <a:defRPr/>
             </a:pPr>
             <a:r>
               <a:rPr lang="en"/>
@@ -8141,10 +9702,10 @@
           <p:cNvPr id="90" name="Google Shape;90;p17"/>
           <p:cNvSpPr txBox="1"/>
           <p:nvPr>
-            <p:ph idx="1" type="body"/>
+            <p:ph type="body" idx="1"/>
           </p:nvPr>
         </p:nvSpPr>
-        <p:spPr>
+        <p:spPr bwMode="auto">
           <a:xfrm>
             <a:off x="4644675" y="500925"/>
             <a:ext cx="4166400" cy="4098600"/>
@@ -8154,12 +9715,12 @@
           </a:prstGeom>
         </p:spPr>
         <p:txBody>
-          <a:bodyPr anchorCtr="0" anchor="t" bIns="91425" lIns="91425" spcFirstLastPara="1" rIns="91425" wrap="square" tIns="91425">
+          <a:bodyPr spcFirstLastPara="1" wrap="square" lIns="91425" tIns="91425" rIns="91425" bIns="91425" anchor="t" anchorCtr="0">
             <a:normAutofit/>
           </a:bodyPr>
           <a:lstStyle/>
           <a:p>
-            <a:pPr indent="0" lvl="0" marL="0" rtl="0" algn="l">
+            <a:pPr marL="0" lvl="0" indent="0" algn="l">
               <a:spcBef>
                 <a:spcPts val="0"/>
               </a:spcBef>
@@ -8167,10 +9728,8 @@
                 <a:spcPts val="1200"/>
               </a:spcAft>
               <a:buNone/>
+              <a:defRPr/>
             </a:pPr>
-            <a:r>
-              <a:t/>
-            </a:r>
             <a:endParaRPr sz="1900"/>
           </a:p>
         </p:txBody>
@@ -8180,19 +9739,27 @@
   <p:clrMapOvr>
     <a:masterClrMapping/>
   </p:clrMapOvr>
+  <mc:AlternateContent xmlns:mc="http://schemas.openxmlformats.org/markup-compatibility/2006">
+    <mc:Choice xmlns:p159="http://schemas.microsoft.com/office/powerpoint/2015/09/main" xmlns:p14="http://schemas.microsoft.com/office/powerpoint/2010/main" Requires="p159">
+      <p:transition p14:dur="2000" advClick="1"/>
+    </mc:Choice>
+    <mc:Fallback>
+      <p:transition advClick="1"/>
+    </mc:Fallback>
+  </mc:AlternateContent>
 </p:sld>
 </file>
 
 <file path=ppt/slides/slide6.xml><?xml version="1.0" encoding="utf-8"?>
-<p:sld xmlns:a="http://schemas.openxmlformats.org/drawingml/2006/main" xmlns:r="http://schemas.openxmlformats.org/officeDocument/2006/relationships" xmlns:mc="http://schemas.openxmlformats.org/markup-compatibility/2006" xmlns:mv="urn:schemas-microsoft-com:mac:vml" xmlns:p="http://schemas.openxmlformats.org/presentationml/2006/main" xmlns:c="http://schemas.openxmlformats.org/drawingml/2006/chart" xmlns:dgm="http://schemas.openxmlformats.org/drawingml/2006/diagram" xmlns:o="urn:schemas-microsoft-com:office:office" xmlns:v="urn:schemas-microsoft-com:vml" xmlns:pvml="urn:schemas-microsoft-com:office:powerpoint" xmlns:com="http://schemas.openxmlformats.org/drawingml/2006/compatibility" xmlns:p14="http://schemas.microsoft.com/office/powerpoint/2010/main" xmlns:p15="http://schemas.microsoft.com/office/powerpoint/2012/main" xmlns:ahyp="http://schemas.microsoft.com/office/drawing/2018/hyperlinkcolor">
-  <p:cSld>
+<p:sld xmlns:a="http://schemas.openxmlformats.org/drawingml/2006/main" xmlns:r="http://schemas.openxmlformats.org/officeDocument/2006/relationships" xmlns:p="http://schemas.openxmlformats.org/presentationml/2006/main" xmlns:m="http://schemas.openxmlformats.org/officeDocument/2006/math" xmlns:w="http://schemas.openxmlformats.org/wordprocessingml/2006/main" showMasterPhAnim="0" show="1">
+  <p:cSld name="">
     <p:spTree>
       <p:nvGrpSpPr>
-        <p:cNvPr id="94" name="Shape 94"/>
+        <p:cNvPr id="1" name=""/>
         <p:cNvGrpSpPr/>
         <p:nvPr/>
       </p:nvGrpSpPr>
-      <p:grpSpPr>
+      <p:grpSpPr bwMode="auto">
         <a:xfrm>
           <a:off x="0" y="0"/>
           <a:ext cx="0" cy="0"/>
@@ -8208,7 +9775,7 @@
             <p:ph type="title"/>
           </p:nvPr>
         </p:nvSpPr>
-        <p:spPr>
+        <p:spPr bwMode="auto">
           <a:xfrm>
             <a:off x="311725" y="500925"/>
             <a:ext cx="3706500" cy="2508900"/>
@@ -8218,19 +9785,20 @@
           </a:prstGeom>
         </p:spPr>
         <p:txBody>
-          <a:bodyPr anchorCtr="0" anchor="t" bIns="91425" lIns="91425" spcFirstLastPara="1" rIns="91425" wrap="square" tIns="91425">
+          <a:bodyPr spcFirstLastPara="1" wrap="square" lIns="91425" tIns="91425" rIns="91425" bIns="91425" anchor="t" anchorCtr="0">
             <a:normAutofit/>
           </a:bodyPr>
           <a:lstStyle/>
           <a:p>
-            <a:pPr indent="0" lvl="0" marL="0" rtl="0" algn="l">
-              <a:spcBef>
-                <a:spcPts val="0"/>
-              </a:spcBef>
-              <a:spcAft>
-                <a:spcPts val="0"/>
-              </a:spcAft>
-              <a:buNone/>
+            <a:pPr marL="0" lvl="0" indent="0" algn="l">
+              <a:spcBef>
+                <a:spcPts val="0"/>
+              </a:spcBef>
+              <a:spcAft>
+                <a:spcPts val="0"/>
+              </a:spcAft>
+              <a:buNone/>
+              <a:defRPr/>
             </a:pPr>
             <a:r>
               <a:rPr lang="en"/>
@@ -8245,10 +9813,10 @@
           <p:cNvPr id="96" name="Google Shape;96;p18"/>
           <p:cNvSpPr txBox="1"/>
           <p:nvPr>
-            <p:ph idx="1" type="body"/>
+            <p:ph type="body" idx="1"/>
           </p:nvPr>
         </p:nvSpPr>
-        <p:spPr>
+        <p:spPr bwMode="auto">
           <a:xfrm>
             <a:off x="4644675" y="500925"/>
             <a:ext cx="4166400" cy="4098600"/>
@@ -8258,12 +9826,12 @@
           </a:prstGeom>
         </p:spPr>
         <p:txBody>
-          <a:bodyPr anchorCtr="0" anchor="t" bIns="91425" lIns="91425" spcFirstLastPara="1" rIns="91425" wrap="square" tIns="91425">
+          <a:bodyPr spcFirstLastPara="1" wrap="square" lIns="91425" tIns="91425" rIns="91425" bIns="91425" anchor="t" anchorCtr="0">
             <a:normAutofit/>
           </a:bodyPr>
           <a:lstStyle/>
           <a:p>
-            <a:pPr indent="0" lvl="0" marL="0" rtl="0" algn="l">
+            <a:pPr marL="0" lvl="0" indent="0" algn="l">
               <a:spcBef>
                 <a:spcPts val="0"/>
               </a:spcBef>
@@ -8271,10 +9839,8 @@
                 <a:spcPts val="1200"/>
               </a:spcAft>
               <a:buNone/>
+              <a:defRPr/>
             </a:pPr>
-            <a:r>
-              <a:t/>
-            </a:r>
             <a:endParaRPr/>
           </a:p>
         </p:txBody>
@@ -8284,19 +9850,27 @@
   <p:clrMapOvr>
     <a:masterClrMapping/>
   </p:clrMapOvr>
+  <mc:AlternateContent xmlns:mc="http://schemas.openxmlformats.org/markup-compatibility/2006">
+    <mc:Choice xmlns:p159="http://schemas.microsoft.com/office/powerpoint/2015/09/main" xmlns:p14="http://schemas.microsoft.com/office/powerpoint/2010/main" Requires="p159">
+      <p:transition p14:dur="2000" advClick="1"/>
+    </mc:Choice>
+    <mc:Fallback>
+      <p:transition advClick="1"/>
+    </mc:Fallback>
+  </mc:AlternateContent>
 </p:sld>
 </file>
 
 <file path=ppt/slides/slide7.xml><?xml version="1.0" encoding="utf-8"?>
-<p:sld xmlns:a="http://schemas.openxmlformats.org/drawingml/2006/main" xmlns:r="http://schemas.openxmlformats.org/officeDocument/2006/relationships" xmlns:mc="http://schemas.openxmlformats.org/markup-compatibility/2006" xmlns:mv="urn:schemas-microsoft-com:mac:vml" xmlns:p="http://schemas.openxmlformats.org/presentationml/2006/main" xmlns:c="http://schemas.openxmlformats.org/drawingml/2006/chart" xmlns:dgm="http://schemas.openxmlformats.org/drawingml/2006/diagram" xmlns:o="urn:schemas-microsoft-com:office:office" xmlns:v="urn:schemas-microsoft-com:vml" xmlns:pvml="urn:schemas-microsoft-com:office:powerpoint" xmlns:com="http://schemas.openxmlformats.org/drawingml/2006/compatibility" xmlns:p14="http://schemas.microsoft.com/office/powerpoint/2010/main" xmlns:p15="http://schemas.microsoft.com/office/powerpoint/2012/main" xmlns:ahyp="http://schemas.microsoft.com/office/drawing/2018/hyperlinkcolor">
-  <p:cSld>
+<p:sld xmlns:a="http://schemas.openxmlformats.org/drawingml/2006/main" xmlns:r="http://schemas.openxmlformats.org/officeDocument/2006/relationships" xmlns:p="http://schemas.openxmlformats.org/presentationml/2006/main" xmlns:m="http://schemas.openxmlformats.org/officeDocument/2006/math" xmlns:w="http://schemas.openxmlformats.org/wordprocessingml/2006/main" showMasterPhAnim="0" show="1">
+  <p:cSld name="">
     <p:spTree>
       <p:nvGrpSpPr>
-        <p:cNvPr id="100" name="Shape 100"/>
+        <p:cNvPr id="1" name=""/>
         <p:cNvGrpSpPr/>
         <p:nvPr/>
       </p:nvGrpSpPr>
-      <p:grpSpPr>
+      <p:grpSpPr bwMode="auto">
         <a:xfrm>
           <a:off x="0" y="0"/>
           <a:ext cx="0" cy="0"/>
@@ -8312,7 +9886,7 @@
             <p:ph type="title"/>
           </p:nvPr>
         </p:nvSpPr>
-        <p:spPr>
+        <p:spPr bwMode="auto">
           <a:xfrm>
             <a:off x="311725" y="500925"/>
             <a:ext cx="3706500" cy="2508900"/>
@@ -8322,19 +9896,20 @@
           </a:prstGeom>
         </p:spPr>
         <p:txBody>
-          <a:bodyPr anchorCtr="0" anchor="t" bIns="91425" lIns="91425" spcFirstLastPara="1" rIns="91425" wrap="square" tIns="91425">
+          <a:bodyPr spcFirstLastPara="1" wrap="square" lIns="91425" tIns="91425" rIns="91425" bIns="91425" anchor="t" anchorCtr="0">
             <a:normAutofit/>
           </a:bodyPr>
           <a:lstStyle/>
           <a:p>
-            <a:pPr indent="0" lvl="0" marL="0" rtl="0" algn="l">
-              <a:spcBef>
-                <a:spcPts val="0"/>
-              </a:spcBef>
-              <a:spcAft>
-                <a:spcPts val="0"/>
-              </a:spcAft>
-              <a:buNone/>
+            <a:pPr marL="0" lvl="0" indent="0" algn="l">
+              <a:spcBef>
+                <a:spcPts val="0"/>
+              </a:spcBef>
+              <a:spcAft>
+                <a:spcPts val="0"/>
+              </a:spcAft>
+              <a:buNone/>
+              <a:defRPr/>
             </a:pPr>
             <a:r>
               <a:rPr lang="en"/>
@@ -8349,10 +9924,10 @@
           <p:cNvPr id="102" name="Google Shape;102;p19"/>
           <p:cNvSpPr txBox="1"/>
           <p:nvPr>
-            <p:ph idx="1" type="body"/>
+            <p:ph type="body" idx="1"/>
           </p:nvPr>
         </p:nvSpPr>
-        <p:spPr>
+        <p:spPr bwMode="auto">
           <a:xfrm>
             <a:off x="4644675" y="500925"/>
             <a:ext cx="4166400" cy="4098600"/>
@@ -8362,12 +9937,12 @@
           </a:prstGeom>
         </p:spPr>
         <p:txBody>
-          <a:bodyPr anchorCtr="0" anchor="t" bIns="91425" lIns="91425" spcFirstLastPara="1" rIns="91425" wrap="square" tIns="91425">
+          <a:bodyPr spcFirstLastPara="1" wrap="square" lIns="91425" tIns="91425" rIns="91425" bIns="91425" anchor="t" anchorCtr="0">
             <a:normAutofit/>
           </a:bodyPr>
           <a:lstStyle/>
           <a:p>
-            <a:pPr indent="0" lvl="0" marL="0" rtl="0" algn="l">
+            <a:pPr marL="0" lvl="0" indent="0" algn="l">
               <a:spcBef>
                 <a:spcPts val="0"/>
               </a:spcBef>
@@ -8375,10 +9950,8 @@
                 <a:spcPts val="1200"/>
               </a:spcAft>
               <a:buNone/>
+              <a:defRPr/>
             </a:pPr>
-            <a:r>
-              <a:t/>
-            </a:r>
             <a:endParaRPr/>
           </a:p>
         </p:txBody>
@@ -8388,19 +9961,27 @@
   <p:clrMapOvr>
     <a:masterClrMapping/>
   </p:clrMapOvr>
+  <mc:AlternateContent xmlns:mc="http://schemas.openxmlformats.org/markup-compatibility/2006">
+    <mc:Choice xmlns:p159="http://schemas.microsoft.com/office/powerpoint/2015/09/main" xmlns:p14="http://schemas.microsoft.com/office/powerpoint/2010/main" Requires="p159">
+      <p:transition p14:dur="2000" advClick="1"/>
+    </mc:Choice>
+    <mc:Fallback>
+      <p:transition advClick="1"/>
+    </mc:Fallback>
+  </mc:AlternateContent>
 </p:sld>
 </file>
 
 <file path=ppt/slides/slide8.xml><?xml version="1.0" encoding="utf-8"?>
-<p:sld xmlns:a="http://schemas.openxmlformats.org/drawingml/2006/main" xmlns:r="http://schemas.openxmlformats.org/officeDocument/2006/relationships" xmlns:mc="http://schemas.openxmlformats.org/markup-compatibility/2006" xmlns:mv="urn:schemas-microsoft-com:mac:vml" xmlns:p="http://schemas.openxmlformats.org/presentationml/2006/main" xmlns:c="http://schemas.openxmlformats.org/drawingml/2006/chart" xmlns:dgm="http://schemas.openxmlformats.org/drawingml/2006/diagram" xmlns:o="urn:schemas-microsoft-com:office:office" xmlns:v="urn:schemas-microsoft-com:vml" xmlns:pvml="urn:schemas-microsoft-com:office:powerpoint" xmlns:com="http://schemas.openxmlformats.org/drawingml/2006/compatibility" xmlns:p14="http://schemas.microsoft.com/office/powerpoint/2010/main" xmlns:p15="http://schemas.microsoft.com/office/powerpoint/2012/main" xmlns:ahyp="http://schemas.microsoft.com/office/drawing/2018/hyperlinkcolor">
-  <p:cSld>
+<p:sld xmlns:a="http://schemas.openxmlformats.org/drawingml/2006/main" xmlns:r="http://schemas.openxmlformats.org/officeDocument/2006/relationships" xmlns:p="http://schemas.openxmlformats.org/presentationml/2006/main" xmlns:m="http://schemas.openxmlformats.org/officeDocument/2006/math" xmlns:w="http://schemas.openxmlformats.org/wordprocessingml/2006/main" showMasterPhAnim="0" show="1">
+  <p:cSld name="">
     <p:spTree>
       <p:nvGrpSpPr>
-        <p:cNvPr id="106" name="Shape 106"/>
+        <p:cNvPr id="1" name=""/>
         <p:cNvGrpSpPr/>
         <p:nvPr/>
       </p:nvGrpSpPr>
-      <p:grpSpPr>
+      <p:grpSpPr bwMode="auto">
         <a:xfrm>
           <a:off x="0" y="0"/>
           <a:ext cx="0" cy="0"/>
@@ -8416,7 +9997,7 @@
             <p:ph type="title"/>
           </p:nvPr>
         </p:nvSpPr>
-        <p:spPr>
+        <p:spPr bwMode="auto">
           <a:xfrm>
             <a:off x="311725" y="500925"/>
             <a:ext cx="3706500" cy="2508900"/>
@@ -8426,23 +10007,21 @@
           </a:prstGeom>
         </p:spPr>
         <p:txBody>
-          <a:bodyPr anchorCtr="0" anchor="t" bIns="91425" lIns="91425" spcFirstLastPara="1" rIns="91425" wrap="square" tIns="91425">
+          <a:bodyPr spcFirstLastPara="1" wrap="square" lIns="91425" tIns="91425" rIns="91425" bIns="91425" anchor="t" anchorCtr="0">
             <a:normAutofit/>
           </a:bodyPr>
           <a:lstStyle/>
           <a:p>
-            <a:pPr indent="0" lvl="0" marL="0" rtl="0" algn="l">
-              <a:spcBef>
-                <a:spcPts val="0"/>
-              </a:spcBef>
-              <a:spcAft>
-                <a:spcPts val="0"/>
-              </a:spcAft>
-              <a:buNone/>
+            <a:pPr marL="0" lvl="0" indent="0" algn="l">
+              <a:spcBef>
+                <a:spcPts val="0"/>
+              </a:spcBef>
+              <a:spcAft>
+                <a:spcPts val="0"/>
+              </a:spcAft>
+              <a:buNone/>
+              <a:defRPr/>
             </a:pPr>
-            <a:r>
-              <a:t/>
-            </a:r>
             <a:endParaRPr/>
           </a:p>
         </p:txBody>
@@ -8452,10 +10031,10 @@
           <p:cNvPr id="108" name="Google Shape;108;p20"/>
           <p:cNvSpPr txBox="1"/>
           <p:nvPr>
-            <p:ph idx="1" type="body"/>
+            <p:ph type="body" idx="1"/>
           </p:nvPr>
         </p:nvSpPr>
-        <p:spPr>
+        <p:spPr bwMode="auto">
           <a:xfrm>
             <a:off x="4644675" y="500925"/>
             <a:ext cx="4166400" cy="4098600"/>
@@ -8465,12 +10044,12 @@
           </a:prstGeom>
         </p:spPr>
         <p:txBody>
-          <a:bodyPr anchorCtr="0" anchor="t" bIns="91425" lIns="91425" spcFirstLastPara="1" rIns="91425" wrap="square" tIns="91425">
+          <a:bodyPr spcFirstLastPara="1" wrap="square" lIns="91425" tIns="91425" rIns="91425" bIns="91425" anchor="t" anchorCtr="0">
             <a:normAutofit/>
           </a:bodyPr>
           <a:lstStyle/>
           <a:p>
-            <a:pPr indent="0" lvl="0" marL="0" rtl="0" algn="l">
+            <a:pPr marL="0" lvl="0" indent="0" algn="l">
               <a:spcBef>
                 <a:spcPts val="0"/>
               </a:spcBef>
@@ -8478,10 +10057,8 @@
                 <a:spcPts val="1200"/>
               </a:spcAft>
               <a:buNone/>
+              <a:defRPr/>
             </a:pPr>
-            <a:r>
-              <a:t/>
-            </a:r>
             <a:endParaRPr/>
           </a:p>
         </p:txBody>
@@ -8491,11 +10068,19 @@
   <p:clrMapOvr>
     <a:masterClrMapping/>
   </p:clrMapOvr>
+  <mc:AlternateContent xmlns:mc="http://schemas.openxmlformats.org/markup-compatibility/2006">
+    <mc:Choice xmlns:p159="http://schemas.microsoft.com/office/powerpoint/2015/09/main" xmlns:p14="http://schemas.microsoft.com/office/powerpoint/2010/main" Requires="p159">
+      <p:transition p14:dur="2000" advClick="1"/>
+    </mc:Choice>
+    <mc:Fallback>
+      <p:transition advClick="1"/>
+    </mc:Fallback>
+  </mc:AlternateContent>
 </p:sld>
 </file>
 
 <file path=ppt/theme/theme1.xml><?xml version="1.0" encoding="utf-8"?>
-<a:theme xmlns:a="http://schemas.openxmlformats.org/drawingml/2006/main" xmlns:r="http://schemas.openxmlformats.org/officeDocument/2006/relationships" name="Paradigm">
+<a:theme xmlns:a="http://schemas.openxmlformats.org/drawingml/2006/main" xmlns:r="http://schemas.openxmlformats.org/officeDocument/2006/relationships" xmlns:p="http://schemas.openxmlformats.org/presentationml/2006/main" name="Paradigm">
   <a:themeElements>
     <a:clrScheme name="Paradigm">
       <a:dk1>
@@ -8538,73 +10123,13 @@
     <a:fontScheme name="Office">
       <a:majorFont>
         <a:latin typeface="Arial"/>
-        <a:ea typeface=""/>
-        <a:cs typeface=""/>
-        <a:font script="Jpan" typeface="ＭＳ Ｐゴシック"/>
-        <a:font script="Hang" typeface="맑은 고딕"/>
-        <a:font script="Hans" typeface="宋体"/>
-        <a:font script="Hant" typeface="新細明體"/>
-        <a:font script="Arab" typeface="Times New Roman"/>
-        <a:font script="Hebr" typeface="Times New Roman"/>
-        <a:font script="Thai" typeface="Angsana New"/>
-        <a:font script="Ethi" typeface="Nyala"/>
-        <a:font script="Beng" typeface="Vrinda"/>
-        <a:font script="Gujr" typeface="Shruti"/>
-        <a:font script="Khmr" typeface="MoolBoran"/>
-        <a:font script="Knda" typeface="Tunga"/>
-        <a:font script="Guru" typeface="Raavi"/>
-        <a:font script="Cans" typeface="Euphemia"/>
-        <a:font script="Cher" typeface="Plantagenet Cherokee"/>
-        <a:font script="Yiii" typeface="Microsoft Yi Baiti"/>
-        <a:font script="Tibt" typeface="Microsoft Himalaya"/>
-        <a:font script="Thaa" typeface="MV Boli"/>
-        <a:font script="Deva" typeface="Mangal"/>
-        <a:font script="Telu" typeface="Gautami"/>
-        <a:font script="Taml" typeface="Latha"/>
-        <a:font script="Syrc" typeface="Estrangelo Edessa"/>
-        <a:font script="Orya" typeface="Kalinga"/>
-        <a:font script="Mlym" typeface="Kartika"/>
-        <a:font script="Laoo" typeface="DokChampa"/>
-        <a:font script="Sinh" typeface="Iskoola Pota"/>
-        <a:font script="Mong" typeface="Mongolian Baiti"/>
-        <a:font script="Viet" typeface="Times New Roman"/>
-        <a:font script="Uigh" typeface="Microsoft Uighur"/>
-        <a:font script="Geor" typeface="Sylfaen"/>
+        <a:ea typeface="Arial"/>
+        <a:cs typeface="Arial"/>
       </a:majorFont>
       <a:minorFont>
         <a:latin typeface="Arial"/>
-        <a:ea typeface=""/>
-        <a:cs typeface=""/>
-        <a:font script="Jpan" typeface="ＭＳ Ｐゴシック"/>
-        <a:font script="Hang" typeface="맑은 고딕"/>
-        <a:font script="Hans" typeface="宋体"/>
-        <a:font script="Hant" typeface="新細明體"/>
-        <a:font script="Arab" typeface="Arial"/>
-        <a:font script="Hebr" typeface="Arial"/>
-        <a:font script="Thai" typeface="Cordia New"/>
-        <a:font script="Ethi" typeface="Nyala"/>
-        <a:font script="Beng" typeface="Vrinda"/>
-        <a:font script="Gujr" typeface="Shruti"/>
-        <a:font script="Khmr" typeface="DaunPenh"/>
-        <a:font script="Knda" typeface="Tunga"/>
-        <a:font script="Guru" typeface="Raavi"/>
-        <a:font script="Cans" typeface="Euphemia"/>
-        <a:font script="Cher" typeface="Plantagenet Cherokee"/>
-        <a:font script="Yiii" typeface="Microsoft Yi Baiti"/>
-        <a:font script="Tibt" typeface="Microsoft Himalaya"/>
-        <a:font script="Thaa" typeface="MV Boli"/>
-        <a:font script="Deva" typeface="Mangal"/>
-        <a:font script="Telu" typeface="Gautami"/>
-        <a:font script="Taml" typeface="Latha"/>
-        <a:font script="Syrc" typeface="Estrangelo Edessa"/>
-        <a:font script="Orya" typeface="Kalinga"/>
-        <a:font script="Mlym" typeface="Kartika"/>
-        <a:font script="Laoo" typeface="DokChampa"/>
-        <a:font script="Sinh" typeface="Iskoola Pota"/>
-        <a:font script="Mong" typeface="Mongolian Baiti"/>
-        <a:font script="Viet" typeface="Arial"/>
-        <a:font script="Uigh" typeface="Microsoft Uighur"/>
-        <a:font script="Geor" typeface="Sylfaen"/>
+        <a:ea typeface="Arial"/>
+        <a:cs typeface="Arial"/>
       </a:minorFont>
     </a:fontScheme>
     <a:fmtScheme name="Office">
@@ -8612,7 +10137,7 @@
         <a:solidFill>
           <a:schemeClr val="phClr"/>
         </a:solidFill>
-        <a:gradFill rotWithShape="1">
+        <a:gradFill>
           <a:gsLst>
             <a:gs pos="0">
               <a:schemeClr val="phClr">
@@ -8635,7 +10160,7 @@
           </a:gsLst>
           <a:lin ang="16200000" scaled="1"/>
         </a:gradFill>
-        <a:gradFill rotWithShape="1">
+        <a:gradFill>
           <a:gsLst>
             <a:gs pos="0">
               <a:schemeClr val="phClr">
@@ -8705,24 +10230,13 @@
               </a:srgbClr>
             </a:outerShdw>
           </a:effectLst>
-          <a:scene3d>
-            <a:camera prst="orthographicFront">
-              <a:rot lat="0" lon="0" rev="0"/>
-            </a:camera>
-            <a:lightRig rig="threePt" dir="t">
-              <a:rot lat="0" lon="0" rev="1200000"/>
-            </a:lightRig>
-          </a:scene3d>
-          <a:sp3d>
-            <a:bevelT w="63500" h="25400"/>
-          </a:sp3d>
         </a:effectStyle>
       </a:effectStyleLst>
       <a:bgFillStyleLst>
         <a:solidFill>
           <a:schemeClr val="phClr"/>
         </a:solidFill>
-        <a:gradFill rotWithShape="1">
+        <a:gradFill>
           <a:gsLst>
             <a:gs pos="0">
               <a:schemeClr val="phClr">
@@ -8744,11 +10258,9 @@
               </a:schemeClr>
             </a:gs>
           </a:gsLst>
-          <a:path path="circle">
-            <a:fillToRect l="50000" t="-80000" r="50000" b="180000"/>
-          </a:path>
+          <a:path path="circle"/>
         </a:gradFill>
-        <a:gradFill rotWithShape="1">
+        <a:gradFill>
           <a:gsLst>
             <a:gs pos="0">
               <a:schemeClr val="phClr">
@@ -8763,18 +10275,17 @@
               </a:schemeClr>
             </a:gs>
           </a:gsLst>
-          <a:path path="circle">
-            <a:fillToRect l="50000" t="50000" r="50000" b="50000"/>
-          </a:path>
+          <a:path path="circle"/>
         </a:gradFill>
       </a:bgFillStyleLst>
     </a:fmtScheme>
   </a:themeElements>
+  <a:objectDefaults/>
 </a:theme>
 </file>
 
 <file path=ppt/theme/theme2.xml><?xml version="1.0" encoding="utf-8"?>
-<a:theme xmlns:a="http://schemas.openxmlformats.org/drawingml/2006/main" xmlns:r="http://schemas.openxmlformats.org/officeDocument/2006/relationships">
+<a:theme xmlns:a="http://schemas.openxmlformats.org/drawingml/2006/main" xmlns:r="http://schemas.openxmlformats.org/officeDocument/2006/relationships" xmlns:p="http://schemas.openxmlformats.org/presentationml/2006/main" name="">
   <a:themeElements>
     <a:clrScheme name="Default">
       <a:dk1>
@@ -8817,73 +10328,13 @@
     <a:fontScheme name="Office">
       <a:majorFont>
         <a:latin typeface="Arial"/>
-        <a:ea typeface=""/>
-        <a:cs typeface=""/>
-        <a:font script="Jpan" typeface="ＭＳ Ｐゴシック"/>
-        <a:font script="Hang" typeface="맑은 고딕"/>
-        <a:font script="Hans" typeface="宋体"/>
-        <a:font script="Hant" typeface="新細明體"/>
-        <a:font script="Arab" typeface="Times New Roman"/>
-        <a:font script="Hebr" typeface="Times New Roman"/>
-        <a:font script="Thai" typeface="Angsana New"/>
-        <a:font script="Ethi" typeface="Nyala"/>
-        <a:font script="Beng" typeface="Vrinda"/>
-        <a:font script="Gujr" typeface="Shruti"/>
-        <a:font script="Khmr" typeface="MoolBoran"/>
-        <a:font script="Knda" typeface="Tunga"/>
-        <a:font script="Guru" typeface="Raavi"/>
-        <a:font script="Cans" typeface="Euphemia"/>
-        <a:font script="Cher" typeface="Plantagenet Cherokee"/>
-        <a:font script="Yiii" typeface="Microsoft Yi Baiti"/>
-        <a:font script="Tibt" typeface="Microsoft Himalaya"/>
-        <a:font script="Thaa" typeface="MV Boli"/>
-        <a:font script="Deva" typeface="Mangal"/>
-        <a:font script="Telu" typeface="Gautami"/>
-        <a:font script="Taml" typeface="Latha"/>
-        <a:font script="Syrc" typeface="Estrangelo Edessa"/>
-        <a:font script="Orya" typeface="Kalinga"/>
-        <a:font script="Mlym" typeface="Kartika"/>
-        <a:font script="Laoo" typeface="DokChampa"/>
-        <a:font script="Sinh" typeface="Iskoola Pota"/>
-        <a:font script="Mong" typeface="Mongolian Baiti"/>
-        <a:font script="Viet" typeface="Times New Roman"/>
-        <a:font script="Uigh" typeface="Microsoft Uighur"/>
-        <a:font script="Geor" typeface="Sylfaen"/>
+        <a:ea typeface="Arial"/>
+        <a:cs typeface="Arial"/>
       </a:majorFont>
       <a:minorFont>
         <a:latin typeface="Arial"/>
-        <a:ea typeface=""/>
-        <a:cs typeface=""/>
-        <a:font script="Jpan" typeface="ＭＳ Ｐゴシック"/>
-        <a:font script="Hang" typeface="맑은 고딕"/>
-        <a:font script="Hans" typeface="宋体"/>
-        <a:font script="Hant" typeface="新細明體"/>
-        <a:font script="Arab" typeface="Arial"/>
-        <a:font script="Hebr" typeface="Arial"/>
-        <a:font script="Thai" typeface="Cordia New"/>
-        <a:font script="Ethi" typeface="Nyala"/>
-        <a:font script="Beng" typeface="Vrinda"/>
-        <a:font script="Gujr" typeface="Shruti"/>
-        <a:font script="Khmr" typeface="DaunPenh"/>
-        <a:font script="Knda" typeface="Tunga"/>
-        <a:font script="Guru" typeface="Raavi"/>
-        <a:font script="Cans" typeface="Euphemia"/>
-        <a:font script="Cher" typeface="Plantagenet Cherokee"/>
-        <a:font script="Yiii" typeface="Microsoft Yi Baiti"/>
-        <a:font script="Tibt" typeface="Microsoft Himalaya"/>
-        <a:font script="Thaa" typeface="MV Boli"/>
-        <a:font script="Deva" typeface="Mangal"/>
-        <a:font script="Telu" typeface="Gautami"/>
-        <a:font script="Taml" typeface="Latha"/>
-        <a:font script="Syrc" typeface="Estrangelo Edessa"/>
-        <a:font script="Orya" typeface="Kalinga"/>
-        <a:font script="Mlym" typeface="Kartika"/>
-        <a:font script="Laoo" typeface="DokChampa"/>
-        <a:font script="Sinh" typeface="Iskoola Pota"/>
-        <a:font script="Mong" typeface="Mongolian Baiti"/>
-        <a:font script="Viet" typeface="Arial"/>
-        <a:font script="Uigh" typeface="Microsoft Uighur"/>
-        <a:font script="Geor" typeface="Sylfaen"/>
+        <a:ea typeface="Arial"/>
+        <a:cs typeface="Arial"/>
       </a:minorFont>
     </a:fontScheme>
     <a:fmtScheme name="Office">
@@ -8891,7 +10342,7 @@
         <a:solidFill>
           <a:schemeClr val="phClr"/>
         </a:solidFill>
-        <a:gradFill rotWithShape="1">
+        <a:gradFill>
           <a:gsLst>
             <a:gs pos="0">
               <a:schemeClr val="phClr">
@@ -8914,7 +10365,7 @@
           </a:gsLst>
           <a:lin ang="16200000" scaled="1"/>
         </a:gradFill>
-        <a:gradFill rotWithShape="1">
+        <a:gradFill>
           <a:gsLst>
             <a:gs pos="0">
               <a:schemeClr val="phClr">
@@ -8984,24 +10435,13 @@
               </a:srgbClr>
             </a:outerShdw>
           </a:effectLst>
-          <a:scene3d>
-            <a:camera prst="orthographicFront">
-              <a:rot lat="0" lon="0" rev="0"/>
-            </a:camera>
-            <a:lightRig rig="threePt" dir="t">
-              <a:rot lat="0" lon="0" rev="1200000"/>
-            </a:lightRig>
-          </a:scene3d>
-          <a:sp3d>
-            <a:bevelT w="63500" h="25400"/>
-          </a:sp3d>
         </a:effectStyle>
       </a:effectStyleLst>
       <a:bgFillStyleLst>
         <a:solidFill>
           <a:schemeClr val="phClr"/>
         </a:solidFill>
-        <a:gradFill rotWithShape="1">
+        <a:gradFill>
           <a:gsLst>
             <a:gs pos="0">
               <a:schemeClr val="phClr">
@@ -9023,11 +10463,9 @@
               </a:schemeClr>
             </a:gs>
           </a:gsLst>
-          <a:path path="circle">
-            <a:fillToRect l="50000" t="-80000" r="50000" b="180000"/>
-          </a:path>
+          <a:path path="circle"/>
         </a:gradFill>
-        <a:gradFill rotWithShape="1">
+        <a:gradFill>
           <a:gsLst>
             <a:gs pos="0">
               <a:schemeClr val="phClr">
@@ -9042,12 +10480,11 @@
               </a:schemeClr>
             </a:gs>
           </a:gsLst>
-          <a:path path="circle">
-            <a:fillToRect l="50000" t="50000" r="50000" b="50000"/>
-          </a:path>
+          <a:path path="circle"/>
         </a:gradFill>
       </a:bgFillStyleLst>
     </a:fmtScheme>
   </a:themeElements>
+  <a:objectDefaults/>
 </a:theme>
 </file>
--- a/AML Project 3.pptx
+++ b/AML Project 3.pptx
@@ -7985,7 +7985,7 @@
           </a:prstGeom>
         </p:spPr>
         <p:txBody>
-          <a:bodyPr spcFirstLastPara="1" vertOverflow="overflow" horzOverflow="overflow" vert="horz" wrap="square" lIns="91424" tIns="91424" rIns="91424" bIns="91424" numCol="1" spcCol="0" rtlCol="0" fromWordArt="0" anchor="t" anchorCtr="0" forceAA="0" upright="0" compatLnSpc="0">
+          <a:bodyPr spcFirstLastPara="1" vertOverflow="overflow" horzOverflow="overflow" vert="horz" wrap="square" lIns="91423" tIns="91423" rIns="91423" bIns="91423" numCol="1" spcCol="0" rtlCol="0" fromWordArt="0" anchor="t" anchorCtr="0" forceAA="0" upright="0" compatLnSpc="0">
             <a:normAutofit/>
           </a:bodyPr>
           <a:lstStyle/>
@@ -9289,7 +9289,7 @@
           </a:prstGeom>
         </p:spPr>
         <p:txBody>
-          <a:bodyPr spcFirstLastPara="1" vertOverflow="overflow" horzOverflow="overflow" vert="horz" wrap="square" lIns="91424" tIns="91424" rIns="91424" bIns="91424" numCol="1" spcCol="0" rtlCol="0" fromWordArt="0" anchor="t" anchorCtr="0" forceAA="0" upright="0" compatLnSpc="0">
+          <a:bodyPr spcFirstLastPara="1" vertOverflow="overflow" horzOverflow="overflow" vert="horz" wrap="square" lIns="91423" tIns="91423" rIns="91423" bIns="91423" numCol="1" spcCol="0" rtlCol="0" fromWordArt="0" anchor="t" anchorCtr="0" forceAA="0" upright="0" compatLnSpc="0">
             <a:normAutofit/>
           </a:bodyPr>
           <a:lstStyle/>
@@ -9730,7 +9730,61 @@
               <a:buNone/>
               <a:defRPr/>
             </a:pPr>
+            <a:r>
+              <a:rPr sz="1900"/>
+              <a:t>We tried kNN, Linear Regression, Logistic Regression, SVM, and Gradient Boosted Trees</a:t>
+            </a:r>
             <a:endParaRPr sz="1900"/>
+          </a:p>
+          <a:p>
+            <a:pPr marL="0" lvl="0" indent="0" algn="l">
+              <a:spcBef>
+                <a:spcPts val="0"/>
+              </a:spcBef>
+              <a:spcAft>
+                <a:spcPts val="1199"/>
+              </a:spcAft>
+              <a:buNone/>
+              <a:defRPr/>
+            </a:pPr>
+            <a:r>
+              <a:rPr sz="1900"/>
+              <a:t>The models with the highest accuracy before mapping were logistic regression and SVM.</a:t>
+            </a:r>
+            <a:endParaRPr sz="1900"/>
+          </a:p>
+          <a:p>
+            <a:pPr marL="0" lvl="0" indent="0" algn="l">
+              <a:spcBef>
+                <a:spcPts val="0"/>
+              </a:spcBef>
+              <a:spcAft>
+                <a:spcPts val="1199"/>
+              </a:spcAft>
+              <a:buNone/>
+              <a:defRPr/>
+            </a:pPr>
+            <a:r>
+              <a:rPr sz="1900"/>
+              <a:t>The model with the highest accuracy after mapping was </a:t>
+            </a:r>
+            <a:r>
+              <a:rPr sz="1900" b="1"/>
+              <a:t>kNN</a:t>
+            </a:r>
+            <a:r>
+              <a:rPr sz="1900" b="0"/>
+              <a:t> (85%) with </a:t>
+            </a:r>
+            <a:r>
+              <a:rPr sz="1900" b="1"/>
+              <a:t>SVM</a:t>
+            </a:r>
+            <a:r>
+              <a:rPr sz="1900" b="0"/>
+              <a:t> (70%) in close second.</a:t>
+            </a:r>
+            <a:endParaRPr sz="1900" b="0"/>
           </a:p>
         </p:txBody>
       </p:sp>

--- a/AML Project 3.pptx
+++ b/AML Project 3.pptx
@@ -1,24 +1,35 @@
 
 <file path=ppt/presentation.xml><?xml version="1.0" encoding="utf-8"?>
-<p:presentation xmlns:a="http://schemas.openxmlformats.org/drawingml/2006/main" xmlns:r="http://schemas.openxmlformats.org/officeDocument/2006/relationships" xmlns:p="http://schemas.openxmlformats.org/presentationml/2006/main" xmlns:m="http://schemas.openxmlformats.org/officeDocument/2006/math" xmlns:w="http://schemas.openxmlformats.org/wordprocessingml/2006/main" autoCompressPictures="0" embedTrueTypeFonts="1" saveSubsetFonts="1" strictFirstAndLastChars="0">
+<p:presentation xmlns:a="http://schemas.openxmlformats.org/drawingml/2006/main" xmlns:r="http://schemas.openxmlformats.org/officeDocument/2006/relationships" xmlns:p="http://schemas.openxmlformats.org/presentationml/2006/main" strictFirstAndLastChars="0" embedTrueTypeFonts="1" saveSubsetFonts="1" autoCompressPictures="0">
   <p:sldMasterIdLst>
     <p:sldMasterId id="2147483648" r:id="rId1"/>
   </p:sldMasterIdLst>
   <p:notesMasterIdLst>
-    <p:notesMasterId r:id="rId12"/>
+    <p:notesMasterId r:id="rId10"/>
   </p:notesMasterIdLst>
   <p:sldIdLst>
-    <p:sldId id="256" r:id="rId4"/>
-    <p:sldId id="257" r:id="rId5"/>
-    <p:sldId id="258" r:id="rId6"/>
-    <p:sldId id="259" r:id="rId7"/>
-    <p:sldId id="260" r:id="rId8"/>
-    <p:sldId id="261" r:id="rId9"/>
-    <p:sldId id="262" r:id="rId10"/>
-    <p:sldId id="263" r:id="rId11"/>
+    <p:sldId id="256" r:id="rId2"/>
+    <p:sldId id="257" r:id="rId3"/>
+    <p:sldId id="258" r:id="rId4"/>
+    <p:sldId id="259" r:id="rId5"/>
+    <p:sldId id="260" r:id="rId6"/>
+    <p:sldId id="261" r:id="rId7"/>
+    <p:sldId id="262" r:id="rId8"/>
+    <p:sldId id="263" r:id="rId9"/>
   </p:sldIdLst>
-  <p:sldSz cx="9144000" cy="5143500"/>
+  <p:sldSz cx="9144000" cy="5143500" type="screen16x9"/>
   <p:notesSz cx="6858000" cy="9144000"/>
+  <p:embeddedFontLst>
+    <p:embeddedFont>
+      <p:font typeface="Merriweather" panose="00000500000000000000" pitchFamily="2" charset="0"/>
+      <p:regular r:id="rId11"/>
+    </p:embeddedFont>
+    <p:embeddedFont>
+      <p:font typeface="Roboto" panose="02000000000000000000" pitchFamily="2" charset="0"/>
+      <p:regular r:id="rId12"/>
+      <p:bold r:id="rId13"/>
+    </p:embeddedFont>
+  </p:embeddedFontLst>
   <p:defaultTextStyle>
     <a:defPPr marR="0" lvl="0" algn="l">
       <a:lnSpc>
@@ -239,12 +250,33 @@
       </a:defRPr>
     </a:lvl9pPr>
   </p:defaultTextStyle>
+  <p:extLst>
+    <p:ext uri="{EFAFB233-063F-42B5-8137-9DF3F51BA10A}">
+      <p15:sldGuideLst xmlns:p15="http://schemas.microsoft.com/office/powerpoint/2012/main">
+        <p15:guide id="1" orient="horz" pos="1620">
+          <p15:clr>
+            <a:srgbClr val="A4A3A4"/>
+          </p15:clr>
+        </p15:guide>
+        <p15:guide id="2" pos="2880">
+          <p15:clr>
+            <a:srgbClr val="A4A3A4"/>
+          </p15:clr>
+        </p15:guide>
+      </p15:sldGuideLst>
+    </p:ext>
+  </p:extLst>
 </p:presentation>
 </file>
 
 <file path=ppt/notesMasters/notesMaster1.xml><?xml version="1.0" encoding="utf-8"?>
 <p:notesMaster xmlns:a="http://schemas.openxmlformats.org/drawingml/2006/main" xmlns:r="http://schemas.openxmlformats.org/officeDocument/2006/relationships" xmlns:p="http://schemas.openxmlformats.org/presentationml/2006/main">
-  <p:cSld name="">
+  <p:cSld>
+    <p:bg>
+      <p:bgRef idx="1001">
+        <a:schemeClr val="bg1"/>
+      </p:bgRef>
+    </p:bg>
     <p:spTree>
       <p:nvGrpSpPr>
         <p:cNvPr id="1" name=""/>
@@ -262,7 +294,9 @@
       <p:sp>
         <p:nvSpPr>
           <p:cNvPr id="3" name="Google Shape;3;n"/>
-          <p:cNvSpPr/>
+          <p:cNvSpPr>
+            <a:spLocks noGrp="1" noRot="1" noChangeAspect="1"/>
+          </p:cNvSpPr>
           <p:nvPr>
             <p:ph type="sldImg" idx="2"/>
           </p:nvPr>
@@ -279,7 +313,7 @@
             <a:cxnLst/>
             <a:rect l="l" t="t" r="r" b="b"/>
             <a:pathLst>
-              <a:path w="120000" h="120000" fill="norm" stroke="1" extrusionOk="0">
+              <a:path w="120000" h="120000" extrusionOk="0">
                 <a:moveTo>
                   <a:pt x="0" y="0"/>
                 </a:moveTo>
@@ -311,7 +345,9 @@
       <p:sp>
         <p:nvSpPr>
           <p:cNvPr id="4" name="Google Shape;4;n"/>
-          <p:cNvSpPr txBox="1"/>
+          <p:cNvSpPr txBox="1">
+            <a:spLocks noGrp="1"/>
+          </p:cNvSpPr>
           <p:nvPr>
             <p:ph type="body" idx="1"/>
           </p:nvPr>
@@ -669,8 +705,8 @@
 </file>
 
 <file path=ppt/notesSlides/notesSlide1.xml><?xml version="1.0" encoding="utf-8"?>
-<p:notes xmlns:a="http://schemas.openxmlformats.org/drawingml/2006/main" xmlns:r="http://schemas.openxmlformats.org/officeDocument/2006/relationships" xmlns:p="http://schemas.openxmlformats.org/presentationml/2006/main" xmlns:m="http://schemas.openxmlformats.org/officeDocument/2006/math" xmlns:w="http://schemas.openxmlformats.org/wordprocessingml/2006/main" showMasterPhAnim="0" showMasterSp="0">
-  <p:cSld name="">
+<p:notes xmlns:a="http://schemas.openxmlformats.org/drawingml/2006/main" xmlns:r="http://schemas.openxmlformats.org/officeDocument/2006/relationships" xmlns:p="http://schemas.openxmlformats.org/presentationml/2006/main" showMasterSp="0" showMasterPhAnim="0">
+  <p:cSld>
     <p:spTree>
       <p:nvGrpSpPr>
         <p:cNvPr id="1" name=""/>
@@ -688,7 +724,9 @@
       <p:sp>
         <p:nvSpPr>
           <p:cNvPr id="61" name="Google Shape;61;p:notes"/>
-          <p:cNvSpPr/>
+          <p:cNvSpPr>
+            <a:spLocks noGrp="1" noRot="1" noChangeAspect="1"/>
+          </p:cNvSpPr>
           <p:nvPr>
             <p:ph type="sldImg" idx="2"/>
           </p:nvPr>
@@ -705,7 +743,7 @@
             <a:cxnLst/>
             <a:rect l="l" t="t" r="r" b="b"/>
             <a:pathLst>
-              <a:path w="120000" h="120000" fill="norm" stroke="1" extrusionOk="0">
+              <a:path w="120000" h="120000" extrusionOk="0">
                 <a:moveTo>
                   <a:pt x="0" y="0"/>
                 </a:moveTo>
@@ -727,7 +765,9 @@
       <p:sp>
         <p:nvSpPr>
           <p:cNvPr id="62" name="Google Shape;62;p:notes"/>
-          <p:cNvSpPr txBox="1"/>
+          <p:cNvSpPr txBox="1">
+            <a:spLocks noGrp="1"/>
+          </p:cNvSpPr>
           <p:nvPr>
             <p:ph type="body" idx="1"/>
           </p:nvPr>
@@ -763,12 +803,15 @@
       </p:sp>
     </p:spTree>
   </p:cSld>
+  <p:clrMapOvr>
+    <a:masterClrMapping/>
+  </p:clrMapOvr>
 </p:notes>
 </file>
 
 <file path=ppt/notesSlides/notesSlide2.xml><?xml version="1.0" encoding="utf-8"?>
-<p:notes xmlns:a="http://schemas.openxmlformats.org/drawingml/2006/main" xmlns:r="http://schemas.openxmlformats.org/officeDocument/2006/relationships" xmlns:p="http://schemas.openxmlformats.org/presentationml/2006/main" xmlns:m="http://schemas.openxmlformats.org/officeDocument/2006/math" xmlns:w="http://schemas.openxmlformats.org/wordprocessingml/2006/main" showMasterPhAnim="0" showMasterSp="0">
-  <p:cSld name="">
+<p:notes xmlns:a="http://schemas.openxmlformats.org/drawingml/2006/main" xmlns:r="http://schemas.openxmlformats.org/officeDocument/2006/relationships" xmlns:p="http://schemas.openxmlformats.org/presentationml/2006/main" showMasterSp="0" showMasterPhAnim="0">
+  <p:cSld>
     <p:spTree>
       <p:nvGrpSpPr>
         <p:cNvPr id="1" name=""/>
@@ -786,7 +829,9 @@
       <p:sp>
         <p:nvSpPr>
           <p:cNvPr id="68" name="Google Shape;68;g2cecdc0b196_0_150:notes"/>
-          <p:cNvSpPr/>
+          <p:cNvSpPr>
+            <a:spLocks noGrp="1" noRot="1" noChangeAspect="1"/>
+          </p:cNvSpPr>
           <p:nvPr>
             <p:ph type="sldImg" idx="2"/>
           </p:nvPr>
@@ -803,7 +848,7 @@
             <a:cxnLst/>
             <a:rect l="l" t="t" r="r" b="b"/>
             <a:pathLst>
-              <a:path w="120000" h="120000" fill="norm" stroke="1" extrusionOk="0">
+              <a:path w="120000" h="120000" extrusionOk="0">
                 <a:moveTo>
                   <a:pt x="0" y="0"/>
                 </a:moveTo>
@@ -825,7 +870,9 @@
       <p:sp>
         <p:nvSpPr>
           <p:cNvPr id="69" name="Google Shape;69;g2cecdc0b196_0_150:notes"/>
-          <p:cNvSpPr txBox="1"/>
+          <p:cNvSpPr txBox="1">
+            <a:spLocks noGrp="1"/>
+          </p:cNvSpPr>
           <p:nvPr>
             <p:ph type="body" idx="1"/>
           </p:nvPr>
@@ -857,43 +904,7 @@
             </a:pPr>
             <a:r>
               <a:rPr lang="en"/>
-              <a:t>Speakers Notes: Our goal was to </a:t>
-            </a:r>
-            <a:r>
-              <a:rPr lang="en"/>
-              <a:t>find</a:t>
-            </a:r>
-            <a:r>
-              <a:rPr lang="en"/>
-              <a:t> the best model to predict the eclipse types in the NASA eclipse dataset. We are doing this through KNN, Linear Regression, Logistic Regression, SVM, and Gradient Boosting Trees. These models were all </a:t>
-            </a:r>
-            <a:r>
-              <a:rPr lang="en"/>
-              <a:t>rigorously</a:t>
-            </a:r>
-            <a:r>
-              <a:rPr lang="en"/>
-              <a:t> tested using dynamic parameter adjustments to see how they perform in predicting the 19 </a:t>
-            </a:r>
-            <a:r>
-              <a:rPr lang="en"/>
-              <a:t>different</a:t>
-            </a:r>
-            <a:r>
-              <a:rPr lang="en"/>
-              <a:t> eclipse types given a very limited dataset to support these eclipse types (ex. 6 was the lowest category </a:t>
-            </a:r>
-            <a:r>
-              <a:rPr lang="en"/>
-              <a:t>meaning</a:t>
-            </a:r>
-            <a:r>
-              <a:rPr lang="en"/>
-              <a:t> </a:t>
-            </a:r>
-            <a:r>
-              <a:rPr lang="en"/>
-              <a:t>only 6 of one eclipse type to compare to the rest).</a:t>
+              <a:t>Speakers Notes: Our goal was to find the best model to predict the eclipse types in the NASA eclipse dataset. We are doing this through KNN, Linear Regression, Logistic Regression, SVM, and Gradient Boosting Trees. These models were all rigorously tested using dynamic parameter adjustments to see how they perform in predicting the 19 different eclipse types given a very limited dataset to support these eclipse types (ex. 6 was the lowest category meaning only 6 of one eclipse type to compare to the rest).</a:t>
             </a:r>
             <a:endParaRPr/>
           </a:p>
@@ -901,12 +912,15 @@
       </p:sp>
     </p:spTree>
   </p:cSld>
+  <p:clrMapOvr>
+    <a:masterClrMapping/>
+  </p:clrMapOvr>
 </p:notes>
 </file>
 
 <file path=ppt/notesSlides/notesSlide3.xml><?xml version="1.0" encoding="utf-8"?>
-<p:notes xmlns:a="http://schemas.openxmlformats.org/drawingml/2006/main" xmlns:r="http://schemas.openxmlformats.org/officeDocument/2006/relationships" xmlns:p="http://schemas.openxmlformats.org/presentationml/2006/main" xmlns:m="http://schemas.openxmlformats.org/officeDocument/2006/math" xmlns:w="http://schemas.openxmlformats.org/wordprocessingml/2006/main" showMasterPhAnim="0" showMasterSp="0">
-  <p:cSld name="">
+<p:notes xmlns:a="http://schemas.openxmlformats.org/drawingml/2006/main" xmlns:r="http://schemas.openxmlformats.org/officeDocument/2006/relationships" xmlns:p="http://schemas.openxmlformats.org/presentationml/2006/main" showMasterSp="0" showMasterPhAnim="0">
+  <p:cSld>
     <p:spTree>
       <p:nvGrpSpPr>
         <p:cNvPr id="1" name=""/>
@@ -924,7 +938,9 @@
       <p:sp>
         <p:nvSpPr>
           <p:cNvPr id="74" name="Google Shape;74;g2cecdc0b196_0_155:notes"/>
-          <p:cNvSpPr/>
+          <p:cNvSpPr>
+            <a:spLocks noGrp="1" noRot="1" noChangeAspect="1"/>
+          </p:cNvSpPr>
           <p:nvPr>
             <p:ph type="sldImg" idx="2"/>
           </p:nvPr>
@@ -941,7 +957,7 @@
             <a:cxnLst/>
             <a:rect l="l" t="t" r="r" b="b"/>
             <a:pathLst>
-              <a:path w="120000" h="120000" fill="norm" stroke="1" extrusionOk="0">
+              <a:path w="120000" h="120000" extrusionOk="0">
                 <a:moveTo>
                   <a:pt x="0" y="0"/>
                 </a:moveTo>
@@ -963,7 +979,9 @@
       <p:sp>
         <p:nvSpPr>
           <p:cNvPr id="75" name="Google Shape;75;g2cecdc0b196_0_155:notes"/>
-          <p:cNvSpPr txBox="1"/>
+          <p:cNvSpPr txBox="1">
+            <a:spLocks noGrp="1"/>
+          </p:cNvSpPr>
           <p:nvPr>
             <p:ph type="body" idx="1"/>
           </p:nvPr>
@@ -995,15 +1013,7 @@
             </a:pPr>
             <a:r>
               <a:rPr lang="en"/>
-              <a:t>The features in the dataset are in the ReadMe file with </a:t>
-            </a:r>
-            <a:r>
-              <a:rPr lang="en"/>
-              <a:t>explanations</a:t>
-            </a:r>
-            <a:r>
-              <a:rPr lang="en"/>
-              <a:t> as to what they are and if we included them. </a:t>
+              <a:t>The features in the dataset are in the ReadMe file with explanations as to what they are and if we included them. </a:t>
             </a:r>
             <a:endParaRPr/>
           </a:p>
@@ -1011,12 +1021,15 @@
       </p:sp>
     </p:spTree>
   </p:cSld>
+  <p:clrMapOvr>
+    <a:masterClrMapping/>
+  </p:clrMapOvr>
 </p:notes>
 </file>
 
 <file path=ppt/notesSlides/notesSlide4.xml><?xml version="1.0" encoding="utf-8"?>
-<p:notes xmlns:a="http://schemas.openxmlformats.org/drawingml/2006/main" xmlns:r="http://schemas.openxmlformats.org/officeDocument/2006/relationships" xmlns:p="http://schemas.openxmlformats.org/presentationml/2006/main" xmlns:m="http://schemas.openxmlformats.org/officeDocument/2006/math" xmlns:w="http://schemas.openxmlformats.org/wordprocessingml/2006/main" showMasterPhAnim="0" showMasterSp="0">
-  <p:cSld name="">
+<p:notes xmlns:a="http://schemas.openxmlformats.org/drawingml/2006/main" xmlns:r="http://schemas.openxmlformats.org/officeDocument/2006/relationships" xmlns:p="http://schemas.openxmlformats.org/presentationml/2006/main" showMasterSp="0" showMasterPhAnim="0">
+  <p:cSld>
     <p:spTree>
       <p:nvGrpSpPr>
         <p:cNvPr id="1" name=""/>
@@ -1034,7 +1047,9 @@
       <p:sp>
         <p:nvSpPr>
           <p:cNvPr id="80" name="Google Shape;80;g2cecdc0b196_0_161:notes"/>
-          <p:cNvSpPr/>
+          <p:cNvSpPr>
+            <a:spLocks noGrp="1" noRot="1" noChangeAspect="1"/>
+          </p:cNvSpPr>
           <p:nvPr>
             <p:ph type="sldImg" idx="2"/>
           </p:nvPr>
@@ -1051,7 +1066,7 @@
             <a:cxnLst/>
             <a:rect l="l" t="t" r="r" b="b"/>
             <a:pathLst>
-              <a:path w="120000" h="120000" fill="norm" stroke="1" extrusionOk="0">
+              <a:path w="120000" h="120000" extrusionOk="0">
                 <a:moveTo>
                   <a:pt x="0" y="0"/>
                 </a:moveTo>
@@ -1073,7 +1088,9 @@
       <p:sp>
         <p:nvSpPr>
           <p:cNvPr id="81" name="Google Shape;81;g2cecdc0b196_0_161:notes"/>
-          <p:cNvSpPr txBox="1"/>
+          <p:cNvSpPr txBox="1">
+            <a:spLocks noGrp="1"/>
+          </p:cNvSpPr>
           <p:nvPr>
             <p:ph type="body" idx="1"/>
           </p:nvPr>
@@ -1109,12 +1126,15 @@
       </p:sp>
     </p:spTree>
   </p:cSld>
+  <p:clrMapOvr>
+    <a:masterClrMapping/>
+  </p:clrMapOvr>
 </p:notes>
 </file>
 
 <file path=ppt/notesSlides/notesSlide5.xml><?xml version="1.0" encoding="utf-8"?>
-<p:notes xmlns:a="http://schemas.openxmlformats.org/drawingml/2006/main" xmlns:r="http://schemas.openxmlformats.org/officeDocument/2006/relationships" xmlns:p="http://schemas.openxmlformats.org/presentationml/2006/main" xmlns:m="http://schemas.openxmlformats.org/officeDocument/2006/math" xmlns:w="http://schemas.openxmlformats.org/wordprocessingml/2006/main" showMasterPhAnim="0" showMasterSp="0">
-  <p:cSld name="">
+<p:notes xmlns:a="http://schemas.openxmlformats.org/drawingml/2006/main" xmlns:r="http://schemas.openxmlformats.org/officeDocument/2006/relationships" xmlns:p="http://schemas.openxmlformats.org/presentationml/2006/main" showMasterSp="0" showMasterPhAnim="0">
+  <p:cSld>
     <p:spTree>
       <p:nvGrpSpPr>
         <p:cNvPr id="1" name=""/>
@@ -1132,7 +1152,9 @@
       <p:sp>
         <p:nvSpPr>
           <p:cNvPr id="86" name="Google Shape;86;g2cecdc0b196_0_167:notes"/>
-          <p:cNvSpPr/>
+          <p:cNvSpPr>
+            <a:spLocks noGrp="1" noRot="1" noChangeAspect="1"/>
+          </p:cNvSpPr>
           <p:nvPr>
             <p:ph type="sldImg" idx="2"/>
           </p:nvPr>
@@ -1149,7 +1171,7 @@
             <a:cxnLst/>
             <a:rect l="l" t="t" r="r" b="b"/>
             <a:pathLst>
-              <a:path w="120000" h="120000" fill="norm" stroke="1" extrusionOk="0">
+              <a:path w="120000" h="120000" extrusionOk="0">
                 <a:moveTo>
                   <a:pt x="0" y="0"/>
                 </a:moveTo>
@@ -1171,7 +1193,9 @@
       <p:sp>
         <p:nvSpPr>
           <p:cNvPr id="87" name="Google Shape;87;g2cecdc0b196_0_167:notes"/>
-          <p:cNvSpPr txBox="1"/>
+          <p:cNvSpPr txBox="1">
+            <a:spLocks noGrp="1"/>
+          </p:cNvSpPr>
           <p:nvPr>
             <p:ph type="body" idx="1"/>
           </p:nvPr>
@@ -1207,12 +1231,15 @@
       </p:sp>
     </p:spTree>
   </p:cSld>
+  <p:clrMapOvr>
+    <a:masterClrMapping/>
+  </p:clrMapOvr>
 </p:notes>
 </file>
 
 <file path=ppt/notesSlides/notesSlide6.xml><?xml version="1.0" encoding="utf-8"?>
-<p:notes xmlns:a="http://schemas.openxmlformats.org/drawingml/2006/main" xmlns:r="http://schemas.openxmlformats.org/officeDocument/2006/relationships" xmlns:p="http://schemas.openxmlformats.org/presentationml/2006/main" xmlns:m="http://schemas.openxmlformats.org/officeDocument/2006/math" xmlns:w="http://schemas.openxmlformats.org/wordprocessingml/2006/main" showMasterPhAnim="0" showMasterSp="0">
-  <p:cSld name="">
+<p:notes xmlns:a="http://schemas.openxmlformats.org/drawingml/2006/main" xmlns:r="http://schemas.openxmlformats.org/officeDocument/2006/relationships" xmlns:p="http://schemas.openxmlformats.org/presentationml/2006/main" showMasterSp="0" showMasterPhAnim="0">
+  <p:cSld>
     <p:spTree>
       <p:nvGrpSpPr>
         <p:cNvPr id="1" name=""/>
@@ -1230,14 +1257,16 @@
       <p:sp>
         <p:nvSpPr>
           <p:cNvPr id="92" name="Google Shape;92;g2cecdc0b196_0_173:notes"/>
-          <p:cNvSpPr/>
+          <p:cNvSpPr>
+            <a:spLocks noGrp="1" noRot="1" noChangeAspect="1"/>
+          </p:cNvSpPr>
           <p:nvPr>
             <p:ph type="sldImg" idx="2"/>
           </p:nvPr>
         </p:nvSpPr>
         <p:spPr bwMode="auto">
           <a:xfrm>
-            <a:off x="381300" y="685800"/>
+            <a:off x="381000" y="685800"/>
             <a:ext cx="6096000" cy="3429000"/>
           </a:xfrm>
           <a:custGeom>
@@ -1247,7 +1276,7 @@
             <a:cxnLst/>
             <a:rect l="l" t="t" r="r" b="b"/>
             <a:pathLst>
-              <a:path w="120000" h="120000" fill="norm" stroke="1" extrusionOk="0">
+              <a:path w="120000" h="120000" extrusionOk="0">
                 <a:moveTo>
                   <a:pt x="0" y="0"/>
                 </a:moveTo>
@@ -1269,7 +1298,9 @@
       <p:sp>
         <p:nvSpPr>
           <p:cNvPr id="93" name="Google Shape;93;g2cecdc0b196_0_173:notes"/>
-          <p:cNvSpPr txBox="1"/>
+          <p:cNvSpPr txBox="1">
+            <a:spLocks noGrp="1"/>
+          </p:cNvSpPr>
           <p:nvPr>
             <p:ph type="body" idx="1"/>
           </p:nvPr>
@@ -1299,18 +1330,148 @@
               <a:buNone/>
               <a:defRPr/>
             </a:pPr>
-            <a:endParaRPr/>
+            <a:r>
+              <a:rPr lang="en-US" dirty="0"/>
+              <a:t>KNN : </a:t>
+            </a:r>
+            <a:r>
+              <a:rPr lang="en-US" dirty="0" err="1"/>
+              <a:t>n_neighbors</a:t>
+            </a:r>
+            <a:r>
+              <a:rPr lang="en-US" dirty="0"/>
+              <a:t> is the number of neighbors the KNN model predicts using in the KNN tests, in our case we predicted over a range of K values from 3 to 20</a:t>
+            </a:r>
+          </a:p>
+          <a:p>
+            <a:pPr marL="0" lvl="0" indent="0" algn="l">
+              <a:spcBef>
+                <a:spcPts val="0"/>
+              </a:spcBef>
+              <a:spcAft>
+                <a:spcPts val="0"/>
+              </a:spcAft>
+              <a:buNone/>
+              <a:defRPr/>
+            </a:pPr>
+            <a:r>
+              <a:rPr lang="en-US" dirty="0"/>
+              <a:t>The KNN distance metric is the mathematical distance formula we chose, in our case, we tested for Manhattan, Chebyshev, and </a:t>
+            </a:r>
+            <a:r>
+              <a:rPr lang="en-US" dirty="0" err="1"/>
+              <a:t>minkowski</a:t>
+            </a:r>
+            <a:r>
+              <a:rPr lang="en-US" dirty="0"/>
+              <a:t> distance.</a:t>
+            </a:r>
+          </a:p>
+          <a:p>
+            <a:pPr marL="0" lvl="0" indent="0" algn="l">
+              <a:spcBef>
+                <a:spcPts val="0"/>
+              </a:spcBef>
+              <a:spcAft>
+                <a:spcPts val="0"/>
+              </a:spcAft>
+              <a:buNone/>
+              <a:defRPr/>
+            </a:pPr>
+            <a:r>
+              <a:rPr lang="en-US" dirty="0"/>
+              <a:t>In KNN, the metric weights we tested were either uniform or distance metric weights.</a:t>
+            </a:r>
+          </a:p>
+          <a:p>
+            <a:pPr marL="0" lvl="0" indent="0" algn="l">
+              <a:spcBef>
+                <a:spcPts val="0"/>
+              </a:spcBef>
+              <a:spcAft>
+                <a:spcPts val="0"/>
+              </a:spcAft>
+              <a:buNone/>
+              <a:defRPr/>
+            </a:pPr>
+            <a:endParaRPr lang="en-US" dirty="0"/>
+          </a:p>
+          <a:p>
+            <a:pPr marL="0" lvl="0" indent="0" algn="l">
+              <a:spcBef>
+                <a:spcPts val="0"/>
+              </a:spcBef>
+              <a:spcAft>
+                <a:spcPts val="0"/>
+              </a:spcAft>
+              <a:buNone/>
+              <a:defRPr/>
+            </a:pPr>
+            <a:r>
+              <a:rPr lang="en-US" dirty="0"/>
+              <a:t>SVM : </a:t>
+            </a:r>
+            <a:r>
+              <a:rPr lang="en-US" dirty="0" err="1"/>
+              <a:t>svm_C</a:t>
+            </a:r>
+            <a:r>
+              <a:rPr lang="en-US" dirty="0"/>
+              <a:t> is the regularization parameter used to control the margin of the hyperplane. Kernel is the type of hyperplane used, in our case it is linear as we wanted a linear hyperplane. Probability is a parameter we use to ensure better probability estimates, and class weight is used to assign a weight to different attributes in the data set</a:t>
+            </a:r>
+          </a:p>
+          <a:p>
+            <a:pPr marL="0" lvl="0" indent="0" algn="l">
+              <a:spcBef>
+                <a:spcPts val="0"/>
+              </a:spcBef>
+              <a:spcAft>
+                <a:spcPts val="0"/>
+              </a:spcAft>
+              <a:buNone/>
+              <a:defRPr/>
+            </a:pPr>
+            <a:endParaRPr lang="en-US" dirty="0"/>
+          </a:p>
+          <a:p>
+            <a:pPr marL="0" lvl="0" indent="0" algn="l">
+              <a:spcBef>
+                <a:spcPts val="0"/>
+              </a:spcBef>
+              <a:spcAft>
+                <a:spcPts val="0"/>
+              </a:spcAft>
+              <a:buNone/>
+              <a:defRPr/>
+            </a:pPr>
+            <a:endParaRPr lang="en-US" dirty="0"/>
+          </a:p>
+          <a:p>
+            <a:pPr marL="0" lvl="0" indent="0" algn="l">
+              <a:spcBef>
+                <a:spcPts val="0"/>
+              </a:spcBef>
+              <a:spcAft>
+                <a:spcPts val="0"/>
+              </a:spcAft>
+              <a:buNone/>
+              <a:defRPr/>
+            </a:pPr>
+            <a:endParaRPr dirty="0"/>
           </a:p>
         </p:txBody>
       </p:sp>
     </p:spTree>
   </p:cSld>
+  <p:clrMapOvr>
+    <a:masterClrMapping/>
+  </p:clrMapOvr>
 </p:notes>
 </file>
 
 <file path=ppt/notesSlides/notesSlide7.xml><?xml version="1.0" encoding="utf-8"?>
-<p:notes xmlns:a="http://schemas.openxmlformats.org/drawingml/2006/main" xmlns:r="http://schemas.openxmlformats.org/officeDocument/2006/relationships" xmlns:p="http://schemas.openxmlformats.org/presentationml/2006/main" xmlns:m="http://schemas.openxmlformats.org/officeDocument/2006/math" xmlns:w="http://schemas.openxmlformats.org/wordprocessingml/2006/main" showMasterPhAnim="0" showMasterSp="0">
-  <p:cSld name="">
+<p:notes xmlns:a="http://schemas.openxmlformats.org/drawingml/2006/main" xmlns:r="http://schemas.openxmlformats.org/officeDocument/2006/relationships" xmlns:p="http://schemas.openxmlformats.org/presentationml/2006/main" showMasterSp="0" showMasterPhAnim="0">
+  <p:cSld>
     <p:spTree>
       <p:nvGrpSpPr>
         <p:cNvPr id="1" name=""/>
@@ -1328,7 +1489,9 @@
       <p:sp>
         <p:nvSpPr>
           <p:cNvPr id="98" name="Google Shape;98;g2cecdc0b196_0_179:notes"/>
-          <p:cNvSpPr/>
+          <p:cNvSpPr>
+            <a:spLocks noGrp="1" noRot="1" noChangeAspect="1"/>
+          </p:cNvSpPr>
           <p:nvPr>
             <p:ph type="sldImg" idx="2"/>
           </p:nvPr>
@@ -1345,7 +1508,7 @@
             <a:cxnLst/>
             <a:rect l="l" t="t" r="r" b="b"/>
             <a:pathLst>
-              <a:path w="120000" h="120000" fill="norm" stroke="1" extrusionOk="0">
+              <a:path w="120000" h="120000" extrusionOk="0">
                 <a:moveTo>
                   <a:pt x="0" y="0"/>
                 </a:moveTo>
@@ -1367,7 +1530,9 @@
       <p:sp>
         <p:nvSpPr>
           <p:cNvPr id="99" name="Google Shape;99;g2cecdc0b196_0_179:notes"/>
-          <p:cNvSpPr txBox="1"/>
+          <p:cNvSpPr txBox="1">
+            <a:spLocks noGrp="1"/>
+          </p:cNvSpPr>
           <p:nvPr>
             <p:ph type="body" idx="1"/>
           </p:nvPr>
@@ -1403,12 +1568,15 @@
       </p:sp>
     </p:spTree>
   </p:cSld>
+  <p:clrMapOvr>
+    <a:masterClrMapping/>
+  </p:clrMapOvr>
 </p:notes>
 </file>
 
 <file path=ppt/notesSlides/notesSlide8.xml><?xml version="1.0" encoding="utf-8"?>
-<p:notes xmlns:a="http://schemas.openxmlformats.org/drawingml/2006/main" xmlns:r="http://schemas.openxmlformats.org/officeDocument/2006/relationships" xmlns:p="http://schemas.openxmlformats.org/presentationml/2006/main" xmlns:m="http://schemas.openxmlformats.org/officeDocument/2006/math" xmlns:w="http://schemas.openxmlformats.org/wordprocessingml/2006/main" showMasterPhAnim="0" showMasterSp="0">
-  <p:cSld name="">
+<p:notes xmlns:a="http://schemas.openxmlformats.org/drawingml/2006/main" xmlns:r="http://schemas.openxmlformats.org/officeDocument/2006/relationships" xmlns:p="http://schemas.openxmlformats.org/presentationml/2006/main" showMasterSp="0" showMasterPhAnim="0">
+  <p:cSld>
     <p:spTree>
       <p:nvGrpSpPr>
         <p:cNvPr id="1" name=""/>
@@ -1426,7 +1594,9 @@
       <p:sp>
         <p:nvSpPr>
           <p:cNvPr id="104" name="Google Shape;104;g2cecdc0b196_0_185:notes"/>
-          <p:cNvSpPr/>
+          <p:cNvSpPr>
+            <a:spLocks noGrp="1" noRot="1" noChangeAspect="1"/>
+          </p:cNvSpPr>
           <p:nvPr>
             <p:ph type="sldImg" idx="2"/>
           </p:nvPr>
@@ -1443,7 +1613,7 @@
             <a:cxnLst/>
             <a:rect l="l" t="t" r="r" b="b"/>
             <a:pathLst>
-              <a:path w="120000" h="120000" fill="norm" stroke="1" extrusionOk="0">
+              <a:path w="120000" h="120000" extrusionOk="0">
                 <a:moveTo>
                   <a:pt x="0" y="0"/>
                 </a:moveTo>
@@ -1465,7 +1635,9 @@
       <p:sp>
         <p:nvSpPr>
           <p:cNvPr id="105" name="Google Shape;105;g2cecdc0b196_0_185:notes"/>
-          <p:cNvSpPr txBox="1"/>
+          <p:cNvSpPr txBox="1">
+            <a:spLocks noGrp="1"/>
+          </p:cNvSpPr>
           <p:nvPr>
             <p:ph type="body" idx="1"/>
           </p:nvPr>
@@ -1501,17 +1673,21 @@
       </p:sp>
     </p:spTree>
   </p:cSld>
+  <p:clrMapOvr>
+    <a:masterClrMapping/>
+  </p:clrMapOvr>
 </p:notes>
 </file>
 
 <file path=ppt/slideLayouts/slideLayout1.xml><?xml version="1.0" encoding="utf-8"?>
-<p:sldLayout xmlns:a="http://schemas.openxmlformats.org/drawingml/2006/main" xmlns:r="http://schemas.openxmlformats.org/officeDocument/2006/relationships" xmlns:p="http://schemas.openxmlformats.org/presentationml/2006/main" xmlns:m="http://schemas.openxmlformats.org/officeDocument/2006/math" xmlns:w="http://schemas.openxmlformats.org/wordprocessingml/2006/main" matchingName="Title slide" preserve="0" showMasterPhAnim="0" type="title" userDrawn="1">
+<p:sldLayout xmlns:a="http://schemas.openxmlformats.org/drawingml/2006/main" xmlns:r="http://schemas.openxmlformats.org/officeDocument/2006/relationships" xmlns:p="http://schemas.openxmlformats.org/presentationml/2006/main" showMasterPhAnim="0" matchingName="Title slide" type="title" userDrawn="1">
   <p:cSld name="TITLE">
     <p:bg>
-      <p:bgPr shadeToTitle="0">
+      <p:bgPr>
         <a:solidFill>
           <a:schemeClr val="dk1"/>
         </a:solidFill>
+        <a:effectLst/>
       </p:bgPr>
     </p:bg>
     <p:spTree>
@@ -1546,7 +1722,7 @@
             <a:cxnLst/>
             <a:rect l="l" t="t" r="r" b="b"/>
             <a:pathLst>
-              <a:path w="365770" h="175924" fill="norm" stroke="1" extrusionOk="0">
+              <a:path w="365770" h="175924" extrusionOk="0">
                 <a:moveTo>
                   <a:pt x="0" y="0"/>
                 </a:moveTo>
@@ -1574,7 +1750,9 @@
       <p:sp>
         <p:nvSpPr>
           <p:cNvPr id="11" name="Google Shape;11;p2"/>
-          <p:cNvSpPr txBox="1"/>
+          <p:cNvSpPr txBox="1">
+            <a:spLocks noGrp="1"/>
+          </p:cNvSpPr>
           <p:nvPr>
             <p:ph type="ctrTitle"/>
           </p:nvPr>
@@ -1704,7 +1882,9 @@
       <p:sp>
         <p:nvSpPr>
           <p:cNvPr id="12" name="Google Shape;12;p2"/>
-          <p:cNvSpPr txBox="1"/>
+          <p:cNvSpPr txBox="1">
+            <a:spLocks noGrp="1"/>
+          </p:cNvSpPr>
           <p:nvPr>
             <p:ph type="subTitle" idx="1"/>
           </p:nvPr>
@@ -1924,7 +2104,9 @@
       <p:sp>
         <p:nvSpPr>
           <p:cNvPr id="13" name="Google Shape;13;p2"/>
-          <p:cNvSpPr txBox="1"/>
+          <p:cNvSpPr txBox="1">
+            <a:spLocks noGrp="1"/>
+          </p:cNvSpPr>
           <p:nvPr>
             <p:ph type="sldNum" idx="12"/>
           </p:nvPr>
@@ -2044,13 +2226,14 @@
 </file>
 
 <file path=ppt/slideLayouts/slideLayout10.xml><?xml version="1.0" encoding="utf-8"?>
-<p:sldLayout xmlns:a="http://schemas.openxmlformats.org/drawingml/2006/main" xmlns:r="http://schemas.openxmlformats.org/officeDocument/2006/relationships" xmlns:p="http://schemas.openxmlformats.org/presentationml/2006/main" xmlns:m="http://schemas.openxmlformats.org/officeDocument/2006/math" xmlns:w="http://schemas.openxmlformats.org/wordprocessingml/2006/main" matchingName="Big number" preserve="0" showMasterPhAnim="0" userDrawn="1">
+<p:sldLayout xmlns:a="http://schemas.openxmlformats.org/drawingml/2006/main" xmlns:r="http://schemas.openxmlformats.org/officeDocument/2006/relationships" xmlns:p="http://schemas.openxmlformats.org/presentationml/2006/main" showMasterPhAnim="0" matchingName="Big number" userDrawn="1">
   <p:cSld name="BIG_NUMBER">
     <p:bg>
-      <p:bgPr shadeToTitle="0">
+      <p:bgPr>
         <a:solidFill>
           <a:schemeClr val="dk1"/>
         </a:solidFill>
+        <a:effectLst/>
       </p:bgPr>
     </p:bg>
     <p:spTree>
@@ -2070,7 +2253,9 @@
       <p:sp>
         <p:nvSpPr>
           <p:cNvPr id="55" name="Google Shape;55;p11"/>
-          <p:cNvSpPr txBox="1"/>
+          <p:cNvSpPr txBox="1">
+            <a:spLocks noGrp="1"/>
+          </p:cNvSpPr>
           <p:nvPr>
             <p:ph type="title" hasCustomPrompt="1"/>
           </p:nvPr>
@@ -2257,17 +2442,17 @@
               <a:defRPr/>
             </a:pPr>
             <a:r>
-              <a:rPr/>
               <a:t>xx%</a:t>
             </a:r>
-            <a:endParaRPr/>
           </a:p>
         </p:txBody>
       </p:sp>
       <p:sp>
         <p:nvSpPr>
           <p:cNvPr id="56" name="Google Shape;56;p11"/>
-          <p:cNvSpPr txBox="1"/>
+          <p:cNvSpPr txBox="1">
+            <a:spLocks noGrp="1"/>
+          </p:cNvSpPr>
           <p:nvPr>
             <p:ph type="body" idx="1"/>
           </p:nvPr>
@@ -2460,7 +2645,9 @@
       <p:sp>
         <p:nvSpPr>
           <p:cNvPr id="57" name="Google Shape;57;p11"/>
-          <p:cNvSpPr txBox="1"/>
+          <p:cNvSpPr txBox="1">
+            <a:spLocks noGrp="1"/>
+          </p:cNvSpPr>
           <p:nvPr>
             <p:ph type="sldNum" idx="12"/>
           </p:nvPr>
@@ -2580,7 +2767,7 @@
 </file>
 
 <file path=ppt/slideLayouts/slideLayout11.xml><?xml version="1.0" encoding="utf-8"?>
-<p:sldLayout xmlns:a="http://schemas.openxmlformats.org/drawingml/2006/main" xmlns:r="http://schemas.openxmlformats.org/officeDocument/2006/relationships" xmlns:p="http://schemas.openxmlformats.org/presentationml/2006/main" xmlns:m="http://schemas.openxmlformats.org/officeDocument/2006/math" xmlns:w="http://schemas.openxmlformats.org/wordprocessingml/2006/main" matchingName="Blank" preserve="0" showMasterPhAnim="0" type="blank" userDrawn="1">
+<p:sldLayout xmlns:a="http://schemas.openxmlformats.org/drawingml/2006/main" xmlns:r="http://schemas.openxmlformats.org/officeDocument/2006/relationships" xmlns:p="http://schemas.openxmlformats.org/presentationml/2006/main" showMasterPhAnim="0" matchingName="Blank" type="blank" userDrawn="1">
   <p:cSld name="BLANK">
     <p:spTree>
       <p:nvGrpSpPr>
@@ -2599,7 +2786,9 @@
       <p:sp>
         <p:nvSpPr>
           <p:cNvPr id="59" name="Google Shape;59;p12"/>
-          <p:cNvSpPr txBox="1"/>
+          <p:cNvSpPr txBox="1">
+            <a:spLocks noGrp="1"/>
+          </p:cNvSpPr>
           <p:nvPr>
             <p:ph type="sldNum" idx="12"/>
           </p:nvPr>
@@ -2683,13 +2872,14 @@
 </file>
 
 <file path=ppt/slideLayouts/slideLayout2.xml><?xml version="1.0" encoding="utf-8"?>
-<p:sldLayout xmlns:a="http://schemas.openxmlformats.org/drawingml/2006/main" xmlns:r="http://schemas.openxmlformats.org/officeDocument/2006/relationships" xmlns:p="http://schemas.openxmlformats.org/presentationml/2006/main" xmlns:m="http://schemas.openxmlformats.org/officeDocument/2006/math" xmlns:w="http://schemas.openxmlformats.org/wordprocessingml/2006/main" matchingName="Section header" preserve="0" showMasterPhAnim="0" type="secHead" userDrawn="1">
+<p:sldLayout xmlns:a="http://schemas.openxmlformats.org/drawingml/2006/main" xmlns:r="http://schemas.openxmlformats.org/officeDocument/2006/relationships" xmlns:p="http://schemas.openxmlformats.org/presentationml/2006/main" showMasterPhAnim="0" matchingName="Section header" type="secHead" userDrawn="1">
   <p:cSld name="SECTION_HEADER">
     <p:bg>
-      <p:bgPr shadeToTitle="0">
+      <p:bgPr>
         <a:solidFill>
           <a:schemeClr val="accent3"/>
         </a:solidFill>
+        <a:effectLst/>
       </p:bgPr>
     </p:bg>
     <p:spTree>
@@ -2724,7 +2914,7 @@
             <a:cxnLst/>
             <a:rect l="l" t="t" r="r" b="b"/>
             <a:pathLst>
-              <a:path w="365770" h="175924" fill="norm" stroke="1" extrusionOk="0">
+              <a:path w="365770" h="175924" extrusionOk="0">
                 <a:moveTo>
                   <a:pt x="0" y="0"/>
                 </a:moveTo>
@@ -2767,7 +2957,7 @@
             <a:cxnLst/>
             <a:rect l="l" t="t" r="r" b="b"/>
             <a:pathLst>
-              <a:path w="365770" h="175924" fill="norm" stroke="1" extrusionOk="0">
+              <a:path w="365770" h="175924" extrusionOk="0">
                 <a:moveTo>
                   <a:pt x="0" y="0"/>
                 </a:moveTo>
@@ -2795,7 +2985,9 @@
       <p:sp>
         <p:nvSpPr>
           <p:cNvPr id="17" name="Google Shape;17;p3"/>
-          <p:cNvSpPr txBox="1"/>
+          <p:cNvSpPr txBox="1">
+            <a:spLocks noGrp="1"/>
+          </p:cNvSpPr>
           <p:nvPr>
             <p:ph type="title"/>
           </p:nvPr>
@@ -2925,7 +3117,9 @@
       <p:sp>
         <p:nvSpPr>
           <p:cNvPr id="18" name="Google Shape;18;p3"/>
-          <p:cNvSpPr txBox="1"/>
+          <p:cNvSpPr txBox="1">
+            <a:spLocks noGrp="1"/>
+          </p:cNvSpPr>
           <p:nvPr>
             <p:ph type="sldNum" idx="12"/>
           </p:nvPr>
@@ -3045,7 +3239,7 @@
 </file>
 
 <file path=ppt/slideLayouts/slideLayout3.xml><?xml version="1.0" encoding="utf-8"?>
-<p:sldLayout xmlns:a="http://schemas.openxmlformats.org/drawingml/2006/main" xmlns:r="http://schemas.openxmlformats.org/officeDocument/2006/relationships" xmlns:p="http://schemas.openxmlformats.org/presentationml/2006/main" xmlns:m="http://schemas.openxmlformats.org/officeDocument/2006/math" xmlns:w="http://schemas.openxmlformats.org/wordprocessingml/2006/main" matchingName="Title and body" preserve="0" showMasterPhAnim="0" type="tx" userDrawn="1">
+<p:sldLayout xmlns:a="http://schemas.openxmlformats.org/drawingml/2006/main" xmlns:r="http://schemas.openxmlformats.org/officeDocument/2006/relationships" xmlns:p="http://schemas.openxmlformats.org/presentationml/2006/main" showMasterPhAnim="0" matchingName="Title and body" type="tx" userDrawn="1">
   <p:cSld name="TITLE_AND_BODY">
     <p:spTree>
       <p:nvGrpSpPr>
@@ -3120,7 +3314,7 @@
             <a:cxnLst/>
             <a:rect l="l" t="t" r="r" b="b"/>
             <a:pathLst>
-              <a:path w="172545" h="175975" fill="norm" stroke="1" extrusionOk="0">
+              <a:path w="172545" h="175975" extrusionOk="0">
                 <a:moveTo>
                   <a:pt x="0" y="157"/>
                 </a:moveTo>
@@ -3163,7 +3357,7 @@
             <a:cxnLst/>
             <a:rect l="l" t="t" r="r" b="b"/>
             <a:pathLst>
-              <a:path w="172676" h="175824" fill="norm" stroke="1" extrusionOk="0">
+              <a:path w="172676" h="175824" extrusionOk="0">
                 <a:moveTo>
                   <a:pt x="0" y="6"/>
                 </a:moveTo>
@@ -3191,7 +3385,9 @@
       <p:sp>
         <p:nvSpPr>
           <p:cNvPr id="23" name="Google Shape;23;p4"/>
-          <p:cNvSpPr txBox="1"/>
+          <p:cNvSpPr txBox="1">
+            <a:spLocks noGrp="1"/>
+          </p:cNvSpPr>
           <p:nvPr>
             <p:ph type="title"/>
           </p:nvPr>
@@ -3384,7 +3580,9 @@
       <p:sp>
         <p:nvSpPr>
           <p:cNvPr id="24" name="Google Shape;24;p4"/>
-          <p:cNvSpPr txBox="1"/>
+          <p:cNvSpPr txBox="1">
+            <a:spLocks noGrp="1"/>
+          </p:cNvSpPr>
           <p:nvPr>
             <p:ph type="body" idx="1"/>
           </p:nvPr>
@@ -3514,7 +3712,9 @@
       <p:sp>
         <p:nvSpPr>
           <p:cNvPr id="25" name="Google Shape;25;p4"/>
-          <p:cNvSpPr txBox="1"/>
+          <p:cNvSpPr txBox="1">
+            <a:spLocks noGrp="1"/>
+          </p:cNvSpPr>
           <p:nvPr>
             <p:ph type="sldNum" idx="12"/>
           </p:nvPr>
@@ -3598,7 +3798,7 @@
 </file>
 
 <file path=ppt/slideLayouts/slideLayout4.xml><?xml version="1.0" encoding="utf-8"?>
-<p:sldLayout xmlns:a="http://schemas.openxmlformats.org/drawingml/2006/main" xmlns:r="http://schemas.openxmlformats.org/officeDocument/2006/relationships" xmlns:p="http://schemas.openxmlformats.org/presentationml/2006/main" xmlns:m="http://schemas.openxmlformats.org/officeDocument/2006/math" xmlns:w="http://schemas.openxmlformats.org/wordprocessingml/2006/main" matchingName="Title and two columns" preserve="0" showMasterPhAnim="0" type="twoColTx" userDrawn="1">
+<p:sldLayout xmlns:a="http://schemas.openxmlformats.org/drawingml/2006/main" xmlns:r="http://schemas.openxmlformats.org/officeDocument/2006/relationships" xmlns:p="http://schemas.openxmlformats.org/presentationml/2006/main" showMasterPhAnim="0" matchingName="Title and two columns" type="twoColTx" userDrawn="1">
   <p:cSld name="TITLE_AND_TWO_COLUMNS">
     <p:spTree>
       <p:nvGrpSpPr>
@@ -3658,7 +3858,9 @@
       <p:sp>
         <p:nvSpPr>
           <p:cNvPr id="28" name="Google Shape;28;p5"/>
-          <p:cNvSpPr txBox="1"/>
+          <p:cNvSpPr txBox="1">
+            <a:spLocks noGrp="1"/>
+          </p:cNvSpPr>
           <p:nvPr>
             <p:ph type="title"/>
           </p:nvPr>
@@ -3851,7 +4053,9 @@
       <p:sp>
         <p:nvSpPr>
           <p:cNvPr id="29" name="Google Shape;29;p5"/>
-          <p:cNvSpPr txBox="1"/>
+          <p:cNvSpPr txBox="1">
+            <a:spLocks noGrp="1"/>
+          </p:cNvSpPr>
           <p:nvPr>
             <p:ph type="body" idx="1"/>
           </p:nvPr>
@@ -3981,7 +4185,9 @@
       <p:sp>
         <p:nvSpPr>
           <p:cNvPr id="30" name="Google Shape;30;p5"/>
-          <p:cNvSpPr txBox="1"/>
+          <p:cNvSpPr txBox="1">
+            <a:spLocks noGrp="1"/>
+          </p:cNvSpPr>
           <p:nvPr>
             <p:ph type="body" idx="2"/>
           </p:nvPr>
@@ -4111,7 +4317,9 @@
       <p:sp>
         <p:nvSpPr>
           <p:cNvPr id="31" name="Google Shape;31;p5"/>
-          <p:cNvSpPr txBox="1"/>
+          <p:cNvSpPr txBox="1">
+            <a:spLocks noGrp="1"/>
+          </p:cNvSpPr>
           <p:nvPr>
             <p:ph type="sldNum" idx="12"/>
           </p:nvPr>
@@ -4195,7 +4403,7 @@
 </file>
 
 <file path=ppt/slideLayouts/slideLayout5.xml><?xml version="1.0" encoding="utf-8"?>
-<p:sldLayout xmlns:a="http://schemas.openxmlformats.org/drawingml/2006/main" xmlns:r="http://schemas.openxmlformats.org/officeDocument/2006/relationships" xmlns:p="http://schemas.openxmlformats.org/presentationml/2006/main" xmlns:m="http://schemas.openxmlformats.org/officeDocument/2006/math" xmlns:w="http://schemas.openxmlformats.org/wordprocessingml/2006/main" matchingName="Title only" preserve="0" showMasterPhAnim="0" type="titleOnly" userDrawn="1">
+<p:sldLayout xmlns:a="http://schemas.openxmlformats.org/drawingml/2006/main" xmlns:r="http://schemas.openxmlformats.org/officeDocument/2006/relationships" xmlns:p="http://schemas.openxmlformats.org/presentationml/2006/main" showMasterPhAnim="0" matchingName="Title only" type="titleOnly" userDrawn="1">
   <p:cSld name="TITLE_ONLY">
     <p:spTree>
       <p:nvGrpSpPr>
@@ -4255,7 +4463,9 @@
       <p:sp>
         <p:nvSpPr>
           <p:cNvPr id="34" name="Google Shape;34;p6"/>
-          <p:cNvSpPr txBox="1"/>
+          <p:cNvSpPr txBox="1">
+            <a:spLocks noGrp="1"/>
+          </p:cNvSpPr>
           <p:nvPr>
             <p:ph type="title"/>
           </p:nvPr>
@@ -4448,7 +4658,9 @@
       <p:sp>
         <p:nvSpPr>
           <p:cNvPr id="35" name="Google Shape;35;p6"/>
-          <p:cNvSpPr txBox="1"/>
+          <p:cNvSpPr txBox="1">
+            <a:spLocks noGrp="1"/>
+          </p:cNvSpPr>
           <p:nvPr>
             <p:ph type="sldNum" idx="12"/>
           </p:nvPr>
@@ -4532,7 +4744,7 @@
 </file>
 
 <file path=ppt/slideLayouts/slideLayout6.xml><?xml version="1.0" encoding="utf-8"?>
-<p:sldLayout xmlns:a="http://schemas.openxmlformats.org/drawingml/2006/main" xmlns:r="http://schemas.openxmlformats.org/officeDocument/2006/relationships" xmlns:p="http://schemas.openxmlformats.org/presentationml/2006/main" xmlns:m="http://schemas.openxmlformats.org/officeDocument/2006/math" xmlns:w="http://schemas.openxmlformats.org/wordprocessingml/2006/main" matchingName="One column text" preserve="0" showMasterPhAnim="0" userDrawn="1">
+<p:sldLayout xmlns:a="http://schemas.openxmlformats.org/drawingml/2006/main" xmlns:r="http://schemas.openxmlformats.org/officeDocument/2006/relationships" xmlns:p="http://schemas.openxmlformats.org/presentationml/2006/main" showMasterPhAnim="0" matchingName="One column text" userDrawn="1">
   <p:cSld name="ONE_COLUMN_TEXT">
     <p:spTree>
       <p:nvGrpSpPr>
@@ -4592,7 +4804,9 @@
       <p:sp>
         <p:nvSpPr>
           <p:cNvPr id="38" name="Google Shape;38;p7"/>
-          <p:cNvSpPr txBox="1"/>
+          <p:cNvSpPr txBox="1">
+            <a:spLocks noGrp="1"/>
+          </p:cNvSpPr>
           <p:nvPr>
             <p:ph type="title"/>
           </p:nvPr>
@@ -4785,7 +4999,9 @@
       <p:sp>
         <p:nvSpPr>
           <p:cNvPr id="39" name="Google Shape;39;p7"/>
-          <p:cNvSpPr txBox="1"/>
+          <p:cNvSpPr txBox="1">
+            <a:spLocks noGrp="1"/>
+          </p:cNvSpPr>
           <p:nvPr>
             <p:ph type="body" idx="1"/>
           </p:nvPr>
@@ -4978,7 +5194,9 @@
       <p:sp>
         <p:nvSpPr>
           <p:cNvPr id="40" name="Google Shape;40;p7"/>
-          <p:cNvSpPr txBox="1"/>
+          <p:cNvSpPr txBox="1">
+            <a:spLocks noGrp="1"/>
+          </p:cNvSpPr>
           <p:nvPr>
             <p:ph type="sldNum" idx="12"/>
           </p:nvPr>
@@ -5062,13 +5280,14 @@
 </file>
 
 <file path=ppt/slideLayouts/slideLayout7.xml><?xml version="1.0" encoding="utf-8"?>
-<p:sldLayout xmlns:a="http://schemas.openxmlformats.org/drawingml/2006/main" xmlns:r="http://schemas.openxmlformats.org/officeDocument/2006/relationships" xmlns:p="http://schemas.openxmlformats.org/presentationml/2006/main" xmlns:m="http://schemas.openxmlformats.org/officeDocument/2006/math" xmlns:w="http://schemas.openxmlformats.org/wordprocessingml/2006/main" matchingName="Main point" preserve="0" showMasterPhAnim="0" userDrawn="1">
+<p:sldLayout xmlns:a="http://schemas.openxmlformats.org/drawingml/2006/main" xmlns:r="http://schemas.openxmlformats.org/officeDocument/2006/relationships" xmlns:p="http://schemas.openxmlformats.org/presentationml/2006/main" showMasterPhAnim="0" matchingName="Main point" userDrawn="1">
   <p:cSld name="MAIN_POINT">
     <p:bg>
-      <p:bgPr shadeToTitle="0">
+      <p:bgPr>
         <a:solidFill>
           <a:schemeClr val="accent3"/>
         </a:solidFill>
+        <a:effectLst/>
       </p:bgPr>
     </p:bg>
     <p:spTree>
@@ -5088,7 +5307,9 @@
       <p:sp>
         <p:nvSpPr>
           <p:cNvPr id="42" name="Google Shape;42;p8"/>
-          <p:cNvSpPr txBox="1"/>
+          <p:cNvSpPr txBox="1">
+            <a:spLocks noGrp="1"/>
+          </p:cNvSpPr>
           <p:nvPr>
             <p:ph type="title"/>
           </p:nvPr>
@@ -5218,7 +5439,9 @@
       <p:sp>
         <p:nvSpPr>
           <p:cNvPr id="43" name="Google Shape;43;p8"/>
-          <p:cNvSpPr txBox="1"/>
+          <p:cNvSpPr txBox="1">
+            <a:spLocks noGrp="1"/>
+          </p:cNvSpPr>
           <p:nvPr>
             <p:ph type="sldNum" idx="12"/>
           </p:nvPr>
@@ -5338,7 +5561,7 @@
 </file>
 
 <file path=ppt/slideLayouts/slideLayout8.xml><?xml version="1.0" encoding="utf-8"?>
-<p:sldLayout xmlns:a="http://schemas.openxmlformats.org/drawingml/2006/main" xmlns:r="http://schemas.openxmlformats.org/officeDocument/2006/relationships" xmlns:p="http://schemas.openxmlformats.org/presentationml/2006/main" xmlns:m="http://schemas.openxmlformats.org/officeDocument/2006/math" xmlns:w="http://schemas.openxmlformats.org/wordprocessingml/2006/main" matchingName="Section title and description" preserve="0" showMasterPhAnim="0" userDrawn="1">
+<p:sldLayout xmlns:a="http://schemas.openxmlformats.org/drawingml/2006/main" xmlns:r="http://schemas.openxmlformats.org/officeDocument/2006/relationships" xmlns:p="http://schemas.openxmlformats.org/presentationml/2006/main" showMasterPhAnim="0" matchingName="Section title and description" userDrawn="1">
   <p:cSld name="SECTION_TITLE_AND_DESCRIPTION">
     <p:spTree>
       <p:nvGrpSpPr>
@@ -5398,7 +5621,9 @@
       <p:sp>
         <p:nvSpPr>
           <p:cNvPr id="46" name="Google Shape;46;p9"/>
-          <p:cNvSpPr txBox="1"/>
+          <p:cNvSpPr txBox="1">
+            <a:spLocks noGrp="1"/>
+          </p:cNvSpPr>
           <p:nvPr>
             <p:ph type="title"/>
           </p:nvPr>
@@ -5591,7 +5816,9 @@
       <p:sp>
         <p:nvSpPr>
           <p:cNvPr id="47" name="Google Shape;47;p9"/>
-          <p:cNvSpPr txBox="1"/>
+          <p:cNvSpPr txBox="1">
+            <a:spLocks noGrp="1"/>
+          </p:cNvSpPr>
           <p:nvPr>
             <p:ph type="subTitle" idx="1"/>
           </p:nvPr>
@@ -5811,7 +6038,9 @@
       <p:sp>
         <p:nvSpPr>
           <p:cNvPr id="48" name="Google Shape;48;p9"/>
-          <p:cNvSpPr txBox="1"/>
+          <p:cNvSpPr txBox="1">
+            <a:spLocks noGrp="1"/>
+          </p:cNvSpPr>
           <p:nvPr>
             <p:ph type="body" idx="2"/>
           </p:nvPr>
@@ -5941,7 +6170,9 @@
       <p:sp>
         <p:nvSpPr>
           <p:cNvPr id="49" name="Google Shape;49;p9"/>
-          <p:cNvSpPr txBox="1"/>
+          <p:cNvSpPr txBox="1">
+            <a:spLocks noGrp="1"/>
+          </p:cNvSpPr>
           <p:nvPr>
             <p:ph type="sldNum" idx="12"/>
           </p:nvPr>
@@ -6025,7 +6256,7 @@
 </file>
 
 <file path=ppt/slideLayouts/slideLayout9.xml><?xml version="1.0" encoding="utf-8"?>
-<p:sldLayout xmlns:a="http://schemas.openxmlformats.org/drawingml/2006/main" xmlns:r="http://schemas.openxmlformats.org/officeDocument/2006/relationships" xmlns:p="http://schemas.openxmlformats.org/presentationml/2006/main" xmlns:m="http://schemas.openxmlformats.org/officeDocument/2006/math" xmlns:w="http://schemas.openxmlformats.org/wordprocessingml/2006/main" matchingName="Caption" preserve="0" showMasterPhAnim="0" userDrawn="1">
+<p:sldLayout xmlns:a="http://schemas.openxmlformats.org/drawingml/2006/main" xmlns:r="http://schemas.openxmlformats.org/officeDocument/2006/relationships" xmlns:p="http://schemas.openxmlformats.org/presentationml/2006/main" showMasterPhAnim="0" matchingName="Caption" userDrawn="1">
   <p:cSld name="CAPTION_ONLY">
     <p:spTree>
       <p:nvGrpSpPr>
@@ -6085,7 +6316,9 @@
       <p:sp>
         <p:nvSpPr>
           <p:cNvPr id="52" name="Google Shape;52;p10"/>
-          <p:cNvSpPr txBox="1"/>
+          <p:cNvSpPr txBox="1">
+            <a:spLocks noGrp="1"/>
+          </p:cNvSpPr>
           <p:nvPr>
             <p:ph type="body" idx="1"/>
           </p:nvPr>
@@ -6141,7 +6374,9 @@
       <p:sp>
         <p:nvSpPr>
           <p:cNvPr id="53" name="Google Shape;53;p10"/>
-          <p:cNvSpPr txBox="1"/>
+          <p:cNvSpPr txBox="1">
+            <a:spLocks noGrp="1"/>
+          </p:cNvSpPr>
           <p:nvPr>
             <p:ph type="sldNum" idx="12"/>
           </p:nvPr>
@@ -6261,13 +6496,14 @@
 </file>
 
 <file path=ppt/slideMasters/slideMaster1.xml><?xml version="1.0" encoding="utf-8"?>
-<p:sldMaster xmlns:a="http://schemas.openxmlformats.org/drawingml/2006/main" xmlns:r="http://schemas.openxmlformats.org/officeDocument/2006/relationships" xmlns:p="http://schemas.openxmlformats.org/presentationml/2006/main" xmlns:m="http://schemas.openxmlformats.org/officeDocument/2006/math" xmlns:w="http://schemas.openxmlformats.org/wordprocessingml/2006/main" preserve="0">
+<p:sldMaster xmlns:a="http://schemas.openxmlformats.org/drawingml/2006/main" xmlns:r="http://schemas.openxmlformats.org/officeDocument/2006/relationships" xmlns:p="http://schemas.openxmlformats.org/presentationml/2006/main">
   <p:cSld name="paradigm">
     <p:bg>
-      <p:bgPr shadeToTitle="0">
+      <p:bgPr>
         <a:solidFill>
           <a:schemeClr val="lt1"/>
         </a:solidFill>
+        <a:effectLst/>
       </p:bgPr>
     </p:bg>
     <p:spTree>
@@ -6287,7 +6523,9 @@
       <p:sp>
         <p:nvSpPr>
           <p:cNvPr id="6" name="Google Shape;6;p1"/>
-          <p:cNvSpPr txBox="1"/>
+          <p:cNvSpPr txBox="1">
+            <a:spLocks noGrp="1"/>
+          </p:cNvSpPr>
           <p:nvPr>
             <p:ph type="title"/>
           </p:nvPr>
@@ -6520,7 +6758,9 @@
       <p:sp>
         <p:nvSpPr>
           <p:cNvPr id="7" name="Google Shape;7;p1"/>
-          <p:cNvSpPr txBox="1"/>
+          <p:cNvSpPr txBox="1">
+            <a:spLocks noGrp="1"/>
+          </p:cNvSpPr>
           <p:nvPr>
             <p:ph type="body" idx="1"/>
           </p:nvPr>
@@ -6780,7 +7020,9 @@
       <p:sp>
         <p:nvSpPr>
           <p:cNvPr id="8" name="Google Shape;8;p1"/>
-          <p:cNvSpPr txBox="1"/>
+          <p:cNvSpPr txBox="1">
+            <a:spLocks noGrp="1"/>
+          </p:cNvSpPr>
           <p:nvPr>
             <p:ph type="sldNum" idx="12"/>
           </p:nvPr>
@@ -6938,7 +7180,7 @@
     <p:sldLayoutId id="2147483658" r:id="rId10"/>
     <p:sldLayoutId id="2147483659" r:id="rId11"/>
   </p:sldLayoutIdLst>
-  <p:hf dt="0" ftr="0" hdr="0" sldNum="0"/>
+  <p:hf sldNum="0" hdr="0" ftr="0" dt="0"/>
   <p:txStyles>
     <p:titleStyle>
       <a:defPPr marR="0" lvl="0" algn="l">
@@ -7605,8 +7847,8 @@
 </file>
 
 <file path=ppt/slides/slide1.xml><?xml version="1.0" encoding="utf-8"?>
-<p:sld xmlns:a="http://schemas.openxmlformats.org/drawingml/2006/main" xmlns:r="http://schemas.openxmlformats.org/officeDocument/2006/relationships" xmlns:p="http://schemas.openxmlformats.org/presentationml/2006/main" xmlns:m="http://schemas.openxmlformats.org/officeDocument/2006/math" xmlns:w="http://schemas.openxmlformats.org/wordprocessingml/2006/main" showMasterPhAnim="0" show="1">
-  <p:cSld name="">
+<p:sld xmlns:a="http://schemas.openxmlformats.org/drawingml/2006/main" xmlns:r="http://schemas.openxmlformats.org/officeDocument/2006/relationships" xmlns:p="http://schemas.openxmlformats.org/presentationml/2006/main" showMasterPhAnim="0">
+  <p:cSld>
     <p:spTree>
       <p:nvGrpSpPr>
         <p:cNvPr id="1" name=""/>
@@ -7624,7 +7866,9 @@
       <p:sp>
         <p:nvSpPr>
           <p:cNvPr id="64" name="Google Shape;64;p13"/>
-          <p:cNvSpPr txBox="1"/>
+          <p:cNvSpPr txBox="1">
+            <a:spLocks noGrp="1"/>
+          </p:cNvSpPr>
           <p:nvPr>
             <p:ph type="ctrTitle"/>
           </p:nvPr>
@@ -7665,7 +7909,9 @@
       <p:sp>
         <p:nvSpPr>
           <p:cNvPr id="65" name="Google Shape;65;p13"/>
-          <p:cNvSpPr txBox="1"/>
+          <p:cNvSpPr txBox="1">
+            <a:spLocks noGrp="1"/>
+          </p:cNvSpPr>
           <p:nvPr>
             <p:ph type="subTitle" idx="1"/>
           </p:nvPr>
@@ -7734,20 +7980,12 @@
   <p:clrMapOvr>
     <a:masterClrMapping/>
   </p:clrMapOvr>
-  <mc:AlternateContent xmlns:mc="http://schemas.openxmlformats.org/markup-compatibility/2006">
-    <mc:Choice xmlns:p159="http://schemas.microsoft.com/office/powerpoint/2015/09/main" xmlns:p14="http://schemas.microsoft.com/office/powerpoint/2010/main" Requires="p159">
-      <p:transition p14:dur="2000" advClick="1"/>
-    </mc:Choice>
-    <mc:Fallback>
-      <p:transition advClick="1"/>
-    </mc:Fallback>
-  </mc:AlternateContent>
 </p:sld>
 </file>
 
 <file path=ppt/slides/slide2.xml><?xml version="1.0" encoding="utf-8"?>
-<p:sld xmlns:a="http://schemas.openxmlformats.org/drawingml/2006/main" xmlns:r="http://schemas.openxmlformats.org/officeDocument/2006/relationships" xmlns:p="http://schemas.openxmlformats.org/presentationml/2006/main" xmlns:m="http://schemas.openxmlformats.org/officeDocument/2006/math" xmlns:w="http://schemas.openxmlformats.org/wordprocessingml/2006/main" showMasterPhAnim="0" show="1">
-  <p:cSld name="">
+<p:sld xmlns:a="http://schemas.openxmlformats.org/drawingml/2006/main" xmlns:r="http://schemas.openxmlformats.org/officeDocument/2006/relationships" xmlns:p="http://schemas.openxmlformats.org/presentationml/2006/main" showMasterPhAnim="0">
+  <p:cSld>
     <p:spTree>
       <p:nvGrpSpPr>
         <p:cNvPr id="1" name=""/>
@@ -7765,7 +8003,9 @@
       <p:sp>
         <p:nvSpPr>
           <p:cNvPr id="71" name="Google Shape;71;p14"/>
-          <p:cNvSpPr txBox="1"/>
+          <p:cNvSpPr txBox="1">
+            <a:spLocks noGrp="1"/>
+          </p:cNvSpPr>
           <p:nvPr>
             <p:ph type="title"/>
           </p:nvPr>
@@ -7806,7 +8046,9 @@
       <p:sp>
         <p:nvSpPr>
           <p:cNvPr id="72" name="Google Shape;72;p14"/>
-          <p:cNvSpPr txBox="1"/>
+          <p:cNvSpPr txBox="1">
+            <a:spLocks noGrp="1"/>
+          </p:cNvSpPr>
           <p:nvPr>
             <p:ph type="body" idx="1"/>
           </p:nvPr>
@@ -7839,15 +8081,7 @@
             </a:pPr>
             <a:r>
               <a:rPr lang="en" sz="1900"/>
-              <a:t>We are trying to find the best machine learning model for predicting the type of eclipses to take place given </a:t>
-            </a:r>
-            <a:r>
-              <a:rPr lang="en" sz="1900"/>
-              <a:t>previous</a:t>
-            </a:r>
-            <a:r>
-              <a:rPr lang="en" sz="1900"/>
-              <a:t> eclipse data</a:t>
+              <a:t>We are trying to find the best machine learning model for predicting the type of eclipses to take place given previous eclipse data</a:t>
             </a:r>
             <a:endParaRPr sz="1900"/>
           </a:p>
@@ -7865,15 +8099,7 @@
             </a:pPr>
             <a:r>
               <a:rPr lang="en" sz="1900"/>
-              <a:t>We aim to compare the </a:t>
-            </a:r>
-            <a:r>
-              <a:rPr lang="en" sz="1900"/>
-              <a:t>supervised</a:t>
-            </a:r>
-            <a:r>
-              <a:rPr lang="en" sz="1900"/>
-              <a:t> learning models </a:t>
+              <a:t>We aim to compare the supervised learning models </a:t>
             </a:r>
             <a:endParaRPr sz="1900"/>
           </a:p>
@@ -7902,20 +8128,12 @@
   <p:clrMapOvr>
     <a:masterClrMapping/>
   </p:clrMapOvr>
-  <mc:AlternateContent xmlns:mc="http://schemas.openxmlformats.org/markup-compatibility/2006">
-    <mc:Choice xmlns:p159="http://schemas.microsoft.com/office/powerpoint/2015/09/main" xmlns:p14="http://schemas.microsoft.com/office/powerpoint/2010/main" Requires="p159">
-      <p:transition p14:dur="2000" advClick="1"/>
-    </mc:Choice>
-    <mc:Fallback>
-      <p:transition advClick="1"/>
-    </mc:Fallback>
-  </mc:AlternateContent>
 </p:sld>
 </file>
 
 <file path=ppt/slides/slide3.xml><?xml version="1.0" encoding="utf-8"?>
-<p:sld xmlns:a="http://schemas.openxmlformats.org/drawingml/2006/main" xmlns:r="http://schemas.openxmlformats.org/officeDocument/2006/relationships" xmlns:p="http://schemas.openxmlformats.org/presentationml/2006/main" xmlns:m="http://schemas.openxmlformats.org/officeDocument/2006/math" xmlns:w="http://schemas.openxmlformats.org/wordprocessingml/2006/main" showMasterPhAnim="0" show="1">
-  <p:cSld name="">
+<p:sld xmlns:a="http://schemas.openxmlformats.org/drawingml/2006/main" xmlns:r="http://schemas.openxmlformats.org/officeDocument/2006/relationships" xmlns:p="http://schemas.openxmlformats.org/presentationml/2006/main" showMasterPhAnim="0">
+  <p:cSld>
     <p:spTree>
       <p:nvGrpSpPr>
         <p:cNvPr id="1" name=""/>
@@ -7933,7 +8151,9 @@
       <p:sp>
         <p:nvSpPr>
           <p:cNvPr id="77" name="Google Shape;77;p15"/>
-          <p:cNvSpPr txBox="1"/>
+          <p:cNvSpPr txBox="1">
+            <a:spLocks noGrp="1"/>
+          </p:cNvSpPr>
           <p:nvPr>
             <p:ph type="title"/>
           </p:nvPr>
@@ -7970,13 +8190,15 @@
       <p:sp>
         <p:nvSpPr>
           <p:cNvPr id="78" name="Google Shape;78;p15"/>
-          <p:cNvSpPr txBox="1"/>
+          <p:cNvSpPr txBox="1">
+            <a:spLocks noGrp="1"/>
+          </p:cNvSpPr>
           <p:nvPr>
             <p:ph type="body" idx="1"/>
           </p:nvPr>
         </p:nvSpPr>
         <p:spPr bwMode="auto">
-          <a:xfrm flipH="0" flipV="0">
+          <a:xfrm>
             <a:off x="35474" y="1341842"/>
             <a:ext cx="9010510" cy="1077645"/>
           </a:xfrm>
@@ -7985,7 +8207,7 @@
           </a:prstGeom>
         </p:spPr>
         <p:txBody>
-          <a:bodyPr spcFirstLastPara="1" vertOverflow="overflow" horzOverflow="overflow" vert="horz" wrap="square" lIns="91423" tIns="91423" rIns="91423" bIns="91423" numCol="1" spcCol="0" rtlCol="0" fromWordArt="0" anchor="t" anchorCtr="0" forceAA="0" upright="0" compatLnSpc="0">
+          <a:bodyPr spcFirstLastPara="1" vertOverflow="overflow" horzOverflow="overflow" vert="horz" wrap="square" lIns="91423" tIns="91423" rIns="91423" bIns="91423" numCol="1" spcCol="0" rtlCol="0" fromWordArt="0" anchor="t" anchorCtr="0" forceAA="0" compatLnSpc="0">
             <a:normAutofit/>
           </a:bodyPr>
           <a:lstStyle/>
@@ -8229,51 +8451,7 @@
                 <a:ea typeface="Roboto"/>
                 <a:cs typeface="Roboto"/>
               </a:rPr>
-              <a:t>,Geographical Hemisphere,Daytime/Nighttime,</a:t>
-            </a:r>
-            <a:r>
-              <a:rPr lang="en-US" sz="800" b="0" i="0" u="none" strike="noStrike" cap="none" spc="0">
-                <a:solidFill>
-                  <a:schemeClr val="dk2"/>
-                </a:solidFill>
-                <a:latin typeface="Roboto"/>
-                <a:ea typeface="Roboto"/>
-                <a:cs typeface="Roboto"/>
-              </a:rPr>
-              <a:t>Sun Constellation</a:t>
-            </a:r>
-            <a:r>
-              <a:rPr lang="en-US" sz="800" b="0" i="0" u="none" strike="noStrike" cap="none" spc="0">
-                <a:solidFill>
-                  <a:schemeClr val="dk2"/>
-                </a:solidFill>
-                <a:latin typeface="Roboto"/>
-                <a:ea typeface="Roboto"/>
-                <a:cs typeface="Roboto"/>
-              </a:rPr>
-              <a:t>,Inter-Eclipse Duration,Visibility Score,Eclipse Classification,Duration in Seconds,Moon Distance (km),Sun Distance (km),Moon Angular Diameter (degrees),Sun Angular Diameter (degrees),Central Duration Seconds,</a:t>
-            </a:r>
-            <a:r>
-              <a:rPr lang="en-US" sz="800" b="0" i="0" u="none" strike="noStrike" cap="none" spc="0">
-                <a:solidFill>
-                  <a:schemeClr val="dk2"/>
-                </a:solidFill>
-                <a:latin typeface="Roboto"/>
-                <a:ea typeface="Roboto"/>
-                <a:cs typeface="Roboto"/>
-              </a:rPr>
-              <a:t>Normalized Duration</a:t>
-            </a:r>
-            <a:r>
-              <a:rPr lang="en-US" sz="800" b="0" i="0" u="none" strike="noStrike" cap="none" spc="0">
-                <a:solidFill>
-                  <a:schemeClr val="dk2"/>
-                </a:solidFill>
-                <a:latin typeface="Roboto"/>
-                <a:ea typeface="Roboto"/>
-                <a:cs typeface="Roboto"/>
-              </a:rPr>
-              <a:t>,Normalized Path Width,</a:t>
+              <a:t>,Geographical Hemisphere,Daytime/Nighttime,Sun Constellation,Inter-Eclipse Duration,Visibility Score,Eclipse Classification,Duration in Seconds,Moon Distance (km),Sun Distance (km),Moon Angular Diameter (degrees),Sun Angular Diameter (degrees),Central Duration Seconds,Normalized Duration,Normalized Path Width,</a:t>
             </a:r>
             <a:r>
               <a:rPr lang="en-US" sz="800" b="1" i="0" u="none" strike="noStrike" cap="none" spc="0">
@@ -8317,40 +8495,7 @@
                 <a:ea typeface="Roboto"/>
                 <a:cs typeface="Roboto"/>
               </a:rPr>
-              <a:t>,Decade,Localized ESC,ESC Moving Average,ESC Wide-Scale Moving Average,Eclipse Interval,</a:t>
-            </a:r>
-            <a:r>
-              <a:rPr lang="en-US" sz="800" b="0" i="0" u="none" strike="noStrike" cap="none" spc="0">
-                <a:solidFill>
-                  <a:schemeClr val="dk2"/>
-                </a:solidFill>
-                <a:latin typeface="Roboto"/>
-                <a:ea typeface="Roboto"/>
-                <a:cs typeface="Roboto"/>
-              </a:rPr>
-              <a:t>Cluster</a:t>
-            </a:r>
-            <a:r>
-              <a:rPr lang="en-US" sz="800" b="0" i="0" u="none" strike="noStrike" cap="none" spc="0">
-                <a:solidFill>
-                  <a:schemeClr val="dk2"/>
-                </a:solidFill>
-                <a:latin typeface="Roboto"/>
-                <a:ea typeface="Roboto"/>
-                <a:cs typeface="Roboto"/>
-              </a:rPr>
-              <a:t>,</a:t>
-            </a:r>
-            <a:r>
-              <a:rPr lang="en-US" sz="800" b="0" i="0" u="none" strike="noStrike" cap="none" spc="0">
-                <a:solidFill>
-                  <a:schemeClr val="dk2"/>
-                </a:solidFill>
-                <a:latin typeface="Roboto"/>
-                <a:ea typeface="Roboto"/>
-                <a:cs typeface="Roboto"/>
-              </a:rPr>
-              <a:t>Cluster 6</a:t>
+              <a:t>,Decade,Localized ESC,ESC Moving Average,ESC Wide-Scale Moving Average,Eclipse Interval,Cluster,Cluster 6</a:t>
             </a:r>
             <a:endParaRPr sz="800"/>
           </a:p>
@@ -8376,12 +8521,12 @@
       </p:sp>
       <p:sp>
         <p:nvSpPr>
-          <p:cNvPr id="1853674807" name=""/>
+          <p:cNvPr id="1853674807" name="TextBox 1853674806"/>
           <p:cNvSpPr txBox="1"/>
           <p:nvPr/>
         </p:nvSpPr>
         <p:spPr bwMode="auto">
-          <a:xfrm flipH="0" flipV="0">
+          <a:xfrm>
             <a:off x="42426" y="2516824"/>
             <a:ext cx="9065140" cy="1920599"/>
           </a:xfrm>
@@ -8391,9 +8536,10 @@
           <a:noFill/>
         </p:spPr>
         <p:txBody>
-          <a:bodyPr vertOverflow="overflow" horzOverflow="overflow" vert="horz" wrap="square" lIns="91440" tIns="45720" rIns="91440" bIns="45720" numCol="1" spcCol="0" rtlCol="0" fromWordArt="0" anchor="t" anchorCtr="0" forceAA="0" upright="0" compatLnSpc="0">
+          <a:bodyPr vertOverflow="overflow" horzOverflow="overflow" vert="horz" wrap="square" lIns="91440" tIns="45720" rIns="91440" bIns="45720" numCol="1" spcCol="0" rtlCol="0" fromWordArt="0" anchor="t" anchorCtr="0" forceAA="0" compatLnSpc="0">
             <a:spAutoFit/>
           </a:bodyPr>
+          <a:lstStyle/>
           <a:p>
             <a:pPr marL="457200" marR="0" lvl="0" indent="-311149" algn="l" defTabSz="914400">
               <a:lnSpc>
@@ -8497,18 +8643,7 @@
                 <a:ea typeface="Roboto"/>
                 <a:cs typeface="Roboto"/>
               </a:rPr>
-              <a:t>: </a:t>
-            </a:r>
-            <a:r>
-              <a:rPr lang="en-US" sz="1000" b="0" i="0" u="none" strike="noStrike" cap="none" spc="0">
-                <a:solidFill>
-                  <a:srgbClr val="666666"/>
-                </a:solidFill>
-                <a:latin typeface="Roboto"/>
-                <a:ea typeface="Roboto"/>
-                <a:cs typeface="Roboto"/>
-              </a:rPr>
-              <a:t>An enumeration system for identifying lunar months </a:t>
+              <a:t>: An enumeration system for identifying lunar months </a:t>
             </a:r>
             <a:endParaRPr sz="1000" b="0" i="0" u="none" strike="noStrike" cap="none" spc="0">
               <a:solidFill>
@@ -8565,18 +8700,7 @@
                 <a:ea typeface="Roboto"/>
                 <a:cs typeface="Roboto"/>
               </a:rPr>
-              <a:t>: </a:t>
-            </a:r>
-            <a:r>
-              <a:rPr lang="en-US" sz="1000" b="0" i="0" u="none" strike="noStrike" cap="none" spc="0">
-                <a:solidFill>
-                  <a:srgbClr val="666666"/>
-                </a:solidFill>
-                <a:latin typeface="Roboto"/>
-                <a:ea typeface="Roboto"/>
-                <a:cs typeface="Roboto"/>
-              </a:rPr>
-              <a:t>Identifies the eclipse cycle, a period of approximately 18 years</a:t>
+              <a:t>: Identifies the eclipse cycle, a period of approximately 18 years</a:t>
             </a:r>
             <a:endParaRPr sz="1000" b="0" i="0" u="none" strike="noStrike" cap="none" spc="0">
               <a:solidFill>
@@ -8633,27 +8757,8 @@
                 <a:ea typeface="Roboto"/>
                 <a:cs typeface="Roboto"/>
               </a:rPr>
-              <a:t>: </a:t>
-            </a:r>
-            <a:r>
-              <a:rPr lang="en-US" sz="1000" b="0" i="0" u="none" strike="noStrike" cap="none" spc="0">
-                <a:solidFill>
-                  <a:srgbClr val="666666"/>
-                </a:solidFill>
-                <a:latin typeface="Roboto"/>
-                <a:ea typeface="Roboto"/>
-                <a:cs typeface="Roboto"/>
-              </a:rPr>
-              <a:t>Fraction of the Sun's diameter obscured by the Moon at the maximum point of the eclipse </a:t>
-            </a:r>
-            <a:endParaRPr lang="en-US" sz="1000" b="0" i="0" u="none" strike="noStrike" cap="none" spc="0">
-              <a:solidFill>
-                <a:srgbClr val="666666"/>
-              </a:solidFill>
-              <a:latin typeface="Roboto"/>
-              <a:ea typeface="Roboto"/>
-              <a:cs typeface="Roboto"/>
-            </a:endParaRPr>
+              <a:t>: Fraction of the Sun's diameter obscured by the Moon at the maximum point of the eclipse </a:t>
+            </a:r>
           </a:p>
           <a:p>
             <a:pPr marL="457200" marR="0" lvl="0" indent="-311149" algn="l" defTabSz="914400">
@@ -8701,27 +8806,8 @@
                 <a:ea typeface="Roboto"/>
                 <a:cs typeface="Roboto"/>
               </a:rPr>
-              <a:t>: </a:t>
-            </a:r>
-            <a:r>
-              <a:rPr lang="en-US" sz="1000" b="0" i="0" u="none" strike="noStrike" cap="none" spc="0">
-                <a:solidFill>
-                  <a:srgbClr val="666666"/>
-                </a:solidFill>
-                <a:latin typeface="Roboto"/>
-                <a:ea typeface="Roboto"/>
-                <a:cs typeface="Roboto"/>
-              </a:rPr>
-              <a:t>Measures how centrally the moon's shadow passes across Earth </a:t>
-            </a:r>
-            <a:endParaRPr lang="en-US" sz="1000" b="0" i="0" u="none" strike="noStrike" cap="none" spc="0">
-              <a:solidFill>
-                <a:srgbClr val="666666"/>
-              </a:solidFill>
-              <a:latin typeface="Roboto"/>
-              <a:ea typeface="Roboto"/>
-              <a:cs typeface="Roboto"/>
-            </a:endParaRPr>
+              <a:t>: Measures how centrally the moon's shadow passes across Earth </a:t>
+            </a:r>
           </a:p>
           <a:p>
             <a:pPr marL="457200" marR="0" lvl="0" indent="-311149" algn="l" defTabSz="914400">
@@ -8769,27 +8855,8 @@
                 <a:ea typeface="Roboto"/>
                 <a:cs typeface="Roboto"/>
               </a:rPr>
-              <a:t>: </a:t>
-            </a:r>
-            <a:r>
-              <a:rPr lang="en-US" sz="1000" b="0" i="0" u="none" strike="noStrike" cap="none" spc="0">
-                <a:solidFill>
-                  <a:srgbClr val="666666"/>
-                </a:solidFill>
-                <a:latin typeface="Roboto"/>
-                <a:ea typeface="Roboto"/>
-                <a:cs typeface="Roboto"/>
-              </a:rPr>
-              <a:t>Fraction of the Sun's diameter obscured by the Moon at the maximum point of the eclipse </a:t>
-            </a:r>
-            <a:endParaRPr lang="en-US" sz="1000" b="0" i="0" u="none" strike="noStrike" cap="none" spc="0">
-              <a:solidFill>
-                <a:srgbClr val="666666"/>
-              </a:solidFill>
-              <a:latin typeface="Roboto"/>
-              <a:ea typeface="Roboto"/>
-              <a:cs typeface="Roboto"/>
-            </a:endParaRPr>
+              <a:t>: Fraction of the Sun's diameter obscured by the Moon at the maximum point of the eclipse </a:t>
+            </a:r>
           </a:p>
           <a:p>
             <a:pPr marL="457200" marR="0" lvl="0" indent="-311149" algn="l" defTabSz="914400">
@@ -8837,27 +8904,8 @@
                 <a:ea typeface="Roboto"/>
                 <a:cs typeface="Roboto"/>
               </a:rPr>
-              <a:t>: </a:t>
-            </a:r>
-            <a:r>
-              <a:rPr lang="en-US" sz="1000" b="0" i="0" u="none" strike="noStrike" cap="none" spc="0">
-                <a:solidFill>
-                  <a:srgbClr val="666666"/>
-                </a:solidFill>
-                <a:latin typeface="Roboto"/>
-                <a:ea typeface="Roboto"/>
-                <a:cs typeface="Roboto"/>
-              </a:rPr>
-              <a:t>The suns angular position along the horizon</a:t>
-            </a:r>
-            <a:endParaRPr lang="en-US" sz="1000" b="0" i="0" u="none" strike="noStrike" cap="none" spc="0">
-              <a:solidFill>
-                <a:srgbClr val="666666"/>
-              </a:solidFill>
-              <a:latin typeface="Roboto"/>
-              <a:ea typeface="Roboto"/>
-              <a:cs typeface="Roboto"/>
-            </a:endParaRPr>
+              <a:t>: The suns angular position along the horizon</a:t>
+            </a:r>
           </a:p>
           <a:p>
             <a:pPr marL="457200" marR="0" lvl="0" indent="-311149" algn="l" defTabSz="914400">
@@ -8905,27 +8953,8 @@
                 <a:ea typeface="Roboto"/>
                 <a:cs typeface="Roboto"/>
               </a:rPr>
-              <a:t>: </a:t>
-            </a:r>
-            <a:r>
-              <a:rPr lang="en-US" sz="1000" b="0" i="0" u="none" strike="noStrike" cap="none" spc="0">
-                <a:solidFill>
-                  <a:srgbClr val="666666"/>
-                </a:solidFill>
-                <a:latin typeface="Roboto"/>
-                <a:ea typeface="Roboto"/>
-                <a:cs typeface="Roboto"/>
-              </a:rPr>
-              <a:t> the angular distance of the Moon from the Earth's equatorial plane </a:t>
-            </a:r>
-            <a:endParaRPr lang="en-US" sz="1000" b="0" i="0" u="none" strike="noStrike" cap="none" spc="0">
-              <a:solidFill>
-                <a:srgbClr val="666666"/>
-              </a:solidFill>
-              <a:latin typeface="Roboto"/>
-              <a:ea typeface="Roboto"/>
-              <a:cs typeface="Roboto"/>
-            </a:endParaRPr>
+              <a:t>:  the angular distance of the Moon from the Earth's equatorial plane </a:t>
+            </a:r>
           </a:p>
           <a:p>
             <a:pPr marL="457200" marR="0" lvl="0" indent="-311149" algn="l" defTabSz="914400">
@@ -8973,27 +9002,8 @@
                 <a:ea typeface="Roboto"/>
                 <a:cs typeface="Roboto"/>
               </a:rPr>
-              <a:t>: </a:t>
-            </a:r>
-            <a:r>
-              <a:rPr lang="en-US" sz="1000" b="0" i="0" u="none" strike="noStrike" cap="none" spc="0">
-                <a:solidFill>
-                  <a:srgbClr val="666666"/>
-                </a:solidFill>
-                <a:latin typeface="Roboto"/>
-                <a:ea typeface="Roboto"/>
-                <a:cs typeface="Roboto"/>
-              </a:rPr>
-              <a:t>the longitudinal position of the Moon at the time of the eclipse </a:t>
-            </a:r>
-            <a:endParaRPr lang="en-US" sz="1000" b="0" i="0" u="none" strike="noStrike" cap="none" spc="0">
-              <a:solidFill>
-                <a:srgbClr val="666666"/>
-              </a:solidFill>
-              <a:latin typeface="Roboto"/>
-              <a:ea typeface="Roboto"/>
-              <a:cs typeface="Roboto"/>
-            </a:endParaRPr>
+              <a:t>: the longitudinal position of the Moon at the time of the eclipse </a:t>
+            </a:r>
           </a:p>
           <a:p>
             <a:pPr marL="457200" marR="0" lvl="0" indent="-311149" algn="l" defTabSz="914400">
@@ -9041,27 +9051,8 @@
                 <a:ea typeface="Roboto"/>
                 <a:cs typeface="Roboto"/>
               </a:rPr>
-              <a:t>: </a:t>
-            </a:r>
-            <a:r>
-              <a:rPr lang="en-US" sz="1000" b="0" i="0" u="none" strike="noStrike" cap="none" spc="0">
-                <a:solidFill>
-                  <a:srgbClr val="666666"/>
-                </a:solidFill>
-                <a:latin typeface="Roboto"/>
-                <a:ea typeface="Roboto"/>
-                <a:cs typeface="Roboto"/>
-              </a:rPr>
-              <a:t>the tilt of the Earth's axis relative to its orbital plane around the Sun</a:t>
-            </a:r>
-            <a:endParaRPr lang="en-US" sz="1000" b="0" i="0" u="none" strike="noStrike" cap="none" spc="0">
-              <a:solidFill>
-                <a:srgbClr val="666666"/>
-              </a:solidFill>
-              <a:latin typeface="Roboto"/>
-              <a:ea typeface="Roboto"/>
-              <a:cs typeface="Roboto"/>
-            </a:endParaRPr>
+              <a:t>: the tilt of the Earth's axis relative to its orbital plane around the Sun</a:t>
+            </a:r>
           </a:p>
           <a:p>
             <a:pPr marL="457200" marR="0" lvl="0" indent="-311149" algn="l" defTabSz="914400">
@@ -9109,27 +9100,8 @@
                 <a:ea typeface="Roboto"/>
                 <a:cs typeface="Roboto"/>
               </a:rPr>
-              <a:t>: </a:t>
-            </a:r>
-            <a:r>
-              <a:rPr lang="en-US" sz="1000" b="0" i="0" u="none" strike="noStrike" cap="none" spc="0">
-                <a:solidFill>
-                  <a:srgbClr val="666666"/>
-                </a:solidFill>
-                <a:latin typeface="Roboto"/>
-                <a:ea typeface="Roboto"/>
-                <a:cs typeface="Roboto"/>
-              </a:rPr>
-              <a:t>the Heliocentric Earth Angular Size data </a:t>
-            </a:r>
-            <a:endParaRPr lang="en-US" sz="1000" b="0" i="0" u="none" strike="noStrike" cap="none" spc="0">
-              <a:solidFill>
-                <a:srgbClr val="666666"/>
-              </a:solidFill>
-              <a:latin typeface="Roboto"/>
-              <a:ea typeface="Roboto"/>
-              <a:cs typeface="Roboto"/>
-            </a:endParaRPr>
+              <a:t>: the Heliocentric Earth Angular Size data </a:t>
+            </a:r>
           </a:p>
           <a:p>
             <a:pPr marL="457200" marR="0" lvl="0" indent="-311149" algn="l" defTabSz="914400">
@@ -9177,27 +9149,8 @@
                 <a:ea typeface="Roboto"/>
                 <a:cs typeface="Roboto"/>
               </a:rPr>
-              <a:t>: </a:t>
-            </a:r>
-            <a:r>
-              <a:rPr lang="en-US" sz="1000" b="0" i="0" u="none" strike="noStrike" cap="none" spc="0">
-                <a:solidFill>
-                  <a:srgbClr val="666666"/>
-                </a:solidFill>
-                <a:latin typeface="Roboto"/>
-                <a:ea typeface="Roboto"/>
-                <a:cs typeface="Roboto"/>
-              </a:rPr>
-              <a:t>This index is a measure used to quantify the quality and significance of information </a:t>
-            </a:r>
-            <a:endParaRPr lang="en-US" sz="1000" b="0" i="0" u="none" strike="noStrike" cap="none" spc="0">
-              <a:solidFill>
-                <a:srgbClr val="666666"/>
-              </a:solidFill>
-              <a:latin typeface="Roboto"/>
-              <a:ea typeface="Roboto"/>
-              <a:cs typeface="Roboto"/>
-            </a:endParaRPr>
+              <a:t>: This index is a measure used to quantify the quality and significance of information </a:t>
+            </a:r>
           </a:p>
         </p:txBody>
       </p:sp>
@@ -9206,20 +9159,12 @@
   <p:clrMapOvr>
     <a:masterClrMapping/>
   </p:clrMapOvr>
-  <mc:AlternateContent xmlns:mc="http://schemas.openxmlformats.org/markup-compatibility/2006">
-    <mc:Choice xmlns:p159="http://schemas.microsoft.com/office/powerpoint/2015/09/main" xmlns:p14="http://schemas.microsoft.com/office/powerpoint/2010/main" Requires="p159">
-      <p:transition p14:dur="2000" advClick="1"/>
-    </mc:Choice>
-    <mc:Fallback>
-      <p:transition advClick="1"/>
-    </mc:Fallback>
-  </mc:AlternateContent>
 </p:sld>
 </file>
 
 <file path=ppt/slides/slide4.xml><?xml version="1.0" encoding="utf-8"?>
-<p:sld xmlns:a="http://schemas.openxmlformats.org/drawingml/2006/main" xmlns:r="http://schemas.openxmlformats.org/officeDocument/2006/relationships" xmlns:p="http://schemas.openxmlformats.org/presentationml/2006/main" xmlns:m="http://schemas.openxmlformats.org/officeDocument/2006/math" xmlns:w="http://schemas.openxmlformats.org/wordprocessingml/2006/main" showMasterPhAnim="0" show="1">
-  <p:cSld name="">
+<p:sld xmlns:a="http://schemas.openxmlformats.org/drawingml/2006/main" xmlns:r="http://schemas.openxmlformats.org/officeDocument/2006/relationships" xmlns:p="http://schemas.openxmlformats.org/presentationml/2006/main" showMasterPhAnim="0">
+  <p:cSld>
     <p:spTree>
       <p:nvGrpSpPr>
         <p:cNvPr id="1" name=""/>
@@ -9237,7 +9182,9 @@
       <p:sp>
         <p:nvSpPr>
           <p:cNvPr id="83" name="Google Shape;83;p16"/>
-          <p:cNvSpPr txBox="1"/>
+          <p:cNvSpPr txBox="1">
+            <a:spLocks noGrp="1"/>
+          </p:cNvSpPr>
           <p:nvPr>
             <p:ph type="title"/>
           </p:nvPr>
@@ -9274,13 +9221,15 @@
       <p:sp>
         <p:nvSpPr>
           <p:cNvPr id="84" name="Google Shape;84;p16"/>
-          <p:cNvSpPr txBox="1"/>
+          <p:cNvSpPr txBox="1">
+            <a:spLocks noGrp="1"/>
+          </p:cNvSpPr>
           <p:nvPr>
             <p:ph type="body" idx="1"/>
           </p:nvPr>
         </p:nvSpPr>
         <p:spPr bwMode="auto">
-          <a:xfrm flipH="0" flipV="0">
+          <a:xfrm>
             <a:off x="236755" y="1404757"/>
             <a:ext cx="8595569" cy="1821228"/>
           </a:xfrm>
@@ -9289,7 +9238,7 @@
           </a:prstGeom>
         </p:spPr>
         <p:txBody>
-          <a:bodyPr spcFirstLastPara="1" vertOverflow="overflow" horzOverflow="overflow" vert="horz" wrap="square" lIns="91423" tIns="91423" rIns="91423" bIns="91423" numCol="1" spcCol="0" rtlCol="0" fromWordArt="0" anchor="t" anchorCtr="0" forceAA="0" upright="0" compatLnSpc="0">
+          <a:bodyPr spcFirstLastPara="1" vertOverflow="overflow" horzOverflow="overflow" vert="horz" wrap="square" lIns="91423" tIns="91423" rIns="91423" bIns="91423" numCol="1" spcCol="0" rtlCol="0" fromWordArt="0" anchor="t" anchorCtr="0" forceAA="0" compatLnSpc="0">
             <a:normAutofit/>
           </a:bodyPr>
           <a:lstStyle/>
@@ -9334,18 +9283,7 @@
                 <a:ea typeface="Roboto"/>
                 <a:cs typeface="Roboto"/>
               </a:rPr>
-              <a:t>Delta T (s),</a:t>
-            </a:r>
-            <a:r>
-              <a:rPr lang="en-US" sz="1200" b="1" i="0" u="none" strike="noStrike" cap="none" spc="0">
-                <a:solidFill>
-                  <a:schemeClr val="dk2"/>
-                </a:solidFill>
-                <a:latin typeface="Roboto"/>
-                <a:ea typeface="Roboto"/>
-                <a:cs typeface="Roboto"/>
-              </a:rPr>
-              <a:t>Lunation Number,Saros Number,Eclipse Type,Gamma,Eclipse Magnitude</a:t>
+              <a:t>Delta T (s),Lunation Number,Saros Number,Eclipse Type,Gamma,Eclipse Magnitude</a:t>
             </a:r>
             <a:r>
               <a:rPr lang="en-US" sz="1200" b="0" i="0" u="none" strike="noStrike" cap="none" spc="0">
@@ -9367,18 +9305,7 @@
                 <a:ea typeface="Roboto"/>
                 <a:cs typeface="Roboto"/>
               </a:rPr>
-              <a:t>Sun Altitude,Sun Azimuth,Path Width (km</a:t>
-            </a:r>
-            <a:r>
-              <a:rPr lang="en-US" sz="1200" b="1" i="0" u="none" strike="noStrike" cap="none" spc="0">
-                <a:solidFill>
-                  <a:schemeClr val="dk2"/>
-                </a:solidFill>
-                <a:latin typeface="Roboto"/>
-                <a:ea typeface="Roboto"/>
-                <a:cs typeface="Roboto"/>
-              </a:rPr>
-              <a:t>),</a:t>
+              <a:t>Sun Altitude,Sun Azimuth,Path Width (km),</a:t>
             </a:r>
             <a:r>
               <a:rPr lang="en-US" sz="1200" b="0" i="0" u="none" strike="noStrike" cap="none" spc="0">
@@ -9579,12 +9506,12 @@
       </p:sp>
       <p:sp>
         <p:nvSpPr>
-          <p:cNvPr id="1880450131" name=""/>
+          <p:cNvPr id="1880450131" name="TextBox 1880450130"/>
           <p:cNvSpPr txBox="1"/>
           <p:nvPr/>
         </p:nvSpPr>
         <p:spPr bwMode="auto">
-          <a:xfrm flipH="0" flipV="0">
+          <a:xfrm>
             <a:off x="390054" y="3369066"/>
             <a:ext cx="8763231" cy="518519"/>
           </a:xfrm>
@@ -9594,9 +9521,10 @@
           <a:noFill/>
         </p:spPr>
         <p:txBody>
-          <a:bodyPr vertOverflow="overflow" horzOverflow="overflow" vert="horz" wrap="square" lIns="91440" tIns="45720" rIns="91440" bIns="45720" numCol="1" spcCol="0" rtlCol="0" fromWordArt="0" anchor="t" anchorCtr="0" forceAA="0" upright="0" compatLnSpc="0">
+          <a:bodyPr vertOverflow="overflow" horzOverflow="overflow" vert="horz" wrap="square" lIns="91440" tIns="45720" rIns="91440" bIns="45720" numCol="1" spcCol="0" rtlCol="0" fromWordArt="0" anchor="t" anchorCtr="0" forceAA="0" compatLnSpc="0">
             <a:spAutoFit/>
           </a:bodyPr>
+          <a:lstStyle/>
           <a:p>
             <a:pPr marL="239821" indent="-239821">
               <a:buFont typeface="Arial"/>
@@ -9604,10 +9532,8 @@
               <a:defRPr/>
             </a:pPr>
             <a:r>
-              <a:rPr/>
               <a:t>Non-bold are dropped</a:t>
             </a:r>
-            <a:endParaRPr/>
           </a:p>
           <a:p>
             <a:pPr marL="239821" indent="-239821">
@@ -9616,10 +9542,8 @@
               <a:defRPr/>
             </a:pPr>
             <a:r>
-              <a:rPr/>
               <a:t>Non-bold are less or not relevant to predicting the eclipse type</a:t>
             </a:r>
-            <a:endParaRPr/>
           </a:p>
         </p:txBody>
       </p:sp>
@@ -9628,20 +9552,12 @@
   <p:clrMapOvr>
     <a:masterClrMapping/>
   </p:clrMapOvr>
-  <mc:AlternateContent xmlns:mc="http://schemas.openxmlformats.org/markup-compatibility/2006">
-    <mc:Choice xmlns:p159="http://schemas.microsoft.com/office/powerpoint/2015/09/main" xmlns:p14="http://schemas.microsoft.com/office/powerpoint/2010/main" Requires="p159">
-      <p:transition p14:dur="2000" advClick="1"/>
-    </mc:Choice>
-    <mc:Fallback>
-      <p:transition advClick="1"/>
-    </mc:Fallback>
-  </mc:AlternateContent>
 </p:sld>
 </file>
 
 <file path=ppt/slides/slide5.xml><?xml version="1.0" encoding="utf-8"?>
-<p:sld xmlns:a="http://schemas.openxmlformats.org/drawingml/2006/main" xmlns:r="http://schemas.openxmlformats.org/officeDocument/2006/relationships" xmlns:p="http://schemas.openxmlformats.org/presentationml/2006/main" xmlns:m="http://schemas.openxmlformats.org/officeDocument/2006/math" xmlns:w="http://schemas.openxmlformats.org/wordprocessingml/2006/main" showMasterPhAnim="0" show="1">
-  <p:cSld name="">
+<p:sld xmlns:a="http://schemas.openxmlformats.org/drawingml/2006/main" xmlns:r="http://schemas.openxmlformats.org/officeDocument/2006/relationships" xmlns:p="http://schemas.openxmlformats.org/presentationml/2006/main" showMasterPhAnim="0">
+  <p:cSld>
     <p:spTree>
       <p:nvGrpSpPr>
         <p:cNvPr id="1" name=""/>
@@ -9659,7 +9575,9 @@
       <p:sp>
         <p:nvSpPr>
           <p:cNvPr id="89" name="Google Shape;89;p17"/>
-          <p:cNvSpPr txBox="1"/>
+          <p:cNvSpPr txBox="1">
+            <a:spLocks noGrp="1"/>
+          </p:cNvSpPr>
           <p:nvPr>
             <p:ph type="title"/>
           </p:nvPr>
@@ -9700,7 +9618,9 @@
       <p:sp>
         <p:nvSpPr>
           <p:cNvPr id="90" name="Google Shape;90;p17"/>
-          <p:cNvSpPr txBox="1"/>
+          <p:cNvSpPr txBox="1">
+            <a:spLocks noGrp="1"/>
+          </p:cNvSpPr>
           <p:nvPr>
             <p:ph type="body" idx="1"/>
           </p:nvPr>
@@ -9734,7 +9654,6 @@
               <a:rPr sz="1900"/>
               <a:t>We tried kNN, Linear Regression, Logistic Regression, SVM, and Gradient Boosted Trees</a:t>
             </a:r>
-            <a:endParaRPr sz="1900"/>
           </a:p>
           <a:p>
             <a:pPr marL="0" lvl="0" indent="0" algn="l">
@@ -9751,7 +9670,6 @@
               <a:rPr sz="1900"/>
               <a:t>The models with the highest accuracy before mapping were logistic regression and SVM.</a:t>
             </a:r>
-            <a:endParaRPr sz="1900"/>
           </a:p>
           <a:p>
             <a:pPr marL="0" lvl="0" indent="0" algn="l">
@@ -9784,7 +9702,6 @@
               <a:rPr sz="1900" b="0"/>
               <a:t> (70%) in close second.</a:t>
             </a:r>
-            <a:endParaRPr sz="1900" b="0"/>
           </a:p>
         </p:txBody>
       </p:sp>
@@ -9793,20 +9710,12 @@
   <p:clrMapOvr>
     <a:masterClrMapping/>
   </p:clrMapOvr>
-  <mc:AlternateContent xmlns:mc="http://schemas.openxmlformats.org/markup-compatibility/2006">
-    <mc:Choice xmlns:p159="http://schemas.microsoft.com/office/powerpoint/2015/09/main" xmlns:p14="http://schemas.microsoft.com/office/powerpoint/2010/main" Requires="p159">
-      <p:transition p14:dur="2000" advClick="1"/>
-    </mc:Choice>
-    <mc:Fallback>
-      <p:transition advClick="1"/>
-    </mc:Fallback>
-  </mc:AlternateContent>
 </p:sld>
 </file>
 
 <file path=ppt/slides/slide6.xml><?xml version="1.0" encoding="utf-8"?>
-<p:sld xmlns:a="http://schemas.openxmlformats.org/drawingml/2006/main" xmlns:r="http://schemas.openxmlformats.org/officeDocument/2006/relationships" xmlns:p="http://schemas.openxmlformats.org/presentationml/2006/main" xmlns:m="http://schemas.openxmlformats.org/officeDocument/2006/math" xmlns:w="http://schemas.openxmlformats.org/wordprocessingml/2006/main" showMasterPhAnim="0" show="1">
-  <p:cSld name="">
+<p:sld xmlns:a="http://schemas.openxmlformats.org/drawingml/2006/main" xmlns:r="http://schemas.openxmlformats.org/officeDocument/2006/relationships" xmlns:p="http://schemas.openxmlformats.org/presentationml/2006/main" showMasterPhAnim="0">
+  <p:cSld>
     <p:spTree>
       <p:nvGrpSpPr>
         <p:cNvPr id="1" name=""/>
@@ -9824,7 +9733,9 @@
       <p:sp>
         <p:nvSpPr>
           <p:cNvPr id="95" name="Google Shape;95;p18"/>
-          <p:cNvSpPr txBox="1"/>
+          <p:cNvSpPr txBox="1">
+            <a:spLocks noGrp="1"/>
+          </p:cNvSpPr>
           <p:nvPr>
             <p:ph type="title"/>
           </p:nvPr>
@@ -9865,7 +9776,9 @@
       <p:sp>
         <p:nvSpPr>
           <p:cNvPr id="96" name="Google Shape;96;p18"/>
-          <p:cNvSpPr txBox="1"/>
+          <p:cNvSpPr txBox="1">
+            <a:spLocks noGrp="1"/>
+          </p:cNvSpPr>
           <p:nvPr>
             <p:ph type="body" idx="1"/>
           </p:nvPr>
@@ -9895,7 +9808,127 @@
               <a:buNone/>
               <a:defRPr/>
             </a:pPr>
-            <a:endParaRPr/>
+            <a:r>
+              <a:rPr lang="en-US" dirty="0"/>
+              <a:t>In our best models, KNN, and SVM, the parameters adjusted are the following:</a:t>
+            </a:r>
+          </a:p>
+          <a:p>
+            <a:pPr marL="285750" indent="-285750">
+              <a:spcAft>
+                <a:spcPts val="1200"/>
+              </a:spcAft>
+              <a:defRPr/>
+            </a:pPr>
+            <a:r>
+              <a:rPr lang="en-US" dirty="0"/>
+              <a:t>KNN</a:t>
+            </a:r>
+          </a:p>
+          <a:p>
+            <a:pPr marL="742950" lvl="1" indent="-285750">
+              <a:spcAft>
+                <a:spcPts val="1200"/>
+              </a:spcAft>
+              <a:defRPr/>
+            </a:pPr>
+            <a:r>
+              <a:rPr lang="en-US" dirty="0" err="1"/>
+              <a:t>n_neighbors</a:t>
+            </a:r>
+            <a:r>
+              <a:rPr lang="en-US" dirty="0"/>
+              <a:t>, distance metric formula, and Metric weights</a:t>
+            </a:r>
+          </a:p>
+          <a:p>
+            <a:pPr marL="285750" indent="-285750">
+              <a:spcAft>
+                <a:spcPts val="1200"/>
+              </a:spcAft>
+              <a:defRPr/>
+            </a:pPr>
+            <a:r>
+              <a:rPr lang="en-US" dirty="0"/>
+              <a:t>SVM</a:t>
+            </a:r>
+          </a:p>
+          <a:p>
+            <a:pPr marL="742950" lvl="1" indent="-285750">
+              <a:spcAft>
+                <a:spcPts val="1200"/>
+              </a:spcAft>
+              <a:defRPr/>
+            </a:pPr>
+            <a:r>
+              <a:rPr lang="en-US" dirty="0" err="1"/>
+              <a:t>svm_C</a:t>
+            </a:r>
+            <a:r>
+              <a:rPr lang="en-US" dirty="0"/>
+              <a:t>, </a:t>
+            </a:r>
+            <a:r>
+              <a:rPr lang="en-US" dirty="0" err="1"/>
+              <a:t>svm_kernel</a:t>
+            </a:r>
+            <a:r>
+              <a:rPr lang="en-US" dirty="0"/>
+              <a:t>, </a:t>
+            </a:r>
+            <a:r>
+              <a:rPr lang="en-US" dirty="0" err="1"/>
+              <a:t>svm_probability</a:t>
+            </a:r>
+            <a:r>
+              <a:rPr lang="en-US" dirty="0"/>
+              <a:t>, and </a:t>
+            </a:r>
+            <a:r>
+              <a:rPr lang="en-US" dirty="0" err="1"/>
+              <a:t>svm_class_weight</a:t>
+            </a:r>
+            <a:endParaRPr lang="en-US" dirty="0"/>
+          </a:p>
+          <a:p>
+            <a:pPr marL="0" indent="0">
+              <a:spcAft>
+                <a:spcPts val="1200"/>
+              </a:spcAft>
+              <a:buNone/>
+              <a:defRPr/>
+            </a:pPr>
+            <a:endParaRPr lang="en-US" dirty="0"/>
+          </a:p>
+          <a:p>
+            <a:pPr marL="0" indent="0">
+              <a:spcAft>
+                <a:spcPts val="1200"/>
+              </a:spcAft>
+              <a:buNone/>
+              <a:defRPr/>
+            </a:pPr>
+            <a:r>
+              <a:rPr lang="en-US" dirty="0"/>
+              <a:t>We Tested these parameters dynamically using a param grid in tandem with a </a:t>
+            </a:r>
+            <a:r>
+              <a:rPr lang="en-US" dirty="0" err="1"/>
+              <a:t>GridSearchCV</a:t>
+            </a:r>
+            <a:r>
+              <a:rPr lang="en-US" dirty="0"/>
+              <a:t> to dynamically choose parameters.</a:t>
+            </a:r>
+          </a:p>
+          <a:p>
+            <a:pPr marL="742950" lvl="1" indent="-285750">
+              <a:spcAft>
+                <a:spcPts val="1200"/>
+              </a:spcAft>
+              <a:defRPr/>
+            </a:pPr>
+            <a:endParaRPr lang="en-US" dirty="0"/>
           </a:p>
         </p:txBody>
       </p:sp>
@@ -9904,20 +9937,12 @@
   <p:clrMapOvr>
     <a:masterClrMapping/>
   </p:clrMapOvr>
-  <mc:AlternateContent xmlns:mc="http://schemas.openxmlformats.org/markup-compatibility/2006">
-    <mc:Choice xmlns:p159="http://schemas.microsoft.com/office/powerpoint/2015/09/main" xmlns:p14="http://schemas.microsoft.com/office/powerpoint/2010/main" Requires="p159">
-      <p:transition p14:dur="2000" advClick="1"/>
-    </mc:Choice>
-    <mc:Fallback>
-      <p:transition advClick="1"/>
-    </mc:Fallback>
-  </mc:AlternateContent>
 </p:sld>
 </file>
 
 <file path=ppt/slides/slide7.xml><?xml version="1.0" encoding="utf-8"?>
-<p:sld xmlns:a="http://schemas.openxmlformats.org/drawingml/2006/main" xmlns:r="http://schemas.openxmlformats.org/officeDocument/2006/relationships" xmlns:p="http://schemas.openxmlformats.org/presentationml/2006/main" xmlns:m="http://schemas.openxmlformats.org/officeDocument/2006/math" xmlns:w="http://schemas.openxmlformats.org/wordprocessingml/2006/main" showMasterPhAnim="0" show="1">
-  <p:cSld name="">
+<p:sld xmlns:a="http://schemas.openxmlformats.org/drawingml/2006/main" xmlns:r="http://schemas.openxmlformats.org/officeDocument/2006/relationships" xmlns:p="http://schemas.openxmlformats.org/presentationml/2006/main" showMasterPhAnim="0">
+  <p:cSld>
     <p:spTree>
       <p:nvGrpSpPr>
         <p:cNvPr id="1" name=""/>
@@ -9935,7 +9960,9 @@
       <p:sp>
         <p:nvSpPr>
           <p:cNvPr id="101" name="Google Shape;101;p19"/>
-          <p:cNvSpPr txBox="1"/>
+          <p:cNvSpPr txBox="1">
+            <a:spLocks noGrp="1"/>
+          </p:cNvSpPr>
           <p:nvPr>
             <p:ph type="title"/>
           </p:nvPr>
@@ -9976,7 +10003,9 @@
       <p:sp>
         <p:nvSpPr>
           <p:cNvPr id="102" name="Google Shape;102;p19"/>
-          <p:cNvSpPr txBox="1"/>
+          <p:cNvSpPr txBox="1">
+            <a:spLocks noGrp="1"/>
+          </p:cNvSpPr>
           <p:nvPr>
             <p:ph type="body" idx="1"/>
           </p:nvPr>
@@ -10015,20 +10044,12 @@
   <p:clrMapOvr>
     <a:masterClrMapping/>
   </p:clrMapOvr>
-  <mc:AlternateContent xmlns:mc="http://schemas.openxmlformats.org/markup-compatibility/2006">
-    <mc:Choice xmlns:p159="http://schemas.microsoft.com/office/powerpoint/2015/09/main" xmlns:p14="http://schemas.microsoft.com/office/powerpoint/2010/main" Requires="p159">
-      <p:transition p14:dur="2000" advClick="1"/>
-    </mc:Choice>
-    <mc:Fallback>
-      <p:transition advClick="1"/>
-    </mc:Fallback>
-  </mc:AlternateContent>
 </p:sld>
 </file>
 
 <file path=ppt/slides/slide8.xml><?xml version="1.0" encoding="utf-8"?>
-<p:sld xmlns:a="http://schemas.openxmlformats.org/drawingml/2006/main" xmlns:r="http://schemas.openxmlformats.org/officeDocument/2006/relationships" xmlns:p="http://schemas.openxmlformats.org/presentationml/2006/main" xmlns:m="http://schemas.openxmlformats.org/officeDocument/2006/math" xmlns:w="http://schemas.openxmlformats.org/wordprocessingml/2006/main" showMasterPhAnim="0" show="1">
-  <p:cSld name="">
+<p:sld xmlns:a="http://schemas.openxmlformats.org/drawingml/2006/main" xmlns:r="http://schemas.openxmlformats.org/officeDocument/2006/relationships" xmlns:p="http://schemas.openxmlformats.org/presentationml/2006/main" showMasterPhAnim="0">
+  <p:cSld>
     <p:spTree>
       <p:nvGrpSpPr>
         <p:cNvPr id="1" name=""/>
@@ -10046,7 +10067,9 @@
       <p:sp>
         <p:nvSpPr>
           <p:cNvPr id="107" name="Google Shape;107;p20"/>
-          <p:cNvSpPr txBox="1"/>
+          <p:cNvSpPr txBox="1">
+            <a:spLocks noGrp="1"/>
+          </p:cNvSpPr>
           <p:nvPr>
             <p:ph type="title"/>
           </p:nvPr>
@@ -10083,7 +10106,9 @@
       <p:sp>
         <p:nvSpPr>
           <p:cNvPr id="108" name="Google Shape;108;p20"/>
-          <p:cNvSpPr txBox="1"/>
+          <p:cNvSpPr txBox="1">
+            <a:spLocks noGrp="1"/>
+          </p:cNvSpPr>
           <p:nvPr>
             <p:ph type="body" idx="1"/>
           </p:nvPr>
@@ -10122,19 +10147,11 @@
   <p:clrMapOvr>
     <a:masterClrMapping/>
   </p:clrMapOvr>
-  <mc:AlternateContent xmlns:mc="http://schemas.openxmlformats.org/markup-compatibility/2006">
-    <mc:Choice xmlns:p159="http://schemas.microsoft.com/office/powerpoint/2015/09/main" xmlns:p14="http://schemas.microsoft.com/office/powerpoint/2010/main" Requires="p159">
-      <p:transition p14:dur="2000" advClick="1"/>
-    </mc:Choice>
-    <mc:Fallback>
-      <p:transition advClick="1"/>
-    </mc:Fallback>
-  </mc:AlternateContent>
 </p:sld>
 </file>
 
 <file path=ppt/theme/theme1.xml><?xml version="1.0" encoding="utf-8"?>
-<a:theme xmlns:a="http://schemas.openxmlformats.org/drawingml/2006/main" xmlns:r="http://schemas.openxmlformats.org/officeDocument/2006/relationships" xmlns:p="http://schemas.openxmlformats.org/presentationml/2006/main" name="Paradigm">
+<a:theme xmlns:a="http://schemas.openxmlformats.org/drawingml/2006/main" name="Paradigm">
   <a:themeElements>
     <a:clrScheme name="Paradigm">
       <a:dk1>
@@ -10335,11 +10352,12 @@
     </a:fmtScheme>
   </a:themeElements>
   <a:objectDefaults/>
+  <a:extraClrSchemeLst/>
 </a:theme>
 </file>
 
 <file path=ppt/theme/theme2.xml><?xml version="1.0" encoding="utf-8"?>
-<a:theme xmlns:a="http://schemas.openxmlformats.org/drawingml/2006/main" xmlns:r="http://schemas.openxmlformats.org/officeDocument/2006/relationships" xmlns:p="http://schemas.openxmlformats.org/presentationml/2006/main" name="">
+<a:theme xmlns:a="http://schemas.openxmlformats.org/drawingml/2006/main">
   <a:themeElements>
     <a:clrScheme name="Default">
       <a:dk1>
@@ -10540,5 +10558,6 @@
     </a:fmtScheme>
   </a:themeElements>
   <a:objectDefaults/>
+  <a:extraClrSchemeLst/>
 </a:theme>
 </file>
--- a/AML Project 3.pptx
+++ b/AML Project 3.pptx
@@ -1498,7 +1498,7 @@
         </p:nvSpPr>
         <p:spPr bwMode="auto">
           <a:xfrm>
-            <a:off x="381300" y="685800"/>
+            <a:off x="381000" y="685800"/>
             <a:ext cx="6096000" cy="3429000"/>
           </a:xfrm>
           <a:custGeom>
@@ -1562,7 +1562,36 @@
               <a:buNone/>
               <a:defRPr/>
             </a:pPr>
-            <a:endParaRPr/>
+            <a:r>
+              <a:rPr lang="en-US" dirty="0"/>
+              <a:t>The photo is of the results from the KNN mapped version</a:t>
+            </a:r>
+          </a:p>
+          <a:p>
+            <a:pPr marL="0" lvl="0" indent="0" algn="l">
+              <a:spcBef>
+                <a:spcPts val="0"/>
+              </a:spcBef>
+              <a:spcAft>
+                <a:spcPts val="0"/>
+              </a:spcAft>
+              <a:buNone/>
+              <a:defRPr/>
+            </a:pPr>
+            <a:endParaRPr lang="en-US" dirty="0"/>
+          </a:p>
+          <a:p>
+            <a:pPr marL="0" lvl="0" indent="0" algn="l">
+              <a:spcBef>
+                <a:spcPts val="0"/>
+              </a:spcBef>
+              <a:spcAft>
+                <a:spcPts val="0"/>
+              </a:spcAft>
+              <a:buNone/>
+              <a:defRPr/>
+            </a:pPr>
+            <a:endParaRPr dirty="0"/>
           </a:p>
         </p:txBody>
       </p:sp>
@@ -10035,10 +10064,129 @@
               <a:buNone/>
               <a:defRPr/>
             </a:pPr>
-            <a:endParaRPr/>
+            <a:r>
+              <a:rPr lang="en-US" dirty="0"/>
+              <a:t>Based on the confusion matrix among other data we know</a:t>
+            </a:r>
+          </a:p>
+          <a:p>
+            <a:pPr marL="742950" lvl="1" indent="-285750">
+              <a:spcAft>
+                <a:spcPts val="1200"/>
+              </a:spcAft>
+              <a:defRPr/>
+            </a:pPr>
+            <a:r>
+              <a:rPr lang="en-US" sz="1600" dirty="0"/>
+              <a:t>The Selected attributes of the data are the best for predicting eclipse types</a:t>
+            </a:r>
+          </a:p>
+          <a:p>
+            <a:pPr marL="742950" lvl="1" indent="-285750">
+              <a:spcAft>
+                <a:spcPts val="1200"/>
+              </a:spcAft>
+              <a:defRPr/>
+            </a:pPr>
+            <a:r>
+              <a:rPr lang="en-US" sz="1600" dirty="0"/>
+              <a:t>There is minimal overfitting/ underfitting in our training model</a:t>
+            </a:r>
+          </a:p>
+          <a:p>
+            <a:pPr marL="457200" lvl="1" indent="0">
+              <a:spcAft>
+                <a:spcPts val="1200"/>
+              </a:spcAft>
+              <a:buNone/>
+              <a:defRPr/>
+            </a:pPr>
+            <a:endParaRPr lang="en-US" sz="1600" dirty="0"/>
+          </a:p>
+          <a:p>
+            <a:pPr marL="0" indent="0">
+              <a:spcAft>
+                <a:spcPts val="1200"/>
+              </a:spcAft>
+              <a:buNone/>
+              <a:defRPr/>
+            </a:pPr>
+            <a:r>
+              <a:rPr lang="en-US" sz="1800" dirty="0"/>
+              <a:t>The PCA shows the grouping of the data when transformed to two groups</a:t>
+            </a:r>
+          </a:p>
+          <a:p>
+            <a:pPr marL="742950" lvl="1" indent="-285750">
+              <a:spcAft>
+                <a:spcPts val="1200"/>
+              </a:spcAft>
+              <a:defRPr/>
+            </a:pPr>
+            <a:endParaRPr lang="en-US" sz="1600" dirty="0"/>
           </a:p>
         </p:txBody>
       </p:sp>
+      <p:pic>
+        <p:nvPicPr>
+          <p:cNvPr id="4" name="Picture 3" descr="A screenshot of a number matrix&#10;&#10;Description automatically generated">
+            <a:extLst>
+              <a:ext uri="{FF2B5EF4-FFF2-40B4-BE49-F238E27FC236}">
+                <a16:creationId xmlns:a16="http://schemas.microsoft.com/office/drawing/2014/main" id="{37C1B0D9-64A8-538C-D891-C966AB541B03}"/>
+              </a:ext>
+            </a:extLst>
+          </p:cNvPr>
+          <p:cNvPicPr>
+            <a:picLocks noChangeAspect="1"/>
+          </p:cNvPicPr>
+          <p:nvPr/>
+        </p:nvPicPr>
+        <p:blipFill>
+          <a:blip r:embed="rId3"/>
+          <a:stretch>
+            <a:fillRect/>
+          </a:stretch>
+        </p:blipFill>
+        <p:spPr bwMode="auto">
+          <a:xfrm>
+            <a:off x="829876" y="1473077"/>
+            <a:ext cx="2235867" cy="1617055"/>
+          </a:xfrm>
+          <a:prstGeom prst="rect">
+            <a:avLst/>
+          </a:prstGeom>
+        </p:spPr>
+      </p:pic>
+      <p:pic>
+        <p:nvPicPr>
+          <p:cNvPr id="6" name="Picture 5" descr="A diagram of a diagram with colored dots&#10;&#10;Description automatically generated">
+            <a:extLst>
+              <a:ext uri="{FF2B5EF4-FFF2-40B4-BE49-F238E27FC236}">
+                <a16:creationId xmlns:a16="http://schemas.microsoft.com/office/drawing/2014/main" id="{E8A08116-4D86-D137-ECB9-19DF83B2C4DB}"/>
+              </a:ext>
+            </a:extLst>
+          </p:cNvPr>
+          <p:cNvPicPr>
+            <a:picLocks noChangeAspect="1"/>
+          </p:cNvPicPr>
+          <p:nvPr/>
+        </p:nvPicPr>
+        <p:blipFill>
+          <a:blip r:embed="rId4"/>
+          <a:stretch>
+            <a:fillRect/>
+          </a:stretch>
+        </p:blipFill>
+        <p:spPr>
+          <a:xfrm>
+            <a:off x="829876" y="3150673"/>
+            <a:ext cx="2235867" cy="1823221"/>
+          </a:xfrm>
+          <a:prstGeom prst="rect">
+            <a:avLst/>
+          </a:prstGeom>
+        </p:spPr>
+      </p:pic>
     </p:spTree>
   </p:cSld>
   <p:clrMapOvr>

--- a/AML Project 3.pptx
+++ b/AML Project 3.pptx
@@ -10159,10 +10159,10 @@
       </p:pic>
       <p:pic>
         <p:nvPicPr>
-          <p:cNvPr id="6" name="Picture 5" descr="A diagram of a diagram with colored dots&#10;&#10;Description automatically generated">
+          <p:cNvPr id="3" name="Picture 2" descr="A graph of a diagram&#10;&#10;Description automatically generated with medium confidence">
             <a:extLst>
               <a:ext uri="{FF2B5EF4-FFF2-40B4-BE49-F238E27FC236}">
-                <a16:creationId xmlns:a16="http://schemas.microsoft.com/office/drawing/2014/main" id="{E8A08116-4D86-D137-ECB9-19DF83B2C4DB}"/>
+                <a16:creationId xmlns:a16="http://schemas.microsoft.com/office/drawing/2014/main" id="{950223A6-0A6E-A2D3-E3F1-EE973D5E416B}"/>
               </a:ext>
             </a:extLst>
           </p:cNvPr>
@@ -10179,8 +10179,8 @@
         </p:blipFill>
         <p:spPr>
           <a:xfrm>
-            <a:off x="829876" y="3150673"/>
-            <a:ext cx="2235867" cy="1823221"/>
+            <a:off x="827656" y="3173448"/>
+            <a:ext cx="2235867" cy="1791309"/>
           </a:xfrm>
           <a:prstGeom prst="rect">
             <a:avLst/>

--- a/AML Project 3.pptx
+++ b/AML Project 3.pptx
@@ -733,8 +733,8 @@
         </p:nvSpPr>
         <p:spPr bwMode="auto">
           <a:xfrm>
-            <a:off x="381300" y="685800"/>
-            <a:ext cx="6096075" cy="3429000"/>
+            <a:off x="381000" y="685800"/>
+            <a:ext cx="6096000" cy="3429000"/>
           </a:xfrm>
           <a:custGeom>
             <a:avLst/>
@@ -903,10 +903,10 @@
               <a:defRPr/>
             </a:pPr>
             <a:r>
-              <a:rPr lang="en"/>
+              <a:rPr lang="en" dirty="0"/>
               <a:t>Speakers Notes: Our goal was to find the best model to predict the eclipse types in the NASA eclipse dataset. We are doing this through KNN, Linear Regression, Logistic Regression, SVM, and Gradient Boosting Trees. These models were all rigorously tested using dynamic parameter adjustments to see how they perform in predicting the 19 different eclipse types given a very limited dataset to support these eclipse types (ex. 6 was the lowest category meaning only 6 of one eclipse type to compare to the rest).</a:t>
             </a:r>
-            <a:endParaRPr/>
+            <a:endParaRPr dirty="0"/>
           </a:p>
         </p:txBody>
       </p:sp>
@@ -947,7 +947,7 @@
         </p:nvSpPr>
         <p:spPr bwMode="auto">
           <a:xfrm>
-            <a:off x="381300" y="685800"/>
+            <a:off x="381000" y="685800"/>
             <a:ext cx="6096000" cy="3429000"/>
           </a:xfrm>
           <a:custGeom>
@@ -1012,10 +1012,47 @@
               <a:defRPr/>
             </a:pPr>
             <a:r>
-              <a:rPr lang="en"/>
+              <a:rPr lang="en" dirty="0"/>
               <a:t>The features in the dataset are in the ReadMe file with explanations as to what they are and if we included them. </a:t>
             </a:r>
-            <a:endParaRPr/>
+          </a:p>
+          <a:p>
+            <a:pPr marL="0" lvl="0" indent="0" algn="l">
+              <a:spcBef>
+                <a:spcPts val="0"/>
+              </a:spcBef>
+              <a:spcAft>
+                <a:spcPts val="0"/>
+              </a:spcAft>
+              <a:buNone/>
+              <a:defRPr/>
+            </a:pPr>
+            <a:endParaRPr lang="en" dirty="0"/>
+          </a:p>
+          <a:p>
+            <a:pPr marL="0" lvl="0" indent="0" algn="l">
+              <a:spcBef>
+                <a:spcPts val="0"/>
+              </a:spcBef>
+              <a:spcAft>
+                <a:spcPts val="0"/>
+              </a:spcAft>
+              <a:buNone/>
+              <a:defRPr/>
+            </a:pPr>
+            <a:r>
+              <a:rPr lang="en" dirty="0"/>
+              <a:t>The PCA shows the grouping among the predicted variables given the highest variation variables. </a:t>
+            </a:r>
+            <a:r>
+              <a:rPr lang="en-US" dirty="0"/>
+              <a:t>T</a:t>
+            </a:r>
+            <a:r>
+              <a:rPr lang="en" dirty="0"/>
+              <a:t>he grouping shows that the variables we chose have a correlation between one another</a:t>
+            </a:r>
+            <a:endParaRPr dirty="0"/>
           </a:p>
         </p:txBody>
       </p:sp>
@@ -1056,7 +1093,7 @@
         </p:nvSpPr>
         <p:spPr bwMode="auto">
           <a:xfrm>
-            <a:off x="381300" y="685800"/>
+            <a:off x="381000" y="685800"/>
             <a:ext cx="6096000" cy="3429000"/>
           </a:xfrm>
           <a:custGeom>
@@ -1120,7 +1157,79 @@
               <a:buNone/>
               <a:defRPr/>
             </a:pPr>
-            <a:endParaRPr/>
+            <a:r>
+              <a:rPr lang="en-US" dirty="0"/>
+              <a:t>Mention:</a:t>
+            </a:r>
+          </a:p>
+          <a:p>
+            <a:pPr marL="0" lvl="0" indent="0" algn="l">
+              <a:spcBef>
+                <a:spcPts val="0"/>
+              </a:spcBef>
+              <a:spcAft>
+                <a:spcPts val="0"/>
+              </a:spcAft>
+              <a:buNone/>
+              <a:defRPr/>
+            </a:pPr>
+            <a:r>
+              <a:rPr lang="en-US" dirty="0"/>
+              <a:t>	Justification of chosen features based on relevance and 	importance.</a:t>
+            </a:r>
+          </a:p>
+          <a:p>
+            <a:pPr marL="0" lvl="0" indent="0" algn="l">
+              <a:spcBef>
+                <a:spcPts val="0"/>
+              </a:spcBef>
+              <a:spcAft>
+                <a:spcPts val="0"/>
+              </a:spcAft>
+              <a:buNone/>
+              <a:defRPr/>
+            </a:pPr>
+            <a:r>
+              <a:rPr lang="en-US" dirty="0"/>
+              <a:t>	b. Explanation of feature selection methods.</a:t>
+            </a:r>
+          </a:p>
+          <a:p>
+            <a:pPr marL="0" lvl="0" indent="0" algn="l">
+              <a:spcBef>
+                <a:spcPts val="0"/>
+              </a:spcBef>
+              <a:spcAft>
+                <a:spcPts val="0"/>
+              </a:spcAft>
+              <a:buNone/>
+              <a:defRPr/>
+            </a:pPr>
+            <a:r>
+              <a:rPr lang="en-US" dirty="0"/>
+              <a:t>	c. Justification of chosen features based on relevance and 	importance.</a:t>
+            </a:r>
+          </a:p>
+          <a:p>
+            <a:pPr marL="0" lvl="0" indent="0" algn="l">
+              <a:spcBef>
+                <a:spcPts val="0"/>
+              </a:spcBef>
+              <a:spcAft>
+                <a:spcPts val="0"/>
+              </a:spcAft>
+              <a:buNone/>
+              <a:defRPr/>
+            </a:pPr>
+            <a:r>
+              <a:rPr lang="en-US" dirty="0"/>
+              <a:t>	d. Creation of new features or transformations that enhance model </a:t>
+            </a:r>
+            <a:r>
+              <a:rPr lang="en-US" dirty="0" err="1"/>
+              <a:t>performanc</a:t>
+            </a:r>
+            <a:endParaRPr dirty="0"/>
           </a:p>
         </p:txBody>
       </p:sp>
@@ -1161,7 +1270,7 @@
         </p:nvSpPr>
         <p:spPr bwMode="auto">
           <a:xfrm>
-            <a:off x="381300" y="685800"/>
+            <a:off x="381000" y="685800"/>
             <a:ext cx="6096000" cy="3429000"/>
           </a:xfrm>
           <a:custGeom>
@@ -1225,7 +1334,43 @@
               <a:buNone/>
               <a:defRPr/>
             </a:pPr>
-            <a:endParaRPr/>
+            <a:r>
+              <a:rPr lang="en-US" dirty="0"/>
+              <a:t>a. Exploration of multiple machine learning algorithms.</a:t>
+            </a:r>
+          </a:p>
+          <a:p>
+            <a:pPr marL="0" lvl="0" indent="0" algn="l">
+              <a:spcBef>
+                <a:spcPts val="0"/>
+              </a:spcBef>
+              <a:spcAft>
+                <a:spcPts val="0"/>
+              </a:spcAft>
+              <a:buNone/>
+              <a:defRPr/>
+            </a:pPr>
+            <a:r>
+              <a:rPr lang="en-US" dirty="0"/>
+              <a:t>b. Proper splitting of data into training, validation, and testing sets.</a:t>
+            </a:r>
+          </a:p>
+          <a:p>
+            <a:pPr marL="0" lvl="0" indent="0" algn="l">
+              <a:spcBef>
+                <a:spcPts val="0"/>
+              </a:spcBef>
+              <a:spcAft>
+                <a:spcPts val="0"/>
+              </a:spcAft>
+              <a:buNone/>
+              <a:defRPr/>
+            </a:pPr>
+            <a:r>
+              <a:rPr lang="en-US" dirty="0"/>
+              <a:t>c. Implementation of appropriate evaluation metrics</a:t>
+            </a:r>
+            <a:endParaRPr dirty="0"/>
           </a:p>
         </p:txBody>
       </p:sp>
@@ -1578,7 +1723,42 @@
               <a:buNone/>
               <a:defRPr/>
             </a:pPr>
-            <a:endParaRPr lang="en-US" dirty="0"/>
+            <a:r>
+              <a:rPr lang="en-US" dirty="0"/>
+              <a:t>a. Presentation of model performance metrics (e.g., confusion matrix, …).</a:t>
+            </a:r>
+          </a:p>
+          <a:p>
+            <a:pPr marL="0" lvl="0" indent="0" algn="l">
+              <a:spcBef>
+                <a:spcPts val="0"/>
+              </a:spcBef>
+              <a:spcAft>
+                <a:spcPts val="0"/>
+              </a:spcAft>
+              <a:buNone/>
+              <a:defRPr/>
+            </a:pPr>
+            <a:r>
+              <a:rPr lang="en-US" dirty="0"/>
+              <a:t>b. Interpretation of model predictions and insights.</a:t>
+            </a:r>
+          </a:p>
+          <a:p>
+            <a:pPr marL="0" lvl="0" indent="0" algn="l">
+              <a:spcBef>
+                <a:spcPts val="0"/>
+              </a:spcBef>
+              <a:spcAft>
+                <a:spcPts val="0"/>
+              </a:spcAft>
+              <a:buNone/>
+              <a:defRPr/>
+            </a:pPr>
+            <a:r>
+              <a:rPr lang="en-US" dirty="0"/>
+              <a:t>c. Visualization of key findings and analysis of results</a:t>
+            </a:r>
           </a:p>
           <a:p>
             <a:pPr marL="0" lvl="0" indent="0" algn="l">
@@ -1632,7 +1812,7 @@
         </p:nvSpPr>
         <p:spPr bwMode="auto">
           <a:xfrm>
-            <a:off x="381300" y="685800"/>
+            <a:off x="381000" y="685800"/>
             <a:ext cx="6096000" cy="3429000"/>
           </a:xfrm>
           <a:custGeom>
@@ -7971,10 +8151,10 @@
               <a:defRPr/>
             </a:pPr>
             <a:r>
-              <a:rPr lang="en"/>
-              <a:t>By Dylan Miller, Jackson Dockerty, and Luke Gegick</a:t>
-            </a:r>
-            <a:endParaRPr/>
+              <a:rPr lang="en" dirty="0"/>
+              <a:t>By Dylan Miller, Jackson Dockery, and Luke Gegick</a:t>
+            </a:r>
+            <a:endParaRPr dirty="0"/>
           </a:p>
         </p:txBody>
       </p:sp>
@@ -8109,10 +8289,10 @@
               <a:defRPr/>
             </a:pPr>
             <a:r>
-              <a:rPr lang="en" sz="1900"/>
+              <a:rPr lang="en" sz="1900" dirty="0"/>
               <a:t>We are trying to find the best machine learning model for predicting the type of eclipses to take place given previous eclipse data</a:t>
             </a:r>
-            <a:endParaRPr sz="1900"/>
+            <a:endParaRPr sz="1900" dirty="0"/>
           </a:p>
           <a:p>
             <a:pPr marL="457200" lvl="0" indent="-349250" algn="l">
@@ -8127,10 +8307,10 @@
               <a:defRPr/>
             </a:pPr>
             <a:r>
-              <a:rPr lang="en" sz="1900"/>
+              <a:rPr lang="en" sz="1900" dirty="0"/>
               <a:t>We aim to compare the supervised learning models </a:t>
             </a:r>
-            <a:endParaRPr sz="1900"/>
+            <a:endParaRPr sz="1900" dirty="0"/>
           </a:p>
           <a:p>
             <a:pPr marL="457200" lvl="0" indent="-349250" algn="l">
@@ -8145,10 +8325,10 @@
               <a:defRPr/>
             </a:pPr>
             <a:r>
-              <a:rPr lang="en" sz="1900"/>
+              <a:rPr lang="en" sz="1900" dirty="0"/>
               <a:t>The solution to the problem will help to predict the best eclipses for viewing, and demonstrate the best model for interpreting complex prediction variables</a:t>
             </a:r>
-            <a:endParaRPr sz="1900"/>
+            <a:endParaRPr sz="1900" dirty="0"/>
           </a:p>
         </p:txBody>
       </p:sp>
@@ -8252,7 +8432,7 @@
               <a:defRPr/>
             </a:pPr>
             <a:r>
-              <a:rPr lang="en-US" sz="800" b="0" i="0" u="none" strike="noStrike" cap="none" spc="0">
+              <a:rPr lang="en-US" sz="800" b="0" i="0" u="none" strike="noStrike" cap="none" spc="0" dirty="0">
                 <a:solidFill>
                   <a:schemeClr val="dk2"/>
                 </a:solidFill>
@@ -8263,7 +8443,7 @@
               <a:t>Catalog Number, Calendar Date, Eclipse Time, </a:t>
             </a:r>
             <a:r>
-              <a:rPr lang="en-US" sz="800" b="1" i="0" u="none" strike="noStrike" cap="none" spc="0">
+              <a:rPr lang="en-US" sz="800" b="1" i="0" u="none" strike="noStrike" cap="none" spc="0" dirty="0">
                 <a:solidFill>
                   <a:schemeClr val="dk2"/>
                 </a:solidFill>
@@ -8274,7 +8454,7 @@
               <a:t>Delta T (s)</a:t>
             </a:r>
             <a:r>
-              <a:rPr lang="en-US" sz="800" b="0" i="0" u="none" strike="noStrike" cap="none" spc="0">
+              <a:rPr lang="en-US" sz="800" b="0" i="0" u="none" strike="noStrike" cap="none" spc="0" dirty="0">
                 <a:solidFill>
                   <a:schemeClr val="dk2"/>
                 </a:solidFill>
@@ -8285,7 +8465,7 @@
               <a:t>,</a:t>
             </a:r>
             <a:r>
-              <a:rPr lang="en-US" sz="800" b="1" i="0" u="none" strike="noStrike" cap="none" spc="0">
+              <a:rPr lang="en-US" sz="800" b="1" i="0" u="none" strike="noStrike" cap="none" spc="0" dirty="0">
                 <a:solidFill>
                   <a:schemeClr val="dk2"/>
                 </a:solidFill>
@@ -8293,10 +8473,10 @@
                 <a:ea typeface="Roboto"/>
                 <a:cs typeface="Roboto"/>
               </a:rPr>
-              <a:t>Lunation Number</a:t>
-            </a:r>
-            <a:r>
-              <a:rPr lang="en-US" sz="800" b="0" i="0" u="none" strike="noStrike" cap="none" spc="0">
+              <a:t>Lunation </a:t>
+            </a:r>
+            <a:r>
+              <a:rPr lang="en-US" sz="800" b="1" i="0" u="none" strike="noStrike" cap="none" spc="0" dirty="0" err="1">
                 <a:solidFill>
                   <a:schemeClr val="dk2"/>
                 </a:solidFill>
@@ -8304,10 +8484,21 @@
                 <a:ea typeface="Roboto"/>
                 <a:cs typeface="Roboto"/>
               </a:rPr>
+              <a:t>Number</a:t>
+            </a:r>
+            <a:r>
+              <a:rPr lang="en-US" sz="800" b="0" i="0" u="none" strike="noStrike" cap="none" spc="0" dirty="0" err="1">
+                <a:solidFill>
+                  <a:schemeClr val="dk2"/>
+                </a:solidFill>
+                <a:latin typeface="Roboto"/>
+                <a:ea typeface="Roboto"/>
+                <a:cs typeface="Roboto"/>
+              </a:rPr>
               <a:t>,</a:t>
             </a:r>
             <a:r>
-              <a:rPr lang="en-US" sz="800" b="1" i="0" u="none" strike="noStrike" cap="none" spc="0">
+              <a:rPr lang="en-US" sz="800" b="1" i="0" u="none" strike="noStrike" cap="none" spc="0" dirty="0" err="1">
                 <a:solidFill>
                   <a:schemeClr val="dk2"/>
                 </a:solidFill>
@@ -8315,10 +8506,10 @@
                 <a:ea typeface="Roboto"/>
                 <a:cs typeface="Roboto"/>
               </a:rPr>
-              <a:t>Saros Number</a:t>
-            </a:r>
-            <a:r>
-              <a:rPr lang="en-US" sz="800" b="0" i="0" u="none" strike="noStrike" cap="none" spc="0">
+              <a:t>Saros</a:t>
+            </a:r>
+            <a:r>
+              <a:rPr lang="en-US" sz="800" b="1" i="0" u="none" strike="noStrike" cap="none" spc="0" dirty="0">
                 <a:solidFill>
                   <a:schemeClr val="dk2"/>
                 </a:solidFill>
@@ -8326,10 +8517,32 @@
                 <a:ea typeface="Roboto"/>
                 <a:cs typeface="Roboto"/>
               </a:rPr>
+              <a:t> </a:t>
+            </a:r>
+            <a:r>
+              <a:rPr lang="en-US" sz="800" b="1" i="0" u="none" strike="noStrike" cap="none" spc="0" dirty="0" err="1">
+                <a:solidFill>
+                  <a:schemeClr val="dk2"/>
+                </a:solidFill>
+                <a:latin typeface="Roboto"/>
+                <a:ea typeface="Roboto"/>
+                <a:cs typeface="Roboto"/>
+              </a:rPr>
+              <a:t>Number</a:t>
+            </a:r>
+            <a:r>
+              <a:rPr lang="en-US" sz="800" b="0" i="0" u="none" strike="noStrike" cap="none" spc="0" dirty="0" err="1">
+                <a:solidFill>
+                  <a:schemeClr val="dk2"/>
+                </a:solidFill>
+                <a:latin typeface="Roboto"/>
+                <a:ea typeface="Roboto"/>
+                <a:cs typeface="Roboto"/>
+              </a:rPr>
               <a:t>,</a:t>
             </a:r>
             <a:r>
-              <a:rPr lang="en-US" sz="800" b="1" i="0" u="none" strike="noStrike" cap="none" spc="0">
+              <a:rPr lang="en-US" sz="800" b="1" i="0" u="none" strike="noStrike" cap="none" spc="0" dirty="0" err="1">
                 <a:solidFill>
                   <a:schemeClr val="dk2"/>
                 </a:solidFill>
@@ -8337,10 +8550,10 @@
                 <a:ea typeface="Roboto"/>
                 <a:cs typeface="Roboto"/>
               </a:rPr>
-              <a:t>Eclipse Type</a:t>
-            </a:r>
-            <a:r>
-              <a:rPr lang="en-US" sz="800" b="0" i="0" u="none" strike="noStrike" cap="none" spc="0">
+              <a:t>Eclipse</a:t>
+            </a:r>
+            <a:r>
+              <a:rPr lang="en-US" sz="800" b="1" i="0" u="none" strike="noStrike" cap="none" spc="0" dirty="0">
                 <a:solidFill>
                   <a:schemeClr val="dk2"/>
                 </a:solidFill>
@@ -8348,10 +8561,32 @@
                 <a:ea typeface="Roboto"/>
                 <a:cs typeface="Roboto"/>
               </a:rPr>
+              <a:t> </a:t>
+            </a:r>
+            <a:r>
+              <a:rPr lang="en-US" sz="800" b="1" i="0" u="none" strike="noStrike" cap="none" spc="0" dirty="0" err="1">
+                <a:solidFill>
+                  <a:schemeClr val="dk2"/>
+                </a:solidFill>
+                <a:latin typeface="Roboto"/>
+                <a:ea typeface="Roboto"/>
+                <a:cs typeface="Roboto"/>
+              </a:rPr>
+              <a:t>Type</a:t>
+            </a:r>
+            <a:r>
+              <a:rPr lang="en-US" sz="800" b="0" i="0" u="none" strike="noStrike" cap="none" spc="0" dirty="0" err="1">
+                <a:solidFill>
+                  <a:schemeClr val="dk2"/>
+                </a:solidFill>
+                <a:latin typeface="Roboto"/>
+                <a:ea typeface="Roboto"/>
+                <a:cs typeface="Roboto"/>
+              </a:rPr>
               <a:t>,</a:t>
             </a:r>
             <a:r>
-              <a:rPr lang="en-US" sz="800" b="1" i="0" u="none" strike="noStrike" cap="none" spc="0">
+              <a:rPr lang="en-US" sz="800" b="1" i="0" u="none" strike="noStrike" cap="none" spc="0" dirty="0" err="1">
                 <a:solidFill>
                   <a:schemeClr val="dk2"/>
                 </a:solidFill>
@@ -8362,7 +8597,7 @@
               <a:t>Gamma</a:t>
             </a:r>
             <a:r>
-              <a:rPr lang="en-US" sz="800" b="0" i="0" u="none" strike="noStrike" cap="none" spc="0">
+              <a:rPr lang="en-US" sz="800" b="0" i="0" u="none" strike="noStrike" cap="none" spc="0" dirty="0" err="1">
                 <a:solidFill>
                   <a:schemeClr val="dk2"/>
                 </a:solidFill>
@@ -8373,7 +8608,7 @@
               <a:t>,</a:t>
             </a:r>
             <a:r>
-              <a:rPr lang="en-US" sz="800" b="1" i="0" u="none" strike="noStrike" cap="none" spc="0">
+              <a:rPr lang="en-US" sz="800" b="1" i="0" u="none" strike="noStrike" cap="none" spc="0" dirty="0" err="1">
                 <a:solidFill>
                   <a:schemeClr val="dk2"/>
                 </a:solidFill>
@@ -8381,10 +8616,10 @@
                 <a:ea typeface="Roboto"/>
                 <a:cs typeface="Roboto"/>
               </a:rPr>
-              <a:t>Eclipse Magnitude</a:t>
-            </a:r>
-            <a:r>
-              <a:rPr lang="en-US" sz="800" b="0" i="0" u="none" strike="noStrike" cap="none" spc="0">
+              <a:t>Eclipse</a:t>
+            </a:r>
+            <a:r>
+              <a:rPr lang="en-US" sz="800" b="1" i="0" u="none" strike="noStrike" cap="none" spc="0" dirty="0">
                 <a:solidFill>
                   <a:schemeClr val="dk2"/>
                 </a:solidFill>
@@ -8392,10 +8627,10 @@
                 <a:ea typeface="Roboto"/>
                 <a:cs typeface="Roboto"/>
               </a:rPr>
-              <a:t>,Latitude,Longitude,Sun Altitude,</a:t>
-            </a:r>
-            <a:r>
-              <a:rPr lang="en-US" sz="800" b="1" i="0" u="none" strike="noStrike" cap="none" spc="0">
+              <a:t> </a:t>
+            </a:r>
+            <a:r>
+              <a:rPr lang="en-US" sz="800" b="1" i="0" u="none" strike="noStrike" cap="none" spc="0" dirty="0" err="1">
                 <a:solidFill>
                   <a:schemeClr val="dk2"/>
                 </a:solidFill>
@@ -8403,10 +8638,10 @@
                 <a:ea typeface="Roboto"/>
                 <a:cs typeface="Roboto"/>
               </a:rPr>
-              <a:t>Sun Azimuth</a:t>
-            </a:r>
-            <a:r>
-              <a:rPr lang="en-US" sz="800" b="0" i="0" u="none" strike="noStrike" cap="none" spc="0">
+              <a:t>Magnitude</a:t>
+            </a:r>
+            <a:r>
+              <a:rPr lang="en-US" sz="800" b="0" i="0" u="none" strike="noStrike" cap="none" spc="0" dirty="0" err="1">
                 <a:solidFill>
                   <a:schemeClr val="dk2"/>
                 </a:solidFill>
@@ -8414,10 +8649,10 @@
                 <a:ea typeface="Roboto"/>
                 <a:cs typeface="Roboto"/>
               </a:rPr>
-              <a:t>,Path Width (km),Central Duration,Date Time,Year,Month,Day,Visibility,</a:t>
-            </a:r>
-            <a:r>
-              <a:rPr lang="en-US" sz="800" b="1" i="0" u="none" strike="noStrike" cap="none" spc="0">
+              <a:t>,Latitude,Longitude,Sun</a:t>
+            </a:r>
+            <a:r>
+              <a:rPr lang="en-US" sz="800" b="0" i="0" u="none" strike="noStrike" cap="none" spc="0" dirty="0">
                 <a:solidFill>
                   <a:schemeClr val="dk2"/>
                 </a:solidFill>
@@ -8425,10 +8660,10 @@
                 <a:ea typeface="Roboto"/>
                 <a:cs typeface="Roboto"/>
               </a:rPr>
-              <a:t>Eclipse Latitude</a:t>
-            </a:r>
-            <a:r>
-              <a:rPr lang="en-US" sz="800" b="0" i="0" u="none" strike="noStrike" cap="none" spc="0">
+              <a:t> </a:t>
+            </a:r>
+            <a:r>
+              <a:rPr lang="en-US" sz="800" b="0" i="0" u="none" strike="noStrike" cap="none" spc="0" dirty="0" err="1">
                 <a:solidFill>
                   <a:schemeClr val="dk2"/>
                 </a:solidFill>
@@ -8436,10 +8671,142 @@
                 <a:ea typeface="Roboto"/>
                 <a:cs typeface="Roboto"/>
               </a:rPr>
+              <a:t>Altitude,</a:t>
+            </a:r>
+            <a:r>
+              <a:rPr lang="en-US" sz="800" b="1" i="0" u="none" strike="noStrike" cap="none" spc="0" dirty="0" err="1">
+                <a:solidFill>
+                  <a:schemeClr val="dk2"/>
+                </a:solidFill>
+                <a:latin typeface="Roboto"/>
+                <a:ea typeface="Roboto"/>
+                <a:cs typeface="Roboto"/>
+              </a:rPr>
+              <a:t>Sun</a:t>
+            </a:r>
+            <a:r>
+              <a:rPr lang="en-US" sz="800" b="1" i="0" u="none" strike="noStrike" cap="none" spc="0" dirty="0">
+                <a:solidFill>
+                  <a:schemeClr val="dk2"/>
+                </a:solidFill>
+                <a:latin typeface="Roboto"/>
+                <a:ea typeface="Roboto"/>
+                <a:cs typeface="Roboto"/>
+              </a:rPr>
+              <a:t> </a:t>
+            </a:r>
+            <a:r>
+              <a:rPr lang="en-US" sz="800" b="1" i="0" u="none" strike="noStrike" cap="none" spc="0" dirty="0" err="1">
+                <a:solidFill>
+                  <a:schemeClr val="dk2"/>
+                </a:solidFill>
+                <a:latin typeface="Roboto"/>
+                <a:ea typeface="Roboto"/>
+                <a:cs typeface="Roboto"/>
+              </a:rPr>
+              <a:t>Azimuth</a:t>
+            </a:r>
+            <a:r>
+              <a:rPr lang="en-US" sz="800" b="0" i="0" u="none" strike="noStrike" cap="none" spc="0" dirty="0" err="1">
+                <a:solidFill>
+                  <a:schemeClr val="dk2"/>
+                </a:solidFill>
+                <a:latin typeface="Roboto"/>
+                <a:ea typeface="Roboto"/>
+                <a:cs typeface="Roboto"/>
+              </a:rPr>
+              <a:t>,Path</a:t>
+            </a:r>
+            <a:r>
+              <a:rPr lang="en-US" sz="800" b="0" i="0" u="none" strike="noStrike" cap="none" spc="0" dirty="0">
+                <a:solidFill>
+                  <a:schemeClr val="dk2"/>
+                </a:solidFill>
+                <a:latin typeface="Roboto"/>
+                <a:ea typeface="Roboto"/>
+                <a:cs typeface="Roboto"/>
+              </a:rPr>
+              <a:t> Width (km),Central </a:t>
+            </a:r>
+            <a:r>
+              <a:rPr lang="en-US" sz="800" b="0" i="0" u="none" strike="noStrike" cap="none" spc="0" dirty="0" err="1">
+                <a:solidFill>
+                  <a:schemeClr val="dk2"/>
+                </a:solidFill>
+                <a:latin typeface="Roboto"/>
+                <a:ea typeface="Roboto"/>
+                <a:cs typeface="Roboto"/>
+              </a:rPr>
+              <a:t>Duration,Date</a:t>
+            </a:r>
+            <a:r>
+              <a:rPr lang="en-US" sz="800" b="0" i="0" u="none" strike="noStrike" cap="none" spc="0" dirty="0">
+                <a:solidFill>
+                  <a:schemeClr val="dk2"/>
+                </a:solidFill>
+                <a:latin typeface="Roboto"/>
+                <a:ea typeface="Roboto"/>
+                <a:cs typeface="Roboto"/>
+              </a:rPr>
+              <a:t> </a:t>
+            </a:r>
+            <a:r>
+              <a:rPr lang="en-US" sz="800" b="0" i="0" u="none" strike="noStrike" cap="none" spc="0" dirty="0" err="1">
+                <a:solidFill>
+                  <a:schemeClr val="dk2"/>
+                </a:solidFill>
+                <a:latin typeface="Roboto"/>
+                <a:ea typeface="Roboto"/>
+                <a:cs typeface="Roboto"/>
+              </a:rPr>
+              <a:t>Time,Year,Month,Day,Visibility,</a:t>
+            </a:r>
+            <a:r>
+              <a:rPr lang="en-US" sz="800" b="1" i="0" u="none" strike="noStrike" cap="none" spc="0" dirty="0" err="1">
+                <a:solidFill>
+                  <a:schemeClr val="dk2"/>
+                </a:solidFill>
+                <a:latin typeface="Roboto"/>
+                <a:ea typeface="Roboto"/>
+                <a:cs typeface="Roboto"/>
+              </a:rPr>
+              <a:t>Eclipse</a:t>
+            </a:r>
+            <a:r>
+              <a:rPr lang="en-US" sz="800" b="1" i="0" u="none" strike="noStrike" cap="none" spc="0" dirty="0">
+                <a:solidFill>
+                  <a:schemeClr val="dk2"/>
+                </a:solidFill>
+                <a:latin typeface="Roboto"/>
+                <a:ea typeface="Roboto"/>
+                <a:cs typeface="Roboto"/>
+              </a:rPr>
+              <a:t> </a:t>
+            </a:r>
+            <a:r>
+              <a:rPr lang="en-US" sz="800" b="1" i="0" u="none" strike="noStrike" cap="none" spc="0" dirty="0" err="1">
+                <a:solidFill>
+                  <a:schemeClr val="dk2"/>
+                </a:solidFill>
+                <a:latin typeface="Roboto"/>
+                <a:ea typeface="Roboto"/>
+                <a:cs typeface="Roboto"/>
+              </a:rPr>
+              <a:t>Latitude</a:t>
+            </a:r>
+            <a:r>
+              <a:rPr lang="en-US" sz="800" b="0" i="0" u="none" strike="noStrike" cap="none" spc="0" dirty="0" err="1">
+                <a:solidFill>
+                  <a:schemeClr val="dk2"/>
+                </a:solidFill>
+                <a:latin typeface="Roboto"/>
+                <a:ea typeface="Roboto"/>
+                <a:cs typeface="Roboto"/>
+              </a:rPr>
               <a:t>,</a:t>
             </a:r>
             <a:r>
-              <a:rPr lang="en-US" sz="800" b="1" i="0" u="none" strike="noStrike" cap="none" spc="0">
+              <a:rPr lang="en-US" sz="800" b="1" i="0" u="none" strike="noStrike" cap="none" spc="0" dirty="0" err="1">
                 <a:solidFill>
                   <a:schemeClr val="dk2"/>
                 </a:solidFill>
@@ -8447,10 +8814,10 @@
                 <a:ea typeface="Roboto"/>
                 <a:cs typeface="Roboto"/>
               </a:rPr>
-              <a:t>Eclipse Longitude</a:t>
-            </a:r>
-            <a:r>
-              <a:rPr lang="en-US" sz="800" b="0" i="0" u="none" strike="noStrike" cap="none" spc="0">
+              <a:t>Eclipse</a:t>
+            </a:r>
+            <a:r>
+              <a:rPr lang="en-US" sz="800" b="1" i="0" u="none" strike="noStrike" cap="none" spc="0" dirty="0">
                 <a:solidFill>
                   <a:schemeClr val="dk2"/>
                 </a:solidFill>
@@ -8458,10 +8825,32 @@
                 <a:ea typeface="Roboto"/>
                 <a:cs typeface="Roboto"/>
               </a:rPr>
+              <a:t> </a:t>
+            </a:r>
+            <a:r>
+              <a:rPr lang="en-US" sz="800" b="1" i="0" u="none" strike="noStrike" cap="none" spc="0" dirty="0" err="1">
+                <a:solidFill>
+                  <a:schemeClr val="dk2"/>
+                </a:solidFill>
+                <a:latin typeface="Roboto"/>
+                <a:ea typeface="Roboto"/>
+                <a:cs typeface="Roboto"/>
+              </a:rPr>
+              <a:t>Longitude</a:t>
+            </a:r>
+            <a:r>
+              <a:rPr lang="en-US" sz="800" b="0" i="0" u="none" strike="noStrike" cap="none" spc="0" dirty="0" err="1">
+                <a:solidFill>
+                  <a:schemeClr val="dk2"/>
+                </a:solidFill>
+                <a:latin typeface="Roboto"/>
+                <a:ea typeface="Roboto"/>
+                <a:cs typeface="Roboto"/>
+              </a:rPr>
               <a:t>,</a:t>
             </a:r>
             <a:r>
-              <a:rPr lang="en-US" sz="800" b="1" i="0" u="none" strike="noStrike" cap="none" spc="0">
+              <a:rPr lang="en-US" sz="800" b="1" i="0" u="none" strike="noStrike" cap="none" spc="0" dirty="0" err="1">
                 <a:solidFill>
                   <a:schemeClr val="dk2"/>
                 </a:solidFill>
@@ -8472,7 +8861,7 @@
               <a:t>obliquity</a:t>
             </a:r>
             <a:r>
-              <a:rPr lang="en-US" sz="800" b="0" i="0" u="none" strike="noStrike" cap="none" spc="0">
+              <a:rPr lang="en-US" sz="800" b="0" i="0" u="none" strike="noStrike" cap="none" spc="0" dirty="0" err="1">
                 <a:solidFill>
                   <a:schemeClr val="dk2"/>
                 </a:solidFill>
@@ -8480,10 +8869,10 @@
                 <a:ea typeface="Roboto"/>
                 <a:cs typeface="Roboto"/>
               </a:rPr>
-              <a:t>,Geographical Hemisphere,Daytime/Nighttime,Sun Constellation,Inter-Eclipse Duration,Visibility Score,Eclipse Classification,Duration in Seconds,Moon Distance (km),Sun Distance (km),Moon Angular Diameter (degrees),Sun Angular Diameter (degrees),Central Duration Seconds,Normalized Duration,Normalized Path Width,</a:t>
-            </a:r>
-            <a:r>
-              <a:rPr lang="en-US" sz="800" b="1" i="0" u="none" strike="noStrike" cap="none" spc="0">
+              <a:t>,Geographical</a:t>
+            </a:r>
+            <a:r>
+              <a:rPr lang="en-US" sz="800" b="0" i="0" u="none" strike="noStrike" cap="none" spc="0" dirty="0">
                 <a:solidFill>
                   <a:schemeClr val="dk2"/>
                 </a:solidFill>
@@ -8491,10 +8880,230 @@
                 <a:ea typeface="Roboto"/>
                 <a:cs typeface="Roboto"/>
               </a:rPr>
+              <a:t> </a:t>
+            </a:r>
+            <a:r>
+              <a:rPr lang="en-US" sz="800" b="0" i="0" u="none" strike="noStrike" cap="none" spc="0" dirty="0" err="1">
+                <a:solidFill>
+                  <a:schemeClr val="dk2"/>
+                </a:solidFill>
+                <a:latin typeface="Roboto"/>
+                <a:ea typeface="Roboto"/>
+                <a:cs typeface="Roboto"/>
+              </a:rPr>
+              <a:t>Hemisphere,Daytime</a:t>
+            </a:r>
+            <a:r>
+              <a:rPr lang="en-US" sz="800" b="0" i="0" u="none" strike="noStrike" cap="none" spc="0" dirty="0">
+                <a:solidFill>
+                  <a:schemeClr val="dk2"/>
+                </a:solidFill>
+                <a:latin typeface="Roboto"/>
+                <a:ea typeface="Roboto"/>
+                <a:cs typeface="Roboto"/>
+              </a:rPr>
+              <a:t>/</a:t>
+            </a:r>
+            <a:r>
+              <a:rPr lang="en-US" sz="800" b="0" i="0" u="none" strike="noStrike" cap="none" spc="0" dirty="0" err="1">
+                <a:solidFill>
+                  <a:schemeClr val="dk2"/>
+                </a:solidFill>
+                <a:latin typeface="Roboto"/>
+                <a:ea typeface="Roboto"/>
+                <a:cs typeface="Roboto"/>
+              </a:rPr>
+              <a:t>Nighttime,Sun</a:t>
+            </a:r>
+            <a:r>
+              <a:rPr lang="en-US" sz="800" b="0" i="0" u="none" strike="noStrike" cap="none" spc="0" dirty="0">
+                <a:solidFill>
+                  <a:schemeClr val="dk2"/>
+                </a:solidFill>
+                <a:latin typeface="Roboto"/>
+                <a:ea typeface="Roboto"/>
+                <a:cs typeface="Roboto"/>
+              </a:rPr>
+              <a:t> </a:t>
+            </a:r>
+            <a:r>
+              <a:rPr lang="en-US" sz="800" b="0" i="0" u="none" strike="noStrike" cap="none" spc="0" dirty="0" err="1">
+                <a:solidFill>
+                  <a:schemeClr val="dk2"/>
+                </a:solidFill>
+                <a:latin typeface="Roboto"/>
+                <a:ea typeface="Roboto"/>
+                <a:cs typeface="Roboto"/>
+              </a:rPr>
+              <a:t>Constellation,Inter</a:t>
+            </a:r>
+            <a:r>
+              <a:rPr lang="en-US" sz="800" b="0" i="0" u="none" strike="noStrike" cap="none" spc="0" dirty="0">
+                <a:solidFill>
+                  <a:schemeClr val="dk2"/>
+                </a:solidFill>
+                <a:latin typeface="Roboto"/>
+                <a:ea typeface="Roboto"/>
+                <a:cs typeface="Roboto"/>
+              </a:rPr>
+              <a:t>-Eclipse </a:t>
+            </a:r>
+            <a:r>
+              <a:rPr lang="en-US" sz="800" b="0" i="0" u="none" strike="noStrike" cap="none" spc="0" dirty="0" err="1">
+                <a:solidFill>
+                  <a:schemeClr val="dk2"/>
+                </a:solidFill>
+                <a:latin typeface="Roboto"/>
+                <a:ea typeface="Roboto"/>
+                <a:cs typeface="Roboto"/>
+              </a:rPr>
+              <a:t>Duration,Visibility</a:t>
+            </a:r>
+            <a:r>
+              <a:rPr lang="en-US" sz="800" b="0" i="0" u="none" strike="noStrike" cap="none" spc="0" dirty="0">
+                <a:solidFill>
+                  <a:schemeClr val="dk2"/>
+                </a:solidFill>
+                <a:latin typeface="Roboto"/>
+                <a:ea typeface="Roboto"/>
+                <a:cs typeface="Roboto"/>
+              </a:rPr>
+              <a:t> </a:t>
+            </a:r>
+            <a:r>
+              <a:rPr lang="en-US" sz="800" b="0" i="0" u="none" strike="noStrike" cap="none" spc="0" dirty="0" err="1">
+                <a:solidFill>
+                  <a:schemeClr val="dk2"/>
+                </a:solidFill>
+                <a:latin typeface="Roboto"/>
+                <a:ea typeface="Roboto"/>
+                <a:cs typeface="Roboto"/>
+              </a:rPr>
+              <a:t>Score,Eclipse</a:t>
+            </a:r>
+            <a:r>
+              <a:rPr lang="en-US" sz="800" b="0" i="0" u="none" strike="noStrike" cap="none" spc="0" dirty="0">
+                <a:solidFill>
+                  <a:schemeClr val="dk2"/>
+                </a:solidFill>
+                <a:latin typeface="Roboto"/>
+                <a:ea typeface="Roboto"/>
+                <a:cs typeface="Roboto"/>
+              </a:rPr>
+              <a:t> </a:t>
+            </a:r>
+            <a:r>
+              <a:rPr lang="en-US" sz="800" b="0" i="0" u="none" strike="noStrike" cap="none" spc="0" dirty="0" err="1">
+                <a:solidFill>
+                  <a:schemeClr val="dk2"/>
+                </a:solidFill>
+                <a:latin typeface="Roboto"/>
+                <a:ea typeface="Roboto"/>
+                <a:cs typeface="Roboto"/>
+              </a:rPr>
+              <a:t>Classification,Duration</a:t>
+            </a:r>
+            <a:r>
+              <a:rPr lang="en-US" sz="800" b="0" i="0" u="none" strike="noStrike" cap="none" spc="0" dirty="0">
+                <a:solidFill>
+                  <a:schemeClr val="dk2"/>
+                </a:solidFill>
+                <a:latin typeface="Roboto"/>
+                <a:ea typeface="Roboto"/>
+                <a:cs typeface="Roboto"/>
+              </a:rPr>
+              <a:t> in </a:t>
+            </a:r>
+            <a:r>
+              <a:rPr lang="en-US" sz="800" b="0" i="0" u="none" strike="noStrike" cap="none" spc="0" dirty="0" err="1">
+                <a:solidFill>
+                  <a:schemeClr val="dk2"/>
+                </a:solidFill>
+                <a:latin typeface="Roboto"/>
+                <a:ea typeface="Roboto"/>
+                <a:cs typeface="Roboto"/>
+              </a:rPr>
+              <a:t>Seconds,Moon</a:t>
+            </a:r>
+            <a:r>
+              <a:rPr lang="en-US" sz="800" b="0" i="0" u="none" strike="noStrike" cap="none" spc="0" dirty="0">
+                <a:solidFill>
+                  <a:schemeClr val="dk2"/>
+                </a:solidFill>
+                <a:latin typeface="Roboto"/>
+                <a:ea typeface="Roboto"/>
+                <a:cs typeface="Roboto"/>
+              </a:rPr>
+              <a:t> Distance (km),Sun Distance (km),Moon Angular Diameter (degrees),Sun Angular Diameter (degrees),Central Duration </a:t>
+            </a:r>
+            <a:r>
+              <a:rPr lang="en-US" sz="800" b="0" i="0" u="none" strike="noStrike" cap="none" spc="0" dirty="0" err="1">
+                <a:solidFill>
+                  <a:schemeClr val="dk2"/>
+                </a:solidFill>
+                <a:latin typeface="Roboto"/>
+                <a:ea typeface="Roboto"/>
+                <a:cs typeface="Roboto"/>
+              </a:rPr>
+              <a:t>Seconds,Normalized</a:t>
+            </a:r>
+            <a:r>
+              <a:rPr lang="en-US" sz="800" b="0" i="0" u="none" strike="noStrike" cap="none" spc="0" dirty="0">
+                <a:solidFill>
+                  <a:schemeClr val="dk2"/>
+                </a:solidFill>
+                <a:latin typeface="Roboto"/>
+                <a:ea typeface="Roboto"/>
+                <a:cs typeface="Roboto"/>
+              </a:rPr>
+              <a:t> </a:t>
+            </a:r>
+            <a:r>
+              <a:rPr lang="en-US" sz="800" b="0" i="0" u="none" strike="noStrike" cap="none" spc="0" dirty="0" err="1">
+                <a:solidFill>
+                  <a:schemeClr val="dk2"/>
+                </a:solidFill>
+                <a:latin typeface="Roboto"/>
+                <a:ea typeface="Roboto"/>
+                <a:cs typeface="Roboto"/>
+              </a:rPr>
+              <a:t>Duration,Normalized</a:t>
+            </a:r>
+            <a:r>
+              <a:rPr lang="en-US" sz="800" b="0" i="0" u="none" strike="noStrike" cap="none" spc="0" dirty="0">
+                <a:solidFill>
+                  <a:schemeClr val="dk2"/>
+                </a:solidFill>
+                <a:latin typeface="Roboto"/>
+                <a:ea typeface="Roboto"/>
+                <a:cs typeface="Roboto"/>
+              </a:rPr>
+              <a:t> Path </a:t>
+            </a:r>
+            <a:r>
+              <a:rPr lang="en-US" sz="800" b="0" i="0" u="none" strike="noStrike" cap="none" spc="0" dirty="0" err="1">
+                <a:solidFill>
+                  <a:schemeClr val="dk2"/>
+                </a:solidFill>
+                <a:latin typeface="Roboto"/>
+                <a:ea typeface="Roboto"/>
+                <a:cs typeface="Roboto"/>
+              </a:rPr>
+              <a:t>Width,</a:t>
+            </a:r>
+            <a:r>
+              <a:rPr lang="en-US" sz="800" b="1" i="0" u="none" strike="noStrike" cap="none" spc="0" dirty="0" err="1">
+                <a:solidFill>
+                  <a:schemeClr val="dk2"/>
+                </a:solidFill>
+                <a:latin typeface="Roboto"/>
+                <a:ea typeface="Roboto"/>
+                <a:cs typeface="Roboto"/>
+              </a:rPr>
               <a:t>EII</a:t>
             </a:r>
             <a:r>
-              <a:rPr lang="en-US" sz="800" b="0" i="0" u="none" strike="noStrike" cap="none" spc="0">
+              <a:rPr lang="en-US" sz="800" b="0" i="0" u="none" strike="noStrike" cap="none" spc="0" dirty="0" err="1">
                 <a:solidFill>
                   <a:schemeClr val="dk2"/>
                 </a:solidFill>
@@ -8502,10 +9111,10 @@
                 <a:ea typeface="Roboto"/>
                 <a:cs typeface="Roboto"/>
               </a:rPr>
-              <a:t>,Year Modulus,</a:t>
-            </a:r>
-            <a:r>
-              <a:rPr lang="en-US" sz="800" b="1" i="0" u="none" strike="noStrike" cap="none" spc="0">
+              <a:t>,Year</a:t>
+            </a:r>
+            <a:r>
+              <a:rPr lang="en-US" sz="800" b="0" i="0" u="none" strike="noStrike" cap="none" spc="0" dirty="0">
                 <a:solidFill>
                   <a:schemeClr val="dk2"/>
                 </a:solidFill>
@@ -8513,10 +9122,32 @@
                 <a:ea typeface="Roboto"/>
                 <a:cs typeface="Roboto"/>
               </a:rPr>
+              <a:t> </a:t>
+            </a:r>
+            <a:r>
+              <a:rPr lang="en-US" sz="800" b="0" i="0" u="none" strike="noStrike" cap="none" spc="0" dirty="0" err="1">
+                <a:solidFill>
+                  <a:schemeClr val="dk2"/>
+                </a:solidFill>
+                <a:latin typeface="Roboto"/>
+                <a:ea typeface="Roboto"/>
+                <a:cs typeface="Roboto"/>
+              </a:rPr>
+              <a:t>Modulus,</a:t>
+            </a:r>
+            <a:r>
+              <a:rPr lang="en-US" sz="800" b="1" i="0" u="none" strike="noStrike" cap="none" spc="0" dirty="0" err="1">
+                <a:solidFill>
+                  <a:schemeClr val="dk2"/>
+                </a:solidFill>
+                <a:latin typeface="Roboto"/>
+                <a:ea typeface="Roboto"/>
+                <a:cs typeface="Roboto"/>
+              </a:rPr>
               <a:t>HEAS</a:t>
             </a:r>
             <a:r>
-              <a:rPr lang="en-US" sz="800" b="0" i="0" u="none" strike="noStrike" cap="none" spc="0">
+              <a:rPr lang="en-US" sz="800" b="0" i="0" u="none" strike="noStrike" cap="none" spc="0" dirty="0" err="1">
                 <a:solidFill>
                   <a:schemeClr val="dk2"/>
                 </a:solidFill>
@@ -8524,9 +9155,86 @@
                 <a:ea typeface="Roboto"/>
                 <a:cs typeface="Roboto"/>
               </a:rPr>
-              <a:t>,Decade,Localized ESC,ESC Moving Average,ESC Wide-Scale Moving Average,Eclipse Interval,Cluster,Cluster 6</a:t>
-            </a:r>
-            <a:endParaRPr sz="800"/>
+              <a:t>,Decade,Localized</a:t>
+            </a:r>
+            <a:r>
+              <a:rPr lang="en-US" sz="800" b="0" i="0" u="none" strike="noStrike" cap="none" spc="0" dirty="0">
+                <a:solidFill>
+                  <a:schemeClr val="dk2"/>
+                </a:solidFill>
+                <a:latin typeface="Roboto"/>
+                <a:ea typeface="Roboto"/>
+                <a:cs typeface="Roboto"/>
+              </a:rPr>
+              <a:t> ESC,ESC Moving </a:t>
+            </a:r>
+            <a:r>
+              <a:rPr lang="en-US" sz="800" b="0" i="0" u="none" strike="noStrike" cap="none" spc="0" dirty="0" err="1">
+                <a:solidFill>
+                  <a:schemeClr val="dk2"/>
+                </a:solidFill>
+                <a:latin typeface="Roboto"/>
+                <a:ea typeface="Roboto"/>
+                <a:cs typeface="Roboto"/>
+              </a:rPr>
+              <a:t>Average,ESC</a:t>
+            </a:r>
+            <a:r>
+              <a:rPr lang="en-US" sz="800" b="0" i="0" u="none" strike="noStrike" cap="none" spc="0" dirty="0">
+                <a:solidFill>
+                  <a:schemeClr val="dk2"/>
+                </a:solidFill>
+                <a:latin typeface="Roboto"/>
+                <a:ea typeface="Roboto"/>
+                <a:cs typeface="Roboto"/>
+              </a:rPr>
+              <a:t> Wide-Scale Moving </a:t>
+            </a:r>
+            <a:r>
+              <a:rPr lang="en-US" sz="800" b="0" i="0" u="none" strike="noStrike" cap="none" spc="0" dirty="0" err="1">
+                <a:solidFill>
+                  <a:schemeClr val="dk2"/>
+                </a:solidFill>
+                <a:latin typeface="Roboto"/>
+                <a:ea typeface="Roboto"/>
+                <a:cs typeface="Roboto"/>
+              </a:rPr>
+              <a:t>Average,Eclipse</a:t>
+            </a:r>
+            <a:r>
+              <a:rPr lang="en-US" sz="800" b="0" i="0" u="none" strike="noStrike" cap="none" spc="0" dirty="0">
+                <a:solidFill>
+                  <a:schemeClr val="dk2"/>
+                </a:solidFill>
+                <a:latin typeface="Roboto"/>
+                <a:ea typeface="Roboto"/>
+                <a:cs typeface="Roboto"/>
+              </a:rPr>
+              <a:t> </a:t>
+            </a:r>
+            <a:r>
+              <a:rPr lang="en-US" sz="800" b="0" i="0" u="none" strike="noStrike" cap="none" spc="0" dirty="0" err="1">
+                <a:solidFill>
+                  <a:schemeClr val="dk2"/>
+                </a:solidFill>
+                <a:latin typeface="Roboto"/>
+                <a:ea typeface="Roboto"/>
+                <a:cs typeface="Roboto"/>
+              </a:rPr>
+              <a:t>Interval,Cluster,Cluster</a:t>
+            </a:r>
+            <a:r>
+              <a:rPr lang="en-US" sz="800" b="0" i="0" u="none" strike="noStrike" cap="none" spc="0" dirty="0">
+                <a:solidFill>
+                  <a:schemeClr val="dk2"/>
+                </a:solidFill>
+                <a:latin typeface="Roboto"/>
+                <a:ea typeface="Roboto"/>
+                <a:cs typeface="Roboto"/>
+              </a:rPr>
+              <a:t> 6</a:t>
+            </a:r>
+            <a:endParaRPr sz="800" dirty="0"/>
           </a:p>
           <a:p>
             <a:pPr lvl="0" algn="l">
@@ -8544,7 +9252,7 @@
               <a:buChar char="•"/>
               <a:defRPr/>
             </a:pPr>
-            <a:endParaRPr lang="en-US" sz="1000" b="0"/>
+            <a:endParaRPr lang="en-US" sz="1000" b="0" dirty="0"/>
           </a:p>
         </p:txBody>
       </p:sp>
@@ -8596,7 +9304,7 @@
               </a:defRPr>
             </a:pPr>
             <a:r>
-              <a:rPr lang="en-US" sz="1000" b="1" i="0" u="none" strike="noStrike" cap="none" spc="0">
+              <a:rPr lang="en-US" sz="1000" b="1" i="0" u="none" strike="noStrike" cap="none" spc="0" dirty="0">
                 <a:solidFill>
                   <a:srgbClr val="666666"/>
                 </a:solidFill>
@@ -8607,7 +9315,7 @@
               <a:t>Delta T(s): </a:t>
             </a:r>
             <a:r>
-              <a:rPr lang="en-US" sz="1000" b="0" i="0" u="none" strike="noStrike" cap="none" spc="0">
+              <a:rPr lang="en-US" sz="1000" b="0" i="0" u="none" strike="noStrike" cap="none" spc="0" dirty="0">
                 <a:solidFill>
                   <a:srgbClr val="666666"/>
                 </a:solidFill>
@@ -8617,7 +9325,7 @@
               </a:rPr>
               <a:t>The discrepancy in seconds between Terrestrial Time (TT) and Universal Time (UT) </a:t>
             </a:r>
-            <a:endParaRPr sz="1000" b="0" i="0" u="none" strike="noStrike" cap="none" spc="0">
+            <a:endParaRPr sz="1000" b="0" i="0" u="none" strike="noStrike" cap="none" spc="0" dirty="0">
               <a:solidFill>
                 <a:schemeClr val="dk2"/>
               </a:solidFill>
@@ -8653,7 +9361,7 @@
               </a:defRPr>
             </a:pPr>
             <a:r>
-              <a:rPr lang="en-US" sz="1000" b="1" i="0" u="none" strike="noStrike" cap="none" spc="0">
+              <a:rPr lang="en-US" sz="1000" b="1" i="0" u="none" strike="noStrike" cap="none" spc="0" dirty="0">
                 <a:solidFill>
                   <a:srgbClr val="666666"/>
                 </a:solidFill>
@@ -8664,7 +9372,7 @@
               <a:t>Lunation Number</a:t>
             </a:r>
             <a:r>
-              <a:rPr lang="en-US" sz="1000" b="0" i="0" u="none" strike="noStrike" cap="none" spc="0">
+              <a:rPr lang="en-US" sz="1000" b="0" i="0" u="none" strike="noStrike" cap="none" spc="0" dirty="0">
                 <a:solidFill>
                   <a:srgbClr val="666666"/>
                 </a:solidFill>
@@ -8674,7 +9382,7 @@
               </a:rPr>
               <a:t>: An enumeration system for identifying lunar months </a:t>
             </a:r>
-            <a:endParaRPr sz="1000" b="0" i="0" u="none" strike="noStrike" cap="none" spc="0">
+            <a:endParaRPr sz="1000" b="0" i="0" u="none" strike="noStrike" cap="none" spc="0" dirty="0">
               <a:solidFill>
                 <a:schemeClr val="dk2"/>
               </a:solidFill>
@@ -8710,7 +9418,7 @@
               </a:defRPr>
             </a:pPr>
             <a:r>
-              <a:rPr lang="en-US" sz="1000" b="1" i="0" u="none" strike="noStrike" cap="none" spc="0">
+              <a:rPr lang="en-US" sz="1000" b="1" i="0" u="none" strike="noStrike" cap="none" spc="0" dirty="0">
                 <a:solidFill>
                   <a:srgbClr val="666666"/>
                 </a:solidFill>
@@ -8721,7 +9429,7 @@
               <a:t>Saros Number</a:t>
             </a:r>
             <a:r>
-              <a:rPr lang="en-US" sz="1000" b="0" i="0" u="none" strike="noStrike" cap="none" spc="0">
+              <a:rPr lang="en-US" sz="1000" b="0" i="0" u="none" strike="noStrike" cap="none" spc="0" dirty="0">
                 <a:solidFill>
                   <a:srgbClr val="666666"/>
                 </a:solidFill>
@@ -8731,7 +9439,7 @@
               </a:rPr>
               <a:t>: Identifies the eclipse cycle, a period of approximately 18 years</a:t>
             </a:r>
-            <a:endParaRPr sz="1000" b="0" i="0" u="none" strike="noStrike" cap="none" spc="0">
+            <a:endParaRPr sz="1000" b="0" i="0" u="none" strike="noStrike" cap="none" spc="0" dirty="0">
               <a:solidFill>
                 <a:schemeClr val="dk2"/>
               </a:solidFill>
@@ -8767,7 +9475,7 @@
               </a:defRPr>
             </a:pPr>
             <a:r>
-              <a:rPr lang="en-US" sz="1000" b="1" i="0" u="none" strike="noStrike" cap="none" spc="0">
+              <a:rPr lang="en-US" sz="1000" b="1" i="0" u="none" strike="noStrike" cap="none" spc="0" dirty="0">
                 <a:solidFill>
                   <a:srgbClr val="666666"/>
                 </a:solidFill>
@@ -8778,7 +9486,7 @@
               <a:t>Eclipse Type</a:t>
             </a:r>
             <a:r>
-              <a:rPr lang="en-US" sz="1000" b="0" i="0" u="none" strike="noStrike" cap="none" spc="0">
+              <a:rPr lang="en-US" sz="1000" b="0" i="0" u="none" strike="noStrike" cap="none" spc="0" dirty="0">
                 <a:solidFill>
                   <a:srgbClr val="666666"/>
                 </a:solidFill>
@@ -8816,7 +9524,7 @@
               </a:defRPr>
             </a:pPr>
             <a:r>
-              <a:rPr lang="en-US" sz="1000" b="1" i="0" u="none" strike="noStrike" cap="none" spc="0">
+              <a:rPr lang="en-US" sz="1000" b="1" i="0" u="none" strike="noStrike" cap="none" spc="0" dirty="0">
                 <a:solidFill>
                   <a:srgbClr val="666666"/>
                 </a:solidFill>
@@ -8827,7 +9535,7 @@
               <a:t>Gamma</a:t>
             </a:r>
             <a:r>
-              <a:rPr lang="en-US" sz="1000" b="0" i="0" u="none" strike="noStrike" cap="none" spc="0">
+              <a:rPr lang="en-US" sz="1000" b="0" i="0" u="none" strike="noStrike" cap="none" spc="0" dirty="0">
                 <a:solidFill>
                   <a:srgbClr val="666666"/>
                 </a:solidFill>
@@ -8865,7 +9573,7 @@
               </a:defRPr>
             </a:pPr>
             <a:r>
-              <a:rPr lang="en-US" sz="1000" b="1" i="0" u="none" strike="noStrike" cap="none" spc="0">
+              <a:rPr lang="en-US" sz="1000" b="1" i="0" u="none" strike="noStrike" cap="none" spc="0" dirty="0">
                 <a:solidFill>
                   <a:srgbClr val="666666"/>
                 </a:solidFill>
@@ -8876,7 +9584,7 @@
               <a:t>Eclipse Magnitude</a:t>
             </a:r>
             <a:r>
-              <a:rPr lang="en-US" sz="1000" b="0" i="0" u="none" strike="noStrike" cap="none" spc="0">
+              <a:rPr lang="en-US" sz="1000" b="0" i="0" u="none" strike="noStrike" cap="none" spc="0" dirty="0">
                 <a:solidFill>
                   <a:srgbClr val="666666"/>
                 </a:solidFill>
@@ -8914,7 +9622,7 @@
               </a:defRPr>
             </a:pPr>
             <a:r>
-              <a:rPr lang="en-US" sz="1000" b="1" i="0" u="none" strike="noStrike" cap="none" spc="0">
+              <a:rPr lang="en-US" sz="1000" b="1" i="0" u="none" strike="noStrike" cap="none" spc="0" dirty="0">
                 <a:solidFill>
                   <a:srgbClr val="666666"/>
                 </a:solidFill>
@@ -8925,7 +9633,7 @@
               <a:t>Sun Azimuth</a:t>
             </a:r>
             <a:r>
-              <a:rPr lang="en-US" sz="1000" b="0" i="0" u="none" strike="noStrike" cap="none" spc="0">
+              <a:rPr lang="en-US" sz="1000" b="0" i="0" u="none" strike="noStrike" cap="none" spc="0" dirty="0">
                 <a:solidFill>
                   <a:srgbClr val="666666"/>
                 </a:solidFill>
@@ -8963,7 +9671,7 @@
               </a:defRPr>
             </a:pPr>
             <a:r>
-              <a:rPr lang="en-US" sz="1000" b="1" i="0" u="none" strike="noStrike" cap="none" spc="0">
+              <a:rPr lang="en-US" sz="1000" b="1" i="0" u="none" strike="noStrike" cap="none" spc="0" dirty="0">
                 <a:solidFill>
                   <a:srgbClr val="666666"/>
                 </a:solidFill>
@@ -8974,7 +9682,7 @@
               <a:t>Eclipse Latitude</a:t>
             </a:r>
             <a:r>
-              <a:rPr lang="en-US" sz="1000" b="0" i="0" u="none" strike="noStrike" cap="none" spc="0">
+              <a:rPr lang="en-US" sz="1000" b="0" i="0" u="none" strike="noStrike" cap="none" spc="0" dirty="0">
                 <a:solidFill>
                   <a:srgbClr val="666666"/>
                 </a:solidFill>
@@ -9012,7 +9720,7 @@
               </a:defRPr>
             </a:pPr>
             <a:r>
-              <a:rPr lang="en-US" sz="1000" b="1" i="0" u="none" strike="noStrike" cap="none" spc="0">
+              <a:rPr lang="en-US" sz="1000" b="1" i="0" u="none" strike="noStrike" cap="none" spc="0" dirty="0">
                 <a:solidFill>
                   <a:srgbClr val="666666"/>
                 </a:solidFill>
@@ -9023,7 +9731,7 @@
               <a:t>Eclipse Longitude</a:t>
             </a:r>
             <a:r>
-              <a:rPr lang="en-US" sz="1000" b="0" i="0" u="none" strike="noStrike" cap="none" spc="0">
+              <a:rPr lang="en-US" sz="1000" b="0" i="0" u="none" strike="noStrike" cap="none" spc="0" dirty="0">
                 <a:solidFill>
                   <a:srgbClr val="666666"/>
                 </a:solidFill>
@@ -9061,7 +9769,7 @@
               </a:defRPr>
             </a:pPr>
             <a:r>
-              <a:rPr lang="en-US" sz="1000" b="1" i="0" u="none" strike="noStrike" cap="none" spc="0">
+              <a:rPr lang="en-US" sz="1000" b="1" i="0" u="none" strike="noStrike" cap="none" spc="0" dirty="0">
                 <a:solidFill>
                   <a:srgbClr val="666666"/>
                 </a:solidFill>
@@ -9072,7 +9780,7 @@
               <a:t>Obliquity</a:t>
             </a:r>
             <a:r>
-              <a:rPr lang="en-US" sz="1000" b="0" i="0" u="none" strike="noStrike" cap="none" spc="0">
+              <a:rPr lang="en-US" sz="1000" b="0" i="0" u="none" strike="noStrike" cap="none" spc="0" dirty="0">
                 <a:solidFill>
                   <a:srgbClr val="666666"/>
                 </a:solidFill>
@@ -9110,7 +9818,7 @@
               </a:defRPr>
             </a:pPr>
             <a:r>
-              <a:rPr lang="en-US" sz="1000" b="1" i="0" u="none" strike="noStrike" cap="none" spc="0">
+              <a:rPr lang="en-US" sz="1000" b="1" i="0" u="none" strike="noStrike" cap="none" spc="0" dirty="0">
                 <a:solidFill>
                   <a:srgbClr val="666666"/>
                 </a:solidFill>
@@ -9121,7 +9829,7 @@
               <a:t>HEAS</a:t>
             </a:r>
             <a:r>
-              <a:rPr lang="en-US" sz="1000" b="0" i="0" u="none" strike="noStrike" cap="none" spc="0">
+              <a:rPr lang="en-US" sz="1000" b="0" i="0" u="none" strike="noStrike" cap="none" spc="0" dirty="0">
                 <a:solidFill>
                   <a:srgbClr val="666666"/>
                 </a:solidFill>
@@ -9159,7 +9867,7 @@
               </a:defRPr>
             </a:pPr>
             <a:r>
-              <a:rPr lang="en-US" sz="1000" b="1" i="0" u="none" strike="noStrike" cap="none" spc="0">
+              <a:rPr lang="en-US" sz="1000" b="1" i="0" u="none" strike="noStrike" cap="none" spc="0" dirty="0">
                 <a:solidFill>
                   <a:srgbClr val="666666"/>
                 </a:solidFill>
@@ -9170,7 +9878,7 @@
               <a:t>EII</a:t>
             </a:r>
             <a:r>
-              <a:rPr lang="en-US" sz="1000" b="0" i="0" u="none" strike="noStrike" cap="none" spc="0">
+              <a:rPr lang="en-US" sz="1000" b="0" i="0" u="none" strike="noStrike" cap="none" spc="0" dirty="0">
                 <a:solidFill>
                   <a:srgbClr val="666666"/>
                 </a:solidFill>
@@ -9183,6 +9891,36 @@
           </a:p>
         </p:txBody>
       </p:sp>
+      <p:pic>
+        <p:nvPicPr>
+          <p:cNvPr id="2" name="Picture 1" descr="A graph of a diagram&#10;&#10;Description automatically generated with medium confidence">
+            <a:extLst>
+              <a:ext uri="{FF2B5EF4-FFF2-40B4-BE49-F238E27FC236}">
+                <a16:creationId xmlns:a16="http://schemas.microsoft.com/office/drawing/2014/main" id="{7290AB87-AE04-74CE-9A09-9BC156581918}"/>
+              </a:ext>
+            </a:extLst>
+          </p:cNvPr>
+          <p:cNvPicPr>
+            <a:picLocks noChangeAspect="1"/>
+          </p:cNvPicPr>
+          <p:nvPr/>
+        </p:nvPicPr>
+        <p:blipFill>
+          <a:blip r:embed="rId3"/>
+          <a:stretch>
+            <a:fillRect/>
+          </a:stretch>
+        </p:blipFill>
+        <p:spPr bwMode="auto">
+          <a:xfrm>
+            <a:off x="6810117" y="2516824"/>
+            <a:ext cx="2235867" cy="1791309"/>
+          </a:xfrm>
+          <a:prstGeom prst="rect">
+            <a:avLst/>
+          </a:prstGeom>
+        </p:spPr>
+      </p:pic>
     </p:spTree>
   </p:cSld>
   <p:clrMapOvr>
@@ -9680,8 +10418,16 @@
               <a:defRPr/>
             </a:pPr>
             <a:r>
-              <a:rPr sz="1900"/>
-              <a:t>We tried kNN, Linear Regression, Logistic Regression, SVM, and Gradient Boosted Trees</a:t>
+              <a:rPr sz="1900" dirty="0"/>
+              <a:t>We tried </a:t>
+            </a:r>
+            <a:r>
+              <a:rPr sz="1900" dirty="0" err="1"/>
+              <a:t>kNN</a:t>
+            </a:r>
+            <a:r>
+              <a:rPr sz="1900" dirty="0"/>
+              <a:t>, Linear Regression, Logistic Regression, SVM, and Gradient Boosted Trees</a:t>
             </a:r>
           </a:p>
           <a:p>
@@ -9696,7 +10442,7 @@
               <a:defRPr/>
             </a:pPr>
             <a:r>
-              <a:rPr sz="1900"/>
+              <a:rPr sz="1900" dirty="0"/>
               <a:t>The models with the highest accuracy before mapping were logistic regression and SVM.</a:t>
             </a:r>
           </a:p>
@@ -9712,23 +10458,23 @@
               <a:defRPr/>
             </a:pPr>
             <a:r>
-              <a:rPr sz="1900"/>
+              <a:rPr sz="1900" dirty="0"/>
               <a:t>The model with the highest accuracy after mapping was </a:t>
             </a:r>
             <a:r>
-              <a:rPr sz="1900" b="1"/>
+              <a:rPr sz="1900" b="1" dirty="0" err="1"/>
               <a:t>kNN</a:t>
             </a:r>
             <a:r>
-              <a:rPr sz="1900" b="0"/>
+              <a:rPr sz="1900" b="0" dirty="0"/>
               <a:t> (85%) with </a:t>
             </a:r>
             <a:r>
-              <a:rPr sz="1900" b="1"/>
+              <a:rPr sz="1900" b="1" dirty="0"/>
               <a:t>SVM</a:t>
             </a:r>
             <a:r>
-              <a:rPr sz="1900" b="0"/>
+              <a:rPr sz="1900" b="0" dirty="0"/>
               <a:t> (70%) in close second.</a:t>
             </a:r>
           </a:p>
@@ -10247,7 +10993,14 @@
               <a:buNone/>
               <a:defRPr/>
             </a:pPr>
-            <a:endParaRPr/>
+            <a:r>
+              <a:rPr lang="en-US" dirty="0"/>
+              <a:t>CODE REVIEW</a:t>
+            </a:r>
+            <a:br>
+              <a:rPr lang="en-US" dirty="0"/>
+            </a:br>
+            <a:endParaRPr dirty="0"/>
           </a:p>
         </p:txBody>
       </p:sp>
@@ -10286,10 +11039,40 @@
               <a:buNone/>
               <a:defRPr/>
             </a:pPr>
-            <a:endParaRPr/>
+            <a:endParaRPr dirty="0"/>
           </a:p>
         </p:txBody>
       </p:sp>
+      <p:pic>
+        <p:nvPicPr>
+          <p:cNvPr id="3" name="Picture 2" descr="A cartoon of a person working on a computer&#10;&#10;Description automatically generated">
+            <a:extLst>
+              <a:ext uri="{FF2B5EF4-FFF2-40B4-BE49-F238E27FC236}">
+                <a16:creationId xmlns:a16="http://schemas.microsoft.com/office/drawing/2014/main" id="{38C66959-C0F2-FE0D-F5CC-81098AB7B073}"/>
+              </a:ext>
+            </a:extLst>
+          </p:cNvPr>
+          <p:cNvPicPr>
+            <a:picLocks noChangeAspect="1"/>
+          </p:cNvPicPr>
+          <p:nvPr/>
+        </p:nvPicPr>
+        <p:blipFill>
+          <a:blip r:embed="rId3"/>
+          <a:stretch>
+            <a:fillRect/>
+          </a:stretch>
+        </p:blipFill>
+        <p:spPr>
+          <a:xfrm>
+            <a:off x="4720323" y="1421394"/>
+            <a:ext cx="4111952" cy="2745558"/>
+          </a:xfrm>
+          <a:prstGeom prst="rect">
+            <a:avLst/>
+          </a:prstGeom>
+        </p:spPr>
+      </p:pic>
     </p:spTree>
   </p:cSld>
   <p:clrMapOvr>
